--- a/documents/race_profile/result_board.pptx
+++ b/documents/race_profile/result_board.pptx
@@ -7,7 +7,7 @@
   <p:sldIdLst>
     <p:sldId id="256" r:id="rId2"/>
     <p:sldId id="257" r:id="rId3"/>
-    <p:sldId id="258" r:id="rId4"/>
+    <p:sldId id="259" r:id="rId4"/>
   </p:sldIdLst>
   <p:sldSz cx="12192000" cy="6858000"/>
   <p:notesSz cx="6858000" cy="9144000"/>
@@ -106,6 +106,11 @@
       </a:defRPr>
     </a:lvl9pPr>
   </p:defaultTextStyle>
+  <p:extLst>
+    <p:ext uri="{EFAFB233-063F-42B5-8137-9DF3F51BA10A}">
+      <p15:sldGuideLst xmlns:p15="http://schemas.microsoft.com/office/powerpoint/2012/main"/>
+    </p:ext>
+  </p:extLst>
 </p:presentation>
 </file>
 
@@ -2752,10 +2757,10 @@
               </a:schemeClr>
             </a:gs>
             <a:gs pos="55000">
-              <a:srgbClr val="CDC8EA"/>
+              <a:srgbClr val="C3E2EF"/>
             </a:gs>
             <a:gs pos="100000">
-              <a:srgbClr val="F4D4DD"/>
+              <a:srgbClr val="FFC9C9"/>
             </a:gs>
           </a:gsLst>
           <a:lin ang="5400000" scaled="1"/>
@@ -3437,16 +3442,41 @@
             <p:ph type="title"/>
           </p:nvPr>
         </p:nvSpPr>
-        <p:spPr/>
+        <p:spPr>
+          <a:xfrm>
+            <a:off x="706271" y="5182784"/>
+            <a:ext cx="10515600" cy="1325563"/>
+          </a:xfrm>
+        </p:spPr>
         <p:txBody>
           <a:bodyPr/>
           <a:lstStyle/>
           <a:p>
             <a:r>
+              <a:rPr lang="en-US" altLang="zh-CN" dirty="0">
+                <a:solidFill>
+                  <a:srgbClr val="E28EA6"/>
+                </a:solidFill>
+              </a:rPr>
+              <a:t>#</a:t>
+            </a:r>
+            <a:r>
               <a:rPr lang="en-US" altLang="zh-CN" dirty="0"/>
-              <a:t># LaceDuvetWeiboIDElection2021</a:t>
-            </a:r>
-            <a:endParaRPr lang="zh-CN" altLang="en-US" dirty="0"/>
+              <a:t> </a:t>
+            </a:r>
+            <a:r>
+              <a:rPr lang="en-US" altLang="zh-CN" dirty="0">
+                <a:solidFill>
+                  <a:srgbClr val="E28EA6"/>
+                </a:solidFill>
+              </a:rPr>
+              <a:t>LaceDuvetWeiboIDElection2021</a:t>
+            </a:r>
+            <a:endParaRPr lang="zh-CN" altLang="en-US" dirty="0">
+              <a:solidFill>
+                <a:srgbClr val="E28EA6"/>
+              </a:solidFill>
+            </a:endParaRPr>
           </a:p>
         </p:txBody>
       </p:sp>
@@ -3468,7 +3498,7 @@
         </p:nvSpPr>
         <p:spPr>
           <a:xfrm>
-            <a:off x="838200" y="1441839"/>
+            <a:off x="838200" y="932322"/>
             <a:ext cx="10515600" cy="497697"/>
           </a:xfrm>
         </p:spPr>
@@ -3489,8 +3519,53 @@
             </a:r>
             <a:r>
               <a:rPr lang="zh-CN" altLang="en-US" dirty="0"/>
-              <a:t>组</a:t>
-            </a:r>
+              <a:t>组  </a:t>
+            </a:r>
+            <a:r>
+              <a:rPr lang="en-US" altLang="zh-CN" sz="2000" dirty="0">
+                <a:solidFill>
+                  <a:srgbClr val="E28EA6"/>
+                </a:solidFill>
+              </a:rPr>
+              <a:t>d</a:t>
+            </a:r>
+            <a:r>
+              <a:rPr lang="zh-CN" altLang="en-US" sz="2000" dirty="0">
+                <a:solidFill>
+                  <a:srgbClr val="E28EA6"/>
+                </a:solidFill>
+              </a:rPr>
+              <a:t>酱微博</a:t>
+            </a:r>
+            <a:r>
+              <a:rPr lang="en-US" altLang="zh-CN" sz="2000" dirty="0">
+                <a:solidFill>
+                  <a:srgbClr val="E28EA6"/>
+                </a:solidFill>
+              </a:rPr>
+              <a:t>ID</a:t>
+            </a:r>
+            <a:r>
+              <a:rPr lang="zh-CN" altLang="en-US" sz="2000" dirty="0">
+                <a:solidFill>
+                  <a:srgbClr val="E28EA6"/>
+                </a:solidFill>
+              </a:rPr>
+              <a:t>总选举</a:t>
+            </a:r>
+            <a:r>
+              <a:rPr lang="en-US" altLang="zh-CN" sz="2000" dirty="0">
+                <a:solidFill>
+                  <a:srgbClr val="E28EA6"/>
+                </a:solidFill>
+              </a:rPr>
+              <a:t>2021</a:t>
+            </a:r>
+            <a:endParaRPr lang="zh-CN" altLang="en-US" dirty="0">
+              <a:solidFill>
+                <a:srgbClr val="E28EA6"/>
+              </a:solidFill>
+            </a:endParaRPr>
           </a:p>
         </p:txBody>
       </p:sp>
@@ -3509,13 +3584,13 @@
           <p:nvPr>
             <p:extLst>
               <p:ext uri="{D42A27DB-BD31-4B8C-83A1-F6EECF244321}">
-                <p14:modId xmlns:p14="http://schemas.microsoft.com/office/powerpoint/2010/main" val="3336955773"/>
+                <p14:modId xmlns:p14="http://schemas.microsoft.com/office/powerpoint/2010/main" val="246003448"/>
               </p:ext>
             </p:extLst>
           </p:nvPr>
         </p:nvGraphicFramePr>
         <p:xfrm>
-          <a:off x="838200" y="2527858"/>
+          <a:off x="838200" y="2131060"/>
           <a:ext cx="10515600" cy="2595880"/>
         </p:xfrm>
         <a:graphic>
@@ -3560,6 +3635,7 @@
                     <a:bodyPr/>
                     <a:lstStyle/>
                     <a:p>
+                      <a:pPr algn="ctr"/>
                       <a:r>
                         <a:rPr lang="zh-CN" altLang="en-US" dirty="0"/>
                         <a:t>排名</a:t>
@@ -3573,6 +3649,7 @@
                     <a:bodyPr/>
                     <a:lstStyle/>
                     <a:p>
+                      <a:pPr algn="ctr"/>
                       <a:r>
                         <a:rPr lang="zh-CN" altLang="en-US" dirty="0"/>
                         <a:t>选手名称</a:t>
@@ -3586,6 +3663,7 @@
                     <a:bodyPr/>
                     <a:lstStyle/>
                     <a:p>
+                      <a:pPr algn="ctr"/>
                       <a:r>
                         <a:rPr lang="zh-CN" altLang="en-US" dirty="0"/>
                         <a:t>积分</a:t>
@@ -3599,6 +3677,7 @@
                     <a:bodyPr/>
                     <a:lstStyle/>
                     <a:p>
+                      <a:pPr algn="ctr"/>
                       <a:endParaRPr lang="zh-CN" altLang="en-US" dirty="0"/>
                     </a:p>
                   </a:txBody>
@@ -3616,6 +3695,7 @@
                     <a:bodyPr/>
                     <a:lstStyle/>
                     <a:p>
+                      <a:pPr algn="ctr"/>
                       <a:r>
                         <a:rPr lang="en-US" altLang="zh-CN" dirty="0"/>
                         <a:t>1</a:t>
@@ -3630,6 +3710,7 @@
                     <a:bodyPr/>
                     <a:lstStyle/>
                     <a:p>
+                      <a:pPr algn="ctr"/>
                       <a:r>
                         <a:rPr lang="zh-CN" altLang="en-US" dirty="0"/>
                         <a:t>蕾丝卤煮</a:t>
@@ -3651,9 +3732,10 @@
                     <a:bodyPr/>
                     <a:lstStyle/>
                     <a:p>
+                      <a:pPr algn="ctr"/>
                       <a:r>
                         <a:rPr lang="en-US" altLang="zh-CN" dirty="0"/>
-                        <a:t>12</a:t>
+                        <a:t>21</a:t>
                       </a:r>
                       <a:endParaRPr lang="zh-CN" altLang="en-US" dirty="0"/>
                     </a:p>
@@ -3665,6 +3747,7 @@
                     <a:bodyPr/>
                     <a:lstStyle/>
                     <a:p>
+                      <a:pPr algn="ctr"/>
                       <a:r>
                         <a:rPr lang="zh-CN" altLang="en-US" dirty="0"/>
                         <a:t>晋级</a:t>
@@ -3693,6 +3776,7 @@
                     <a:bodyPr/>
                     <a:lstStyle/>
                     <a:p>
+                      <a:pPr algn="ctr"/>
                       <a:r>
                         <a:rPr lang="en-US" altLang="zh-CN" dirty="0"/>
                         <a:t>2</a:t>
@@ -3707,6 +3791,7 @@
                     <a:bodyPr/>
                     <a:lstStyle/>
                     <a:p>
+                      <a:pPr algn="ctr"/>
                       <a:r>
                         <a:rPr lang="zh-CN" altLang="en-US" dirty="0"/>
                         <a:t>蕾丝烧饼</a:t>
@@ -3728,9 +3813,10 @@
                     <a:bodyPr/>
                     <a:lstStyle/>
                     <a:p>
+                      <a:pPr algn="ctr"/>
                       <a:r>
                         <a:rPr lang="en-US" altLang="zh-CN" dirty="0"/>
-                        <a:t>10</a:t>
+                        <a:t>13</a:t>
                       </a:r>
                       <a:endParaRPr lang="zh-CN" altLang="en-US" dirty="0"/>
                     </a:p>
@@ -3742,7 +3828,7 @@
                     <a:bodyPr/>
                     <a:lstStyle/>
                     <a:p>
-                      <a:pPr marL="0" marR="0" lvl="0" indent="0" algn="l" defTabSz="914400" rtl="0" eaLnBrk="1" fontAlgn="auto" latinLnBrk="0" hangingPunct="1">
+                      <a:pPr marL="0" marR="0" lvl="0" indent="0" algn="ctr" defTabSz="914400" rtl="0" eaLnBrk="1" fontAlgn="auto" latinLnBrk="0" hangingPunct="1">
                         <a:lnSpc>
                           <a:spcPct val="100000"/>
                         </a:lnSpc>
@@ -3787,11 +3873,24 @@
                     <a:bodyPr/>
                     <a:lstStyle/>
                     <a:p>
-                      <a:r>
-                        <a:rPr lang="en-US" altLang="zh-CN" dirty="0"/>
+                      <a:pPr algn="ctr"/>
+                      <a:r>
+                        <a:rPr lang="en-US" altLang="zh-CN" dirty="0">
+                          <a:solidFill>
+                            <a:schemeClr val="bg1">
+                              <a:lumMod val="50000"/>
+                            </a:schemeClr>
+                          </a:solidFill>
+                        </a:rPr>
                         <a:t>3</a:t>
                       </a:r>
-                      <a:endParaRPr lang="zh-CN" altLang="en-US" dirty="0"/>
+                      <a:endParaRPr lang="zh-CN" altLang="en-US" dirty="0">
+                        <a:solidFill>
+                          <a:schemeClr val="bg1">
+                            <a:lumMod val="50000"/>
+                          </a:schemeClr>
+                        </a:solidFill>
+                      </a:endParaRPr>
                     </a:p>
                   </a:txBody>
                   <a:tcPr/>
@@ -3801,16 +3900,35 @@
                     <a:bodyPr/>
                     <a:lstStyle/>
                     <a:p>
-                      <a:r>
-                        <a:rPr lang="zh-CN" altLang="en-US" dirty="0"/>
+                      <a:pPr algn="ctr"/>
+                      <a:r>
+                        <a:rPr lang="zh-CN" altLang="en-US" dirty="0">
+                          <a:solidFill>
+                            <a:schemeClr val="bg1">
+                              <a:lumMod val="50000"/>
+                            </a:schemeClr>
+                          </a:solidFill>
+                        </a:rPr>
                         <a:t>蕾丝香河肉饼</a:t>
                       </a:r>
                       <a:r>
-                        <a:rPr lang="en-US" altLang="zh-CN" dirty="0"/>
+                        <a:rPr lang="en-US" altLang="zh-CN" dirty="0">
+                          <a:solidFill>
+                            <a:schemeClr val="bg1">
+                              <a:lumMod val="50000"/>
+                            </a:schemeClr>
+                          </a:solidFill>
+                        </a:rPr>
                         <a:t>d</a:t>
                       </a:r>
                       <a:r>
-                        <a:rPr lang="zh-CN" altLang="en-US" dirty="0"/>
+                        <a:rPr lang="zh-CN" altLang="en-US" dirty="0">
+                          <a:solidFill>
+                            <a:schemeClr val="bg1">
+                              <a:lumMod val="50000"/>
+                            </a:schemeClr>
+                          </a:solidFill>
+                        </a:rPr>
                         <a:t>酱</a:t>
                       </a:r>
                     </a:p>
@@ -3822,11 +3940,24 @@
                     <a:bodyPr/>
                     <a:lstStyle/>
                     <a:p>
-                      <a:r>
-                        <a:rPr lang="en-US" altLang="zh-CN" dirty="0"/>
-                        <a:t>7</a:t>
-                      </a:r>
-                      <a:endParaRPr lang="zh-CN" altLang="en-US" dirty="0"/>
+                      <a:pPr algn="ctr"/>
+                      <a:r>
+                        <a:rPr lang="en-US" altLang="zh-CN" dirty="0">
+                          <a:solidFill>
+                            <a:schemeClr val="bg1">
+                              <a:lumMod val="50000"/>
+                            </a:schemeClr>
+                          </a:solidFill>
+                        </a:rPr>
+                        <a:t>9</a:t>
+                      </a:r>
+                      <a:endParaRPr lang="zh-CN" altLang="en-US" dirty="0">
+                        <a:solidFill>
+                          <a:schemeClr val="bg1">
+                            <a:lumMod val="50000"/>
+                          </a:schemeClr>
+                        </a:solidFill>
+                      </a:endParaRPr>
                     </a:p>
                   </a:txBody>
                   <a:tcPr/>
@@ -3836,7 +3967,14 @@
                     <a:bodyPr/>
                     <a:lstStyle/>
                     <a:p>
-                      <a:endParaRPr lang="zh-CN" altLang="en-US" dirty="0"/>
+                      <a:pPr algn="ctr"/>
+                      <a:endParaRPr lang="zh-CN" altLang="en-US" dirty="0">
+                        <a:solidFill>
+                          <a:schemeClr val="bg1">
+                            <a:lumMod val="50000"/>
+                          </a:schemeClr>
+                        </a:solidFill>
+                      </a:endParaRPr>
                     </a:p>
                   </a:txBody>
                   <a:tcPr/>
@@ -3853,11 +3991,24 @@
                     <a:bodyPr/>
                     <a:lstStyle/>
                     <a:p>
-                      <a:r>
-                        <a:rPr lang="en-US" altLang="zh-CN" dirty="0"/>
-                        <a:t>4</a:t>
-                      </a:r>
-                      <a:endParaRPr lang="zh-CN" altLang="en-US" dirty="0"/>
+                      <a:pPr algn="ctr"/>
+                      <a:r>
+                        <a:rPr lang="en-US" altLang="zh-CN" dirty="0">
+                          <a:solidFill>
+                            <a:schemeClr val="bg1">
+                              <a:lumMod val="50000"/>
+                            </a:schemeClr>
+                          </a:solidFill>
+                        </a:rPr>
+                        <a:t>3</a:t>
+                      </a:r>
+                      <a:endParaRPr lang="zh-CN" altLang="en-US" dirty="0">
+                        <a:solidFill>
+                          <a:schemeClr val="bg1">
+                            <a:lumMod val="50000"/>
+                          </a:schemeClr>
+                        </a:solidFill>
+                      </a:endParaRPr>
                     </a:p>
                   </a:txBody>
                   <a:tcPr/>
@@ -3867,19 +4018,44 @@
                     <a:bodyPr/>
                     <a:lstStyle/>
                     <a:p>
-                      <a:r>
-                        <a:rPr lang="zh-CN" altLang="en-US" dirty="0"/>
+                      <a:pPr algn="ctr"/>
+                      <a:r>
+                        <a:rPr lang="zh-CN" altLang="en-US" dirty="0">
+                          <a:solidFill>
+                            <a:schemeClr val="bg1">
+                              <a:lumMod val="50000"/>
+                            </a:schemeClr>
+                          </a:solidFill>
+                        </a:rPr>
                         <a:t>蕾丝灌汤包</a:t>
                       </a:r>
                       <a:r>
-                        <a:rPr lang="en-US" altLang="zh-CN" dirty="0"/>
+                        <a:rPr lang="en-US" altLang="zh-CN" dirty="0">
+                          <a:solidFill>
+                            <a:schemeClr val="bg1">
+                              <a:lumMod val="50000"/>
+                            </a:schemeClr>
+                          </a:solidFill>
+                        </a:rPr>
                         <a:t>d</a:t>
                       </a:r>
                       <a:r>
-                        <a:rPr lang="zh-CN" altLang="en-US" dirty="0"/>
+                        <a:rPr lang="zh-CN" altLang="en-US" dirty="0">
+                          <a:solidFill>
+                            <a:schemeClr val="bg1">
+                              <a:lumMod val="50000"/>
+                            </a:schemeClr>
+                          </a:solidFill>
+                        </a:rPr>
                         <a:t>酱</a:t>
                       </a:r>
-                      <a:endParaRPr lang="en-US" altLang="zh-CN" dirty="0"/>
+                      <a:endParaRPr lang="en-US" altLang="zh-CN" dirty="0">
+                        <a:solidFill>
+                          <a:schemeClr val="bg1">
+                            <a:lumMod val="50000"/>
+                          </a:schemeClr>
+                        </a:solidFill>
+                      </a:endParaRPr>
                     </a:p>
                   </a:txBody>
                   <a:tcPr/>
@@ -3889,11 +4065,24 @@
                     <a:bodyPr/>
                     <a:lstStyle/>
                     <a:p>
-                      <a:r>
-                        <a:rPr lang="en-US" altLang="zh-CN" dirty="0"/>
-                        <a:t>7</a:t>
-                      </a:r>
-                      <a:endParaRPr lang="zh-CN" altLang="en-US" dirty="0"/>
+                      <a:pPr algn="ctr"/>
+                      <a:r>
+                        <a:rPr lang="en-US" altLang="zh-CN" dirty="0">
+                          <a:solidFill>
+                            <a:schemeClr val="bg1">
+                              <a:lumMod val="50000"/>
+                            </a:schemeClr>
+                          </a:solidFill>
+                        </a:rPr>
+                        <a:t>9</a:t>
+                      </a:r>
+                      <a:endParaRPr lang="zh-CN" altLang="en-US" dirty="0">
+                        <a:solidFill>
+                          <a:schemeClr val="bg1">
+                            <a:lumMod val="50000"/>
+                          </a:schemeClr>
+                        </a:solidFill>
+                      </a:endParaRPr>
                     </a:p>
                   </a:txBody>
                   <a:tcPr/>
@@ -3903,7 +4092,14 @@
                     <a:bodyPr/>
                     <a:lstStyle/>
                     <a:p>
-                      <a:endParaRPr lang="zh-CN" altLang="en-US" dirty="0"/>
+                      <a:pPr algn="ctr"/>
+                      <a:endParaRPr lang="zh-CN" altLang="en-US" dirty="0">
+                        <a:solidFill>
+                          <a:schemeClr val="bg1">
+                            <a:lumMod val="50000"/>
+                          </a:schemeClr>
+                        </a:solidFill>
+                      </a:endParaRPr>
                     </a:p>
                   </a:txBody>
                   <a:tcPr/>
@@ -3920,11 +4116,24 @@
                     <a:bodyPr/>
                     <a:lstStyle/>
                     <a:p>
-                      <a:r>
-                        <a:rPr lang="en-US" altLang="zh-CN" dirty="0"/>
+                      <a:pPr algn="ctr"/>
+                      <a:r>
+                        <a:rPr lang="en-US" altLang="zh-CN" dirty="0">
+                          <a:solidFill>
+                            <a:schemeClr val="bg1">
+                              <a:lumMod val="50000"/>
+                            </a:schemeClr>
+                          </a:solidFill>
+                        </a:rPr>
                         <a:t>5</a:t>
                       </a:r>
-                      <a:endParaRPr lang="zh-CN" altLang="en-US" dirty="0"/>
+                      <a:endParaRPr lang="zh-CN" altLang="en-US" dirty="0">
+                        <a:solidFill>
+                          <a:schemeClr val="bg1">
+                            <a:lumMod val="50000"/>
+                          </a:schemeClr>
+                        </a:solidFill>
+                      </a:endParaRPr>
                     </a:p>
                   </a:txBody>
                   <a:tcPr/>
@@ -3934,16 +4143,35 @@
                     <a:bodyPr/>
                     <a:lstStyle/>
                     <a:p>
-                      <a:r>
-                        <a:rPr lang="zh-CN" altLang="en-US" dirty="0"/>
+                      <a:pPr algn="ctr"/>
+                      <a:r>
+                        <a:rPr lang="zh-CN" altLang="en-US" dirty="0">
+                          <a:solidFill>
+                            <a:schemeClr val="bg1">
+                              <a:lumMod val="50000"/>
+                            </a:schemeClr>
+                          </a:solidFill>
+                        </a:rPr>
                         <a:t>蕾丝虾饺</a:t>
                       </a:r>
                       <a:r>
-                        <a:rPr lang="en-US" altLang="zh-CN" dirty="0"/>
+                        <a:rPr lang="en-US" altLang="zh-CN" dirty="0">
+                          <a:solidFill>
+                            <a:schemeClr val="bg1">
+                              <a:lumMod val="50000"/>
+                            </a:schemeClr>
+                          </a:solidFill>
+                        </a:rPr>
                         <a:t>d</a:t>
                       </a:r>
                       <a:r>
-                        <a:rPr lang="zh-CN" altLang="en-US" dirty="0"/>
+                        <a:rPr lang="zh-CN" altLang="en-US" dirty="0">
+                          <a:solidFill>
+                            <a:schemeClr val="bg1">
+                              <a:lumMod val="50000"/>
+                            </a:schemeClr>
+                          </a:solidFill>
+                        </a:rPr>
                         <a:t>酱</a:t>
                       </a:r>
                     </a:p>
@@ -3955,11 +4183,24 @@
                     <a:bodyPr/>
                     <a:lstStyle/>
                     <a:p>
-                      <a:r>
-                        <a:rPr lang="en-US" altLang="zh-CN" dirty="0"/>
-                        <a:t>3</a:t>
-                      </a:r>
-                      <a:endParaRPr lang="zh-CN" altLang="en-US" dirty="0"/>
+                      <a:pPr algn="ctr"/>
+                      <a:r>
+                        <a:rPr lang="en-US" altLang="zh-CN" dirty="0">
+                          <a:solidFill>
+                            <a:schemeClr val="bg1">
+                              <a:lumMod val="50000"/>
+                            </a:schemeClr>
+                          </a:solidFill>
+                        </a:rPr>
+                        <a:t>4</a:t>
+                      </a:r>
+                      <a:endParaRPr lang="zh-CN" altLang="en-US" dirty="0">
+                        <a:solidFill>
+                          <a:schemeClr val="bg1">
+                            <a:lumMod val="50000"/>
+                          </a:schemeClr>
+                        </a:solidFill>
+                      </a:endParaRPr>
                     </a:p>
                   </a:txBody>
                   <a:tcPr/>
@@ -3969,7 +4210,14 @@
                     <a:bodyPr/>
                     <a:lstStyle/>
                     <a:p>
-                      <a:endParaRPr lang="zh-CN" altLang="en-US" dirty="0"/>
+                      <a:pPr algn="ctr"/>
+                      <a:endParaRPr lang="zh-CN" altLang="en-US" dirty="0">
+                        <a:solidFill>
+                          <a:schemeClr val="bg1">
+                            <a:lumMod val="50000"/>
+                          </a:schemeClr>
+                        </a:solidFill>
+                      </a:endParaRPr>
                     </a:p>
                   </a:txBody>
                   <a:tcPr/>
@@ -3986,11 +4234,24 @@
                     <a:bodyPr/>
                     <a:lstStyle/>
                     <a:p>
-                      <a:r>
-                        <a:rPr lang="en-US" altLang="zh-CN" dirty="0"/>
+                      <a:pPr algn="ctr"/>
+                      <a:r>
+                        <a:rPr lang="en-US" altLang="zh-CN" dirty="0">
+                          <a:solidFill>
+                            <a:schemeClr val="bg1">
+                              <a:lumMod val="50000"/>
+                            </a:schemeClr>
+                          </a:solidFill>
+                        </a:rPr>
                         <a:t>6</a:t>
                       </a:r>
-                      <a:endParaRPr lang="zh-CN" altLang="en-US" dirty="0"/>
+                      <a:endParaRPr lang="zh-CN" altLang="en-US" dirty="0">
+                        <a:solidFill>
+                          <a:schemeClr val="bg1">
+                            <a:lumMod val="50000"/>
+                          </a:schemeClr>
+                        </a:solidFill>
+                      </a:endParaRPr>
                     </a:p>
                   </a:txBody>
                   <a:tcPr/>
@@ -4000,16 +4261,35 @@
                     <a:bodyPr/>
                     <a:lstStyle/>
                     <a:p>
-                      <a:r>
-                        <a:rPr lang="zh-CN" altLang="en-US" dirty="0"/>
+                      <a:pPr algn="ctr"/>
+                      <a:r>
+                        <a:rPr lang="zh-CN" altLang="en-US" dirty="0">
+                          <a:solidFill>
+                            <a:schemeClr val="bg1">
+                              <a:lumMod val="50000"/>
+                            </a:schemeClr>
+                          </a:solidFill>
+                        </a:rPr>
                         <a:t>蕾丝豹子</a:t>
                       </a:r>
                       <a:r>
-                        <a:rPr lang="en-US" altLang="zh-CN" dirty="0"/>
+                        <a:rPr lang="en-US" altLang="zh-CN" dirty="0">
+                          <a:solidFill>
+                            <a:schemeClr val="bg1">
+                              <a:lumMod val="50000"/>
+                            </a:schemeClr>
+                          </a:solidFill>
+                        </a:rPr>
                         <a:t>d</a:t>
                       </a:r>
                       <a:r>
-                        <a:rPr lang="zh-CN" altLang="en-US" dirty="0"/>
+                        <a:rPr lang="zh-CN" altLang="en-US" dirty="0">
+                          <a:solidFill>
+                            <a:schemeClr val="bg1">
+                              <a:lumMod val="50000"/>
+                            </a:schemeClr>
+                          </a:solidFill>
+                        </a:rPr>
                         <a:t>酱</a:t>
                       </a:r>
                     </a:p>
@@ -4021,11 +4301,24 @@
                     <a:bodyPr/>
                     <a:lstStyle/>
                     <a:p>
-                      <a:r>
-                        <a:rPr lang="en-US" altLang="zh-CN" dirty="0"/>
+                      <a:pPr algn="ctr"/>
+                      <a:r>
+                        <a:rPr lang="en-US" altLang="zh-CN" dirty="0">
+                          <a:solidFill>
+                            <a:schemeClr val="bg1">
+                              <a:lumMod val="50000"/>
+                            </a:schemeClr>
+                          </a:solidFill>
+                        </a:rPr>
                         <a:t>2</a:t>
                       </a:r>
-                      <a:endParaRPr lang="zh-CN" altLang="en-US" dirty="0"/>
+                      <a:endParaRPr lang="zh-CN" altLang="en-US" dirty="0">
+                        <a:solidFill>
+                          <a:schemeClr val="bg1">
+                            <a:lumMod val="50000"/>
+                          </a:schemeClr>
+                        </a:solidFill>
+                      </a:endParaRPr>
                     </a:p>
                   </a:txBody>
                   <a:tcPr/>
@@ -4035,7 +4328,14 @@
                     <a:bodyPr/>
                     <a:lstStyle/>
                     <a:p>
-                      <a:endParaRPr lang="zh-CN" altLang="en-US" dirty="0"/>
+                      <a:pPr algn="ctr"/>
+                      <a:endParaRPr lang="zh-CN" altLang="en-US" dirty="0">
+                        <a:solidFill>
+                          <a:schemeClr val="bg1">
+                            <a:lumMod val="50000"/>
+                          </a:schemeClr>
+                        </a:solidFill>
+                      </a:endParaRPr>
                     </a:p>
                   </a:txBody>
                   <a:tcPr/>
@@ -4096,16 +4396,41 @@
             <p:ph type="title"/>
           </p:nvPr>
         </p:nvSpPr>
-        <p:spPr/>
+        <p:spPr>
+          <a:xfrm>
+            <a:off x="706271" y="5182784"/>
+            <a:ext cx="10515600" cy="1325563"/>
+          </a:xfrm>
+        </p:spPr>
         <p:txBody>
           <a:bodyPr/>
           <a:lstStyle/>
           <a:p>
             <a:r>
+              <a:rPr lang="en-US" altLang="zh-CN" dirty="0">
+                <a:solidFill>
+                  <a:srgbClr val="E28EA6"/>
+                </a:solidFill>
+              </a:rPr>
+              <a:t>#</a:t>
+            </a:r>
+            <a:r>
               <a:rPr lang="en-US" altLang="zh-CN" dirty="0"/>
-              <a:t># LaceDuvetWeiboIDElection2021</a:t>
-            </a:r>
-            <a:endParaRPr lang="zh-CN" altLang="en-US" dirty="0"/>
+              <a:t> </a:t>
+            </a:r>
+            <a:r>
+              <a:rPr lang="en-US" altLang="zh-CN" dirty="0">
+                <a:solidFill>
+                  <a:srgbClr val="E28EA6"/>
+                </a:solidFill>
+              </a:rPr>
+              <a:t>LaceDuvetWeiboIDElection2021</a:t>
+            </a:r>
+            <a:endParaRPr lang="zh-CN" altLang="en-US" dirty="0">
+              <a:solidFill>
+                <a:srgbClr val="E28EA6"/>
+              </a:solidFill>
+            </a:endParaRPr>
           </a:p>
         </p:txBody>
       </p:sp>
@@ -4127,7 +4452,7 @@
         </p:nvSpPr>
         <p:spPr>
           <a:xfrm>
-            <a:off x="838200" y="1441839"/>
+            <a:off x="838200" y="932322"/>
             <a:ext cx="10515600" cy="497697"/>
           </a:xfrm>
         </p:spPr>
@@ -4148,17 +4473,58 @@
             </a:r>
             <a:r>
               <a:rPr lang="zh-CN" altLang="en-US" dirty="0"/>
-              <a:t>组</a:t>
-            </a:r>
+              <a:t>组  </a:t>
+            </a:r>
+            <a:r>
+              <a:rPr lang="en-US" altLang="zh-CN" sz="2000" dirty="0">
+                <a:solidFill>
+                  <a:srgbClr val="E28EA6"/>
+                </a:solidFill>
+              </a:rPr>
+              <a:t>d</a:t>
+            </a:r>
+            <a:r>
+              <a:rPr lang="zh-CN" altLang="en-US" sz="2000" dirty="0">
+                <a:solidFill>
+                  <a:srgbClr val="E28EA6"/>
+                </a:solidFill>
+              </a:rPr>
+              <a:t>酱微博</a:t>
+            </a:r>
+            <a:r>
+              <a:rPr lang="en-US" altLang="zh-CN" sz="2000" dirty="0">
+                <a:solidFill>
+                  <a:srgbClr val="E28EA6"/>
+                </a:solidFill>
+              </a:rPr>
+              <a:t>ID</a:t>
+            </a:r>
+            <a:r>
+              <a:rPr lang="zh-CN" altLang="en-US" sz="2000" dirty="0">
+                <a:solidFill>
+                  <a:srgbClr val="E28EA6"/>
+                </a:solidFill>
+              </a:rPr>
+              <a:t>总选举</a:t>
+            </a:r>
+            <a:r>
+              <a:rPr lang="en-US" altLang="zh-CN" sz="2000" dirty="0">
+                <a:solidFill>
+                  <a:srgbClr val="E28EA6"/>
+                </a:solidFill>
+              </a:rPr>
+              <a:t>2021</a:t>
+            </a:r>
+            <a:endParaRPr lang="zh-CN" altLang="en-US" dirty="0"/>
           </a:p>
         </p:txBody>
       </p:sp>
       <p:graphicFrame>
         <p:nvGraphicFramePr>
-          <p:cNvPr id="4" name="表格 3">
-            <a:extLst>
-              <a:ext uri="{FF2B5EF4-FFF2-40B4-BE49-F238E27FC236}">
-                <a16:creationId xmlns:a16="http://schemas.microsoft.com/office/drawing/2014/main" id="{CB9C674D-C857-4131-AEBA-19C09D3A8C68}"/>
+          <p:cNvPr id="5" name="表格 4">
+            <a:extLst>
+              <a:ext uri="{FF2B5EF4-FFF2-40B4-BE49-F238E27FC236}">
+                <a16:creationId xmlns:a16="http://schemas.microsoft.com/office/drawing/2014/main" id="{49A72A93-A647-4749-81EE-CFCD9A9A70B0}"/>
               </a:ext>
             </a:extLst>
           </p:cNvPr>
@@ -4168,13 +4534,13 @@
           <p:nvPr>
             <p:extLst>
               <p:ext uri="{D42A27DB-BD31-4B8C-83A1-F6EECF244321}">
-                <p14:modId xmlns:p14="http://schemas.microsoft.com/office/powerpoint/2010/main" val="2374837912"/>
+                <p14:modId xmlns:p14="http://schemas.microsoft.com/office/powerpoint/2010/main" val="3512223291"/>
               </p:ext>
             </p:extLst>
           </p:nvPr>
         </p:nvGraphicFramePr>
         <p:xfrm>
-          <a:off x="838200" y="2527858"/>
+          <a:off x="838200" y="2316480"/>
           <a:ext cx="10515600" cy="2225040"/>
         </p:xfrm>
         <a:graphic>
@@ -4219,6 +4585,7 @@
                     <a:bodyPr/>
                     <a:lstStyle/>
                     <a:p>
+                      <a:pPr algn="ctr"/>
                       <a:r>
                         <a:rPr lang="zh-CN" altLang="en-US" dirty="0"/>
                         <a:t>排名</a:t>
@@ -4232,6 +4599,7 @@
                     <a:bodyPr/>
                     <a:lstStyle/>
                     <a:p>
+                      <a:pPr algn="ctr"/>
                       <a:r>
                         <a:rPr lang="zh-CN" altLang="en-US" dirty="0"/>
                         <a:t>选手名称</a:t>
@@ -4245,6 +4613,7 @@
                     <a:bodyPr/>
                     <a:lstStyle/>
                     <a:p>
+                      <a:pPr algn="ctr"/>
                       <a:r>
                         <a:rPr lang="zh-CN" altLang="en-US" dirty="0"/>
                         <a:t>积分</a:t>
@@ -4258,6 +4627,7 @@
                     <a:bodyPr/>
                     <a:lstStyle/>
                     <a:p>
+                      <a:pPr algn="ctr"/>
                       <a:endParaRPr lang="zh-CN" altLang="en-US" dirty="0"/>
                     </a:p>
                   </a:txBody>
@@ -4275,6 +4645,7 @@
                     <a:bodyPr/>
                     <a:lstStyle/>
                     <a:p>
+                      <a:pPr algn="ctr"/>
                       <a:r>
                         <a:rPr lang="en-US" altLang="zh-CN" dirty="0"/>
                         <a:t>1</a:t>
@@ -4289,6 +4660,7 @@
                     <a:bodyPr/>
                     <a:lstStyle/>
                     <a:p>
+                      <a:pPr algn="ctr"/>
                       <a:r>
                         <a:rPr lang="zh-CN" altLang="en-US" dirty="0"/>
                         <a:t>蕾丝傻狍子</a:t>
@@ -4310,9 +4682,10 @@
                     <a:bodyPr/>
                     <a:lstStyle/>
                     <a:p>
+                      <a:pPr algn="ctr"/>
                       <a:r>
                         <a:rPr lang="en-US" altLang="zh-CN" dirty="0"/>
-                        <a:t>23</a:t>
+                        <a:t>34</a:t>
                       </a:r>
                       <a:endParaRPr lang="zh-CN" altLang="en-US" dirty="0"/>
                     </a:p>
@@ -4324,6 +4697,7 @@
                     <a:bodyPr/>
                     <a:lstStyle/>
                     <a:p>
+                      <a:pPr algn="ctr"/>
                       <a:r>
                         <a:rPr lang="zh-CN" altLang="en-US" dirty="0"/>
                         <a:t>晋级</a:t>
@@ -4352,6 +4726,7 @@
                     <a:bodyPr/>
                     <a:lstStyle/>
                     <a:p>
+                      <a:pPr algn="ctr"/>
                       <a:r>
                         <a:rPr lang="en-US" altLang="zh-CN" dirty="0"/>
                         <a:t>2</a:t>
@@ -4366,6 +4741,7 @@
                     <a:bodyPr/>
                     <a:lstStyle/>
                     <a:p>
+                      <a:pPr algn="ctr"/>
                       <a:r>
                         <a:rPr lang="zh-CN" altLang="en-US" dirty="0"/>
                         <a:t>蕾丝馒头</a:t>
@@ -4387,9 +4763,10 @@
                     <a:bodyPr/>
                     <a:lstStyle/>
                     <a:p>
+                      <a:pPr algn="ctr"/>
                       <a:r>
                         <a:rPr lang="en-US" altLang="zh-CN" dirty="0"/>
-                        <a:t>6</a:t>
+                        <a:t>9</a:t>
                       </a:r>
                       <a:endParaRPr lang="zh-CN" altLang="en-US" dirty="0"/>
                     </a:p>
@@ -4401,7 +4778,7 @@
                     <a:bodyPr/>
                     <a:lstStyle/>
                     <a:p>
-                      <a:pPr marL="0" marR="0" lvl="0" indent="0" algn="l" defTabSz="914400" rtl="0" eaLnBrk="1" fontAlgn="auto" latinLnBrk="0" hangingPunct="1">
+                      <a:pPr marL="0" marR="0" lvl="0" indent="0" algn="ctr" defTabSz="914400" rtl="0" eaLnBrk="1" fontAlgn="auto" latinLnBrk="0" hangingPunct="1">
                         <a:lnSpc>
                           <a:spcPct val="100000"/>
                         </a:lnSpc>
@@ -4446,11 +4823,24 @@
                     <a:bodyPr/>
                     <a:lstStyle/>
                     <a:p>
-                      <a:r>
-                        <a:rPr lang="en-US" altLang="zh-CN" dirty="0"/>
+                      <a:pPr algn="ctr"/>
+                      <a:r>
+                        <a:rPr lang="en-US" altLang="zh-CN" dirty="0">
+                          <a:solidFill>
+                            <a:schemeClr val="bg1">
+                              <a:lumMod val="50000"/>
+                            </a:schemeClr>
+                          </a:solidFill>
+                        </a:rPr>
                         <a:t>3</a:t>
                       </a:r>
-                      <a:endParaRPr lang="zh-CN" altLang="en-US" dirty="0"/>
+                      <a:endParaRPr lang="zh-CN" altLang="en-US" dirty="0">
+                        <a:solidFill>
+                          <a:schemeClr val="bg1">
+                            <a:lumMod val="50000"/>
+                          </a:schemeClr>
+                        </a:solidFill>
+                      </a:endParaRPr>
                     </a:p>
                   </a:txBody>
                   <a:tcPr/>
@@ -4460,16 +4850,35 @@
                     <a:bodyPr/>
                     <a:lstStyle/>
                     <a:p>
-                      <a:r>
-                        <a:rPr lang="zh-CN" altLang="en-US" dirty="0"/>
+                      <a:pPr algn="ctr"/>
+                      <a:r>
+                        <a:rPr lang="zh-CN" altLang="en-US" dirty="0">
+                          <a:solidFill>
+                            <a:schemeClr val="bg1">
+                              <a:lumMod val="50000"/>
+                            </a:schemeClr>
+                          </a:solidFill>
+                        </a:rPr>
                         <a:t>蕾丝豆汁</a:t>
                       </a:r>
                       <a:r>
-                        <a:rPr lang="en-US" altLang="zh-CN" dirty="0"/>
+                        <a:rPr lang="en-US" altLang="zh-CN" dirty="0">
+                          <a:solidFill>
+                            <a:schemeClr val="bg1">
+                              <a:lumMod val="50000"/>
+                            </a:schemeClr>
+                          </a:solidFill>
+                        </a:rPr>
                         <a:t>d</a:t>
                       </a:r>
                       <a:r>
-                        <a:rPr lang="zh-CN" altLang="en-US" dirty="0"/>
+                        <a:rPr lang="zh-CN" altLang="en-US" dirty="0">
+                          <a:solidFill>
+                            <a:schemeClr val="bg1">
+                              <a:lumMod val="50000"/>
+                            </a:schemeClr>
+                          </a:solidFill>
+                        </a:rPr>
                         <a:t>酱</a:t>
                       </a:r>
                     </a:p>
@@ -4481,11 +4890,24 @@
                     <a:bodyPr/>
                     <a:lstStyle/>
                     <a:p>
-                      <a:r>
-                        <a:rPr lang="en-US" altLang="zh-CN" dirty="0"/>
-                        <a:t>5</a:t>
-                      </a:r>
-                      <a:endParaRPr lang="zh-CN" altLang="en-US" dirty="0"/>
+                      <a:pPr algn="ctr"/>
+                      <a:r>
+                        <a:rPr lang="en-US" altLang="zh-CN" dirty="0">
+                          <a:solidFill>
+                            <a:schemeClr val="bg1">
+                              <a:lumMod val="50000"/>
+                            </a:schemeClr>
+                          </a:solidFill>
+                        </a:rPr>
+                        <a:t>7</a:t>
+                      </a:r>
+                      <a:endParaRPr lang="zh-CN" altLang="en-US" dirty="0">
+                        <a:solidFill>
+                          <a:schemeClr val="bg1">
+                            <a:lumMod val="50000"/>
+                          </a:schemeClr>
+                        </a:solidFill>
+                      </a:endParaRPr>
                     </a:p>
                   </a:txBody>
                   <a:tcPr/>
@@ -4495,7 +4917,14 @@
                     <a:bodyPr/>
                     <a:lstStyle/>
                     <a:p>
-                      <a:endParaRPr lang="zh-CN" altLang="en-US" dirty="0"/>
+                      <a:pPr algn="ctr"/>
+                      <a:endParaRPr lang="zh-CN" altLang="en-US" dirty="0">
+                        <a:solidFill>
+                          <a:schemeClr val="bg1">
+                            <a:lumMod val="50000"/>
+                          </a:schemeClr>
+                        </a:solidFill>
+                      </a:endParaRPr>
                     </a:p>
                   </a:txBody>
                   <a:tcPr/>
@@ -4512,11 +4941,24 @@
                     <a:bodyPr/>
                     <a:lstStyle/>
                     <a:p>
-                      <a:r>
-                        <a:rPr lang="en-US" altLang="zh-CN" dirty="0"/>
+                      <a:pPr algn="ctr"/>
+                      <a:r>
+                        <a:rPr lang="en-US" altLang="zh-CN" dirty="0">
+                          <a:solidFill>
+                            <a:schemeClr val="bg1">
+                              <a:lumMod val="50000"/>
+                            </a:schemeClr>
+                          </a:solidFill>
+                        </a:rPr>
                         <a:t>4</a:t>
                       </a:r>
-                      <a:endParaRPr lang="zh-CN" altLang="en-US" dirty="0"/>
+                      <a:endParaRPr lang="zh-CN" altLang="en-US" dirty="0">
+                        <a:solidFill>
+                          <a:schemeClr val="bg1">
+                            <a:lumMod val="50000"/>
+                          </a:schemeClr>
+                        </a:solidFill>
+                      </a:endParaRPr>
                     </a:p>
                   </a:txBody>
                   <a:tcPr/>
@@ -4526,19 +4968,44 @@
                     <a:bodyPr/>
                     <a:lstStyle/>
                     <a:p>
-                      <a:r>
-                        <a:rPr lang="zh-CN" altLang="en-US" dirty="0"/>
+                      <a:pPr algn="ctr"/>
+                      <a:r>
+                        <a:rPr lang="zh-CN" altLang="en-US" dirty="0">
+                          <a:solidFill>
+                            <a:schemeClr val="bg1">
+                              <a:lumMod val="50000"/>
+                            </a:schemeClr>
+                          </a:solidFill>
+                        </a:rPr>
                         <a:t>蕾丝包包</a:t>
                       </a:r>
                       <a:r>
-                        <a:rPr lang="en-US" altLang="zh-CN" dirty="0"/>
+                        <a:rPr lang="en-US" altLang="zh-CN" dirty="0">
+                          <a:solidFill>
+                            <a:schemeClr val="bg1">
+                              <a:lumMod val="50000"/>
+                            </a:schemeClr>
+                          </a:solidFill>
+                        </a:rPr>
                         <a:t>d</a:t>
                       </a:r>
                       <a:r>
-                        <a:rPr lang="zh-CN" altLang="en-US" dirty="0"/>
+                        <a:rPr lang="zh-CN" altLang="en-US" dirty="0">
+                          <a:solidFill>
+                            <a:schemeClr val="bg1">
+                              <a:lumMod val="50000"/>
+                            </a:schemeClr>
+                          </a:solidFill>
+                        </a:rPr>
                         <a:t>酱</a:t>
                       </a:r>
-                      <a:endParaRPr lang="en-US" altLang="zh-CN" dirty="0"/>
+                      <a:endParaRPr lang="en-US" altLang="zh-CN" dirty="0">
+                        <a:solidFill>
+                          <a:schemeClr val="bg1">
+                            <a:lumMod val="50000"/>
+                          </a:schemeClr>
+                        </a:solidFill>
+                      </a:endParaRPr>
                     </a:p>
                   </a:txBody>
                   <a:tcPr/>
@@ -4548,11 +5015,24 @@
                     <a:bodyPr/>
                     <a:lstStyle/>
                     <a:p>
-                      <a:r>
-                        <a:rPr lang="en-US" altLang="zh-CN" dirty="0"/>
-                        <a:t>4</a:t>
-                      </a:r>
-                      <a:endParaRPr lang="zh-CN" altLang="en-US" dirty="0"/>
+                      <a:pPr algn="ctr"/>
+                      <a:r>
+                        <a:rPr lang="en-US" altLang="zh-CN" dirty="0">
+                          <a:solidFill>
+                            <a:schemeClr val="bg1">
+                              <a:lumMod val="50000"/>
+                            </a:schemeClr>
+                          </a:solidFill>
+                        </a:rPr>
+                        <a:t>6</a:t>
+                      </a:r>
+                      <a:endParaRPr lang="zh-CN" altLang="en-US" dirty="0">
+                        <a:solidFill>
+                          <a:schemeClr val="bg1">
+                            <a:lumMod val="50000"/>
+                          </a:schemeClr>
+                        </a:solidFill>
+                      </a:endParaRPr>
                     </a:p>
                   </a:txBody>
                   <a:tcPr/>
@@ -4562,7 +5042,14 @@
                     <a:bodyPr/>
                     <a:lstStyle/>
                     <a:p>
-                      <a:endParaRPr lang="zh-CN" altLang="en-US" dirty="0"/>
+                      <a:pPr algn="ctr"/>
+                      <a:endParaRPr lang="zh-CN" altLang="en-US" dirty="0">
+                        <a:solidFill>
+                          <a:schemeClr val="bg1">
+                            <a:lumMod val="50000"/>
+                          </a:schemeClr>
+                        </a:solidFill>
+                      </a:endParaRPr>
                     </a:p>
                   </a:txBody>
                   <a:tcPr/>
@@ -4579,11 +5066,24 @@
                     <a:bodyPr/>
                     <a:lstStyle/>
                     <a:p>
-                      <a:r>
-                        <a:rPr lang="en-US" altLang="zh-CN" dirty="0"/>
+                      <a:pPr algn="ctr"/>
+                      <a:r>
+                        <a:rPr lang="en-US" altLang="zh-CN" dirty="0">
+                          <a:solidFill>
+                            <a:schemeClr val="bg1">
+                              <a:lumMod val="50000"/>
+                            </a:schemeClr>
+                          </a:solidFill>
+                        </a:rPr>
                         <a:t>5</a:t>
                       </a:r>
-                      <a:endParaRPr lang="zh-CN" altLang="en-US" dirty="0"/>
+                      <a:endParaRPr lang="zh-CN" altLang="en-US" dirty="0">
+                        <a:solidFill>
+                          <a:schemeClr val="bg1">
+                            <a:lumMod val="50000"/>
+                          </a:schemeClr>
+                        </a:solidFill>
+                      </a:endParaRPr>
                     </a:p>
                   </a:txBody>
                   <a:tcPr/>
@@ -4593,16 +5093,35 @@
                     <a:bodyPr/>
                     <a:lstStyle/>
                     <a:p>
-                      <a:r>
-                        <a:rPr lang="zh-CN" altLang="en-US" dirty="0"/>
+                      <a:pPr algn="ctr"/>
+                      <a:r>
+                        <a:rPr lang="zh-CN" altLang="en-US" dirty="0">
+                          <a:solidFill>
+                            <a:schemeClr val="bg1">
+                              <a:lumMod val="50000"/>
+                            </a:schemeClr>
+                          </a:solidFill>
+                        </a:rPr>
                         <a:t>蕾包丝子</a:t>
                       </a:r>
                       <a:r>
-                        <a:rPr lang="en-US" altLang="zh-CN" dirty="0"/>
+                        <a:rPr lang="en-US" altLang="zh-CN" dirty="0">
+                          <a:solidFill>
+                            <a:schemeClr val="bg1">
+                              <a:lumMod val="50000"/>
+                            </a:schemeClr>
+                          </a:solidFill>
+                        </a:rPr>
                         <a:t>d</a:t>
                       </a:r>
                       <a:r>
-                        <a:rPr lang="zh-CN" altLang="en-US" dirty="0"/>
+                        <a:rPr lang="zh-CN" altLang="en-US" dirty="0">
+                          <a:solidFill>
+                            <a:schemeClr val="bg1">
+                              <a:lumMod val="50000"/>
+                            </a:schemeClr>
+                          </a:solidFill>
+                        </a:rPr>
                         <a:t>酱</a:t>
                       </a:r>
                     </a:p>
@@ -4614,11 +5133,24 @@
                     <a:bodyPr/>
                     <a:lstStyle/>
                     <a:p>
-                      <a:r>
-                        <a:rPr lang="en-US" altLang="zh-CN" dirty="0"/>
-                        <a:t>1</a:t>
-                      </a:r>
-                      <a:endParaRPr lang="zh-CN" altLang="en-US" dirty="0"/>
+                      <a:pPr algn="ctr"/>
+                      <a:r>
+                        <a:rPr lang="en-US" altLang="zh-CN" dirty="0">
+                          <a:solidFill>
+                            <a:schemeClr val="bg1">
+                              <a:lumMod val="50000"/>
+                            </a:schemeClr>
+                          </a:solidFill>
+                        </a:rPr>
+                        <a:t>2</a:t>
+                      </a:r>
+                      <a:endParaRPr lang="zh-CN" altLang="en-US" dirty="0">
+                        <a:solidFill>
+                          <a:schemeClr val="bg1">
+                            <a:lumMod val="50000"/>
+                          </a:schemeClr>
+                        </a:solidFill>
+                      </a:endParaRPr>
                     </a:p>
                   </a:txBody>
                   <a:tcPr/>
@@ -4628,7 +5160,14 @@
                     <a:bodyPr/>
                     <a:lstStyle/>
                     <a:p>
-                      <a:endParaRPr lang="zh-CN" altLang="en-US" dirty="0"/>
+                      <a:pPr algn="ctr"/>
+                      <a:endParaRPr lang="zh-CN" altLang="en-US" dirty="0">
+                        <a:solidFill>
+                          <a:schemeClr val="bg1">
+                            <a:lumMod val="50000"/>
+                          </a:schemeClr>
+                        </a:solidFill>
+                      </a:endParaRPr>
                     </a:p>
                   </a:txBody>
                   <a:tcPr/>
@@ -4646,7 +5185,7 @@
     </p:spTree>
     <p:extLst>
       <p:ext uri="{BB962C8B-B14F-4D97-AF65-F5344CB8AC3E}">
-        <p14:creationId xmlns:p14="http://schemas.microsoft.com/office/powerpoint/2010/main" val="2973977198"/>
+        <p14:creationId xmlns:p14="http://schemas.microsoft.com/office/powerpoint/2010/main" val="3053858129"/>
       </p:ext>
     </p:extLst>
   </p:cSld>

--- a/documents/race_profile/result_board.pptx
+++ b/documents/race_profile/result_board.pptx
@@ -8,6 +8,7 @@
     <p:sldId id="256" r:id="rId2"/>
     <p:sldId id="257" r:id="rId3"/>
     <p:sldId id="259" r:id="rId4"/>
+    <p:sldId id="260" r:id="rId5"/>
   </p:sldIdLst>
   <p:sldSz cx="12192000" cy="6858000"/>
   <p:notesSz cx="6858000" cy="9144000"/>
@@ -5195,6 +5196,470 @@
 </p:sld>
 </file>
 
+<file path=ppt/slides/slide4.xml><?xml version="1.0" encoding="utf-8"?>
+<p:sld xmlns:a="http://schemas.openxmlformats.org/drawingml/2006/main" xmlns:r="http://schemas.openxmlformats.org/officeDocument/2006/relationships" xmlns:p="http://schemas.openxmlformats.org/presentationml/2006/main">
+  <p:cSld>
+    <p:spTree>
+      <p:nvGrpSpPr>
+        <p:cNvPr id="1" name=""/>
+        <p:cNvGrpSpPr/>
+        <p:nvPr/>
+      </p:nvGrpSpPr>
+      <p:grpSpPr>
+        <a:xfrm>
+          <a:off x="0" y="0"/>
+          <a:ext cx="0" cy="0"/>
+          <a:chOff x="0" y="0"/>
+          <a:chExt cx="0" cy="0"/>
+        </a:xfrm>
+      </p:grpSpPr>
+      <p:sp>
+        <p:nvSpPr>
+          <p:cNvPr id="2" name="标题 1">
+            <a:extLst>
+              <a:ext uri="{FF2B5EF4-FFF2-40B4-BE49-F238E27FC236}">
+                <a16:creationId xmlns:a16="http://schemas.microsoft.com/office/drawing/2014/main" id="{B0833462-3DC5-40B2-92C8-322D2048EE7F}"/>
+              </a:ext>
+            </a:extLst>
+          </p:cNvPr>
+          <p:cNvSpPr>
+            <a:spLocks noGrp="1"/>
+          </p:cNvSpPr>
+          <p:nvPr>
+            <p:ph type="title"/>
+          </p:nvPr>
+        </p:nvSpPr>
+        <p:spPr>
+          <a:xfrm>
+            <a:off x="706271" y="5182784"/>
+            <a:ext cx="10515600" cy="1325563"/>
+          </a:xfrm>
+        </p:spPr>
+        <p:txBody>
+          <a:bodyPr/>
+          <a:lstStyle/>
+          <a:p>
+            <a:r>
+              <a:rPr lang="en-US" altLang="zh-CN" dirty="0">
+                <a:solidFill>
+                  <a:srgbClr val="E28EA6"/>
+                </a:solidFill>
+              </a:rPr>
+              <a:t>#</a:t>
+            </a:r>
+            <a:r>
+              <a:rPr lang="en-US" altLang="zh-CN" dirty="0"/>
+              <a:t> </a:t>
+            </a:r>
+            <a:r>
+              <a:rPr lang="en-US" altLang="zh-CN" dirty="0">
+                <a:solidFill>
+                  <a:srgbClr val="E28EA6"/>
+                </a:solidFill>
+              </a:rPr>
+              <a:t>LaceDuvetWeiboIDElection2021</a:t>
+            </a:r>
+            <a:endParaRPr lang="zh-CN" altLang="en-US" dirty="0">
+              <a:solidFill>
+                <a:srgbClr val="E28EA6"/>
+              </a:solidFill>
+            </a:endParaRPr>
+          </a:p>
+        </p:txBody>
+      </p:sp>
+      <p:sp>
+        <p:nvSpPr>
+          <p:cNvPr id="3" name="内容占位符 2">
+            <a:extLst>
+              <a:ext uri="{FF2B5EF4-FFF2-40B4-BE49-F238E27FC236}">
+                <a16:creationId xmlns:a16="http://schemas.microsoft.com/office/drawing/2014/main" id="{1DCAFE66-5143-4932-86E7-772D349D8740}"/>
+              </a:ext>
+            </a:extLst>
+          </p:cNvPr>
+          <p:cNvSpPr>
+            <a:spLocks noGrp="1"/>
+          </p:cNvSpPr>
+          <p:nvPr>
+            <p:ph idx="1"/>
+          </p:nvPr>
+        </p:nvSpPr>
+        <p:spPr>
+          <a:xfrm>
+            <a:off x="838200" y="932322"/>
+            <a:ext cx="10515600" cy="497697"/>
+          </a:xfrm>
+        </p:spPr>
+        <p:txBody>
+          <a:bodyPr/>
+          <a:lstStyle/>
+          <a:p>
+            <a:pPr marL="0" indent="0">
+              <a:buNone/>
+            </a:pPr>
+            <a:r>
+              <a:rPr lang="zh-CN" altLang="en-US" dirty="0"/>
+              <a:t>明日赛程  </a:t>
+            </a:r>
+            <a:r>
+              <a:rPr lang="en-US" altLang="zh-CN" sz="2000" dirty="0">
+                <a:solidFill>
+                  <a:srgbClr val="E28EA6"/>
+                </a:solidFill>
+              </a:rPr>
+              <a:t>d</a:t>
+            </a:r>
+            <a:r>
+              <a:rPr lang="zh-CN" altLang="en-US" sz="2000" dirty="0">
+                <a:solidFill>
+                  <a:srgbClr val="E28EA6"/>
+                </a:solidFill>
+              </a:rPr>
+              <a:t>酱微博</a:t>
+            </a:r>
+            <a:r>
+              <a:rPr lang="en-US" altLang="zh-CN" sz="2000" dirty="0">
+                <a:solidFill>
+                  <a:srgbClr val="E28EA6"/>
+                </a:solidFill>
+              </a:rPr>
+              <a:t>ID</a:t>
+            </a:r>
+            <a:r>
+              <a:rPr lang="zh-CN" altLang="en-US" sz="2000" dirty="0">
+                <a:solidFill>
+                  <a:srgbClr val="E28EA6"/>
+                </a:solidFill>
+              </a:rPr>
+              <a:t>总选举</a:t>
+            </a:r>
+            <a:r>
+              <a:rPr lang="en-US" altLang="zh-CN" sz="2000" dirty="0">
+                <a:solidFill>
+                  <a:srgbClr val="E28EA6"/>
+                </a:solidFill>
+              </a:rPr>
+              <a:t>2021</a:t>
+            </a:r>
+            <a:endParaRPr lang="zh-CN" altLang="en-US" dirty="0"/>
+          </a:p>
+        </p:txBody>
+      </p:sp>
+      <p:sp>
+        <p:nvSpPr>
+          <p:cNvPr id="6" name="文本框 5">
+            <a:extLst>
+              <a:ext uri="{FF2B5EF4-FFF2-40B4-BE49-F238E27FC236}">
+                <a16:creationId xmlns:a16="http://schemas.microsoft.com/office/drawing/2014/main" id="{FB0B0FEF-82D8-4EFB-8BB3-82AAA2679CC5}"/>
+              </a:ext>
+            </a:extLst>
+          </p:cNvPr>
+          <p:cNvSpPr txBox="1"/>
+          <p:nvPr/>
+        </p:nvSpPr>
+        <p:spPr>
+          <a:xfrm>
+            <a:off x="3015246" y="2145360"/>
+            <a:ext cx="1196788" cy="369332"/>
+          </a:xfrm>
+          <a:prstGeom prst="rect">
+            <a:avLst/>
+          </a:prstGeom>
+          <a:noFill/>
+        </p:spPr>
+        <p:txBody>
+          <a:bodyPr wrap="square">
+            <a:spAutoFit/>
+          </a:bodyPr>
+          <a:lstStyle/>
+          <a:p>
+            <a:pPr algn="ctr"/>
+            <a:r>
+              <a:rPr lang="en-US" altLang="zh-CN" dirty="0"/>
+              <a:t>B</a:t>
+            </a:r>
+            <a:r>
+              <a:rPr lang="zh-CN" altLang="en-US" dirty="0"/>
+              <a:t>组</a:t>
+            </a:r>
+          </a:p>
+        </p:txBody>
+      </p:sp>
+      <p:sp>
+        <p:nvSpPr>
+          <p:cNvPr id="7" name="文本框 6">
+            <a:extLst>
+              <a:ext uri="{FF2B5EF4-FFF2-40B4-BE49-F238E27FC236}">
+                <a16:creationId xmlns:a16="http://schemas.microsoft.com/office/drawing/2014/main" id="{F43637D4-D732-4F84-AAC0-6F3B2EE6BF41}"/>
+              </a:ext>
+            </a:extLst>
+          </p:cNvPr>
+          <p:cNvSpPr txBox="1"/>
+          <p:nvPr/>
+        </p:nvSpPr>
+        <p:spPr>
+          <a:xfrm>
+            <a:off x="7495874" y="2144740"/>
+            <a:ext cx="1196788" cy="369332"/>
+          </a:xfrm>
+          <a:prstGeom prst="rect">
+            <a:avLst/>
+          </a:prstGeom>
+          <a:noFill/>
+        </p:spPr>
+        <p:txBody>
+          <a:bodyPr wrap="square">
+            <a:spAutoFit/>
+          </a:bodyPr>
+          <a:lstStyle/>
+          <a:p>
+            <a:pPr algn="ctr"/>
+            <a:r>
+              <a:rPr lang="en-US" altLang="zh-CN" dirty="0"/>
+              <a:t>F</a:t>
+            </a:r>
+            <a:r>
+              <a:rPr lang="zh-CN" altLang="en-US" dirty="0"/>
+              <a:t>组</a:t>
+            </a:r>
+          </a:p>
+        </p:txBody>
+      </p:sp>
+      <p:sp>
+        <p:nvSpPr>
+          <p:cNvPr id="8" name="文本框 7">
+            <a:extLst>
+              <a:ext uri="{FF2B5EF4-FFF2-40B4-BE49-F238E27FC236}">
+                <a16:creationId xmlns:a16="http://schemas.microsoft.com/office/drawing/2014/main" id="{B2169444-FA91-4707-B72F-8931B89896C7}"/>
+              </a:ext>
+            </a:extLst>
+          </p:cNvPr>
+          <p:cNvSpPr txBox="1"/>
+          <p:nvPr/>
+        </p:nvSpPr>
+        <p:spPr>
+          <a:xfrm>
+            <a:off x="2295311" y="2898402"/>
+            <a:ext cx="2637347" cy="1569660"/>
+          </a:xfrm>
+          <a:prstGeom prst="rect">
+            <a:avLst/>
+          </a:prstGeom>
+          <a:noFill/>
+        </p:spPr>
+        <p:txBody>
+          <a:bodyPr wrap="square">
+            <a:spAutoFit/>
+          </a:bodyPr>
+          <a:lstStyle/>
+          <a:p>
+            <a:pPr algn="ctr"/>
+            <a:r>
+              <a:rPr lang="zh-CN" altLang="en-US" sz="1600" dirty="0"/>
+              <a:t>蕾丝包纸</a:t>
+            </a:r>
+            <a:r>
+              <a:rPr lang="en-US" altLang="zh-CN" sz="1600" dirty="0"/>
+              <a:t>d</a:t>
+            </a:r>
+            <a:r>
+              <a:rPr lang="zh-CN" altLang="en-US" sz="1600" dirty="0"/>
+              <a:t>酱</a:t>
+            </a:r>
+          </a:p>
+          <a:p>
+            <a:pPr algn="ctr"/>
+            <a:r>
+              <a:rPr lang="zh-CN" altLang="en-US" sz="1600" dirty="0"/>
+              <a:t>蕾丝大懒龙</a:t>
+            </a:r>
+            <a:r>
+              <a:rPr lang="en-US" altLang="zh-CN" sz="1600" dirty="0"/>
+              <a:t>d</a:t>
+            </a:r>
+            <a:r>
+              <a:rPr lang="zh-CN" altLang="en-US" sz="1600" dirty="0"/>
+              <a:t>酱</a:t>
+            </a:r>
+          </a:p>
+          <a:p>
+            <a:pPr algn="ctr"/>
+            <a:r>
+              <a:rPr lang="zh-CN" altLang="en-US" sz="1600" dirty="0"/>
+              <a:t>蕾丝包子</a:t>
+            </a:r>
+            <a:r>
+              <a:rPr lang="en-US" altLang="zh-CN" sz="1600" dirty="0"/>
+              <a:t>d</a:t>
+            </a:r>
+            <a:r>
+              <a:rPr lang="zh-CN" altLang="en-US" sz="1600" dirty="0"/>
+              <a:t>酱</a:t>
+            </a:r>
+            <a:r>
+              <a:rPr lang="en-US" altLang="zh-CN" sz="1600" dirty="0"/>
+              <a:t>XWB</a:t>
+            </a:r>
+          </a:p>
+          <a:p>
+            <a:pPr algn="ctr"/>
+            <a:r>
+              <a:rPr lang="zh-CN" altLang="en-US" sz="1600" dirty="0"/>
+              <a:t>蕾丝饺子</a:t>
+            </a:r>
+            <a:r>
+              <a:rPr lang="en-US" altLang="zh-CN" sz="1600" dirty="0"/>
+              <a:t>d</a:t>
+            </a:r>
+            <a:r>
+              <a:rPr lang="zh-CN" altLang="en-US" sz="1600" dirty="0"/>
+              <a:t>酱</a:t>
+            </a:r>
+          </a:p>
+          <a:p>
+            <a:pPr algn="ctr"/>
+            <a:r>
+              <a:rPr lang="zh-CN" altLang="en-US" sz="1600" dirty="0"/>
+              <a:t>蕾丝馅儿饼</a:t>
+            </a:r>
+            <a:r>
+              <a:rPr lang="en-US" altLang="zh-CN" sz="1600" dirty="0"/>
+              <a:t>d</a:t>
+            </a:r>
+            <a:r>
+              <a:rPr lang="zh-CN" altLang="en-US" sz="1600" dirty="0"/>
+              <a:t>酱</a:t>
+            </a:r>
+          </a:p>
+          <a:p>
+            <a:pPr algn="ctr"/>
+            <a:r>
+              <a:rPr lang="zh-CN" altLang="en-US" sz="1600" dirty="0"/>
+              <a:t>蕾丝纸包不住火</a:t>
+            </a:r>
+            <a:r>
+              <a:rPr lang="en-US" altLang="zh-CN" sz="1600" dirty="0"/>
+              <a:t>d</a:t>
+            </a:r>
+            <a:r>
+              <a:rPr lang="zh-CN" altLang="en-US" sz="1600" dirty="0"/>
+              <a:t>酱</a:t>
+            </a:r>
+          </a:p>
+        </p:txBody>
+      </p:sp>
+      <p:sp>
+        <p:nvSpPr>
+          <p:cNvPr id="9" name="文本框 8">
+            <a:extLst>
+              <a:ext uri="{FF2B5EF4-FFF2-40B4-BE49-F238E27FC236}">
+                <a16:creationId xmlns:a16="http://schemas.microsoft.com/office/drawing/2014/main" id="{C5DE88D4-8D0E-4118-A8D7-8C7F4E9E382B}"/>
+              </a:ext>
+            </a:extLst>
+          </p:cNvPr>
+          <p:cNvSpPr txBox="1"/>
+          <p:nvPr/>
+        </p:nvSpPr>
+        <p:spPr>
+          <a:xfrm>
+            <a:off x="6775595" y="2898402"/>
+            <a:ext cx="2637347" cy="1323439"/>
+          </a:xfrm>
+          <a:prstGeom prst="rect">
+            <a:avLst/>
+          </a:prstGeom>
+          <a:noFill/>
+        </p:spPr>
+        <p:txBody>
+          <a:bodyPr wrap="square">
+            <a:spAutoFit/>
+          </a:bodyPr>
+          <a:lstStyle/>
+          <a:p>
+            <a:pPr algn="ctr"/>
+            <a:r>
+              <a:rPr lang="zh-CN" altLang="en-US" sz="1600" dirty="0"/>
+              <a:t>蕾丝狍子</a:t>
+            </a:r>
+            <a:r>
+              <a:rPr lang="en-US" altLang="zh-CN" sz="1600" dirty="0"/>
+              <a:t>d</a:t>
+            </a:r>
+            <a:r>
+              <a:rPr lang="zh-CN" altLang="en-US" sz="1600" dirty="0"/>
+              <a:t>酱</a:t>
+            </a:r>
+          </a:p>
+          <a:p>
+            <a:pPr algn="ctr"/>
+            <a:r>
+              <a:rPr lang="zh-CN" altLang="en-US" sz="1600" dirty="0"/>
+              <a:t>蕾丝肘子</a:t>
+            </a:r>
+            <a:r>
+              <a:rPr lang="en-US" altLang="zh-CN" sz="1600" dirty="0"/>
+              <a:t>d</a:t>
+            </a:r>
+            <a:r>
+              <a:rPr lang="zh-CN" altLang="en-US" sz="1600" dirty="0"/>
+              <a:t>酱</a:t>
+            </a:r>
+          </a:p>
+          <a:p>
+            <a:pPr algn="ctr"/>
+            <a:r>
+              <a:rPr lang="zh-CN" altLang="en-US" sz="1600" dirty="0"/>
+              <a:t>蕾丝馄饨</a:t>
+            </a:r>
+            <a:r>
+              <a:rPr lang="en-US" altLang="zh-CN" sz="1600" dirty="0"/>
+              <a:t>d</a:t>
+            </a:r>
+            <a:r>
+              <a:rPr lang="zh-CN" altLang="en-US" sz="1600" dirty="0"/>
+              <a:t>酱</a:t>
+            </a:r>
+          </a:p>
+          <a:p>
+            <a:pPr algn="ctr"/>
+            <a:r>
+              <a:rPr lang="zh-CN" altLang="en-US" sz="1600" dirty="0"/>
+              <a:t>蕾丝糯米鸡</a:t>
+            </a:r>
+            <a:r>
+              <a:rPr lang="en-US" altLang="zh-CN" sz="1600" dirty="0"/>
+              <a:t>d</a:t>
+            </a:r>
+            <a:r>
+              <a:rPr lang="zh-CN" altLang="en-US" sz="1600" dirty="0"/>
+              <a:t>酱</a:t>
+            </a:r>
+          </a:p>
+          <a:p>
+            <a:pPr algn="ctr"/>
+            <a:r>
+              <a:rPr lang="en-US" altLang="zh-CN" sz="1600" dirty="0"/>
+              <a:t>d</a:t>
+            </a:r>
+            <a:r>
+              <a:rPr lang="zh-CN" altLang="en-US" sz="1600" dirty="0"/>
+              <a:t>丝酱包子雷</a:t>
+            </a:r>
+          </a:p>
+        </p:txBody>
+      </p:sp>
+    </p:spTree>
+    <p:extLst>
+      <p:ext uri="{BB962C8B-B14F-4D97-AF65-F5344CB8AC3E}">
+        <p14:creationId xmlns:p14="http://schemas.microsoft.com/office/powerpoint/2010/main" val="243769693"/>
+      </p:ext>
+    </p:extLst>
+  </p:cSld>
+  <p:clrMapOvr>
+    <a:masterClrMapping/>
+  </p:clrMapOvr>
+</p:sld>
+</file>
+
 <file path=ppt/theme/theme1.xml><?xml version="1.0" encoding="utf-8"?>
 <a:theme xmlns:a="http://schemas.openxmlformats.org/drawingml/2006/main" name="Office 主题​​">
   <a:themeElements>

--- a/documents/race_profile/result_board.pptx
+++ b/documents/race_profile/result_board.pptx
@@ -5358,8 +5358,8 @@
         </p:nvSpPr>
         <p:spPr>
           <a:xfrm>
-            <a:off x="3015246" y="2145360"/>
-            <a:ext cx="1196788" cy="369332"/>
+            <a:off x="2295311" y="1806186"/>
+            <a:ext cx="2264276" cy="707886"/>
           </a:xfrm>
           <a:prstGeom prst="rect">
             <a:avLst/>
@@ -5372,24 +5372,36 @@
           </a:bodyPr>
           <a:lstStyle/>
           <a:p>
-            <a:pPr algn="ctr"/>
-            <a:r>
-              <a:rPr lang="en-US" altLang="zh-CN" dirty="0"/>
+            <a:r>
+              <a:rPr lang="en-US" altLang="zh-CN" sz="2400" dirty="0">
+                <a:solidFill>
+                  <a:srgbClr val="E28EA6"/>
+                </a:solidFill>
+              </a:rPr>
+              <a:t>Group </a:t>
+            </a:r>
+            <a:r>
+              <a:rPr lang="en-US" altLang="zh-CN" sz="4000" dirty="0">
+                <a:solidFill>
+                  <a:srgbClr val="E28EA6"/>
+                </a:solidFill>
+              </a:rPr>
               <a:t>B</a:t>
             </a:r>
-            <a:r>
-              <a:rPr lang="zh-CN" altLang="en-US" dirty="0"/>
-              <a:t>组</a:t>
-            </a:r>
-          </a:p>
-        </p:txBody>
-      </p:sp>
-      <p:sp>
-        <p:nvSpPr>
-          <p:cNvPr id="7" name="文本框 6">
-            <a:extLst>
-              <a:ext uri="{FF2B5EF4-FFF2-40B4-BE49-F238E27FC236}">
-                <a16:creationId xmlns:a16="http://schemas.microsoft.com/office/drawing/2014/main" id="{F43637D4-D732-4F84-AAC0-6F3B2EE6BF41}"/>
+            <a:endParaRPr lang="zh-CN" altLang="en-US" sz="4000" dirty="0">
+              <a:solidFill>
+                <a:srgbClr val="E28EA6"/>
+              </a:solidFill>
+            </a:endParaRPr>
+          </a:p>
+        </p:txBody>
+      </p:sp>
+      <p:sp>
+        <p:nvSpPr>
+          <p:cNvPr id="8" name="文本框 7">
+            <a:extLst>
+              <a:ext uri="{FF2B5EF4-FFF2-40B4-BE49-F238E27FC236}">
+                <a16:creationId xmlns:a16="http://schemas.microsoft.com/office/drawing/2014/main" id="{B2169444-FA91-4707-B72F-8931B89896C7}"/>
               </a:ext>
             </a:extLst>
           </p:cNvPr>
@@ -5398,8 +5410,8 @@
         </p:nvSpPr>
         <p:spPr>
           <a:xfrm>
-            <a:off x="7495874" y="2144740"/>
-            <a:ext cx="1196788" cy="369332"/>
+            <a:off x="2295311" y="2898402"/>
+            <a:ext cx="2637347" cy="1938992"/>
           </a:xfrm>
           <a:prstGeom prst="rect">
             <a:avLst/>
@@ -5412,24 +5424,101 @@
           </a:bodyPr>
           <a:lstStyle/>
           <a:p>
-            <a:pPr algn="ctr"/>
-            <a:r>
-              <a:rPr lang="en-US" altLang="zh-CN" dirty="0"/>
-              <a:t>F</a:t>
-            </a:r>
-            <a:r>
-              <a:rPr lang="zh-CN" altLang="en-US" dirty="0"/>
-              <a:t>组</a:t>
-            </a:r>
-          </a:p>
-        </p:txBody>
-      </p:sp>
-      <p:sp>
-        <p:nvSpPr>
-          <p:cNvPr id="8" name="文本框 7">
-            <a:extLst>
-              <a:ext uri="{FF2B5EF4-FFF2-40B4-BE49-F238E27FC236}">
-                <a16:creationId xmlns:a16="http://schemas.microsoft.com/office/drawing/2014/main" id="{B2169444-FA91-4707-B72F-8931B89896C7}"/>
+            <a:r>
+              <a:rPr lang="zh-CN" altLang="en-US" sz="2000" dirty="0"/>
+              <a:t>蕾丝包纸</a:t>
+            </a:r>
+            <a:r>
+              <a:rPr lang="en-US" altLang="zh-CN" sz="2000" dirty="0"/>
+              <a:t>d</a:t>
+            </a:r>
+            <a:r>
+              <a:rPr lang="zh-CN" altLang="en-US" sz="2000" dirty="0"/>
+              <a:t>酱</a:t>
+            </a:r>
+          </a:p>
+          <a:p>
+            <a:r>
+              <a:rPr lang="zh-CN" altLang="en-US" sz="2000" dirty="0"/>
+              <a:t>蕾丝大懒龙</a:t>
+            </a:r>
+            <a:r>
+              <a:rPr lang="en-US" altLang="zh-CN" sz="2000" dirty="0"/>
+              <a:t>d</a:t>
+            </a:r>
+            <a:r>
+              <a:rPr lang="zh-CN" altLang="en-US" sz="2000" dirty="0"/>
+              <a:t>酱</a:t>
+            </a:r>
+          </a:p>
+          <a:p>
+            <a:r>
+              <a:rPr lang="zh-CN" altLang="en-US" sz="2000" dirty="0"/>
+              <a:t>蕾丝包子</a:t>
+            </a:r>
+            <a:r>
+              <a:rPr lang="en-US" altLang="zh-CN" sz="2000" dirty="0"/>
+              <a:t>d</a:t>
+            </a:r>
+            <a:r>
+              <a:rPr lang="zh-CN" altLang="en-US" sz="2000" dirty="0"/>
+              <a:t>酱</a:t>
+            </a:r>
+            <a:r>
+              <a:rPr lang="en-US" altLang="zh-CN" sz="2000" dirty="0"/>
+              <a:t>XWB</a:t>
+            </a:r>
+          </a:p>
+          <a:p>
+            <a:r>
+              <a:rPr lang="zh-CN" altLang="en-US" sz="2000" dirty="0"/>
+              <a:t>蕾丝饺子</a:t>
+            </a:r>
+            <a:r>
+              <a:rPr lang="en-US" altLang="zh-CN" sz="2000" dirty="0"/>
+              <a:t>d</a:t>
+            </a:r>
+            <a:r>
+              <a:rPr lang="zh-CN" altLang="en-US" sz="2000" dirty="0"/>
+              <a:t>酱</a:t>
+            </a:r>
+          </a:p>
+          <a:p>
+            <a:r>
+              <a:rPr lang="zh-CN" altLang="en-US" sz="2000" dirty="0"/>
+              <a:t>蕾丝馅儿饼</a:t>
+            </a:r>
+            <a:r>
+              <a:rPr lang="en-US" altLang="zh-CN" sz="2000" dirty="0"/>
+              <a:t>d</a:t>
+            </a:r>
+            <a:r>
+              <a:rPr lang="zh-CN" altLang="en-US" sz="2000" dirty="0"/>
+              <a:t>酱</a:t>
+            </a:r>
+          </a:p>
+          <a:p>
+            <a:r>
+              <a:rPr lang="zh-CN" altLang="en-US" sz="2000" dirty="0"/>
+              <a:t>蕾丝纸包不住火</a:t>
+            </a:r>
+            <a:r>
+              <a:rPr lang="en-US" altLang="zh-CN" sz="2000" dirty="0"/>
+              <a:t>d</a:t>
+            </a:r>
+            <a:r>
+              <a:rPr lang="zh-CN" altLang="en-US" sz="2000" dirty="0"/>
+              <a:t>酱</a:t>
+            </a:r>
+          </a:p>
+        </p:txBody>
+      </p:sp>
+      <p:sp>
+        <p:nvSpPr>
+          <p:cNvPr id="9" name="文本框 8">
+            <a:extLst>
+              <a:ext uri="{FF2B5EF4-FFF2-40B4-BE49-F238E27FC236}">
+                <a16:creationId xmlns:a16="http://schemas.microsoft.com/office/drawing/2014/main" id="{C5DE88D4-8D0E-4118-A8D7-8C7F4E9E382B}"/>
               </a:ext>
             </a:extLst>
           </p:cNvPr>
@@ -5438,8 +5527,8 @@
         </p:nvSpPr>
         <p:spPr>
           <a:xfrm>
-            <a:off x="2295311" y="2898402"/>
-            <a:ext cx="2637347" cy="1569660"/>
+            <a:off x="6775595" y="2898402"/>
+            <a:ext cx="2637347" cy="1631216"/>
           </a:xfrm>
           <a:prstGeom prst="rect">
             <a:avLst/>
@@ -5452,107 +5541,79 @@
           </a:bodyPr>
           <a:lstStyle/>
           <a:p>
-            <a:pPr algn="ctr"/>
-            <a:r>
-              <a:rPr lang="zh-CN" altLang="en-US" sz="1600" dirty="0"/>
-              <a:t>蕾丝包纸</a:t>
-            </a:r>
-            <a:r>
-              <a:rPr lang="en-US" altLang="zh-CN" sz="1600" dirty="0"/>
+            <a:r>
+              <a:rPr lang="zh-CN" altLang="en-US" sz="2000" dirty="0"/>
+              <a:t>蕾丝狍子</a:t>
+            </a:r>
+            <a:r>
+              <a:rPr lang="en-US" altLang="zh-CN" sz="2000" dirty="0"/>
               <a:t>d</a:t>
             </a:r>
             <a:r>
-              <a:rPr lang="zh-CN" altLang="en-US" sz="1600" dirty="0"/>
+              <a:rPr lang="zh-CN" altLang="en-US" sz="2000" dirty="0"/>
               <a:t>酱</a:t>
             </a:r>
           </a:p>
           <a:p>
-            <a:pPr algn="ctr"/>
-            <a:r>
-              <a:rPr lang="zh-CN" altLang="en-US" sz="1600" dirty="0"/>
-              <a:t>蕾丝大懒龙</a:t>
-            </a:r>
-            <a:r>
-              <a:rPr lang="en-US" altLang="zh-CN" sz="1600" dirty="0"/>
+            <a:r>
+              <a:rPr lang="zh-CN" altLang="en-US" sz="2000" dirty="0"/>
+              <a:t>蕾丝肘子</a:t>
+            </a:r>
+            <a:r>
+              <a:rPr lang="en-US" altLang="zh-CN" sz="2000" dirty="0"/>
               <a:t>d</a:t>
             </a:r>
             <a:r>
-              <a:rPr lang="zh-CN" altLang="en-US" sz="1600" dirty="0"/>
+              <a:rPr lang="zh-CN" altLang="en-US" sz="2000" dirty="0"/>
               <a:t>酱</a:t>
             </a:r>
           </a:p>
           <a:p>
-            <a:pPr algn="ctr"/>
-            <a:r>
-              <a:rPr lang="zh-CN" altLang="en-US" sz="1600" dirty="0"/>
-              <a:t>蕾丝包子</a:t>
-            </a:r>
-            <a:r>
-              <a:rPr lang="en-US" altLang="zh-CN" sz="1600" dirty="0"/>
+            <a:r>
+              <a:rPr lang="zh-CN" altLang="en-US" sz="2000" dirty="0"/>
+              <a:t>蕾丝馄饨</a:t>
+            </a:r>
+            <a:r>
+              <a:rPr lang="en-US" altLang="zh-CN" sz="2000" dirty="0"/>
               <a:t>d</a:t>
             </a:r>
             <a:r>
-              <a:rPr lang="zh-CN" altLang="en-US" sz="1600" dirty="0"/>
+              <a:rPr lang="zh-CN" altLang="en-US" sz="2000" dirty="0"/>
               <a:t>酱</a:t>
             </a:r>
-            <a:r>
-              <a:rPr lang="en-US" altLang="zh-CN" sz="1600" dirty="0"/>
-              <a:t>XWB</a:t>
-            </a:r>
-          </a:p>
-          <a:p>
-            <a:pPr algn="ctr"/>
-            <a:r>
-              <a:rPr lang="zh-CN" altLang="en-US" sz="1600" dirty="0"/>
-              <a:t>蕾丝饺子</a:t>
-            </a:r>
-            <a:r>
-              <a:rPr lang="en-US" altLang="zh-CN" sz="1600" dirty="0"/>
+          </a:p>
+          <a:p>
+            <a:r>
+              <a:rPr lang="zh-CN" altLang="en-US" sz="2000" dirty="0"/>
+              <a:t>蕾丝糯米鸡</a:t>
+            </a:r>
+            <a:r>
+              <a:rPr lang="en-US" altLang="zh-CN" sz="2000" dirty="0"/>
               <a:t>d</a:t>
             </a:r>
             <a:r>
-              <a:rPr lang="zh-CN" altLang="en-US" sz="1600" dirty="0"/>
+              <a:rPr lang="zh-CN" altLang="en-US" sz="2000" dirty="0"/>
               <a:t>酱</a:t>
             </a:r>
           </a:p>
           <a:p>
-            <a:pPr algn="ctr"/>
-            <a:r>
-              <a:rPr lang="zh-CN" altLang="en-US" sz="1600" dirty="0"/>
-              <a:t>蕾丝馅儿饼</a:t>
-            </a:r>
-            <a:r>
-              <a:rPr lang="en-US" altLang="zh-CN" sz="1600" dirty="0"/>
+            <a:r>
+              <a:rPr lang="en-US" altLang="zh-CN" sz="2000" dirty="0"/>
               <a:t>d</a:t>
             </a:r>
             <a:r>
-              <a:rPr lang="zh-CN" altLang="en-US" sz="1600" dirty="0"/>
-              <a:t>酱</a:t>
-            </a:r>
-          </a:p>
-          <a:p>
-            <a:pPr algn="ctr"/>
-            <a:r>
-              <a:rPr lang="zh-CN" altLang="en-US" sz="1600" dirty="0"/>
-              <a:t>蕾丝纸包不住火</a:t>
-            </a:r>
-            <a:r>
-              <a:rPr lang="en-US" altLang="zh-CN" sz="1600" dirty="0"/>
-              <a:t>d</a:t>
-            </a:r>
-            <a:r>
-              <a:rPr lang="zh-CN" altLang="en-US" sz="1600" dirty="0"/>
-              <a:t>酱</a:t>
-            </a:r>
-          </a:p>
-        </p:txBody>
-      </p:sp>
-      <p:sp>
-        <p:nvSpPr>
-          <p:cNvPr id="9" name="文本框 8">
-            <a:extLst>
-              <a:ext uri="{FF2B5EF4-FFF2-40B4-BE49-F238E27FC236}">
-                <a16:creationId xmlns:a16="http://schemas.microsoft.com/office/drawing/2014/main" id="{C5DE88D4-8D0E-4118-A8D7-8C7F4E9E382B}"/>
+              <a:rPr lang="zh-CN" altLang="en-US" sz="2000" dirty="0"/>
+              <a:t>丝酱包子雷</a:t>
+            </a:r>
+          </a:p>
+        </p:txBody>
+      </p:sp>
+      <p:sp>
+        <p:nvSpPr>
+          <p:cNvPr id="10" name="文本框 9">
+            <a:extLst>
+              <a:ext uri="{FF2B5EF4-FFF2-40B4-BE49-F238E27FC236}">
+                <a16:creationId xmlns:a16="http://schemas.microsoft.com/office/drawing/2014/main" id="{FF6CA720-280A-49F1-99B3-4C2066D81A71}"/>
               </a:ext>
             </a:extLst>
           </p:cNvPr>
@@ -5561,8 +5622,8 @@
         </p:nvSpPr>
         <p:spPr>
           <a:xfrm>
-            <a:off x="6775595" y="2898402"/>
-            <a:ext cx="2637347" cy="1323439"/>
+            <a:off x="6775595" y="1806186"/>
+            <a:ext cx="2264276" cy="707886"/>
           </a:xfrm>
           <a:prstGeom prst="rect">
             <a:avLst/>
@@ -5575,75 +5636,27 @@
           </a:bodyPr>
           <a:lstStyle/>
           <a:p>
-            <a:pPr algn="ctr"/>
-            <a:r>
-              <a:rPr lang="zh-CN" altLang="en-US" sz="1600" dirty="0"/>
-              <a:t>蕾丝狍子</a:t>
-            </a:r>
-            <a:r>
-              <a:rPr lang="en-US" altLang="zh-CN" sz="1600" dirty="0"/>
-              <a:t>d</a:t>
-            </a:r>
-            <a:r>
-              <a:rPr lang="zh-CN" altLang="en-US" sz="1600" dirty="0"/>
-              <a:t>酱</a:t>
-            </a:r>
-          </a:p>
-          <a:p>
-            <a:pPr algn="ctr"/>
-            <a:r>
-              <a:rPr lang="zh-CN" altLang="en-US" sz="1600" dirty="0"/>
-              <a:t>蕾丝肘子</a:t>
-            </a:r>
-            <a:r>
-              <a:rPr lang="en-US" altLang="zh-CN" sz="1600" dirty="0"/>
-              <a:t>d</a:t>
-            </a:r>
-            <a:r>
-              <a:rPr lang="zh-CN" altLang="en-US" sz="1600" dirty="0"/>
-              <a:t>酱</a:t>
-            </a:r>
-          </a:p>
-          <a:p>
-            <a:pPr algn="ctr"/>
-            <a:r>
-              <a:rPr lang="zh-CN" altLang="en-US" sz="1600" dirty="0"/>
-              <a:t>蕾丝馄饨</a:t>
-            </a:r>
-            <a:r>
-              <a:rPr lang="en-US" altLang="zh-CN" sz="1600" dirty="0"/>
-              <a:t>d</a:t>
-            </a:r>
-            <a:r>
-              <a:rPr lang="zh-CN" altLang="en-US" sz="1600" dirty="0"/>
-              <a:t>酱</a:t>
-            </a:r>
-          </a:p>
-          <a:p>
-            <a:pPr algn="ctr"/>
-            <a:r>
-              <a:rPr lang="zh-CN" altLang="en-US" sz="1600" dirty="0"/>
-              <a:t>蕾丝糯米鸡</a:t>
-            </a:r>
-            <a:r>
-              <a:rPr lang="en-US" altLang="zh-CN" sz="1600" dirty="0"/>
-              <a:t>d</a:t>
-            </a:r>
-            <a:r>
-              <a:rPr lang="zh-CN" altLang="en-US" sz="1600" dirty="0"/>
-              <a:t>酱</a:t>
-            </a:r>
-          </a:p>
-          <a:p>
-            <a:pPr algn="ctr"/>
-            <a:r>
-              <a:rPr lang="en-US" altLang="zh-CN" sz="1600" dirty="0"/>
-              <a:t>d</a:t>
-            </a:r>
-            <a:r>
-              <a:rPr lang="zh-CN" altLang="en-US" sz="1600" dirty="0"/>
-              <a:t>丝酱包子雷</a:t>
-            </a:r>
+            <a:r>
+              <a:rPr lang="en-US" altLang="zh-CN" sz="2400" dirty="0">
+                <a:solidFill>
+                  <a:srgbClr val="E28EA6"/>
+                </a:solidFill>
+              </a:rPr>
+              <a:t>Group </a:t>
+            </a:r>
+            <a:r>
+              <a:rPr lang="en-US" altLang="zh-CN" sz="4000" dirty="0">
+                <a:solidFill>
+                  <a:srgbClr val="E28EA6"/>
+                </a:solidFill>
+              </a:rPr>
+              <a:t>F</a:t>
+            </a:r>
+            <a:endParaRPr lang="zh-CN" altLang="en-US" sz="4000" dirty="0">
+              <a:solidFill>
+                <a:srgbClr val="E28EA6"/>
+              </a:solidFill>
+            </a:endParaRPr>
           </a:p>
         </p:txBody>
       </p:sp>

--- a/documents/race_profile/result_board.pptx
+++ b/documents/race_profile/result_board.pptx
@@ -6,9 +6,12 @@
   </p:sldMasterIdLst>
   <p:sldIdLst>
     <p:sldId id="256" r:id="rId2"/>
-    <p:sldId id="257" r:id="rId3"/>
-    <p:sldId id="259" r:id="rId4"/>
-    <p:sldId id="260" r:id="rId5"/>
+    <p:sldId id="261" r:id="rId3"/>
+    <p:sldId id="257" r:id="rId4"/>
+    <p:sldId id="259" r:id="rId5"/>
+    <p:sldId id="262" r:id="rId6"/>
+    <p:sldId id="260" r:id="rId7"/>
+    <p:sldId id="263" r:id="rId8"/>
   </p:sldIdLst>
   <p:sldSz cx="12192000" cy="6858000"/>
   <p:notesSz cx="6858000" cy="9144000"/>
@@ -262,7 +265,7 @@
           <a:p>
             <a:fld id="{58EFE355-25A0-4687-B210-279ACD5280DB}" type="datetimeFigureOut">
               <a:rPr lang="zh-CN" altLang="en-US" smtClean="0"/>
-              <a:t>2021/11/1</a:t>
+              <a:t>2021/11/2</a:t>
             </a:fld>
             <a:endParaRPr lang="zh-CN" altLang="en-US"/>
           </a:p>
@@ -460,7 +463,7 @@
           <a:p>
             <a:fld id="{58EFE355-25A0-4687-B210-279ACD5280DB}" type="datetimeFigureOut">
               <a:rPr lang="zh-CN" altLang="en-US" smtClean="0"/>
-              <a:t>2021/11/1</a:t>
+              <a:t>2021/11/2</a:t>
             </a:fld>
             <a:endParaRPr lang="zh-CN" altLang="en-US"/>
           </a:p>
@@ -668,7 +671,7 @@
           <a:p>
             <a:fld id="{58EFE355-25A0-4687-B210-279ACD5280DB}" type="datetimeFigureOut">
               <a:rPr lang="zh-CN" altLang="en-US" smtClean="0"/>
-              <a:t>2021/11/1</a:t>
+              <a:t>2021/11/2</a:t>
             </a:fld>
             <a:endParaRPr lang="zh-CN" altLang="en-US"/>
           </a:p>
@@ -866,7 +869,7 @@
           <a:p>
             <a:fld id="{58EFE355-25A0-4687-B210-279ACD5280DB}" type="datetimeFigureOut">
               <a:rPr lang="zh-CN" altLang="en-US" smtClean="0"/>
-              <a:t>2021/11/1</a:t>
+              <a:t>2021/11/2</a:t>
             </a:fld>
             <a:endParaRPr lang="zh-CN" altLang="en-US"/>
           </a:p>
@@ -1141,7 +1144,7 @@
           <a:p>
             <a:fld id="{58EFE355-25A0-4687-B210-279ACD5280DB}" type="datetimeFigureOut">
               <a:rPr lang="zh-CN" altLang="en-US" smtClean="0"/>
-              <a:t>2021/11/1</a:t>
+              <a:t>2021/11/2</a:t>
             </a:fld>
             <a:endParaRPr lang="zh-CN" altLang="en-US"/>
           </a:p>
@@ -1406,7 +1409,7 @@
           <a:p>
             <a:fld id="{58EFE355-25A0-4687-B210-279ACD5280DB}" type="datetimeFigureOut">
               <a:rPr lang="zh-CN" altLang="en-US" smtClean="0"/>
-              <a:t>2021/11/1</a:t>
+              <a:t>2021/11/2</a:t>
             </a:fld>
             <a:endParaRPr lang="zh-CN" altLang="en-US"/>
           </a:p>
@@ -1818,7 +1821,7 @@
           <a:p>
             <a:fld id="{58EFE355-25A0-4687-B210-279ACD5280DB}" type="datetimeFigureOut">
               <a:rPr lang="zh-CN" altLang="en-US" smtClean="0"/>
-              <a:t>2021/11/1</a:t>
+              <a:t>2021/11/2</a:t>
             </a:fld>
             <a:endParaRPr lang="zh-CN" altLang="en-US"/>
           </a:p>
@@ -1959,7 +1962,7 @@
           <a:p>
             <a:fld id="{58EFE355-25A0-4687-B210-279ACD5280DB}" type="datetimeFigureOut">
               <a:rPr lang="zh-CN" altLang="en-US" smtClean="0"/>
-              <a:t>2021/11/1</a:t>
+              <a:t>2021/11/2</a:t>
             </a:fld>
             <a:endParaRPr lang="zh-CN" altLang="en-US"/>
           </a:p>
@@ -2072,7 +2075,7 @@
           <a:p>
             <a:fld id="{58EFE355-25A0-4687-B210-279ACD5280DB}" type="datetimeFigureOut">
               <a:rPr lang="zh-CN" altLang="en-US" smtClean="0"/>
-              <a:t>2021/11/1</a:t>
+              <a:t>2021/11/2</a:t>
             </a:fld>
             <a:endParaRPr lang="zh-CN" altLang="en-US"/>
           </a:p>
@@ -2383,7 +2386,7 @@
           <a:p>
             <a:fld id="{58EFE355-25A0-4687-B210-279ACD5280DB}" type="datetimeFigureOut">
               <a:rPr lang="zh-CN" altLang="en-US" smtClean="0"/>
-              <a:t>2021/11/1</a:t>
+              <a:t>2021/11/2</a:t>
             </a:fld>
             <a:endParaRPr lang="zh-CN" altLang="en-US"/>
           </a:p>
@@ -2671,7 +2674,7 @@
           <a:p>
             <a:fld id="{58EFE355-25A0-4687-B210-279ACD5280DB}" type="datetimeFigureOut">
               <a:rPr lang="zh-CN" altLang="en-US" smtClean="0"/>
-              <a:t>2021/11/1</a:t>
+              <a:t>2021/11/2</a:t>
             </a:fld>
             <a:endParaRPr lang="zh-CN" altLang="en-US"/>
           </a:p>
@@ -2930,7 +2933,7 @@
           <a:p>
             <a:fld id="{58EFE355-25A0-4687-B210-279ACD5280DB}" type="datetimeFigureOut">
               <a:rPr lang="zh-CN" altLang="en-US" smtClean="0"/>
-              <a:t>2021/11/1</a:t>
+              <a:t>2021/11/2</a:t>
             </a:fld>
             <a:endParaRPr lang="zh-CN" altLang="en-US"/>
           </a:p>
@@ -3582,10 +3585,958 @@
           <p:cNvGraphicFramePr>
             <a:graphicFrameLocks noGrp="1"/>
           </p:cNvGraphicFramePr>
+          <p:nvPr/>
+        </p:nvGraphicFramePr>
+        <p:xfrm>
+          <a:off x="838200" y="2131060"/>
+          <a:ext cx="10515600" cy="2595880"/>
+        </p:xfrm>
+        <a:graphic>
+          <a:graphicData uri="http://schemas.openxmlformats.org/drawingml/2006/table">
+            <a:tbl>
+              <a:tblPr firstRow="1" bandRow="1">
+                <a:tableStyleId>{3B4B98B0-60AC-42C2-AFA5-B58CD77FA1E5}</a:tableStyleId>
+              </a:tblPr>
+              <a:tblGrid>
+                <a:gridCol w="2628900">
+                  <a:extLst>
+                    <a:ext uri="{9D8B030D-6E8A-4147-A177-3AD203B41FA5}">
+                      <a16:colId xmlns:a16="http://schemas.microsoft.com/office/drawing/2014/main" val="4196562404"/>
+                    </a:ext>
+                  </a:extLst>
+                </a:gridCol>
+                <a:gridCol w="2628900">
+                  <a:extLst>
+                    <a:ext uri="{9D8B030D-6E8A-4147-A177-3AD203B41FA5}">
+                      <a16:colId xmlns:a16="http://schemas.microsoft.com/office/drawing/2014/main" val="3290698310"/>
+                    </a:ext>
+                  </a:extLst>
+                </a:gridCol>
+                <a:gridCol w="2628900">
+                  <a:extLst>
+                    <a:ext uri="{9D8B030D-6E8A-4147-A177-3AD203B41FA5}">
+                      <a16:colId xmlns:a16="http://schemas.microsoft.com/office/drawing/2014/main" val="807860116"/>
+                    </a:ext>
+                  </a:extLst>
+                </a:gridCol>
+                <a:gridCol w="2628900">
+                  <a:extLst>
+                    <a:ext uri="{9D8B030D-6E8A-4147-A177-3AD203B41FA5}">
+                      <a16:colId xmlns:a16="http://schemas.microsoft.com/office/drawing/2014/main" val="1909900190"/>
+                    </a:ext>
+                  </a:extLst>
+                </a:gridCol>
+              </a:tblGrid>
+              <a:tr h="370840">
+                <a:tc>
+                  <a:txBody>
+                    <a:bodyPr/>
+                    <a:lstStyle/>
+                    <a:p>
+                      <a:pPr algn="ctr"/>
+                      <a:r>
+                        <a:rPr lang="zh-CN" altLang="en-US" dirty="0"/>
+                        <a:t>排名</a:t>
+                      </a:r>
+                    </a:p>
+                  </a:txBody>
+                  <a:tcPr/>
+                </a:tc>
+                <a:tc>
+                  <a:txBody>
+                    <a:bodyPr/>
+                    <a:lstStyle/>
+                    <a:p>
+                      <a:pPr algn="ctr"/>
+                      <a:r>
+                        <a:rPr lang="zh-CN" altLang="en-US" dirty="0"/>
+                        <a:t>选手名称</a:t>
+                      </a:r>
+                    </a:p>
+                  </a:txBody>
+                  <a:tcPr/>
+                </a:tc>
+                <a:tc>
+                  <a:txBody>
+                    <a:bodyPr/>
+                    <a:lstStyle/>
+                    <a:p>
+                      <a:pPr algn="ctr"/>
+                      <a:r>
+                        <a:rPr lang="zh-CN" altLang="en-US" dirty="0"/>
+                        <a:t>积分</a:t>
+                      </a:r>
+                    </a:p>
+                  </a:txBody>
+                  <a:tcPr/>
+                </a:tc>
+                <a:tc>
+                  <a:txBody>
+                    <a:bodyPr/>
+                    <a:lstStyle/>
+                    <a:p>
+                      <a:pPr algn="ctr"/>
+                      <a:endParaRPr lang="zh-CN" altLang="en-US" dirty="0"/>
+                    </a:p>
+                  </a:txBody>
+                  <a:tcPr/>
+                </a:tc>
+                <a:extLst>
+                  <a:ext uri="{0D108BD9-81ED-4DB2-BD59-A6C34878D82A}">
+                    <a16:rowId xmlns:a16="http://schemas.microsoft.com/office/drawing/2014/main" val="2329359568"/>
+                  </a:ext>
+                </a:extLst>
+              </a:tr>
+              <a:tr h="370840">
+                <a:tc>
+                  <a:txBody>
+                    <a:bodyPr/>
+                    <a:lstStyle/>
+                    <a:p>
+                      <a:pPr algn="ctr"/>
+                      <a:r>
+                        <a:rPr lang="en-US" altLang="zh-CN" dirty="0"/>
+                        <a:t>1</a:t>
+                      </a:r>
+                      <a:endParaRPr lang="zh-CN" altLang="en-US" dirty="0"/>
+                    </a:p>
+                  </a:txBody>
+                  <a:tcPr/>
+                </a:tc>
+                <a:tc>
+                  <a:txBody>
+                    <a:bodyPr/>
+                    <a:lstStyle/>
+                    <a:p>
+                      <a:pPr algn="ctr"/>
+                      <a:r>
+                        <a:rPr lang="zh-CN" altLang="en-US" dirty="0"/>
+                        <a:t>蕾丝卤煮</a:t>
+                      </a:r>
+                      <a:r>
+                        <a:rPr lang="en-US" altLang="zh-CN" dirty="0"/>
+                        <a:t>d</a:t>
+                      </a:r>
+                      <a:r>
+                        <a:rPr lang="zh-CN" altLang="en-US" dirty="0"/>
+                        <a:t>酱</a:t>
+                      </a:r>
+                    </a:p>
+                  </a:txBody>
+                  <a:tcPr/>
+                </a:tc>
+                <a:tc>
+                  <a:txBody>
+                    <a:bodyPr/>
+                    <a:lstStyle/>
+                    <a:p>
+                      <a:pPr algn="ctr"/>
+                      <a:r>
+                        <a:rPr lang="en-US" altLang="zh-CN" dirty="0"/>
+                        <a:t>21</a:t>
+                      </a:r>
+                      <a:endParaRPr lang="zh-CN" altLang="en-US" dirty="0"/>
+                    </a:p>
+                  </a:txBody>
+                  <a:tcPr/>
+                </a:tc>
+                <a:tc>
+                  <a:txBody>
+                    <a:bodyPr/>
+                    <a:lstStyle/>
+                    <a:p>
+                      <a:pPr algn="ctr"/>
+                      <a:r>
+                        <a:rPr lang="zh-CN" altLang="en-US" dirty="0"/>
+                        <a:t>晋级</a:t>
+                      </a:r>
+                      <a:r>
+                        <a:rPr lang="en-US" altLang="zh-CN" dirty="0"/>
+                        <a:t>1/8</a:t>
+                      </a:r>
+                      <a:r>
+                        <a:rPr lang="zh-CN" altLang="en-US" dirty="0"/>
+                        <a:t>决赛</a:t>
+                      </a:r>
+                    </a:p>
+                  </a:txBody>
+                  <a:tcPr/>
+                </a:tc>
+                <a:extLst>
+                  <a:ext uri="{0D108BD9-81ED-4DB2-BD59-A6C34878D82A}">
+                    <a16:rowId xmlns:a16="http://schemas.microsoft.com/office/drawing/2014/main" val="326775811"/>
+                  </a:ext>
+                </a:extLst>
+              </a:tr>
+              <a:tr h="370840">
+                <a:tc>
+                  <a:txBody>
+                    <a:bodyPr/>
+                    <a:lstStyle/>
+                    <a:p>
+                      <a:pPr algn="ctr"/>
+                      <a:r>
+                        <a:rPr lang="en-US" altLang="zh-CN" dirty="0"/>
+                        <a:t>2</a:t>
+                      </a:r>
+                      <a:endParaRPr lang="zh-CN" altLang="en-US" dirty="0"/>
+                    </a:p>
+                  </a:txBody>
+                  <a:tcPr/>
+                </a:tc>
+                <a:tc>
+                  <a:txBody>
+                    <a:bodyPr/>
+                    <a:lstStyle/>
+                    <a:p>
+                      <a:pPr algn="ctr"/>
+                      <a:r>
+                        <a:rPr lang="zh-CN" altLang="en-US" dirty="0"/>
+                        <a:t>蕾丝烧饼</a:t>
+                      </a:r>
+                      <a:r>
+                        <a:rPr lang="en-US" altLang="zh-CN" dirty="0"/>
+                        <a:t>d</a:t>
+                      </a:r>
+                      <a:r>
+                        <a:rPr lang="zh-CN" altLang="en-US" dirty="0"/>
+                        <a:t>酱</a:t>
+                      </a:r>
+                    </a:p>
+                  </a:txBody>
+                  <a:tcPr/>
+                </a:tc>
+                <a:tc>
+                  <a:txBody>
+                    <a:bodyPr/>
+                    <a:lstStyle/>
+                    <a:p>
+                      <a:pPr algn="ctr"/>
+                      <a:r>
+                        <a:rPr lang="en-US" altLang="zh-CN" dirty="0"/>
+                        <a:t>13</a:t>
+                      </a:r>
+                      <a:endParaRPr lang="zh-CN" altLang="en-US" dirty="0"/>
+                    </a:p>
+                  </a:txBody>
+                  <a:tcPr/>
+                </a:tc>
+                <a:tc>
+                  <a:txBody>
+                    <a:bodyPr/>
+                    <a:lstStyle/>
+                    <a:p>
+                      <a:pPr marL="0" marR="0" lvl="0" indent="0" algn="ctr" defTabSz="914400" rtl="0" eaLnBrk="1" fontAlgn="auto" latinLnBrk="0" hangingPunct="1">
+                        <a:lnSpc>
+                          <a:spcPct val="100000"/>
+                        </a:lnSpc>
+                        <a:spcBef>
+                          <a:spcPts val="0"/>
+                        </a:spcBef>
+                        <a:spcAft>
+                          <a:spcPts val="0"/>
+                        </a:spcAft>
+                        <a:buClrTx/>
+                        <a:buSzTx/>
+                        <a:buFontTx/>
+                        <a:buNone/>
+                        <a:tabLst/>
+                        <a:defRPr/>
+                      </a:pPr>
+                      <a:r>
+                        <a:rPr lang="zh-CN" altLang="en-US" dirty="0"/>
+                        <a:t>晋级</a:t>
+                      </a:r>
+                      <a:r>
+                        <a:rPr lang="en-US" altLang="zh-CN" dirty="0"/>
+                        <a:t>1/8</a:t>
+                      </a:r>
+                      <a:r>
+                        <a:rPr lang="zh-CN" altLang="en-US" dirty="0"/>
+                        <a:t>决赛</a:t>
+                      </a:r>
+                    </a:p>
+                  </a:txBody>
+                  <a:tcPr/>
+                </a:tc>
+                <a:extLst>
+                  <a:ext uri="{0D108BD9-81ED-4DB2-BD59-A6C34878D82A}">
+                    <a16:rowId xmlns:a16="http://schemas.microsoft.com/office/drawing/2014/main" val="161246582"/>
+                  </a:ext>
+                </a:extLst>
+              </a:tr>
+              <a:tr h="370840">
+                <a:tc>
+                  <a:txBody>
+                    <a:bodyPr/>
+                    <a:lstStyle/>
+                    <a:p>
+                      <a:pPr algn="ctr"/>
+                      <a:r>
+                        <a:rPr lang="en-US" altLang="zh-CN" dirty="0">
+                          <a:solidFill>
+                            <a:schemeClr val="bg1">
+                              <a:lumMod val="50000"/>
+                            </a:schemeClr>
+                          </a:solidFill>
+                        </a:rPr>
+                        <a:t>3</a:t>
+                      </a:r>
+                      <a:endParaRPr lang="zh-CN" altLang="en-US" dirty="0">
+                        <a:solidFill>
+                          <a:schemeClr val="bg1">
+                            <a:lumMod val="50000"/>
+                          </a:schemeClr>
+                        </a:solidFill>
+                      </a:endParaRPr>
+                    </a:p>
+                  </a:txBody>
+                  <a:tcPr/>
+                </a:tc>
+                <a:tc>
+                  <a:txBody>
+                    <a:bodyPr/>
+                    <a:lstStyle/>
+                    <a:p>
+                      <a:pPr algn="ctr"/>
+                      <a:r>
+                        <a:rPr lang="zh-CN" altLang="en-US" dirty="0">
+                          <a:solidFill>
+                            <a:schemeClr val="bg1">
+                              <a:lumMod val="50000"/>
+                            </a:schemeClr>
+                          </a:solidFill>
+                        </a:rPr>
+                        <a:t>蕾丝香河肉饼</a:t>
+                      </a:r>
+                      <a:r>
+                        <a:rPr lang="en-US" altLang="zh-CN" dirty="0">
+                          <a:solidFill>
+                            <a:schemeClr val="bg1">
+                              <a:lumMod val="50000"/>
+                            </a:schemeClr>
+                          </a:solidFill>
+                        </a:rPr>
+                        <a:t>d</a:t>
+                      </a:r>
+                      <a:r>
+                        <a:rPr lang="zh-CN" altLang="en-US" dirty="0">
+                          <a:solidFill>
+                            <a:schemeClr val="bg1">
+                              <a:lumMod val="50000"/>
+                            </a:schemeClr>
+                          </a:solidFill>
+                        </a:rPr>
+                        <a:t>酱</a:t>
+                      </a:r>
+                    </a:p>
+                  </a:txBody>
+                  <a:tcPr/>
+                </a:tc>
+                <a:tc>
+                  <a:txBody>
+                    <a:bodyPr/>
+                    <a:lstStyle/>
+                    <a:p>
+                      <a:pPr algn="ctr"/>
+                      <a:r>
+                        <a:rPr lang="en-US" altLang="zh-CN" dirty="0">
+                          <a:solidFill>
+                            <a:schemeClr val="bg1">
+                              <a:lumMod val="50000"/>
+                            </a:schemeClr>
+                          </a:solidFill>
+                        </a:rPr>
+                        <a:t>9</a:t>
+                      </a:r>
+                      <a:endParaRPr lang="zh-CN" altLang="en-US" dirty="0">
+                        <a:solidFill>
+                          <a:schemeClr val="bg1">
+                            <a:lumMod val="50000"/>
+                          </a:schemeClr>
+                        </a:solidFill>
+                      </a:endParaRPr>
+                    </a:p>
+                  </a:txBody>
+                  <a:tcPr/>
+                </a:tc>
+                <a:tc>
+                  <a:txBody>
+                    <a:bodyPr/>
+                    <a:lstStyle/>
+                    <a:p>
+                      <a:pPr algn="ctr"/>
+                      <a:endParaRPr lang="zh-CN" altLang="en-US" dirty="0">
+                        <a:solidFill>
+                          <a:schemeClr val="bg1">
+                            <a:lumMod val="50000"/>
+                          </a:schemeClr>
+                        </a:solidFill>
+                      </a:endParaRPr>
+                    </a:p>
+                  </a:txBody>
+                  <a:tcPr/>
+                </a:tc>
+                <a:extLst>
+                  <a:ext uri="{0D108BD9-81ED-4DB2-BD59-A6C34878D82A}">
+                    <a16:rowId xmlns:a16="http://schemas.microsoft.com/office/drawing/2014/main" val="3051721874"/>
+                  </a:ext>
+                </a:extLst>
+              </a:tr>
+              <a:tr h="370840">
+                <a:tc>
+                  <a:txBody>
+                    <a:bodyPr/>
+                    <a:lstStyle/>
+                    <a:p>
+                      <a:pPr algn="ctr"/>
+                      <a:r>
+                        <a:rPr lang="en-US" altLang="zh-CN" dirty="0">
+                          <a:solidFill>
+                            <a:schemeClr val="bg1">
+                              <a:lumMod val="50000"/>
+                            </a:schemeClr>
+                          </a:solidFill>
+                        </a:rPr>
+                        <a:t>3</a:t>
+                      </a:r>
+                      <a:endParaRPr lang="zh-CN" altLang="en-US" dirty="0">
+                        <a:solidFill>
+                          <a:schemeClr val="bg1">
+                            <a:lumMod val="50000"/>
+                          </a:schemeClr>
+                        </a:solidFill>
+                      </a:endParaRPr>
+                    </a:p>
+                  </a:txBody>
+                  <a:tcPr/>
+                </a:tc>
+                <a:tc>
+                  <a:txBody>
+                    <a:bodyPr/>
+                    <a:lstStyle/>
+                    <a:p>
+                      <a:pPr algn="ctr"/>
+                      <a:r>
+                        <a:rPr lang="zh-CN" altLang="en-US" dirty="0">
+                          <a:solidFill>
+                            <a:schemeClr val="bg1">
+                              <a:lumMod val="50000"/>
+                            </a:schemeClr>
+                          </a:solidFill>
+                        </a:rPr>
+                        <a:t>蕾丝灌汤包</a:t>
+                      </a:r>
+                      <a:r>
+                        <a:rPr lang="en-US" altLang="zh-CN" dirty="0">
+                          <a:solidFill>
+                            <a:schemeClr val="bg1">
+                              <a:lumMod val="50000"/>
+                            </a:schemeClr>
+                          </a:solidFill>
+                        </a:rPr>
+                        <a:t>d</a:t>
+                      </a:r>
+                      <a:r>
+                        <a:rPr lang="zh-CN" altLang="en-US" dirty="0">
+                          <a:solidFill>
+                            <a:schemeClr val="bg1">
+                              <a:lumMod val="50000"/>
+                            </a:schemeClr>
+                          </a:solidFill>
+                        </a:rPr>
+                        <a:t>酱</a:t>
+                      </a:r>
+                      <a:endParaRPr lang="en-US" altLang="zh-CN" dirty="0">
+                        <a:solidFill>
+                          <a:schemeClr val="bg1">
+                            <a:lumMod val="50000"/>
+                          </a:schemeClr>
+                        </a:solidFill>
+                      </a:endParaRPr>
+                    </a:p>
+                  </a:txBody>
+                  <a:tcPr/>
+                </a:tc>
+                <a:tc>
+                  <a:txBody>
+                    <a:bodyPr/>
+                    <a:lstStyle/>
+                    <a:p>
+                      <a:pPr algn="ctr"/>
+                      <a:r>
+                        <a:rPr lang="en-US" altLang="zh-CN" dirty="0">
+                          <a:solidFill>
+                            <a:schemeClr val="bg1">
+                              <a:lumMod val="50000"/>
+                            </a:schemeClr>
+                          </a:solidFill>
+                        </a:rPr>
+                        <a:t>9</a:t>
+                      </a:r>
+                      <a:endParaRPr lang="zh-CN" altLang="en-US" dirty="0">
+                        <a:solidFill>
+                          <a:schemeClr val="bg1">
+                            <a:lumMod val="50000"/>
+                          </a:schemeClr>
+                        </a:solidFill>
+                      </a:endParaRPr>
+                    </a:p>
+                  </a:txBody>
+                  <a:tcPr/>
+                </a:tc>
+                <a:tc>
+                  <a:txBody>
+                    <a:bodyPr/>
+                    <a:lstStyle/>
+                    <a:p>
+                      <a:pPr algn="ctr"/>
+                      <a:endParaRPr lang="zh-CN" altLang="en-US" dirty="0">
+                        <a:solidFill>
+                          <a:schemeClr val="bg1">
+                            <a:lumMod val="50000"/>
+                          </a:schemeClr>
+                        </a:solidFill>
+                      </a:endParaRPr>
+                    </a:p>
+                  </a:txBody>
+                  <a:tcPr/>
+                </a:tc>
+                <a:extLst>
+                  <a:ext uri="{0D108BD9-81ED-4DB2-BD59-A6C34878D82A}">
+                    <a16:rowId xmlns:a16="http://schemas.microsoft.com/office/drawing/2014/main" val="1721441378"/>
+                  </a:ext>
+                </a:extLst>
+              </a:tr>
+              <a:tr h="370840">
+                <a:tc>
+                  <a:txBody>
+                    <a:bodyPr/>
+                    <a:lstStyle/>
+                    <a:p>
+                      <a:pPr algn="ctr"/>
+                      <a:r>
+                        <a:rPr lang="en-US" altLang="zh-CN" dirty="0">
+                          <a:solidFill>
+                            <a:schemeClr val="bg1">
+                              <a:lumMod val="50000"/>
+                            </a:schemeClr>
+                          </a:solidFill>
+                        </a:rPr>
+                        <a:t>5</a:t>
+                      </a:r>
+                      <a:endParaRPr lang="zh-CN" altLang="en-US" dirty="0">
+                        <a:solidFill>
+                          <a:schemeClr val="bg1">
+                            <a:lumMod val="50000"/>
+                          </a:schemeClr>
+                        </a:solidFill>
+                      </a:endParaRPr>
+                    </a:p>
+                  </a:txBody>
+                  <a:tcPr/>
+                </a:tc>
+                <a:tc>
+                  <a:txBody>
+                    <a:bodyPr/>
+                    <a:lstStyle/>
+                    <a:p>
+                      <a:pPr algn="ctr"/>
+                      <a:r>
+                        <a:rPr lang="zh-CN" altLang="en-US" dirty="0">
+                          <a:solidFill>
+                            <a:schemeClr val="bg1">
+                              <a:lumMod val="50000"/>
+                            </a:schemeClr>
+                          </a:solidFill>
+                        </a:rPr>
+                        <a:t>蕾丝虾饺</a:t>
+                      </a:r>
+                      <a:r>
+                        <a:rPr lang="en-US" altLang="zh-CN" dirty="0">
+                          <a:solidFill>
+                            <a:schemeClr val="bg1">
+                              <a:lumMod val="50000"/>
+                            </a:schemeClr>
+                          </a:solidFill>
+                        </a:rPr>
+                        <a:t>d</a:t>
+                      </a:r>
+                      <a:r>
+                        <a:rPr lang="zh-CN" altLang="en-US" dirty="0">
+                          <a:solidFill>
+                            <a:schemeClr val="bg1">
+                              <a:lumMod val="50000"/>
+                            </a:schemeClr>
+                          </a:solidFill>
+                        </a:rPr>
+                        <a:t>酱</a:t>
+                      </a:r>
+                    </a:p>
+                  </a:txBody>
+                  <a:tcPr/>
+                </a:tc>
+                <a:tc>
+                  <a:txBody>
+                    <a:bodyPr/>
+                    <a:lstStyle/>
+                    <a:p>
+                      <a:pPr algn="ctr"/>
+                      <a:r>
+                        <a:rPr lang="en-US" altLang="zh-CN" dirty="0">
+                          <a:solidFill>
+                            <a:schemeClr val="bg1">
+                              <a:lumMod val="50000"/>
+                            </a:schemeClr>
+                          </a:solidFill>
+                        </a:rPr>
+                        <a:t>4</a:t>
+                      </a:r>
+                      <a:endParaRPr lang="zh-CN" altLang="en-US" dirty="0">
+                        <a:solidFill>
+                          <a:schemeClr val="bg1">
+                            <a:lumMod val="50000"/>
+                          </a:schemeClr>
+                        </a:solidFill>
+                      </a:endParaRPr>
+                    </a:p>
+                  </a:txBody>
+                  <a:tcPr/>
+                </a:tc>
+                <a:tc>
+                  <a:txBody>
+                    <a:bodyPr/>
+                    <a:lstStyle/>
+                    <a:p>
+                      <a:pPr algn="ctr"/>
+                      <a:endParaRPr lang="zh-CN" altLang="en-US" dirty="0">
+                        <a:solidFill>
+                          <a:schemeClr val="bg1">
+                            <a:lumMod val="50000"/>
+                          </a:schemeClr>
+                        </a:solidFill>
+                      </a:endParaRPr>
+                    </a:p>
+                  </a:txBody>
+                  <a:tcPr/>
+                </a:tc>
+                <a:extLst>
+                  <a:ext uri="{0D108BD9-81ED-4DB2-BD59-A6C34878D82A}">
+                    <a16:rowId xmlns:a16="http://schemas.microsoft.com/office/drawing/2014/main" val="2048286747"/>
+                  </a:ext>
+                </a:extLst>
+              </a:tr>
+              <a:tr h="370840">
+                <a:tc>
+                  <a:txBody>
+                    <a:bodyPr/>
+                    <a:lstStyle/>
+                    <a:p>
+                      <a:pPr algn="ctr"/>
+                      <a:r>
+                        <a:rPr lang="en-US" altLang="zh-CN" dirty="0">
+                          <a:solidFill>
+                            <a:schemeClr val="bg1">
+                              <a:lumMod val="50000"/>
+                            </a:schemeClr>
+                          </a:solidFill>
+                        </a:rPr>
+                        <a:t>6</a:t>
+                      </a:r>
+                      <a:endParaRPr lang="zh-CN" altLang="en-US" dirty="0">
+                        <a:solidFill>
+                          <a:schemeClr val="bg1">
+                            <a:lumMod val="50000"/>
+                          </a:schemeClr>
+                        </a:solidFill>
+                      </a:endParaRPr>
+                    </a:p>
+                  </a:txBody>
+                  <a:tcPr/>
+                </a:tc>
+                <a:tc>
+                  <a:txBody>
+                    <a:bodyPr/>
+                    <a:lstStyle/>
+                    <a:p>
+                      <a:pPr algn="ctr"/>
+                      <a:r>
+                        <a:rPr lang="zh-CN" altLang="en-US" dirty="0">
+                          <a:solidFill>
+                            <a:schemeClr val="bg1">
+                              <a:lumMod val="50000"/>
+                            </a:schemeClr>
+                          </a:solidFill>
+                        </a:rPr>
+                        <a:t>蕾丝豹子</a:t>
+                      </a:r>
+                      <a:r>
+                        <a:rPr lang="en-US" altLang="zh-CN" dirty="0">
+                          <a:solidFill>
+                            <a:schemeClr val="bg1">
+                              <a:lumMod val="50000"/>
+                            </a:schemeClr>
+                          </a:solidFill>
+                        </a:rPr>
+                        <a:t>d</a:t>
+                      </a:r>
+                      <a:r>
+                        <a:rPr lang="zh-CN" altLang="en-US" dirty="0">
+                          <a:solidFill>
+                            <a:schemeClr val="bg1">
+                              <a:lumMod val="50000"/>
+                            </a:schemeClr>
+                          </a:solidFill>
+                        </a:rPr>
+                        <a:t>酱</a:t>
+                      </a:r>
+                    </a:p>
+                  </a:txBody>
+                  <a:tcPr/>
+                </a:tc>
+                <a:tc>
+                  <a:txBody>
+                    <a:bodyPr/>
+                    <a:lstStyle/>
+                    <a:p>
+                      <a:pPr algn="ctr"/>
+                      <a:r>
+                        <a:rPr lang="en-US" altLang="zh-CN" dirty="0">
+                          <a:solidFill>
+                            <a:schemeClr val="bg1">
+                              <a:lumMod val="50000"/>
+                            </a:schemeClr>
+                          </a:solidFill>
+                        </a:rPr>
+                        <a:t>2</a:t>
+                      </a:r>
+                      <a:endParaRPr lang="zh-CN" altLang="en-US" dirty="0">
+                        <a:solidFill>
+                          <a:schemeClr val="bg1">
+                            <a:lumMod val="50000"/>
+                          </a:schemeClr>
+                        </a:solidFill>
+                      </a:endParaRPr>
+                    </a:p>
+                  </a:txBody>
+                  <a:tcPr/>
+                </a:tc>
+                <a:tc>
+                  <a:txBody>
+                    <a:bodyPr/>
+                    <a:lstStyle/>
+                    <a:p>
+                      <a:pPr algn="ctr"/>
+                      <a:endParaRPr lang="zh-CN" altLang="en-US" dirty="0">
+                        <a:solidFill>
+                          <a:schemeClr val="bg1">
+                            <a:lumMod val="50000"/>
+                          </a:schemeClr>
+                        </a:solidFill>
+                      </a:endParaRPr>
+                    </a:p>
+                  </a:txBody>
+                  <a:tcPr/>
+                </a:tc>
+                <a:extLst>
+                  <a:ext uri="{0D108BD9-81ED-4DB2-BD59-A6C34878D82A}">
+                    <a16:rowId xmlns:a16="http://schemas.microsoft.com/office/drawing/2014/main" val="3714060895"/>
+                  </a:ext>
+                </a:extLst>
+              </a:tr>
+            </a:tbl>
+          </a:graphicData>
+        </a:graphic>
+      </p:graphicFrame>
+    </p:spTree>
+    <p:extLst>
+      <p:ext uri="{BB962C8B-B14F-4D97-AF65-F5344CB8AC3E}">
+        <p14:creationId xmlns:p14="http://schemas.microsoft.com/office/powerpoint/2010/main" val="4089376404"/>
+      </p:ext>
+    </p:extLst>
+  </p:cSld>
+  <p:clrMapOvr>
+    <a:masterClrMapping/>
+  </p:clrMapOvr>
+</p:sld>
+</file>
+
+<file path=ppt/slides/slide3.xml><?xml version="1.0" encoding="utf-8"?>
+<p:sld xmlns:a="http://schemas.openxmlformats.org/drawingml/2006/main" xmlns:r="http://schemas.openxmlformats.org/officeDocument/2006/relationships" xmlns:p="http://schemas.openxmlformats.org/presentationml/2006/main">
+  <p:cSld>
+    <p:spTree>
+      <p:nvGrpSpPr>
+        <p:cNvPr id="1" name=""/>
+        <p:cNvGrpSpPr/>
+        <p:nvPr/>
+      </p:nvGrpSpPr>
+      <p:grpSpPr>
+        <a:xfrm>
+          <a:off x="0" y="0"/>
+          <a:ext cx="0" cy="0"/>
+          <a:chOff x="0" y="0"/>
+          <a:chExt cx="0" cy="0"/>
+        </a:xfrm>
+      </p:grpSpPr>
+      <p:sp>
+        <p:nvSpPr>
+          <p:cNvPr id="2" name="标题 1">
+            <a:extLst>
+              <a:ext uri="{FF2B5EF4-FFF2-40B4-BE49-F238E27FC236}">
+                <a16:creationId xmlns:a16="http://schemas.microsoft.com/office/drawing/2014/main" id="{B0833462-3DC5-40B2-92C8-322D2048EE7F}"/>
+              </a:ext>
+            </a:extLst>
+          </p:cNvPr>
+          <p:cNvSpPr>
+            <a:spLocks noGrp="1"/>
+          </p:cNvSpPr>
+          <p:nvPr>
+            <p:ph type="title"/>
+          </p:nvPr>
+        </p:nvSpPr>
+        <p:spPr>
+          <a:xfrm>
+            <a:off x="706271" y="5182784"/>
+            <a:ext cx="10515600" cy="1325563"/>
+          </a:xfrm>
+        </p:spPr>
+        <p:txBody>
+          <a:bodyPr/>
+          <a:lstStyle/>
+          <a:p>
+            <a:r>
+              <a:rPr lang="en-US" altLang="zh-CN" dirty="0">
+                <a:solidFill>
+                  <a:srgbClr val="E28EA6"/>
+                </a:solidFill>
+              </a:rPr>
+              <a:t>#</a:t>
+            </a:r>
+            <a:r>
+              <a:rPr lang="en-US" altLang="zh-CN" dirty="0"/>
+              <a:t> </a:t>
+            </a:r>
+            <a:r>
+              <a:rPr lang="en-US" altLang="zh-CN" dirty="0">
+                <a:solidFill>
+                  <a:srgbClr val="E28EA6"/>
+                </a:solidFill>
+              </a:rPr>
+              <a:t>LaceDuvetWeiboIDElection2021</a:t>
+            </a:r>
+            <a:endParaRPr lang="zh-CN" altLang="en-US" dirty="0">
+              <a:solidFill>
+                <a:srgbClr val="E28EA6"/>
+              </a:solidFill>
+            </a:endParaRPr>
+          </a:p>
+        </p:txBody>
+      </p:sp>
+      <p:sp>
+        <p:nvSpPr>
+          <p:cNvPr id="3" name="内容占位符 2">
+            <a:extLst>
+              <a:ext uri="{FF2B5EF4-FFF2-40B4-BE49-F238E27FC236}">
+                <a16:creationId xmlns:a16="http://schemas.microsoft.com/office/drawing/2014/main" id="{1DCAFE66-5143-4932-86E7-772D349D8740}"/>
+              </a:ext>
+            </a:extLst>
+          </p:cNvPr>
+          <p:cNvSpPr>
+            <a:spLocks noGrp="1"/>
+          </p:cNvSpPr>
+          <p:nvPr>
+            <p:ph idx="1"/>
+          </p:nvPr>
+        </p:nvSpPr>
+        <p:spPr>
+          <a:xfrm>
+            <a:off x="838200" y="932322"/>
+            <a:ext cx="10515600" cy="497697"/>
+          </a:xfrm>
+        </p:spPr>
+        <p:txBody>
+          <a:bodyPr/>
+          <a:lstStyle/>
+          <a:p>
+            <a:pPr marL="0" indent="0">
+              <a:buNone/>
+            </a:pPr>
+            <a:r>
+              <a:rPr lang="zh-CN" altLang="en-US" dirty="0"/>
+              <a:t>小组赛</a:t>
+            </a:r>
+            <a:r>
+              <a:rPr lang="en-US" altLang="zh-CN" dirty="0"/>
+              <a:t>B</a:t>
+            </a:r>
+            <a:r>
+              <a:rPr lang="zh-CN" altLang="en-US" dirty="0"/>
+              <a:t>组  </a:t>
+            </a:r>
+            <a:r>
+              <a:rPr lang="en-US" altLang="zh-CN" sz="2000" dirty="0">
+                <a:solidFill>
+                  <a:srgbClr val="E28EA6"/>
+                </a:solidFill>
+              </a:rPr>
+              <a:t>d</a:t>
+            </a:r>
+            <a:r>
+              <a:rPr lang="zh-CN" altLang="en-US" sz="2000" dirty="0">
+                <a:solidFill>
+                  <a:srgbClr val="E28EA6"/>
+                </a:solidFill>
+              </a:rPr>
+              <a:t>酱微博</a:t>
+            </a:r>
+            <a:r>
+              <a:rPr lang="en-US" altLang="zh-CN" sz="2000" dirty="0">
+                <a:solidFill>
+                  <a:srgbClr val="E28EA6"/>
+                </a:solidFill>
+              </a:rPr>
+              <a:t>ID</a:t>
+            </a:r>
+            <a:r>
+              <a:rPr lang="zh-CN" altLang="en-US" sz="2000" dirty="0">
+                <a:solidFill>
+                  <a:srgbClr val="E28EA6"/>
+                </a:solidFill>
+              </a:rPr>
+              <a:t>总选举</a:t>
+            </a:r>
+            <a:r>
+              <a:rPr lang="en-US" altLang="zh-CN" sz="2000" dirty="0">
+                <a:solidFill>
+                  <a:srgbClr val="E28EA6"/>
+                </a:solidFill>
+              </a:rPr>
+              <a:t>2021</a:t>
+            </a:r>
+            <a:endParaRPr lang="zh-CN" altLang="en-US" dirty="0">
+              <a:solidFill>
+                <a:srgbClr val="E28EA6"/>
+              </a:solidFill>
+            </a:endParaRPr>
+          </a:p>
+        </p:txBody>
+      </p:sp>
+      <p:graphicFrame>
+        <p:nvGraphicFramePr>
+          <p:cNvPr id="4" name="表格 3">
+            <a:extLst>
+              <a:ext uri="{FF2B5EF4-FFF2-40B4-BE49-F238E27FC236}">
+                <a16:creationId xmlns:a16="http://schemas.microsoft.com/office/drawing/2014/main" id="{CB9C674D-C857-4131-AEBA-19C09D3A8C68}"/>
+              </a:ext>
+            </a:extLst>
+          </p:cNvPr>
+          <p:cNvGraphicFramePr>
+            <a:graphicFrameLocks noGrp="1"/>
+          </p:cNvGraphicFramePr>
           <p:nvPr>
             <p:extLst>
               <p:ext uri="{D42A27DB-BD31-4B8C-83A1-F6EECF244321}">
-                <p14:modId xmlns:p14="http://schemas.microsoft.com/office/powerpoint/2010/main" val="246003448"/>
+                <p14:modId xmlns:p14="http://schemas.microsoft.com/office/powerpoint/2010/main" val="2066552053"/>
               </p:ext>
             </p:extLst>
           </p:nvPr>
@@ -3714,7 +4665,7 @@
                       <a:pPr algn="ctr"/>
                       <a:r>
                         <a:rPr lang="zh-CN" altLang="en-US" dirty="0"/>
-                        <a:t>蕾丝卤煮</a:t>
+                        <a:t>蕾丝纸包不住火</a:t>
                       </a:r>
                       <a:r>
                         <a:rPr lang="en-US" altLang="zh-CN" dirty="0"/>
@@ -3736,7 +4687,7 @@
                       <a:pPr algn="ctr"/>
                       <a:r>
                         <a:rPr lang="en-US" altLang="zh-CN" dirty="0"/>
-                        <a:t>21</a:t>
+                        <a:t>12</a:t>
                       </a:r>
                       <a:endParaRPr lang="zh-CN" altLang="en-US" dirty="0"/>
                     </a:p>
@@ -3795,7 +4746,7 @@
                       <a:pPr algn="ctr"/>
                       <a:r>
                         <a:rPr lang="zh-CN" altLang="en-US" dirty="0"/>
-                        <a:t>蕾丝烧饼</a:t>
+                        <a:t>蕾丝包纸</a:t>
                       </a:r>
                       <a:r>
                         <a:rPr lang="en-US" altLang="zh-CN" dirty="0"/>
@@ -3817,7 +4768,7 @@
                       <a:pPr algn="ctr"/>
                       <a:r>
                         <a:rPr lang="en-US" altLang="zh-CN" dirty="0"/>
-                        <a:t>13</a:t>
+                        <a:t>10</a:t>
                       </a:r>
                       <a:endParaRPr lang="zh-CN" altLang="en-US" dirty="0"/>
                     </a:p>
@@ -3910,7 +4861,7 @@
                             </a:schemeClr>
                           </a:solidFill>
                         </a:rPr>
-                        <a:t>蕾丝香河肉饼</a:t>
+                        <a:t>蕾丝包子</a:t>
                       </a:r>
                       <a:r>
                         <a:rPr lang="en-US" altLang="zh-CN" dirty="0">
@@ -3932,6 +4883,23 @@
                         </a:rPr>
                         <a:t>酱</a:t>
                       </a:r>
+                      <a:r>
+                        <a:rPr lang="en-US" altLang="zh-CN" dirty="0">
+                          <a:solidFill>
+                            <a:schemeClr val="bg1">
+                              <a:lumMod val="50000"/>
+                            </a:schemeClr>
+                          </a:solidFill>
+                        </a:rPr>
+                        <a:t>XWB</a:t>
+                      </a:r>
+                      <a:endParaRPr lang="zh-CN" altLang="en-US" dirty="0">
+                        <a:solidFill>
+                          <a:schemeClr val="bg1">
+                            <a:lumMod val="50000"/>
+                          </a:schemeClr>
+                        </a:solidFill>
+                      </a:endParaRPr>
                     </a:p>
                   </a:txBody>
                   <a:tcPr/>
@@ -4001,7 +4969,7 @@
                             </a:schemeClr>
                           </a:solidFill>
                         </a:rPr>
-                        <a:t>3</a:t>
+                        <a:t>4</a:t>
                       </a:r>
                       <a:endParaRPr lang="zh-CN" altLang="en-US" dirty="0">
                         <a:solidFill>
@@ -4028,7 +4996,7 @@
                             </a:schemeClr>
                           </a:solidFill>
                         </a:rPr>
-                        <a:t>蕾丝灌汤包</a:t>
+                        <a:t>蕾丝大懒龙</a:t>
                       </a:r>
                       <a:r>
                         <a:rPr lang="en-US" altLang="zh-CN" dirty="0">
@@ -4075,7 +5043,7 @@
                             </a:schemeClr>
                           </a:solidFill>
                         </a:rPr>
-                        <a:t>9</a:t>
+                        <a:t>8</a:t>
                       </a:r>
                       <a:endParaRPr lang="zh-CN" altLang="en-US" dirty="0">
                         <a:solidFill>
@@ -4153,7 +5121,7 @@
                             </a:schemeClr>
                           </a:solidFill>
                         </a:rPr>
-                        <a:t>蕾丝虾饺</a:t>
+                        <a:t>蕾丝饺子</a:t>
                       </a:r>
                       <a:r>
                         <a:rPr lang="en-US" altLang="zh-CN" dirty="0">
@@ -4193,7 +5161,7 @@
                             </a:schemeClr>
                           </a:solidFill>
                         </a:rPr>
-                        <a:t>4</a:t>
+                        <a:t>5</a:t>
                       </a:r>
                       <a:endParaRPr lang="zh-CN" altLang="en-US" dirty="0">
                         <a:solidFill>
@@ -4271,7 +5239,7 @@
                             </a:schemeClr>
                           </a:solidFill>
                         </a:rPr>
-                        <a:t>蕾丝豹子</a:t>
+                        <a:t>蕾丝馅儿饼</a:t>
                       </a:r>
                       <a:r>
                         <a:rPr lang="en-US" altLang="zh-CN" dirty="0">
@@ -4311,7 +5279,7 @@
                             </a:schemeClr>
                           </a:solidFill>
                         </a:rPr>
-                        <a:t>2</a:t>
+                        <a:t>1</a:t>
                       </a:r>
                       <a:endParaRPr lang="zh-CN" altLang="en-US" dirty="0">
                         <a:solidFill>
@@ -4364,7 +5332,7 @@
 </p:sld>
 </file>
 
-<file path=ppt/slides/slide3.xml><?xml version="1.0" encoding="utf-8"?>
+<file path=ppt/slides/slide4.xml><?xml version="1.0" encoding="utf-8"?>
 <p:sld xmlns:a="http://schemas.openxmlformats.org/drawingml/2006/main" xmlns:r="http://schemas.openxmlformats.org/officeDocument/2006/relationships" xmlns:p="http://schemas.openxmlformats.org/presentationml/2006/main">
   <p:cSld>
     <p:spTree>
@@ -5196,7 +6164,7 @@
 </p:sld>
 </file>
 
-<file path=ppt/slides/slide4.xml><?xml version="1.0" encoding="utf-8"?>
+<file path=ppt/slides/slide5.xml><?xml version="1.0" encoding="utf-8"?>
 <p:sld xmlns:a="http://schemas.openxmlformats.org/drawingml/2006/main" xmlns:r="http://schemas.openxmlformats.org/officeDocument/2006/relationships" xmlns:p="http://schemas.openxmlformats.org/presentationml/2006/main">
   <p:cSld>
     <p:spTree>
@@ -5298,6 +6266,844 @@
             </a:pPr>
             <a:r>
               <a:rPr lang="zh-CN" altLang="en-US" dirty="0"/>
+              <a:t>小组赛</a:t>
+            </a:r>
+            <a:r>
+              <a:rPr lang="en-US" altLang="zh-CN" dirty="0"/>
+              <a:t>F</a:t>
+            </a:r>
+            <a:r>
+              <a:rPr lang="zh-CN" altLang="en-US" dirty="0"/>
+              <a:t>组  </a:t>
+            </a:r>
+            <a:r>
+              <a:rPr lang="en-US" altLang="zh-CN" sz="2000" dirty="0">
+                <a:solidFill>
+                  <a:srgbClr val="E28EA6"/>
+                </a:solidFill>
+              </a:rPr>
+              <a:t>d</a:t>
+            </a:r>
+            <a:r>
+              <a:rPr lang="zh-CN" altLang="en-US" sz="2000" dirty="0">
+                <a:solidFill>
+                  <a:srgbClr val="E28EA6"/>
+                </a:solidFill>
+              </a:rPr>
+              <a:t>酱微博</a:t>
+            </a:r>
+            <a:r>
+              <a:rPr lang="en-US" altLang="zh-CN" sz="2000" dirty="0">
+                <a:solidFill>
+                  <a:srgbClr val="E28EA6"/>
+                </a:solidFill>
+              </a:rPr>
+              <a:t>ID</a:t>
+            </a:r>
+            <a:r>
+              <a:rPr lang="zh-CN" altLang="en-US" sz="2000" dirty="0">
+                <a:solidFill>
+                  <a:srgbClr val="E28EA6"/>
+                </a:solidFill>
+              </a:rPr>
+              <a:t>总选举</a:t>
+            </a:r>
+            <a:r>
+              <a:rPr lang="en-US" altLang="zh-CN" sz="2000" dirty="0">
+                <a:solidFill>
+                  <a:srgbClr val="E28EA6"/>
+                </a:solidFill>
+              </a:rPr>
+              <a:t>2021</a:t>
+            </a:r>
+            <a:endParaRPr lang="zh-CN" altLang="en-US" dirty="0"/>
+          </a:p>
+        </p:txBody>
+      </p:sp>
+      <p:graphicFrame>
+        <p:nvGraphicFramePr>
+          <p:cNvPr id="5" name="表格 4">
+            <a:extLst>
+              <a:ext uri="{FF2B5EF4-FFF2-40B4-BE49-F238E27FC236}">
+                <a16:creationId xmlns:a16="http://schemas.microsoft.com/office/drawing/2014/main" id="{49A72A93-A647-4749-81EE-CFCD9A9A70B0}"/>
+              </a:ext>
+            </a:extLst>
+          </p:cNvPr>
+          <p:cNvGraphicFramePr>
+            <a:graphicFrameLocks noGrp="1"/>
+          </p:cNvGraphicFramePr>
+          <p:nvPr>
+            <p:extLst>
+              <p:ext uri="{D42A27DB-BD31-4B8C-83A1-F6EECF244321}">
+                <p14:modId xmlns:p14="http://schemas.microsoft.com/office/powerpoint/2010/main" val="115128852"/>
+              </p:ext>
+            </p:extLst>
+          </p:nvPr>
+        </p:nvGraphicFramePr>
+        <p:xfrm>
+          <a:off x="838200" y="2316480"/>
+          <a:ext cx="10515600" cy="2225040"/>
+        </p:xfrm>
+        <a:graphic>
+          <a:graphicData uri="http://schemas.openxmlformats.org/drawingml/2006/table">
+            <a:tbl>
+              <a:tblPr firstRow="1" bandRow="1">
+                <a:tableStyleId>{3B4B98B0-60AC-42C2-AFA5-B58CD77FA1E5}</a:tableStyleId>
+              </a:tblPr>
+              <a:tblGrid>
+                <a:gridCol w="2628900">
+                  <a:extLst>
+                    <a:ext uri="{9D8B030D-6E8A-4147-A177-3AD203B41FA5}">
+                      <a16:colId xmlns:a16="http://schemas.microsoft.com/office/drawing/2014/main" val="4196562404"/>
+                    </a:ext>
+                  </a:extLst>
+                </a:gridCol>
+                <a:gridCol w="2628900">
+                  <a:extLst>
+                    <a:ext uri="{9D8B030D-6E8A-4147-A177-3AD203B41FA5}">
+                      <a16:colId xmlns:a16="http://schemas.microsoft.com/office/drawing/2014/main" val="3290698310"/>
+                    </a:ext>
+                  </a:extLst>
+                </a:gridCol>
+                <a:gridCol w="2628900">
+                  <a:extLst>
+                    <a:ext uri="{9D8B030D-6E8A-4147-A177-3AD203B41FA5}">
+                      <a16:colId xmlns:a16="http://schemas.microsoft.com/office/drawing/2014/main" val="807860116"/>
+                    </a:ext>
+                  </a:extLst>
+                </a:gridCol>
+                <a:gridCol w="2628900">
+                  <a:extLst>
+                    <a:ext uri="{9D8B030D-6E8A-4147-A177-3AD203B41FA5}">
+                      <a16:colId xmlns:a16="http://schemas.microsoft.com/office/drawing/2014/main" val="1909900190"/>
+                    </a:ext>
+                  </a:extLst>
+                </a:gridCol>
+              </a:tblGrid>
+              <a:tr h="370840">
+                <a:tc>
+                  <a:txBody>
+                    <a:bodyPr/>
+                    <a:lstStyle/>
+                    <a:p>
+                      <a:pPr algn="ctr"/>
+                      <a:r>
+                        <a:rPr lang="zh-CN" altLang="en-US" dirty="0"/>
+                        <a:t>排名</a:t>
+                      </a:r>
+                    </a:p>
+                  </a:txBody>
+                  <a:tcPr/>
+                </a:tc>
+                <a:tc>
+                  <a:txBody>
+                    <a:bodyPr/>
+                    <a:lstStyle/>
+                    <a:p>
+                      <a:pPr algn="ctr"/>
+                      <a:r>
+                        <a:rPr lang="zh-CN" altLang="en-US" dirty="0"/>
+                        <a:t>选手名称</a:t>
+                      </a:r>
+                    </a:p>
+                  </a:txBody>
+                  <a:tcPr/>
+                </a:tc>
+                <a:tc>
+                  <a:txBody>
+                    <a:bodyPr/>
+                    <a:lstStyle/>
+                    <a:p>
+                      <a:pPr algn="ctr"/>
+                      <a:r>
+                        <a:rPr lang="zh-CN" altLang="en-US" dirty="0"/>
+                        <a:t>积分</a:t>
+                      </a:r>
+                    </a:p>
+                  </a:txBody>
+                  <a:tcPr/>
+                </a:tc>
+                <a:tc>
+                  <a:txBody>
+                    <a:bodyPr/>
+                    <a:lstStyle/>
+                    <a:p>
+                      <a:pPr algn="ctr"/>
+                      <a:endParaRPr lang="zh-CN" altLang="en-US" dirty="0"/>
+                    </a:p>
+                  </a:txBody>
+                  <a:tcPr/>
+                </a:tc>
+                <a:extLst>
+                  <a:ext uri="{0D108BD9-81ED-4DB2-BD59-A6C34878D82A}">
+                    <a16:rowId xmlns:a16="http://schemas.microsoft.com/office/drawing/2014/main" val="2329359568"/>
+                  </a:ext>
+                </a:extLst>
+              </a:tr>
+              <a:tr h="370840">
+                <a:tc>
+                  <a:txBody>
+                    <a:bodyPr/>
+                    <a:lstStyle/>
+                    <a:p>
+                      <a:pPr algn="ctr"/>
+                      <a:r>
+                        <a:rPr lang="en-US" altLang="zh-CN" dirty="0"/>
+                        <a:t>1</a:t>
+                      </a:r>
+                      <a:endParaRPr lang="zh-CN" altLang="en-US" dirty="0"/>
+                    </a:p>
+                  </a:txBody>
+                  <a:tcPr/>
+                </a:tc>
+                <a:tc>
+                  <a:txBody>
+                    <a:bodyPr/>
+                    <a:lstStyle/>
+                    <a:p>
+                      <a:pPr algn="ctr"/>
+                      <a:r>
+                        <a:rPr lang="zh-CN" altLang="en-US" dirty="0"/>
+                        <a:t>蕾丝狍子</a:t>
+                      </a:r>
+                      <a:r>
+                        <a:rPr lang="en-US" altLang="zh-CN" dirty="0"/>
+                        <a:t>d</a:t>
+                      </a:r>
+                      <a:r>
+                        <a:rPr lang="zh-CN" altLang="en-US" dirty="0"/>
+                        <a:t>酱</a:t>
+                      </a:r>
+                    </a:p>
+                  </a:txBody>
+                  <a:tcPr/>
+                </a:tc>
+                <a:tc>
+                  <a:txBody>
+                    <a:bodyPr/>
+                    <a:lstStyle/>
+                    <a:p>
+                      <a:pPr algn="ctr"/>
+                      <a:r>
+                        <a:rPr lang="en-US" altLang="zh-CN" dirty="0"/>
+                        <a:t>13</a:t>
+                      </a:r>
+                      <a:endParaRPr lang="zh-CN" altLang="en-US" dirty="0"/>
+                    </a:p>
+                  </a:txBody>
+                  <a:tcPr/>
+                </a:tc>
+                <a:tc>
+                  <a:txBody>
+                    <a:bodyPr/>
+                    <a:lstStyle/>
+                    <a:p>
+                      <a:pPr algn="ctr"/>
+                      <a:r>
+                        <a:rPr lang="zh-CN" altLang="en-US" dirty="0"/>
+                        <a:t>晋级</a:t>
+                      </a:r>
+                      <a:r>
+                        <a:rPr lang="en-US" altLang="zh-CN" dirty="0"/>
+                        <a:t>1/8</a:t>
+                      </a:r>
+                      <a:r>
+                        <a:rPr lang="zh-CN" altLang="en-US" dirty="0"/>
+                        <a:t>决赛</a:t>
+                      </a:r>
+                    </a:p>
+                  </a:txBody>
+                  <a:tcPr/>
+                </a:tc>
+                <a:extLst>
+                  <a:ext uri="{0D108BD9-81ED-4DB2-BD59-A6C34878D82A}">
+                    <a16:rowId xmlns:a16="http://schemas.microsoft.com/office/drawing/2014/main" val="326775811"/>
+                  </a:ext>
+                </a:extLst>
+              </a:tr>
+              <a:tr h="370840">
+                <a:tc>
+                  <a:txBody>
+                    <a:bodyPr/>
+                    <a:lstStyle/>
+                    <a:p>
+                      <a:pPr algn="ctr"/>
+                      <a:r>
+                        <a:rPr lang="en-US" altLang="zh-CN" dirty="0"/>
+                        <a:t>2</a:t>
+                      </a:r>
+                      <a:endParaRPr lang="zh-CN" altLang="en-US" dirty="0"/>
+                    </a:p>
+                  </a:txBody>
+                  <a:tcPr/>
+                </a:tc>
+                <a:tc>
+                  <a:txBody>
+                    <a:bodyPr/>
+                    <a:lstStyle/>
+                    <a:p>
+                      <a:pPr algn="ctr"/>
+                      <a:r>
+                        <a:rPr lang="zh-CN" altLang="en-US" dirty="0"/>
+                        <a:t>蕾丝肘子</a:t>
+                      </a:r>
+                      <a:r>
+                        <a:rPr lang="en-US" altLang="zh-CN" dirty="0"/>
+                        <a:t>d</a:t>
+                      </a:r>
+                      <a:r>
+                        <a:rPr lang="zh-CN" altLang="en-US" dirty="0"/>
+                        <a:t>酱</a:t>
+                      </a:r>
+                    </a:p>
+                  </a:txBody>
+                  <a:tcPr/>
+                </a:tc>
+                <a:tc>
+                  <a:txBody>
+                    <a:bodyPr/>
+                    <a:lstStyle/>
+                    <a:p>
+                      <a:pPr algn="ctr"/>
+                      <a:r>
+                        <a:rPr lang="en-US" altLang="zh-CN" dirty="0"/>
+                        <a:t>12</a:t>
+                      </a:r>
+                      <a:endParaRPr lang="zh-CN" altLang="en-US" dirty="0"/>
+                    </a:p>
+                  </a:txBody>
+                  <a:tcPr/>
+                </a:tc>
+                <a:tc>
+                  <a:txBody>
+                    <a:bodyPr/>
+                    <a:lstStyle/>
+                    <a:p>
+                      <a:pPr marL="0" marR="0" lvl="0" indent="0" algn="ctr" defTabSz="914400" rtl="0" eaLnBrk="1" fontAlgn="auto" latinLnBrk="0" hangingPunct="1">
+                        <a:lnSpc>
+                          <a:spcPct val="100000"/>
+                        </a:lnSpc>
+                        <a:spcBef>
+                          <a:spcPts val="0"/>
+                        </a:spcBef>
+                        <a:spcAft>
+                          <a:spcPts val="0"/>
+                        </a:spcAft>
+                        <a:buClrTx/>
+                        <a:buSzTx/>
+                        <a:buFontTx/>
+                        <a:buNone/>
+                        <a:tabLst/>
+                        <a:defRPr/>
+                      </a:pPr>
+                      <a:r>
+                        <a:rPr lang="zh-CN" altLang="en-US" dirty="0"/>
+                        <a:t>晋级</a:t>
+                      </a:r>
+                      <a:r>
+                        <a:rPr lang="en-US" altLang="zh-CN" dirty="0"/>
+                        <a:t>1/8</a:t>
+                      </a:r>
+                      <a:r>
+                        <a:rPr lang="zh-CN" altLang="en-US" dirty="0"/>
+                        <a:t>决赛</a:t>
+                      </a:r>
+                    </a:p>
+                  </a:txBody>
+                  <a:tcPr/>
+                </a:tc>
+                <a:extLst>
+                  <a:ext uri="{0D108BD9-81ED-4DB2-BD59-A6C34878D82A}">
+                    <a16:rowId xmlns:a16="http://schemas.microsoft.com/office/drawing/2014/main" val="161246582"/>
+                  </a:ext>
+                </a:extLst>
+              </a:tr>
+              <a:tr h="370840">
+                <a:tc>
+                  <a:txBody>
+                    <a:bodyPr/>
+                    <a:lstStyle/>
+                    <a:p>
+                      <a:pPr algn="ctr"/>
+                      <a:r>
+                        <a:rPr lang="en-US" altLang="zh-CN" dirty="0">
+                          <a:solidFill>
+                            <a:schemeClr val="bg1">
+                              <a:lumMod val="50000"/>
+                            </a:schemeClr>
+                          </a:solidFill>
+                        </a:rPr>
+                        <a:t>3</a:t>
+                      </a:r>
+                      <a:endParaRPr lang="zh-CN" altLang="en-US" dirty="0">
+                        <a:solidFill>
+                          <a:schemeClr val="bg1">
+                            <a:lumMod val="50000"/>
+                          </a:schemeClr>
+                        </a:solidFill>
+                      </a:endParaRPr>
+                    </a:p>
+                  </a:txBody>
+                  <a:tcPr/>
+                </a:tc>
+                <a:tc>
+                  <a:txBody>
+                    <a:bodyPr/>
+                    <a:lstStyle/>
+                    <a:p>
+                      <a:pPr marL="0" marR="0" lvl="0" indent="0" algn="ctr" defTabSz="914400" rtl="0" eaLnBrk="1" fontAlgn="auto" latinLnBrk="0" hangingPunct="1">
+                        <a:lnSpc>
+                          <a:spcPct val="100000"/>
+                        </a:lnSpc>
+                        <a:spcBef>
+                          <a:spcPts val="0"/>
+                        </a:spcBef>
+                        <a:spcAft>
+                          <a:spcPts val="0"/>
+                        </a:spcAft>
+                        <a:buClrTx/>
+                        <a:buSzTx/>
+                        <a:buFontTx/>
+                        <a:buNone/>
+                        <a:tabLst/>
+                        <a:defRPr/>
+                      </a:pPr>
+                      <a:r>
+                        <a:rPr lang="en-US" altLang="zh-CN" dirty="0">
+                          <a:solidFill>
+                            <a:schemeClr val="bg1">
+                              <a:lumMod val="50000"/>
+                            </a:schemeClr>
+                          </a:solidFill>
+                        </a:rPr>
+                        <a:t>d</a:t>
+                      </a:r>
+                      <a:r>
+                        <a:rPr lang="zh-CN" altLang="en-US" dirty="0">
+                          <a:solidFill>
+                            <a:schemeClr val="bg1">
+                              <a:lumMod val="50000"/>
+                            </a:schemeClr>
+                          </a:solidFill>
+                        </a:rPr>
+                        <a:t>丝酱包子雷</a:t>
+                      </a:r>
+                    </a:p>
+                  </a:txBody>
+                  <a:tcPr/>
+                </a:tc>
+                <a:tc>
+                  <a:txBody>
+                    <a:bodyPr/>
+                    <a:lstStyle/>
+                    <a:p>
+                      <a:pPr algn="ctr"/>
+                      <a:r>
+                        <a:rPr lang="en-US" altLang="zh-CN" dirty="0">
+                          <a:solidFill>
+                            <a:schemeClr val="bg1">
+                              <a:lumMod val="50000"/>
+                            </a:schemeClr>
+                          </a:solidFill>
+                        </a:rPr>
+                        <a:t>8</a:t>
+                      </a:r>
+                      <a:endParaRPr lang="zh-CN" altLang="en-US" dirty="0">
+                        <a:solidFill>
+                          <a:schemeClr val="bg1">
+                            <a:lumMod val="50000"/>
+                          </a:schemeClr>
+                        </a:solidFill>
+                      </a:endParaRPr>
+                    </a:p>
+                  </a:txBody>
+                  <a:tcPr/>
+                </a:tc>
+                <a:tc>
+                  <a:txBody>
+                    <a:bodyPr/>
+                    <a:lstStyle/>
+                    <a:p>
+                      <a:pPr algn="ctr"/>
+                      <a:endParaRPr lang="zh-CN" altLang="en-US" dirty="0">
+                        <a:solidFill>
+                          <a:schemeClr val="bg1">
+                            <a:lumMod val="50000"/>
+                          </a:schemeClr>
+                        </a:solidFill>
+                      </a:endParaRPr>
+                    </a:p>
+                  </a:txBody>
+                  <a:tcPr/>
+                </a:tc>
+                <a:extLst>
+                  <a:ext uri="{0D108BD9-81ED-4DB2-BD59-A6C34878D82A}">
+                    <a16:rowId xmlns:a16="http://schemas.microsoft.com/office/drawing/2014/main" val="3051721874"/>
+                  </a:ext>
+                </a:extLst>
+              </a:tr>
+              <a:tr h="370840">
+                <a:tc>
+                  <a:txBody>
+                    <a:bodyPr/>
+                    <a:lstStyle/>
+                    <a:p>
+                      <a:pPr algn="ctr"/>
+                      <a:r>
+                        <a:rPr lang="en-US" altLang="zh-CN" dirty="0">
+                          <a:solidFill>
+                            <a:schemeClr val="bg1">
+                              <a:lumMod val="50000"/>
+                            </a:schemeClr>
+                          </a:solidFill>
+                        </a:rPr>
+                        <a:t>3</a:t>
+                      </a:r>
+                      <a:endParaRPr lang="zh-CN" altLang="en-US" dirty="0">
+                        <a:solidFill>
+                          <a:schemeClr val="bg1">
+                            <a:lumMod val="50000"/>
+                          </a:schemeClr>
+                        </a:solidFill>
+                      </a:endParaRPr>
+                    </a:p>
+                  </a:txBody>
+                  <a:tcPr/>
+                </a:tc>
+                <a:tc>
+                  <a:txBody>
+                    <a:bodyPr/>
+                    <a:lstStyle/>
+                    <a:p>
+                      <a:pPr algn="ctr"/>
+                      <a:r>
+                        <a:rPr lang="zh-CN" altLang="en-US" dirty="0">
+                          <a:solidFill>
+                            <a:schemeClr val="bg1">
+                              <a:lumMod val="50000"/>
+                            </a:schemeClr>
+                          </a:solidFill>
+                        </a:rPr>
+                        <a:t>蕾丝糯米鸡</a:t>
+                      </a:r>
+                      <a:r>
+                        <a:rPr lang="en-US" altLang="zh-CN" dirty="0">
+                          <a:solidFill>
+                            <a:schemeClr val="bg1">
+                              <a:lumMod val="50000"/>
+                            </a:schemeClr>
+                          </a:solidFill>
+                        </a:rPr>
+                        <a:t>d</a:t>
+                      </a:r>
+                      <a:r>
+                        <a:rPr lang="zh-CN" altLang="en-US" dirty="0">
+                          <a:solidFill>
+                            <a:schemeClr val="bg1">
+                              <a:lumMod val="50000"/>
+                            </a:schemeClr>
+                          </a:solidFill>
+                        </a:rPr>
+                        <a:t>酱</a:t>
+                      </a:r>
+                      <a:endParaRPr lang="en-US" altLang="zh-CN" dirty="0">
+                        <a:solidFill>
+                          <a:schemeClr val="bg1">
+                            <a:lumMod val="50000"/>
+                          </a:schemeClr>
+                        </a:solidFill>
+                      </a:endParaRPr>
+                    </a:p>
+                  </a:txBody>
+                  <a:tcPr/>
+                </a:tc>
+                <a:tc>
+                  <a:txBody>
+                    <a:bodyPr/>
+                    <a:lstStyle/>
+                    <a:p>
+                      <a:pPr algn="ctr"/>
+                      <a:r>
+                        <a:rPr lang="en-US" altLang="zh-CN" dirty="0">
+                          <a:solidFill>
+                            <a:schemeClr val="bg1">
+                              <a:lumMod val="50000"/>
+                            </a:schemeClr>
+                          </a:solidFill>
+                        </a:rPr>
+                        <a:t>8</a:t>
+                      </a:r>
+                      <a:endParaRPr lang="zh-CN" altLang="en-US" dirty="0">
+                        <a:solidFill>
+                          <a:schemeClr val="bg1">
+                            <a:lumMod val="50000"/>
+                          </a:schemeClr>
+                        </a:solidFill>
+                      </a:endParaRPr>
+                    </a:p>
+                  </a:txBody>
+                  <a:tcPr/>
+                </a:tc>
+                <a:tc>
+                  <a:txBody>
+                    <a:bodyPr/>
+                    <a:lstStyle/>
+                    <a:p>
+                      <a:pPr algn="ctr"/>
+                      <a:endParaRPr lang="zh-CN" altLang="en-US" dirty="0">
+                        <a:solidFill>
+                          <a:schemeClr val="bg1">
+                            <a:lumMod val="50000"/>
+                          </a:schemeClr>
+                        </a:solidFill>
+                      </a:endParaRPr>
+                    </a:p>
+                  </a:txBody>
+                  <a:tcPr/>
+                </a:tc>
+                <a:extLst>
+                  <a:ext uri="{0D108BD9-81ED-4DB2-BD59-A6C34878D82A}">
+                    <a16:rowId xmlns:a16="http://schemas.microsoft.com/office/drawing/2014/main" val="1721441378"/>
+                  </a:ext>
+                </a:extLst>
+              </a:tr>
+              <a:tr h="370840">
+                <a:tc>
+                  <a:txBody>
+                    <a:bodyPr/>
+                    <a:lstStyle/>
+                    <a:p>
+                      <a:pPr algn="ctr"/>
+                      <a:r>
+                        <a:rPr lang="en-US" altLang="zh-CN" dirty="0">
+                          <a:solidFill>
+                            <a:schemeClr val="bg1">
+                              <a:lumMod val="50000"/>
+                            </a:schemeClr>
+                          </a:solidFill>
+                        </a:rPr>
+                        <a:t>5</a:t>
+                      </a:r>
+                      <a:endParaRPr lang="zh-CN" altLang="en-US" dirty="0">
+                        <a:solidFill>
+                          <a:schemeClr val="bg1">
+                            <a:lumMod val="50000"/>
+                          </a:schemeClr>
+                        </a:solidFill>
+                      </a:endParaRPr>
+                    </a:p>
+                  </a:txBody>
+                  <a:tcPr/>
+                </a:tc>
+                <a:tc>
+                  <a:txBody>
+                    <a:bodyPr/>
+                    <a:lstStyle/>
+                    <a:p>
+                      <a:pPr algn="ctr"/>
+                      <a:r>
+                        <a:rPr lang="zh-CN" altLang="en-US" dirty="0">
+                          <a:solidFill>
+                            <a:schemeClr val="bg1">
+                              <a:lumMod val="50000"/>
+                            </a:schemeClr>
+                          </a:solidFill>
+                        </a:rPr>
+                        <a:t>蕾丝馄饨</a:t>
+                      </a:r>
+                      <a:r>
+                        <a:rPr lang="en-US" altLang="zh-CN" dirty="0">
+                          <a:solidFill>
+                            <a:schemeClr val="bg1">
+                              <a:lumMod val="50000"/>
+                            </a:schemeClr>
+                          </a:solidFill>
+                        </a:rPr>
+                        <a:t>d</a:t>
+                      </a:r>
+                      <a:r>
+                        <a:rPr lang="zh-CN" altLang="en-US" dirty="0">
+                          <a:solidFill>
+                            <a:schemeClr val="bg1">
+                              <a:lumMod val="50000"/>
+                            </a:schemeClr>
+                          </a:solidFill>
+                        </a:rPr>
+                        <a:t>酱</a:t>
+                      </a:r>
+                    </a:p>
+                  </a:txBody>
+                  <a:tcPr/>
+                </a:tc>
+                <a:tc>
+                  <a:txBody>
+                    <a:bodyPr/>
+                    <a:lstStyle/>
+                    <a:p>
+                      <a:pPr algn="ctr"/>
+                      <a:r>
+                        <a:rPr lang="en-US" altLang="zh-CN" dirty="0">
+                          <a:solidFill>
+                            <a:schemeClr val="bg1">
+                              <a:lumMod val="50000"/>
+                            </a:schemeClr>
+                          </a:solidFill>
+                        </a:rPr>
+                        <a:t>6</a:t>
+                      </a:r>
+                      <a:endParaRPr lang="zh-CN" altLang="en-US" dirty="0">
+                        <a:solidFill>
+                          <a:schemeClr val="bg1">
+                            <a:lumMod val="50000"/>
+                          </a:schemeClr>
+                        </a:solidFill>
+                      </a:endParaRPr>
+                    </a:p>
+                  </a:txBody>
+                  <a:tcPr/>
+                </a:tc>
+                <a:tc>
+                  <a:txBody>
+                    <a:bodyPr/>
+                    <a:lstStyle/>
+                    <a:p>
+                      <a:pPr algn="ctr"/>
+                      <a:endParaRPr lang="zh-CN" altLang="en-US" dirty="0">
+                        <a:solidFill>
+                          <a:schemeClr val="bg1">
+                            <a:lumMod val="50000"/>
+                          </a:schemeClr>
+                        </a:solidFill>
+                      </a:endParaRPr>
+                    </a:p>
+                  </a:txBody>
+                  <a:tcPr/>
+                </a:tc>
+                <a:extLst>
+                  <a:ext uri="{0D108BD9-81ED-4DB2-BD59-A6C34878D82A}">
+                    <a16:rowId xmlns:a16="http://schemas.microsoft.com/office/drawing/2014/main" val="2048286747"/>
+                  </a:ext>
+                </a:extLst>
+              </a:tr>
+            </a:tbl>
+          </a:graphicData>
+        </a:graphic>
+      </p:graphicFrame>
+    </p:spTree>
+    <p:extLst>
+      <p:ext uri="{BB962C8B-B14F-4D97-AF65-F5344CB8AC3E}">
+        <p14:creationId xmlns:p14="http://schemas.microsoft.com/office/powerpoint/2010/main" val="4183665346"/>
+      </p:ext>
+    </p:extLst>
+  </p:cSld>
+  <p:clrMapOvr>
+    <a:masterClrMapping/>
+  </p:clrMapOvr>
+</p:sld>
+</file>
+
+<file path=ppt/slides/slide6.xml><?xml version="1.0" encoding="utf-8"?>
+<p:sld xmlns:a="http://schemas.openxmlformats.org/drawingml/2006/main" xmlns:r="http://schemas.openxmlformats.org/officeDocument/2006/relationships" xmlns:p="http://schemas.openxmlformats.org/presentationml/2006/main">
+  <p:cSld>
+    <p:spTree>
+      <p:nvGrpSpPr>
+        <p:cNvPr id="1" name=""/>
+        <p:cNvGrpSpPr/>
+        <p:nvPr/>
+      </p:nvGrpSpPr>
+      <p:grpSpPr>
+        <a:xfrm>
+          <a:off x="0" y="0"/>
+          <a:ext cx="0" cy="0"/>
+          <a:chOff x="0" y="0"/>
+          <a:chExt cx="0" cy="0"/>
+        </a:xfrm>
+      </p:grpSpPr>
+      <p:sp>
+        <p:nvSpPr>
+          <p:cNvPr id="2" name="标题 1">
+            <a:extLst>
+              <a:ext uri="{FF2B5EF4-FFF2-40B4-BE49-F238E27FC236}">
+                <a16:creationId xmlns:a16="http://schemas.microsoft.com/office/drawing/2014/main" id="{B0833462-3DC5-40B2-92C8-322D2048EE7F}"/>
+              </a:ext>
+            </a:extLst>
+          </p:cNvPr>
+          <p:cNvSpPr>
+            <a:spLocks noGrp="1"/>
+          </p:cNvSpPr>
+          <p:nvPr>
+            <p:ph type="title"/>
+          </p:nvPr>
+        </p:nvSpPr>
+        <p:spPr>
+          <a:xfrm>
+            <a:off x="706271" y="5182784"/>
+            <a:ext cx="10515600" cy="1325563"/>
+          </a:xfrm>
+        </p:spPr>
+        <p:txBody>
+          <a:bodyPr/>
+          <a:lstStyle/>
+          <a:p>
+            <a:r>
+              <a:rPr lang="en-US" altLang="zh-CN" dirty="0">
+                <a:solidFill>
+                  <a:srgbClr val="E28EA6"/>
+                </a:solidFill>
+              </a:rPr>
+              <a:t>#</a:t>
+            </a:r>
+            <a:r>
+              <a:rPr lang="en-US" altLang="zh-CN" dirty="0"/>
+              <a:t> </a:t>
+            </a:r>
+            <a:r>
+              <a:rPr lang="en-US" altLang="zh-CN" dirty="0">
+                <a:solidFill>
+                  <a:srgbClr val="E28EA6"/>
+                </a:solidFill>
+              </a:rPr>
+              <a:t>LaceDuvetWeiboIDElection2021</a:t>
+            </a:r>
+            <a:endParaRPr lang="zh-CN" altLang="en-US" dirty="0">
+              <a:solidFill>
+                <a:srgbClr val="E28EA6"/>
+              </a:solidFill>
+            </a:endParaRPr>
+          </a:p>
+        </p:txBody>
+      </p:sp>
+      <p:sp>
+        <p:nvSpPr>
+          <p:cNvPr id="3" name="内容占位符 2">
+            <a:extLst>
+              <a:ext uri="{FF2B5EF4-FFF2-40B4-BE49-F238E27FC236}">
+                <a16:creationId xmlns:a16="http://schemas.microsoft.com/office/drawing/2014/main" id="{1DCAFE66-5143-4932-86E7-772D349D8740}"/>
+              </a:ext>
+            </a:extLst>
+          </p:cNvPr>
+          <p:cNvSpPr>
+            <a:spLocks noGrp="1"/>
+          </p:cNvSpPr>
+          <p:nvPr>
+            <p:ph idx="1"/>
+          </p:nvPr>
+        </p:nvSpPr>
+        <p:spPr>
+          <a:xfrm>
+            <a:off x="838200" y="932322"/>
+            <a:ext cx="10515600" cy="497697"/>
+          </a:xfrm>
+        </p:spPr>
+        <p:txBody>
+          <a:bodyPr/>
+          <a:lstStyle/>
+          <a:p>
+            <a:pPr marL="0" indent="0">
+              <a:buNone/>
+            </a:pPr>
+            <a:r>
+              <a:rPr lang="zh-CN" altLang="en-US" dirty="0"/>
               <a:t>明日赛程  </a:t>
             </a:r>
             <a:r>
@@ -5386,7 +7192,7 @@
                   <a:srgbClr val="E28EA6"/>
                 </a:solidFill>
               </a:rPr>
-              <a:t>B</a:t>
+              <a:t>C</a:t>
             </a:r>
             <a:endParaRPr lang="zh-CN" altLang="en-US" sz="4000" dirty="0">
               <a:solidFill>
@@ -5426,7 +7232,7 @@
           <a:p>
             <a:r>
               <a:rPr lang="zh-CN" altLang="en-US" sz="2000" dirty="0"/>
-              <a:t>蕾丝包纸</a:t>
+              <a:t>蕾丝傻子</a:t>
             </a:r>
             <a:r>
               <a:rPr lang="en-US" altLang="zh-CN" sz="2000" dirty="0"/>
@@ -5440,7 +7246,7 @@
           <a:p>
             <a:r>
               <a:rPr lang="zh-CN" altLang="en-US" sz="2000" dirty="0"/>
-              <a:t>蕾丝大懒龙</a:t>
+              <a:t>蕾丝流心奶黄包</a:t>
             </a:r>
             <a:r>
               <a:rPr lang="en-US" altLang="zh-CN" sz="2000" dirty="0"/>
@@ -5454,7 +7260,7 @@
           <a:p>
             <a:r>
               <a:rPr lang="zh-CN" altLang="en-US" sz="2000" dirty="0"/>
-              <a:t>蕾丝包子</a:t>
+              <a:t>蕾丝勺子</a:t>
             </a:r>
             <a:r>
               <a:rPr lang="en-US" altLang="zh-CN" sz="2000" dirty="0"/>
@@ -5464,15 +7270,11 @@
               <a:rPr lang="zh-CN" altLang="en-US" sz="2000" dirty="0"/>
               <a:t>酱</a:t>
             </a:r>
-            <a:r>
-              <a:rPr lang="en-US" altLang="zh-CN" sz="2000" dirty="0"/>
-              <a:t>XWB</a:t>
-            </a:r>
           </a:p>
           <a:p>
             <a:r>
               <a:rPr lang="zh-CN" altLang="en-US" sz="2000" dirty="0"/>
-              <a:t>蕾丝饺子</a:t>
+              <a:t>蕾丝包孑</a:t>
             </a:r>
             <a:r>
               <a:rPr lang="en-US" altLang="zh-CN" sz="2000" dirty="0"/>
@@ -5486,21 +7288,13 @@
           <a:p>
             <a:r>
               <a:rPr lang="zh-CN" altLang="en-US" sz="2000" dirty="0"/>
-              <a:t>蕾丝馅儿饼</a:t>
-            </a:r>
-            <a:r>
-              <a:rPr lang="en-US" altLang="zh-CN" sz="2000" dirty="0"/>
-              <a:t>d</a:t>
-            </a:r>
+              <a:t>蕾丝面条炸酱</a:t>
+            </a:r>
+          </a:p>
+          <a:p>
             <a:r>
               <a:rPr lang="zh-CN" altLang="en-US" sz="2000" dirty="0"/>
-              <a:t>酱</a:t>
-            </a:r>
-          </a:p>
-          <a:p>
-            <a:r>
-              <a:rPr lang="zh-CN" altLang="en-US" sz="2000" dirty="0"/>
-              <a:t>蕾丝纸包不住火</a:t>
+              <a:t>蕾丝雹子</a:t>
             </a:r>
             <a:r>
               <a:rPr lang="en-US" altLang="zh-CN" sz="2000" dirty="0"/>
@@ -5543,7 +7337,7 @@
           <a:p>
             <a:r>
               <a:rPr lang="zh-CN" altLang="en-US" sz="2000" dirty="0"/>
-              <a:t>蕾丝狍子</a:t>
+              <a:t>蕾丝锅盔</a:t>
             </a:r>
             <a:r>
               <a:rPr lang="en-US" altLang="zh-CN" sz="2000" dirty="0"/>
@@ -5557,7 +7351,7 @@
           <a:p>
             <a:r>
               <a:rPr lang="zh-CN" altLang="en-US" sz="2000" dirty="0"/>
-              <a:t>蕾丝肘子</a:t>
+              <a:t>蕾丝元宵</a:t>
             </a:r>
             <a:r>
               <a:rPr lang="en-US" altLang="zh-CN" sz="2000" dirty="0"/>
@@ -5571,7 +7365,7 @@
           <a:p>
             <a:r>
               <a:rPr lang="zh-CN" altLang="en-US" sz="2000" dirty="0"/>
-              <a:t>蕾丝馄饨</a:t>
+              <a:t>蕾丝包了</a:t>
             </a:r>
             <a:r>
               <a:rPr lang="en-US" altLang="zh-CN" sz="2000" dirty="0"/>
@@ -5585,7 +7379,7 @@
           <a:p>
             <a:r>
               <a:rPr lang="zh-CN" altLang="en-US" sz="2000" dirty="0"/>
-              <a:t>蕾丝糯米鸡</a:t>
+              <a:t>蕾丝烧卖</a:t>
             </a:r>
             <a:r>
               <a:rPr lang="en-US" altLang="zh-CN" sz="2000" dirty="0"/>
@@ -5598,12 +7392,16 @@
           </a:p>
           <a:p>
             <a:r>
+              <a:rPr lang="zh-CN" altLang="en-US" sz="2000" dirty="0"/>
+              <a:t>蕾丝糯米团子</a:t>
+            </a:r>
+            <a:r>
               <a:rPr lang="en-US" altLang="zh-CN" sz="2000" dirty="0"/>
               <a:t>d</a:t>
             </a:r>
             <a:r>
               <a:rPr lang="zh-CN" altLang="en-US" sz="2000" dirty="0"/>
-              <a:t>丝酱包子雷</a:t>
+              <a:t>酱</a:t>
             </a:r>
           </a:p>
         </p:txBody>
@@ -5650,7 +7448,7 @@
                   <a:srgbClr val="E28EA6"/>
                 </a:solidFill>
               </a:rPr>
-              <a:t>F</a:t>
+              <a:t>G</a:t>
             </a:r>
             <a:endParaRPr lang="zh-CN" altLang="en-US" sz="4000" dirty="0">
               <a:solidFill>
@@ -5664,6 +7462,1474 @@
     <p:extLst>
       <p:ext uri="{BB962C8B-B14F-4D97-AF65-F5344CB8AC3E}">
         <p14:creationId xmlns:p14="http://schemas.microsoft.com/office/powerpoint/2010/main" val="243769693"/>
+      </p:ext>
+    </p:extLst>
+  </p:cSld>
+  <p:clrMapOvr>
+    <a:masterClrMapping/>
+  </p:clrMapOvr>
+</p:sld>
+</file>
+
+<file path=ppt/slides/slide7.xml><?xml version="1.0" encoding="utf-8"?>
+<p:sld xmlns:a="http://schemas.openxmlformats.org/drawingml/2006/main" xmlns:r="http://schemas.openxmlformats.org/officeDocument/2006/relationships" xmlns:p="http://schemas.openxmlformats.org/presentationml/2006/main">
+  <p:cSld>
+    <p:spTree>
+      <p:nvGrpSpPr>
+        <p:cNvPr id="1" name=""/>
+        <p:cNvGrpSpPr/>
+        <p:nvPr/>
+      </p:nvGrpSpPr>
+      <p:grpSpPr>
+        <a:xfrm>
+          <a:off x="0" y="0"/>
+          <a:ext cx="0" cy="0"/>
+          <a:chOff x="0" y="0"/>
+          <a:chExt cx="0" cy="0"/>
+        </a:xfrm>
+      </p:grpSpPr>
+      <p:sp>
+        <p:nvSpPr>
+          <p:cNvPr id="2" name="标题 1">
+            <a:extLst>
+              <a:ext uri="{FF2B5EF4-FFF2-40B4-BE49-F238E27FC236}">
+                <a16:creationId xmlns:a16="http://schemas.microsoft.com/office/drawing/2014/main" id="{B0833462-3DC5-40B2-92C8-322D2048EE7F}"/>
+              </a:ext>
+            </a:extLst>
+          </p:cNvPr>
+          <p:cNvSpPr>
+            <a:spLocks noGrp="1"/>
+          </p:cNvSpPr>
+          <p:nvPr>
+            <p:ph type="title"/>
+          </p:nvPr>
+        </p:nvSpPr>
+        <p:spPr>
+          <a:xfrm>
+            <a:off x="743509" y="5662741"/>
+            <a:ext cx="10515600" cy="1325563"/>
+          </a:xfrm>
+        </p:spPr>
+        <p:txBody>
+          <a:bodyPr/>
+          <a:lstStyle/>
+          <a:p>
+            <a:r>
+              <a:rPr lang="en-US" altLang="zh-CN" dirty="0">
+                <a:solidFill>
+                  <a:srgbClr val="E28EA6"/>
+                </a:solidFill>
+              </a:rPr>
+              <a:t>#</a:t>
+            </a:r>
+            <a:r>
+              <a:rPr lang="en-US" altLang="zh-CN" dirty="0"/>
+              <a:t> </a:t>
+            </a:r>
+            <a:r>
+              <a:rPr lang="en-US" altLang="zh-CN" dirty="0">
+                <a:solidFill>
+                  <a:srgbClr val="E28EA6"/>
+                </a:solidFill>
+              </a:rPr>
+              <a:t>LaceDuvetWeiboIDElection2021</a:t>
+            </a:r>
+            <a:endParaRPr lang="zh-CN" altLang="en-US" dirty="0">
+              <a:solidFill>
+                <a:srgbClr val="E28EA6"/>
+              </a:solidFill>
+            </a:endParaRPr>
+          </a:p>
+        </p:txBody>
+      </p:sp>
+      <p:sp>
+        <p:nvSpPr>
+          <p:cNvPr id="3" name="内容占位符 2">
+            <a:extLst>
+              <a:ext uri="{FF2B5EF4-FFF2-40B4-BE49-F238E27FC236}">
+                <a16:creationId xmlns:a16="http://schemas.microsoft.com/office/drawing/2014/main" id="{1DCAFE66-5143-4932-86E7-772D349D8740}"/>
+              </a:ext>
+            </a:extLst>
+          </p:cNvPr>
+          <p:cNvSpPr>
+            <a:spLocks noGrp="1"/>
+          </p:cNvSpPr>
+          <p:nvPr>
+            <p:ph idx="1"/>
+          </p:nvPr>
+        </p:nvSpPr>
+        <p:spPr>
+          <a:xfrm>
+            <a:off x="838200" y="275838"/>
+            <a:ext cx="10515600" cy="497697"/>
+          </a:xfrm>
+        </p:spPr>
+        <p:txBody>
+          <a:bodyPr/>
+          <a:lstStyle/>
+          <a:p>
+            <a:pPr marL="0" indent="0">
+              <a:buNone/>
+            </a:pPr>
+            <a:r>
+              <a:rPr lang="zh-CN" altLang="en-US" dirty="0"/>
+              <a:t>淘汰赛赛程  </a:t>
+            </a:r>
+            <a:r>
+              <a:rPr lang="en-US" altLang="zh-CN" sz="2000" dirty="0">
+                <a:solidFill>
+                  <a:srgbClr val="E28EA6"/>
+                </a:solidFill>
+              </a:rPr>
+              <a:t>d</a:t>
+            </a:r>
+            <a:r>
+              <a:rPr lang="zh-CN" altLang="en-US" sz="2000" dirty="0">
+                <a:solidFill>
+                  <a:srgbClr val="E28EA6"/>
+                </a:solidFill>
+              </a:rPr>
+              <a:t>酱微博</a:t>
+            </a:r>
+            <a:r>
+              <a:rPr lang="en-US" altLang="zh-CN" sz="2000" dirty="0">
+                <a:solidFill>
+                  <a:srgbClr val="E28EA6"/>
+                </a:solidFill>
+              </a:rPr>
+              <a:t>ID</a:t>
+            </a:r>
+            <a:r>
+              <a:rPr lang="zh-CN" altLang="en-US" sz="2000" dirty="0">
+                <a:solidFill>
+                  <a:srgbClr val="E28EA6"/>
+                </a:solidFill>
+              </a:rPr>
+              <a:t>总选举</a:t>
+            </a:r>
+            <a:r>
+              <a:rPr lang="en-US" altLang="zh-CN" sz="2000" dirty="0">
+                <a:solidFill>
+                  <a:srgbClr val="E28EA6"/>
+                </a:solidFill>
+              </a:rPr>
+              <a:t>2021</a:t>
+            </a:r>
+            <a:endParaRPr lang="zh-CN" altLang="en-US" dirty="0"/>
+          </a:p>
+        </p:txBody>
+      </p:sp>
+      <p:sp>
+        <p:nvSpPr>
+          <p:cNvPr id="4" name="矩形 3">
+            <a:extLst>
+              <a:ext uri="{FF2B5EF4-FFF2-40B4-BE49-F238E27FC236}">
+                <a16:creationId xmlns:a16="http://schemas.microsoft.com/office/drawing/2014/main" id="{AD9261AF-EB6A-4EB1-A26F-8733BA6CB95F}"/>
+              </a:ext>
+            </a:extLst>
+          </p:cNvPr>
+          <p:cNvSpPr/>
+          <p:nvPr/>
+        </p:nvSpPr>
+        <p:spPr>
+          <a:xfrm>
+            <a:off x="980601" y="1536988"/>
+            <a:ext cx="1352981" cy="370483"/>
+          </a:xfrm>
+          <a:prstGeom prst="rect">
+            <a:avLst/>
+          </a:prstGeom>
+          <a:solidFill>
+            <a:srgbClr val="FFB3B3"/>
+          </a:solidFill>
+          <a:ln>
+            <a:solidFill>
+              <a:srgbClr val="E28EA6"/>
+            </a:solidFill>
+          </a:ln>
+        </p:spPr>
+        <p:style>
+          <a:lnRef idx="2">
+            <a:schemeClr val="accent3">
+              <a:shade val="50000"/>
+            </a:schemeClr>
+          </a:lnRef>
+          <a:fillRef idx="1">
+            <a:schemeClr val="accent3"/>
+          </a:fillRef>
+          <a:effectRef idx="0">
+            <a:schemeClr val="accent3"/>
+          </a:effectRef>
+          <a:fontRef idx="minor">
+            <a:schemeClr val="lt1"/>
+          </a:fontRef>
+        </p:style>
+        <p:txBody>
+          <a:bodyPr rtlCol="0" anchor="ctr"/>
+          <a:lstStyle/>
+          <a:p>
+            <a:pPr algn="ctr"/>
+            <a:endParaRPr lang="zh-CN" altLang="en-US"/>
+          </a:p>
+        </p:txBody>
+      </p:sp>
+      <p:sp>
+        <p:nvSpPr>
+          <p:cNvPr id="11" name="矩形 10">
+            <a:extLst>
+              <a:ext uri="{FF2B5EF4-FFF2-40B4-BE49-F238E27FC236}">
+                <a16:creationId xmlns:a16="http://schemas.microsoft.com/office/drawing/2014/main" id="{1C199168-37F0-4E3B-96B5-594694324920}"/>
+              </a:ext>
+            </a:extLst>
+          </p:cNvPr>
+          <p:cNvSpPr/>
+          <p:nvPr/>
+        </p:nvSpPr>
+        <p:spPr>
+          <a:xfrm>
+            <a:off x="980601" y="2176921"/>
+            <a:ext cx="1352981" cy="370483"/>
+          </a:xfrm>
+          <a:prstGeom prst="rect">
+            <a:avLst/>
+          </a:prstGeom>
+          <a:solidFill>
+            <a:srgbClr val="FFB3B3"/>
+          </a:solidFill>
+          <a:ln>
+            <a:solidFill>
+              <a:srgbClr val="E28EA6"/>
+            </a:solidFill>
+          </a:ln>
+        </p:spPr>
+        <p:style>
+          <a:lnRef idx="2">
+            <a:schemeClr val="accent3">
+              <a:shade val="50000"/>
+            </a:schemeClr>
+          </a:lnRef>
+          <a:fillRef idx="1">
+            <a:schemeClr val="accent3"/>
+          </a:fillRef>
+          <a:effectRef idx="0">
+            <a:schemeClr val="accent3"/>
+          </a:effectRef>
+          <a:fontRef idx="minor">
+            <a:schemeClr val="lt1"/>
+          </a:fontRef>
+        </p:style>
+        <p:txBody>
+          <a:bodyPr rtlCol="0" anchor="ctr"/>
+          <a:lstStyle/>
+          <a:p>
+            <a:pPr algn="ctr"/>
+            <a:endParaRPr lang="zh-CN" altLang="en-US"/>
+          </a:p>
+        </p:txBody>
+      </p:sp>
+      <p:sp>
+        <p:nvSpPr>
+          <p:cNvPr id="12" name="矩形 11">
+            <a:extLst>
+              <a:ext uri="{FF2B5EF4-FFF2-40B4-BE49-F238E27FC236}">
+                <a16:creationId xmlns:a16="http://schemas.microsoft.com/office/drawing/2014/main" id="{701DD13B-D4F4-43F6-927B-1084650DC87A}"/>
+              </a:ext>
+            </a:extLst>
+          </p:cNvPr>
+          <p:cNvSpPr/>
+          <p:nvPr/>
+        </p:nvSpPr>
+        <p:spPr>
+          <a:xfrm>
+            <a:off x="980601" y="4736653"/>
+            <a:ext cx="1352981" cy="370483"/>
+          </a:xfrm>
+          <a:prstGeom prst="rect">
+            <a:avLst/>
+          </a:prstGeom>
+          <a:solidFill>
+            <a:srgbClr val="FFB3B3"/>
+          </a:solidFill>
+          <a:ln>
+            <a:solidFill>
+              <a:srgbClr val="E28EA6"/>
+            </a:solidFill>
+          </a:ln>
+        </p:spPr>
+        <p:style>
+          <a:lnRef idx="2">
+            <a:schemeClr val="accent3">
+              <a:shade val="50000"/>
+            </a:schemeClr>
+          </a:lnRef>
+          <a:fillRef idx="1">
+            <a:schemeClr val="accent3"/>
+          </a:fillRef>
+          <a:effectRef idx="0">
+            <a:schemeClr val="accent3"/>
+          </a:effectRef>
+          <a:fontRef idx="minor">
+            <a:schemeClr val="lt1"/>
+          </a:fontRef>
+        </p:style>
+        <p:txBody>
+          <a:bodyPr rtlCol="0" anchor="ctr"/>
+          <a:lstStyle/>
+          <a:p>
+            <a:pPr algn="ctr"/>
+            <a:endParaRPr lang="zh-CN" altLang="en-US"/>
+          </a:p>
+        </p:txBody>
+      </p:sp>
+      <p:sp>
+        <p:nvSpPr>
+          <p:cNvPr id="13" name="矩形 12">
+            <a:extLst>
+              <a:ext uri="{FF2B5EF4-FFF2-40B4-BE49-F238E27FC236}">
+                <a16:creationId xmlns:a16="http://schemas.microsoft.com/office/drawing/2014/main" id="{03AE7EB5-B8B4-4D86-A8BD-87EBE9764FAA}"/>
+              </a:ext>
+            </a:extLst>
+          </p:cNvPr>
+          <p:cNvSpPr/>
+          <p:nvPr/>
+        </p:nvSpPr>
+        <p:spPr>
+          <a:xfrm>
+            <a:off x="980601" y="2816854"/>
+            <a:ext cx="1352981" cy="370483"/>
+          </a:xfrm>
+          <a:prstGeom prst="rect">
+            <a:avLst/>
+          </a:prstGeom>
+          <a:solidFill>
+            <a:srgbClr val="FFB3B3"/>
+          </a:solidFill>
+          <a:ln>
+            <a:solidFill>
+              <a:srgbClr val="E28EA6"/>
+            </a:solidFill>
+          </a:ln>
+        </p:spPr>
+        <p:style>
+          <a:lnRef idx="2">
+            <a:schemeClr val="accent3">
+              <a:shade val="50000"/>
+            </a:schemeClr>
+          </a:lnRef>
+          <a:fillRef idx="1">
+            <a:schemeClr val="accent3"/>
+          </a:fillRef>
+          <a:effectRef idx="0">
+            <a:schemeClr val="accent3"/>
+          </a:effectRef>
+          <a:fontRef idx="minor">
+            <a:schemeClr val="lt1"/>
+          </a:fontRef>
+        </p:style>
+        <p:txBody>
+          <a:bodyPr rtlCol="0" anchor="ctr"/>
+          <a:lstStyle/>
+          <a:p>
+            <a:pPr algn="ctr"/>
+            <a:endParaRPr lang="zh-CN" altLang="en-US"/>
+          </a:p>
+        </p:txBody>
+      </p:sp>
+      <p:sp>
+        <p:nvSpPr>
+          <p:cNvPr id="14" name="矩形 13">
+            <a:extLst>
+              <a:ext uri="{FF2B5EF4-FFF2-40B4-BE49-F238E27FC236}">
+                <a16:creationId xmlns:a16="http://schemas.microsoft.com/office/drawing/2014/main" id="{167B23DE-7B6F-4243-9C93-7E39AE7FB604}"/>
+              </a:ext>
+            </a:extLst>
+          </p:cNvPr>
+          <p:cNvSpPr/>
+          <p:nvPr/>
+        </p:nvSpPr>
+        <p:spPr>
+          <a:xfrm>
+            <a:off x="980601" y="3456787"/>
+            <a:ext cx="1352981" cy="370483"/>
+          </a:xfrm>
+          <a:prstGeom prst="rect">
+            <a:avLst/>
+          </a:prstGeom>
+          <a:solidFill>
+            <a:srgbClr val="FFB3B3"/>
+          </a:solidFill>
+          <a:ln>
+            <a:solidFill>
+              <a:srgbClr val="E28EA6"/>
+            </a:solidFill>
+          </a:ln>
+        </p:spPr>
+        <p:style>
+          <a:lnRef idx="2">
+            <a:schemeClr val="accent3">
+              <a:shade val="50000"/>
+            </a:schemeClr>
+          </a:lnRef>
+          <a:fillRef idx="1">
+            <a:schemeClr val="accent3"/>
+          </a:fillRef>
+          <a:effectRef idx="0">
+            <a:schemeClr val="accent3"/>
+          </a:effectRef>
+          <a:fontRef idx="minor">
+            <a:schemeClr val="lt1"/>
+          </a:fontRef>
+        </p:style>
+        <p:txBody>
+          <a:bodyPr rtlCol="0" anchor="ctr"/>
+          <a:lstStyle/>
+          <a:p>
+            <a:pPr algn="ctr"/>
+            <a:endParaRPr lang="zh-CN" altLang="en-US"/>
+          </a:p>
+        </p:txBody>
+      </p:sp>
+      <p:sp>
+        <p:nvSpPr>
+          <p:cNvPr id="15" name="矩形 14">
+            <a:extLst>
+              <a:ext uri="{FF2B5EF4-FFF2-40B4-BE49-F238E27FC236}">
+                <a16:creationId xmlns:a16="http://schemas.microsoft.com/office/drawing/2014/main" id="{FFC4A161-A236-4FAE-9A01-043AEA8D6C55}"/>
+              </a:ext>
+            </a:extLst>
+          </p:cNvPr>
+          <p:cNvSpPr/>
+          <p:nvPr/>
+        </p:nvSpPr>
+        <p:spPr>
+          <a:xfrm>
+            <a:off x="980601" y="4096720"/>
+            <a:ext cx="1352981" cy="370483"/>
+          </a:xfrm>
+          <a:prstGeom prst="rect">
+            <a:avLst/>
+          </a:prstGeom>
+          <a:solidFill>
+            <a:srgbClr val="FFB3B3"/>
+          </a:solidFill>
+          <a:ln>
+            <a:solidFill>
+              <a:srgbClr val="E28EA6"/>
+            </a:solidFill>
+          </a:ln>
+        </p:spPr>
+        <p:style>
+          <a:lnRef idx="2">
+            <a:schemeClr val="accent3">
+              <a:shade val="50000"/>
+            </a:schemeClr>
+          </a:lnRef>
+          <a:fillRef idx="1">
+            <a:schemeClr val="accent3"/>
+          </a:fillRef>
+          <a:effectRef idx="0">
+            <a:schemeClr val="accent3"/>
+          </a:effectRef>
+          <a:fontRef idx="minor">
+            <a:schemeClr val="lt1"/>
+          </a:fontRef>
+        </p:style>
+        <p:txBody>
+          <a:bodyPr rtlCol="0" anchor="ctr"/>
+          <a:lstStyle/>
+          <a:p>
+            <a:pPr algn="ctr"/>
+            <a:endParaRPr lang="zh-CN" altLang="en-US"/>
+          </a:p>
+        </p:txBody>
+      </p:sp>
+      <p:sp>
+        <p:nvSpPr>
+          <p:cNvPr id="16" name="矩形 15">
+            <a:extLst>
+              <a:ext uri="{FF2B5EF4-FFF2-40B4-BE49-F238E27FC236}">
+                <a16:creationId xmlns:a16="http://schemas.microsoft.com/office/drawing/2014/main" id="{4A996489-43DB-4C37-81BC-B4B85C59938A}"/>
+              </a:ext>
+            </a:extLst>
+          </p:cNvPr>
+          <p:cNvSpPr/>
+          <p:nvPr/>
+        </p:nvSpPr>
+        <p:spPr>
+          <a:xfrm>
+            <a:off x="980601" y="897055"/>
+            <a:ext cx="1352981" cy="370483"/>
+          </a:xfrm>
+          <a:prstGeom prst="rect">
+            <a:avLst/>
+          </a:prstGeom>
+          <a:solidFill>
+            <a:srgbClr val="FFB3B3"/>
+          </a:solidFill>
+          <a:ln>
+            <a:solidFill>
+              <a:srgbClr val="E28EA6"/>
+            </a:solidFill>
+          </a:ln>
+        </p:spPr>
+        <p:style>
+          <a:lnRef idx="2">
+            <a:schemeClr val="accent3">
+              <a:shade val="50000"/>
+            </a:schemeClr>
+          </a:lnRef>
+          <a:fillRef idx="1">
+            <a:schemeClr val="accent3"/>
+          </a:fillRef>
+          <a:effectRef idx="0">
+            <a:schemeClr val="accent3"/>
+          </a:effectRef>
+          <a:fontRef idx="minor">
+            <a:schemeClr val="lt1"/>
+          </a:fontRef>
+        </p:style>
+        <p:txBody>
+          <a:bodyPr rtlCol="0" anchor="ctr"/>
+          <a:lstStyle/>
+          <a:p>
+            <a:pPr algn="ctr"/>
+            <a:r>
+              <a:rPr lang="zh-CN" altLang="en-US" sz="1600" dirty="0"/>
+              <a:t>蕾丝包子</a:t>
+            </a:r>
+            <a:r>
+              <a:rPr lang="en-US" altLang="zh-CN" sz="1600" dirty="0"/>
+              <a:t>A</a:t>
+            </a:r>
+            <a:r>
+              <a:rPr lang="zh-CN" altLang="en-US" sz="1600" dirty="0"/>
+              <a:t>酱</a:t>
+            </a:r>
+          </a:p>
+        </p:txBody>
+      </p:sp>
+      <p:sp>
+        <p:nvSpPr>
+          <p:cNvPr id="17" name="矩形 16">
+            <a:extLst>
+              <a:ext uri="{FF2B5EF4-FFF2-40B4-BE49-F238E27FC236}">
+                <a16:creationId xmlns:a16="http://schemas.microsoft.com/office/drawing/2014/main" id="{80817FD1-931B-453F-923C-4C8CF8368DBA}"/>
+              </a:ext>
+            </a:extLst>
+          </p:cNvPr>
+          <p:cNvSpPr/>
+          <p:nvPr/>
+        </p:nvSpPr>
+        <p:spPr>
+          <a:xfrm>
+            <a:off x="980601" y="5376583"/>
+            <a:ext cx="1352981" cy="370483"/>
+          </a:xfrm>
+          <a:prstGeom prst="rect">
+            <a:avLst/>
+          </a:prstGeom>
+          <a:solidFill>
+            <a:srgbClr val="FFB3B3"/>
+          </a:solidFill>
+          <a:ln>
+            <a:solidFill>
+              <a:srgbClr val="E28EA6"/>
+            </a:solidFill>
+          </a:ln>
+        </p:spPr>
+        <p:style>
+          <a:lnRef idx="2">
+            <a:schemeClr val="accent3">
+              <a:shade val="50000"/>
+            </a:schemeClr>
+          </a:lnRef>
+          <a:fillRef idx="1">
+            <a:schemeClr val="accent3"/>
+          </a:fillRef>
+          <a:effectRef idx="0">
+            <a:schemeClr val="accent3"/>
+          </a:effectRef>
+          <a:fontRef idx="minor">
+            <a:schemeClr val="lt1"/>
+          </a:fontRef>
+        </p:style>
+        <p:txBody>
+          <a:bodyPr rtlCol="0" anchor="ctr"/>
+          <a:lstStyle/>
+          <a:p>
+            <a:pPr algn="ctr"/>
+            <a:endParaRPr lang="zh-CN" altLang="en-US"/>
+          </a:p>
+        </p:txBody>
+      </p:sp>
+      <p:sp>
+        <p:nvSpPr>
+          <p:cNvPr id="18" name="矩形 17">
+            <a:extLst>
+              <a:ext uri="{FF2B5EF4-FFF2-40B4-BE49-F238E27FC236}">
+                <a16:creationId xmlns:a16="http://schemas.microsoft.com/office/drawing/2014/main" id="{4EB515AA-4417-4E6E-9404-A8F9A1823F1E}"/>
+              </a:ext>
+            </a:extLst>
+          </p:cNvPr>
+          <p:cNvSpPr/>
+          <p:nvPr/>
+        </p:nvSpPr>
+        <p:spPr>
+          <a:xfrm>
+            <a:off x="9858418" y="1536988"/>
+            <a:ext cx="1352981" cy="370483"/>
+          </a:xfrm>
+          <a:prstGeom prst="rect">
+            <a:avLst/>
+          </a:prstGeom>
+          <a:solidFill>
+            <a:srgbClr val="FFB3B3"/>
+          </a:solidFill>
+          <a:ln>
+            <a:solidFill>
+              <a:srgbClr val="E28EA6"/>
+            </a:solidFill>
+          </a:ln>
+        </p:spPr>
+        <p:style>
+          <a:lnRef idx="2">
+            <a:schemeClr val="accent3">
+              <a:shade val="50000"/>
+            </a:schemeClr>
+          </a:lnRef>
+          <a:fillRef idx="1">
+            <a:schemeClr val="accent3"/>
+          </a:fillRef>
+          <a:effectRef idx="0">
+            <a:schemeClr val="accent3"/>
+          </a:effectRef>
+          <a:fontRef idx="minor">
+            <a:schemeClr val="lt1"/>
+          </a:fontRef>
+        </p:style>
+        <p:txBody>
+          <a:bodyPr rtlCol="0" anchor="ctr"/>
+          <a:lstStyle/>
+          <a:p>
+            <a:pPr algn="ctr"/>
+            <a:endParaRPr lang="zh-CN" altLang="en-US"/>
+          </a:p>
+        </p:txBody>
+      </p:sp>
+      <p:sp>
+        <p:nvSpPr>
+          <p:cNvPr id="19" name="矩形 18">
+            <a:extLst>
+              <a:ext uri="{FF2B5EF4-FFF2-40B4-BE49-F238E27FC236}">
+                <a16:creationId xmlns:a16="http://schemas.microsoft.com/office/drawing/2014/main" id="{52EEE422-457D-4B05-885C-DDA22D0DCD80}"/>
+              </a:ext>
+            </a:extLst>
+          </p:cNvPr>
+          <p:cNvSpPr/>
+          <p:nvPr/>
+        </p:nvSpPr>
+        <p:spPr>
+          <a:xfrm>
+            <a:off x="9858418" y="2176921"/>
+            <a:ext cx="1352981" cy="370483"/>
+          </a:xfrm>
+          <a:prstGeom prst="rect">
+            <a:avLst/>
+          </a:prstGeom>
+          <a:solidFill>
+            <a:srgbClr val="FFB3B3"/>
+          </a:solidFill>
+          <a:ln>
+            <a:solidFill>
+              <a:srgbClr val="E28EA6"/>
+            </a:solidFill>
+          </a:ln>
+        </p:spPr>
+        <p:style>
+          <a:lnRef idx="2">
+            <a:schemeClr val="accent3">
+              <a:shade val="50000"/>
+            </a:schemeClr>
+          </a:lnRef>
+          <a:fillRef idx="1">
+            <a:schemeClr val="accent3"/>
+          </a:fillRef>
+          <a:effectRef idx="0">
+            <a:schemeClr val="accent3"/>
+          </a:effectRef>
+          <a:fontRef idx="minor">
+            <a:schemeClr val="lt1"/>
+          </a:fontRef>
+        </p:style>
+        <p:txBody>
+          <a:bodyPr rtlCol="0" anchor="ctr"/>
+          <a:lstStyle/>
+          <a:p>
+            <a:pPr algn="ctr"/>
+            <a:endParaRPr lang="zh-CN" altLang="en-US"/>
+          </a:p>
+        </p:txBody>
+      </p:sp>
+      <p:sp>
+        <p:nvSpPr>
+          <p:cNvPr id="20" name="矩形 19">
+            <a:extLst>
+              <a:ext uri="{FF2B5EF4-FFF2-40B4-BE49-F238E27FC236}">
+                <a16:creationId xmlns:a16="http://schemas.microsoft.com/office/drawing/2014/main" id="{F94674B5-C54E-431B-AEE5-4A0E34CC544B}"/>
+              </a:ext>
+            </a:extLst>
+          </p:cNvPr>
+          <p:cNvSpPr/>
+          <p:nvPr/>
+        </p:nvSpPr>
+        <p:spPr>
+          <a:xfrm>
+            <a:off x="9858418" y="4736653"/>
+            <a:ext cx="1352981" cy="370483"/>
+          </a:xfrm>
+          <a:prstGeom prst="rect">
+            <a:avLst/>
+          </a:prstGeom>
+          <a:solidFill>
+            <a:srgbClr val="FFB3B3"/>
+          </a:solidFill>
+          <a:ln>
+            <a:solidFill>
+              <a:srgbClr val="E28EA6"/>
+            </a:solidFill>
+          </a:ln>
+        </p:spPr>
+        <p:style>
+          <a:lnRef idx="2">
+            <a:schemeClr val="accent3">
+              <a:shade val="50000"/>
+            </a:schemeClr>
+          </a:lnRef>
+          <a:fillRef idx="1">
+            <a:schemeClr val="accent3"/>
+          </a:fillRef>
+          <a:effectRef idx="0">
+            <a:schemeClr val="accent3"/>
+          </a:effectRef>
+          <a:fontRef idx="minor">
+            <a:schemeClr val="lt1"/>
+          </a:fontRef>
+        </p:style>
+        <p:txBody>
+          <a:bodyPr rtlCol="0" anchor="ctr"/>
+          <a:lstStyle/>
+          <a:p>
+            <a:pPr algn="ctr"/>
+            <a:endParaRPr lang="zh-CN" altLang="en-US"/>
+          </a:p>
+        </p:txBody>
+      </p:sp>
+      <p:sp>
+        <p:nvSpPr>
+          <p:cNvPr id="21" name="矩形 20">
+            <a:extLst>
+              <a:ext uri="{FF2B5EF4-FFF2-40B4-BE49-F238E27FC236}">
+                <a16:creationId xmlns:a16="http://schemas.microsoft.com/office/drawing/2014/main" id="{C6361996-9AE6-4B99-BDDF-09EA31E26E8A}"/>
+              </a:ext>
+            </a:extLst>
+          </p:cNvPr>
+          <p:cNvSpPr/>
+          <p:nvPr/>
+        </p:nvSpPr>
+        <p:spPr>
+          <a:xfrm>
+            <a:off x="9858418" y="2816854"/>
+            <a:ext cx="1352981" cy="370483"/>
+          </a:xfrm>
+          <a:prstGeom prst="rect">
+            <a:avLst/>
+          </a:prstGeom>
+          <a:solidFill>
+            <a:srgbClr val="FFB3B3"/>
+          </a:solidFill>
+          <a:ln>
+            <a:solidFill>
+              <a:srgbClr val="E28EA6"/>
+            </a:solidFill>
+          </a:ln>
+        </p:spPr>
+        <p:style>
+          <a:lnRef idx="2">
+            <a:schemeClr val="accent3">
+              <a:shade val="50000"/>
+            </a:schemeClr>
+          </a:lnRef>
+          <a:fillRef idx="1">
+            <a:schemeClr val="accent3"/>
+          </a:fillRef>
+          <a:effectRef idx="0">
+            <a:schemeClr val="accent3"/>
+          </a:effectRef>
+          <a:fontRef idx="minor">
+            <a:schemeClr val="lt1"/>
+          </a:fontRef>
+        </p:style>
+        <p:txBody>
+          <a:bodyPr rtlCol="0" anchor="ctr"/>
+          <a:lstStyle/>
+          <a:p>
+            <a:pPr algn="ctr"/>
+            <a:endParaRPr lang="zh-CN" altLang="en-US"/>
+          </a:p>
+        </p:txBody>
+      </p:sp>
+      <p:sp>
+        <p:nvSpPr>
+          <p:cNvPr id="22" name="矩形 21">
+            <a:extLst>
+              <a:ext uri="{FF2B5EF4-FFF2-40B4-BE49-F238E27FC236}">
+                <a16:creationId xmlns:a16="http://schemas.microsoft.com/office/drawing/2014/main" id="{7D0B4C06-1ACA-4CE2-9377-600CE0838EF4}"/>
+              </a:ext>
+            </a:extLst>
+          </p:cNvPr>
+          <p:cNvSpPr/>
+          <p:nvPr/>
+        </p:nvSpPr>
+        <p:spPr>
+          <a:xfrm>
+            <a:off x="9858418" y="3456787"/>
+            <a:ext cx="1352981" cy="370483"/>
+          </a:xfrm>
+          <a:prstGeom prst="rect">
+            <a:avLst/>
+          </a:prstGeom>
+          <a:solidFill>
+            <a:srgbClr val="FFB3B3"/>
+          </a:solidFill>
+          <a:ln>
+            <a:solidFill>
+              <a:srgbClr val="E28EA6"/>
+            </a:solidFill>
+          </a:ln>
+        </p:spPr>
+        <p:style>
+          <a:lnRef idx="2">
+            <a:schemeClr val="accent3">
+              <a:shade val="50000"/>
+            </a:schemeClr>
+          </a:lnRef>
+          <a:fillRef idx="1">
+            <a:schemeClr val="accent3"/>
+          </a:fillRef>
+          <a:effectRef idx="0">
+            <a:schemeClr val="accent3"/>
+          </a:effectRef>
+          <a:fontRef idx="minor">
+            <a:schemeClr val="lt1"/>
+          </a:fontRef>
+        </p:style>
+        <p:txBody>
+          <a:bodyPr rtlCol="0" anchor="ctr"/>
+          <a:lstStyle/>
+          <a:p>
+            <a:pPr algn="ctr"/>
+            <a:endParaRPr lang="zh-CN" altLang="en-US"/>
+          </a:p>
+        </p:txBody>
+      </p:sp>
+      <p:sp>
+        <p:nvSpPr>
+          <p:cNvPr id="23" name="矩形 22">
+            <a:extLst>
+              <a:ext uri="{FF2B5EF4-FFF2-40B4-BE49-F238E27FC236}">
+                <a16:creationId xmlns:a16="http://schemas.microsoft.com/office/drawing/2014/main" id="{585AD51B-5406-492A-86E9-B60E53DD2AF7}"/>
+              </a:ext>
+            </a:extLst>
+          </p:cNvPr>
+          <p:cNvSpPr/>
+          <p:nvPr/>
+        </p:nvSpPr>
+        <p:spPr>
+          <a:xfrm>
+            <a:off x="9858418" y="4096720"/>
+            <a:ext cx="1352981" cy="370483"/>
+          </a:xfrm>
+          <a:prstGeom prst="rect">
+            <a:avLst/>
+          </a:prstGeom>
+          <a:solidFill>
+            <a:srgbClr val="FFB3B3"/>
+          </a:solidFill>
+          <a:ln>
+            <a:solidFill>
+              <a:srgbClr val="E28EA6"/>
+            </a:solidFill>
+          </a:ln>
+        </p:spPr>
+        <p:style>
+          <a:lnRef idx="2">
+            <a:schemeClr val="accent3">
+              <a:shade val="50000"/>
+            </a:schemeClr>
+          </a:lnRef>
+          <a:fillRef idx="1">
+            <a:schemeClr val="accent3"/>
+          </a:fillRef>
+          <a:effectRef idx="0">
+            <a:schemeClr val="accent3"/>
+          </a:effectRef>
+          <a:fontRef idx="minor">
+            <a:schemeClr val="lt1"/>
+          </a:fontRef>
+        </p:style>
+        <p:txBody>
+          <a:bodyPr rtlCol="0" anchor="ctr"/>
+          <a:lstStyle/>
+          <a:p>
+            <a:pPr algn="ctr"/>
+            <a:endParaRPr lang="zh-CN" altLang="en-US"/>
+          </a:p>
+        </p:txBody>
+      </p:sp>
+      <p:sp>
+        <p:nvSpPr>
+          <p:cNvPr id="24" name="矩形 23">
+            <a:extLst>
+              <a:ext uri="{FF2B5EF4-FFF2-40B4-BE49-F238E27FC236}">
+                <a16:creationId xmlns:a16="http://schemas.microsoft.com/office/drawing/2014/main" id="{4B36B2D5-EDE9-4D40-AA3F-9AEA423FE33A}"/>
+              </a:ext>
+            </a:extLst>
+          </p:cNvPr>
+          <p:cNvSpPr/>
+          <p:nvPr/>
+        </p:nvSpPr>
+        <p:spPr>
+          <a:xfrm>
+            <a:off x="9858418" y="897055"/>
+            <a:ext cx="1352981" cy="370483"/>
+          </a:xfrm>
+          <a:prstGeom prst="rect">
+            <a:avLst/>
+          </a:prstGeom>
+          <a:solidFill>
+            <a:srgbClr val="FFB3B3"/>
+          </a:solidFill>
+          <a:ln>
+            <a:solidFill>
+              <a:srgbClr val="E28EA6"/>
+            </a:solidFill>
+          </a:ln>
+        </p:spPr>
+        <p:style>
+          <a:lnRef idx="2">
+            <a:schemeClr val="accent3">
+              <a:shade val="50000"/>
+            </a:schemeClr>
+          </a:lnRef>
+          <a:fillRef idx="1">
+            <a:schemeClr val="accent3"/>
+          </a:fillRef>
+          <a:effectRef idx="0">
+            <a:schemeClr val="accent3"/>
+          </a:effectRef>
+          <a:fontRef idx="minor">
+            <a:schemeClr val="lt1"/>
+          </a:fontRef>
+        </p:style>
+        <p:txBody>
+          <a:bodyPr rtlCol="0" anchor="ctr"/>
+          <a:lstStyle/>
+          <a:p>
+            <a:pPr algn="ctr"/>
+            <a:endParaRPr lang="zh-CN" altLang="en-US"/>
+          </a:p>
+        </p:txBody>
+      </p:sp>
+      <p:sp>
+        <p:nvSpPr>
+          <p:cNvPr id="25" name="矩形 24">
+            <a:extLst>
+              <a:ext uri="{FF2B5EF4-FFF2-40B4-BE49-F238E27FC236}">
+                <a16:creationId xmlns:a16="http://schemas.microsoft.com/office/drawing/2014/main" id="{649BF719-D0BF-4DDB-9778-AFB5D580929D}"/>
+              </a:ext>
+            </a:extLst>
+          </p:cNvPr>
+          <p:cNvSpPr/>
+          <p:nvPr/>
+        </p:nvSpPr>
+        <p:spPr>
+          <a:xfrm>
+            <a:off x="9858418" y="5376583"/>
+            <a:ext cx="1352981" cy="370483"/>
+          </a:xfrm>
+          <a:prstGeom prst="rect">
+            <a:avLst/>
+          </a:prstGeom>
+          <a:solidFill>
+            <a:srgbClr val="FFB3B3"/>
+          </a:solidFill>
+          <a:ln>
+            <a:solidFill>
+              <a:srgbClr val="E28EA6"/>
+            </a:solidFill>
+          </a:ln>
+        </p:spPr>
+        <p:style>
+          <a:lnRef idx="2">
+            <a:schemeClr val="accent3">
+              <a:shade val="50000"/>
+            </a:schemeClr>
+          </a:lnRef>
+          <a:fillRef idx="1">
+            <a:schemeClr val="accent3"/>
+          </a:fillRef>
+          <a:effectRef idx="0">
+            <a:schemeClr val="accent3"/>
+          </a:effectRef>
+          <a:fontRef idx="minor">
+            <a:schemeClr val="lt1"/>
+          </a:fontRef>
+        </p:style>
+        <p:txBody>
+          <a:bodyPr rtlCol="0" anchor="ctr"/>
+          <a:lstStyle/>
+          <a:p>
+            <a:pPr algn="ctr"/>
+            <a:endParaRPr lang="zh-CN" altLang="en-US"/>
+          </a:p>
+        </p:txBody>
+      </p:sp>
+      <p:sp>
+        <p:nvSpPr>
+          <p:cNvPr id="26" name="矩形 25">
+            <a:extLst>
+              <a:ext uri="{FF2B5EF4-FFF2-40B4-BE49-F238E27FC236}">
+                <a16:creationId xmlns:a16="http://schemas.microsoft.com/office/drawing/2014/main" id="{E486FE08-D00C-4FC8-B4B9-9F15CBCCB14C}"/>
+              </a:ext>
+            </a:extLst>
+          </p:cNvPr>
+          <p:cNvSpPr/>
+          <p:nvPr/>
+        </p:nvSpPr>
+        <p:spPr>
+          <a:xfrm>
+            <a:off x="7915491" y="1226378"/>
+            <a:ext cx="1352981" cy="370483"/>
+          </a:xfrm>
+          <a:prstGeom prst="rect">
+            <a:avLst/>
+          </a:prstGeom>
+          <a:solidFill>
+            <a:srgbClr val="FFB3B3"/>
+          </a:solidFill>
+          <a:ln>
+            <a:solidFill>
+              <a:srgbClr val="E28EA6"/>
+            </a:solidFill>
+          </a:ln>
+        </p:spPr>
+        <p:style>
+          <a:lnRef idx="2">
+            <a:schemeClr val="accent3">
+              <a:shade val="50000"/>
+            </a:schemeClr>
+          </a:lnRef>
+          <a:fillRef idx="1">
+            <a:schemeClr val="accent3"/>
+          </a:fillRef>
+          <a:effectRef idx="0">
+            <a:schemeClr val="accent3"/>
+          </a:effectRef>
+          <a:fontRef idx="minor">
+            <a:schemeClr val="lt1"/>
+          </a:fontRef>
+        </p:style>
+        <p:txBody>
+          <a:bodyPr rtlCol="0" anchor="ctr"/>
+          <a:lstStyle/>
+          <a:p>
+            <a:pPr algn="ctr"/>
+            <a:endParaRPr lang="zh-CN" altLang="en-US"/>
+          </a:p>
+        </p:txBody>
+      </p:sp>
+      <p:sp>
+        <p:nvSpPr>
+          <p:cNvPr id="27" name="矩形 26">
+            <a:extLst>
+              <a:ext uri="{FF2B5EF4-FFF2-40B4-BE49-F238E27FC236}">
+                <a16:creationId xmlns:a16="http://schemas.microsoft.com/office/drawing/2014/main" id="{13CFE647-55EE-4C2D-B40F-63C70411D226}"/>
+              </a:ext>
+            </a:extLst>
+          </p:cNvPr>
+          <p:cNvSpPr/>
+          <p:nvPr/>
+        </p:nvSpPr>
+        <p:spPr>
+          <a:xfrm>
+            <a:off x="2923183" y="1226378"/>
+            <a:ext cx="1352981" cy="370483"/>
+          </a:xfrm>
+          <a:prstGeom prst="rect">
+            <a:avLst/>
+          </a:prstGeom>
+          <a:solidFill>
+            <a:srgbClr val="FFB3B3"/>
+          </a:solidFill>
+          <a:ln>
+            <a:solidFill>
+              <a:srgbClr val="E28EA6"/>
+            </a:solidFill>
+          </a:ln>
+        </p:spPr>
+        <p:style>
+          <a:lnRef idx="2">
+            <a:schemeClr val="accent3">
+              <a:shade val="50000"/>
+            </a:schemeClr>
+          </a:lnRef>
+          <a:fillRef idx="1">
+            <a:schemeClr val="accent3"/>
+          </a:fillRef>
+          <a:effectRef idx="0">
+            <a:schemeClr val="accent3"/>
+          </a:effectRef>
+          <a:fontRef idx="minor">
+            <a:schemeClr val="lt1"/>
+          </a:fontRef>
+        </p:style>
+        <p:txBody>
+          <a:bodyPr rtlCol="0" anchor="ctr"/>
+          <a:lstStyle/>
+          <a:p>
+            <a:pPr algn="ctr"/>
+            <a:endParaRPr lang="zh-CN" altLang="en-US"/>
+          </a:p>
+        </p:txBody>
+      </p:sp>
+      <p:sp>
+        <p:nvSpPr>
+          <p:cNvPr id="28" name="矩形 27">
+            <a:extLst>
+              <a:ext uri="{FF2B5EF4-FFF2-40B4-BE49-F238E27FC236}">
+                <a16:creationId xmlns:a16="http://schemas.microsoft.com/office/drawing/2014/main" id="{AC2737A9-E9BC-4A0E-964C-DAD11544A87C}"/>
+              </a:ext>
+            </a:extLst>
+          </p:cNvPr>
+          <p:cNvSpPr/>
+          <p:nvPr/>
+        </p:nvSpPr>
+        <p:spPr>
+          <a:xfrm>
+            <a:off x="2923183" y="2491574"/>
+            <a:ext cx="1352981" cy="370483"/>
+          </a:xfrm>
+          <a:prstGeom prst="rect">
+            <a:avLst/>
+          </a:prstGeom>
+          <a:solidFill>
+            <a:srgbClr val="FFB3B3"/>
+          </a:solidFill>
+          <a:ln>
+            <a:solidFill>
+              <a:srgbClr val="E28EA6"/>
+            </a:solidFill>
+          </a:ln>
+        </p:spPr>
+        <p:style>
+          <a:lnRef idx="2">
+            <a:schemeClr val="accent3">
+              <a:shade val="50000"/>
+            </a:schemeClr>
+          </a:lnRef>
+          <a:fillRef idx="1">
+            <a:schemeClr val="accent3"/>
+          </a:fillRef>
+          <a:effectRef idx="0">
+            <a:schemeClr val="accent3"/>
+          </a:effectRef>
+          <a:fontRef idx="minor">
+            <a:schemeClr val="lt1"/>
+          </a:fontRef>
+        </p:style>
+        <p:txBody>
+          <a:bodyPr rtlCol="0" anchor="ctr"/>
+          <a:lstStyle/>
+          <a:p>
+            <a:pPr algn="ctr"/>
+            <a:endParaRPr lang="zh-CN" altLang="en-US"/>
+          </a:p>
+        </p:txBody>
+      </p:sp>
+      <p:sp>
+        <p:nvSpPr>
+          <p:cNvPr id="29" name="矩形 28">
+            <a:extLst>
+              <a:ext uri="{FF2B5EF4-FFF2-40B4-BE49-F238E27FC236}">
+                <a16:creationId xmlns:a16="http://schemas.microsoft.com/office/drawing/2014/main" id="{C1B2F897-3691-4BD0-87E8-58DA7C41AFC1}"/>
+              </a:ext>
+            </a:extLst>
+          </p:cNvPr>
+          <p:cNvSpPr/>
+          <p:nvPr/>
+        </p:nvSpPr>
+        <p:spPr>
+          <a:xfrm>
+            <a:off x="2923528" y="5021965"/>
+            <a:ext cx="1352981" cy="370483"/>
+          </a:xfrm>
+          <a:prstGeom prst="rect">
+            <a:avLst/>
+          </a:prstGeom>
+          <a:solidFill>
+            <a:srgbClr val="FFB3B3"/>
+          </a:solidFill>
+          <a:ln>
+            <a:solidFill>
+              <a:srgbClr val="E28EA6"/>
+            </a:solidFill>
+          </a:ln>
+        </p:spPr>
+        <p:style>
+          <a:lnRef idx="2">
+            <a:schemeClr val="accent3">
+              <a:shade val="50000"/>
+            </a:schemeClr>
+          </a:lnRef>
+          <a:fillRef idx="1">
+            <a:schemeClr val="accent3"/>
+          </a:fillRef>
+          <a:effectRef idx="0">
+            <a:schemeClr val="accent3"/>
+          </a:effectRef>
+          <a:fontRef idx="minor">
+            <a:schemeClr val="lt1"/>
+          </a:fontRef>
+        </p:style>
+        <p:txBody>
+          <a:bodyPr rtlCol="0" anchor="ctr"/>
+          <a:lstStyle/>
+          <a:p>
+            <a:pPr algn="ctr"/>
+            <a:endParaRPr lang="zh-CN" altLang="en-US"/>
+          </a:p>
+        </p:txBody>
+      </p:sp>
+      <p:sp>
+        <p:nvSpPr>
+          <p:cNvPr id="30" name="矩形 29">
+            <a:extLst>
+              <a:ext uri="{FF2B5EF4-FFF2-40B4-BE49-F238E27FC236}">
+                <a16:creationId xmlns:a16="http://schemas.microsoft.com/office/drawing/2014/main" id="{08B3B3CD-5F01-4C4D-B4FF-8F90F3981FDF}"/>
+              </a:ext>
+            </a:extLst>
+          </p:cNvPr>
+          <p:cNvSpPr/>
+          <p:nvPr/>
+        </p:nvSpPr>
+        <p:spPr>
+          <a:xfrm>
+            <a:off x="2923183" y="3756770"/>
+            <a:ext cx="1352981" cy="370483"/>
+          </a:xfrm>
+          <a:prstGeom prst="rect">
+            <a:avLst/>
+          </a:prstGeom>
+          <a:solidFill>
+            <a:srgbClr val="FFB3B3"/>
+          </a:solidFill>
+          <a:ln>
+            <a:solidFill>
+              <a:srgbClr val="E28EA6"/>
+            </a:solidFill>
+          </a:ln>
+        </p:spPr>
+        <p:style>
+          <a:lnRef idx="2">
+            <a:schemeClr val="accent3">
+              <a:shade val="50000"/>
+            </a:schemeClr>
+          </a:lnRef>
+          <a:fillRef idx="1">
+            <a:schemeClr val="accent3"/>
+          </a:fillRef>
+          <a:effectRef idx="0">
+            <a:schemeClr val="accent3"/>
+          </a:effectRef>
+          <a:fontRef idx="minor">
+            <a:schemeClr val="lt1"/>
+          </a:fontRef>
+        </p:style>
+        <p:txBody>
+          <a:bodyPr rtlCol="0" anchor="ctr"/>
+          <a:lstStyle/>
+          <a:p>
+            <a:pPr algn="ctr"/>
+            <a:endParaRPr lang="zh-CN" altLang="en-US"/>
+          </a:p>
+        </p:txBody>
+      </p:sp>
+      <p:sp>
+        <p:nvSpPr>
+          <p:cNvPr id="31" name="矩形 30">
+            <a:extLst>
+              <a:ext uri="{FF2B5EF4-FFF2-40B4-BE49-F238E27FC236}">
+                <a16:creationId xmlns:a16="http://schemas.microsoft.com/office/drawing/2014/main" id="{779E33A9-5EA1-472E-A1E4-E42F0018D9F0}"/>
+              </a:ext>
+            </a:extLst>
+          </p:cNvPr>
+          <p:cNvSpPr/>
+          <p:nvPr/>
+        </p:nvSpPr>
+        <p:spPr>
+          <a:xfrm>
+            <a:off x="7915491" y="2491573"/>
+            <a:ext cx="1352981" cy="370483"/>
+          </a:xfrm>
+          <a:prstGeom prst="rect">
+            <a:avLst/>
+          </a:prstGeom>
+          <a:solidFill>
+            <a:srgbClr val="FFB3B3"/>
+          </a:solidFill>
+          <a:ln>
+            <a:solidFill>
+              <a:srgbClr val="E28EA6"/>
+            </a:solidFill>
+          </a:ln>
+        </p:spPr>
+        <p:style>
+          <a:lnRef idx="2">
+            <a:schemeClr val="accent3">
+              <a:shade val="50000"/>
+            </a:schemeClr>
+          </a:lnRef>
+          <a:fillRef idx="1">
+            <a:schemeClr val="accent3"/>
+          </a:fillRef>
+          <a:effectRef idx="0">
+            <a:schemeClr val="accent3"/>
+          </a:effectRef>
+          <a:fontRef idx="minor">
+            <a:schemeClr val="lt1"/>
+          </a:fontRef>
+        </p:style>
+        <p:txBody>
+          <a:bodyPr rtlCol="0" anchor="ctr"/>
+          <a:lstStyle/>
+          <a:p>
+            <a:pPr algn="ctr"/>
+            <a:endParaRPr lang="zh-CN" altLang="en-US"/>
+          </a:p>
+        </p:txBody>
+      </p:sp>
+      <p:sp>
+        <p:nvSpPr>
+          <p:cNvPr id="32" name="矩形 31">
+            <a:extLst>
+              <a:ext uri="{FF2B5EF4-FFF2-40B4-BE49-F238E27FC236}">
+                <a16:creationId xmlns:a16="http://schemas.microsoft.com/office/drawing/2014/main" id="{DE63DCBA-79BC-4A0B-9CBB-EF80FEDF731B}"/>
+              </a:ext>
+            </a:extLst>
+          </p:cNvPr>
+          <p:cNvSpPr/>
+          <p:nvPr/>
+        </p:nvSpPr>
+        <p:spPr>
+          <a:xfrm>
+            <a:off x="7915491" y="3756769"/>
+            <a:ext cx="1352981" cy="370483"/>
+          </a:xfrm>
+          <a:prstGeom prst="rect">
+            <a:avLst/>
+          </a:prstGeom>
+          <a:solidFill>
+            <a:srgbClr val="FFB3B3"/>
+          </a:solidFill>
+          <a:ln>
+            <a:solidFill>
+              <a:srgbClr val="E28EA6"/>
+            </a:solidFill>
+          </a:ln>
+        </p:spPr>
+        <p:style>
+          <a:lnRef idx="2">
+            <a:schemeClr val="accent3">
+              <a:shade val="50000"/>
+            </a:schemeClr>
+          </a:lnRef>
+          <a:fillRef idx="1">
+            <a:schemeClr val="accent3"/>
+          </a:fillRef>
+          <a:effectRef idx="0">
+            <a:schemeClr val="accent3"/>
+          </a:effectRef>
+          <a:fontRef idx="minor">
+            <a:schemeClr val="lt1"/>
+          </a:fontRef>
+        </p:style>
+        <p:txBody>
+          <a:bodyPr rtlCol="0" anchor="ctr"/>
+          <a:lstStyle/>
+          <a:p>
+            <a:pPr algn="ctr"/>
+            <a:endParaRPr lang="zh-CN" altLang="en-US"/>
+          </a:p>
+        </p:txBody>
+      </p:sp>
+      <p:sp>
+        <p:nvSpPr>
+          <p:cNvPr id="33" name="矩形 32">
+            <a:extLst>
+              <a:ext uri="{FF2B5EF4-FFF2-40B4-BE49-F238E27FC236}">
+                <a16:creationId xmlns:a16="http://schemas.microsoft.com/office/drawing/2014/main" id="{82AA739F-1944-44FF-B58A-837F8F7446AA}"/>
+              </a:ext>
+            </a:extLst>
+          </p:cNvPr>
+          <p:cNvSpPr/>
+          <p:nvPr/>
+        </p:nvSpPr>
+        <p:spPr>
+          <a:xfrm>
+            <a:off x="7915491" y="5021963"/>
+            <a:ext cx="1352981" cy="370483"/>
+          </a:xfrm>
+          <a:prstGeom prst="rect">
+            <a:avLst/>
+          </a:prstGeom>
+          <a:solidFill>
+            <a:srgbClr val="FFB3B3"/>
+          </a:solidFill>
+          <a:ln>
+            <a:solidFill>
+              <a:srgbClr val="E28EA6"/>
+            </a:solidFill>
+          </a:ln>
+        </p:spPr>
+        <p:style>
+          <a:lnRef idx="2">
+            <a:schemeClr val="accent3">
+              <a:shade val="50000"/>
+            </a:schemeClr>
+          </a:lnRef>
+          <a:fillRef idx="1">
+            <a:schemeClr val="accent3"/>
+          </a:fillRef>
+          <a:effectRef idx="0">
+            <a:schemeClr val="accent3"/>
+          </a:effectRef>
+          <a:fontRef idx="minor">
+            <a:schemeClr val="lt1"/>
+          </a:fontRef>
+        </p:style>
+        <p:txBody>
+          <a:bodyPr rtlCol="0" anchor="ctr"/>
+          <a:lstStyle/>
+          <a:p>
+            <a:pPr algn="ctr"/>
+            <a:endParaRPr lang="zh-CN" altLang="en-US"/>
+          </a:p>
+        </p:txBody>
+      </p:sp>
+    </p:spTree>
+    <p:extLst>
+      <p:ext uri="{BB962C8B-B14F-4D97-AF65-F5344CB8AC3E}">
+        <p14:creationId xmlns:p14="http://schemas.microsoft.com/office/powerpoint/2010/main" val="2033495697"/>
       </p:ext>
     </p:extLst>
   </p:cSld>

--- a/documents/race_profile/result_board.pptx
+++ b/documents/race_profile/result_board.pptx
@@ -7506,37 +7506,69 @@
         </p:nvSpPr>
         <p:spPr>
           <a:xfrm>
-            <a:off x="743509" y="5662741"/>
-            <a:ext cx="10515600" cy="1325563"/>
+            <a:off x="311330" y="3547339"/>
+            <a:ext cx="10515600" cy="2902545"/>
           </a:xfrm>
         </p:spPr>
         <p:txBody>
-          <a:bodyPr/>
+          <a:bodyPr>
+            <a:noAutofit/>
+          </a:bodyPr>
           <a:lstStyle/>
           <a:p>
             <a:r>
-              <a:rPr lang="en-US" altLang="zh-CN" dirty="0">
+              <a:rPr lang="en-US" altLang="zh-CN" sz="8000" b="1" dirty="0">
                 <a:solidFill>
-                  <a:srgbClr val="E28EA6"/>
+                  <a:srgbClr val="E28EA6">
+                    <a:alpha val="20000"/>
+                  </a:srgbClr>
                 </a:solidFill>
               </a:rPr>
-              <a:t>#</a:t>
-            </a:r>
-            <a:r>
-              <a:rPr lang="en-US" altLang="zh-CN" dirty="0"/>
-              <a:t> </a:t>
-            </a:r>
-            <a:r>
-              <a:rPr lang="en-US" altLang="zh-CN" dirty="0">
+              <a:t>Lace Duvet</a:t>
+            </a:r>
+            <a:br>
+              <a:rPr lang="en-US" altLang="zh-CN" sz="8000" b="1" dirty="0">
                 <a:solidFill>
-                  <a:srgbClr val="E28EA6"/>
+                  <a:srgbClr val="E28EA6">
+                    <a:alpha val="20000"/>
+                  </a:srgbClr>
                 </a:solidFill>
               </a:rPr>
-              <a:t>LaceDuvetWeiboIDElection2021</a:t>
-            </a:r>
-            <a:endParaRPr lang="zh-CN" altLang="en-US" dirty="0">
+            </a:br>
+            <a:r>
+              <a:rPr lang="en-US" altLang="zh-CN" sz="8000" b="1" dirty="0">
+                <a:solidFill>
+                  <a:srgbClr val="E28EA6">
+                    <a:alpha val="20000"/>
+                  </a:srgbClr>
+                </a:solidFill>
+              </a:rPr>
+              <a:t>Weibo ID Election</a:t>
+            </a:r>
+            <a:br>
+              <a:rPr lang="en-US" altLang="zh-CN" sz="8000" b="1" dirty="0">
+                <a:solidFill>
+                  <a:srgbClr val="E28EA6">
+                    <a:alpha val="20000"/>
+                  </a:srgbClr>
+                </a:solidFill>
+              </a:rPr>
+            </a:br>
+            <a:r>
+              <a:rPr lang="en-US" altLang="zh-CN" sz="8000" b="1" dirty="0">
+                <a:solidFill>
+                  <a:srgbClr val="E28EA6">
+                    <a:alpha val="20000"/>
+                  </a:srgbClr>
+                </a:solidFill>
+              </a:rPr>
+              <a:t>2021</a:t>
+            </a:r>
+            <a:endParaRPr lang="zh-CN" altLang="en-US" sz="8000" b="1" dirty="0">
               <a:solidFill>
-                <a:srgbClr val="E28EA6"/>
+                <a:srgbClr val="E28EA6">
+                  <a:alpha val="20000"/>
+                </a:srgbClr>
               </a:solidFill>
             </a:endParaRPr>
           </a:p>
@@ -7560,62 +7592,29 @@
         </p:nvSpPr>
         <p:spPr>
           <a:xfrm>
-            <a:off x="838200" y="275838"/>
-            <a:ext cx="10515600" cy="497697"/>
+            <a:off x="384648" y="248348"/>
+            <a:ext cx="10515600" cy="858233"/>
           </a:xfrm>
         </p:spPr>
         <p:txBody>
-          <a:bodyPr/>
+          <a:bodyPr>
+            <a:normAutofit/>
+          </a:bodyPr>
           <a:lstStyle/>
           <a:p>
             <a:pPr marL="0" indent="0">
               <a:buNone/>
             </a:pPr>
             <a:r>
-              <a:rPr lang="zh-CN" altLang="en-US" dirty="0"/>
-              <a:t>淘汰赛赛程  </a:t>
-            </a:r>
-            <a:r>
-              <a:rPr lang="en-US" altLang="zh-CN" sz="2000" dirty="0">
+              <a:rPr lang="zh-CN" altLang="en-US" sz="3200" dirty="0">
                 <a:solidFill>
-                  <a:srgbClr val="E28EA6"/>
+                  <a:schemeClr val="tx1">
+                    <a:alpha val="60000"/>
+                  </a:schemeClr>
                 </a:solidFill>
               </a:rPr>
-              <a:t>d</a:t>
-            </a:r>
-            <a:r>
-              <a:rPr lang="zh-CN" altLang="en-US" sz="2000" dirty="0">
-                <a:solidFill>
-                  <a:srgbClr val="E28EA6"/>
-                </a:solidFill>
-              </a:rPr>
-              <a:t>酱微博</a:t>
-            </a:r>
-            <a:r>
-              <a:rPr lang="en-US" altLang="zh-CN" sz="2000" dirty="0">
-                <a:solidFill>
-                  <a:srgbClr val="E28EA6"/>
-                </a:solidFill>
-              </a:rPr>
-              <a:t>ID</a:t>
-            </a:r>
-            <a:r>
-              <a:rPr lang="zh-CN" altLang="en-US" sz="2000" dirty="0">
-                <a:solidFill>
-                  <a:srgbClr val="E28EA6"/>
-                </a:solidFill>
-              </a:rPr>
-              <a:t>总选举</a:t>
-            </a:r>
-            <a:r>
-              <a:rPr lang="en-US" altLang="zh-CN" sz="2000" dirty="0">
-                <a:solidFill>
-                  <a:srgbClr val="E28EA6"/>
-                </a:solidFill>
-              </a:rPr>
-              <a:t>2021</a:t>
-            </a:r>
-            <a:endParaRPr lang="zh-CN" altLang="en-US" dirty="0"/>
+              <a:t>淘汰赛赛程</a:t>
+            </a:r>
           </a:p>
         </p:txBody>
       </p:sp>
@@ -7633,14 +7632,16 @@
         </p:nvSpPr>
         <p:spPr>
           <a:xfrm>
-            <a:off x="980601" y="1536988"/>
-            <a:ext cx="1352981" cy="370483"/>
+            <a:off x="384648" y="1695541"/>
+            <a:ext cx="1187170" cy="286158"/>
           </a:xfrm>
           <a:prstGeom prst="rect">
             <a:avLst/>
           </a:prstGeom>
           <a:solidFill>
-            <a:srgbClr val="FFB3B3"/>
+            <a:srgbClr val="FFB3B3">
+              <a:alpha val="50000"/>
+            </a:srgbClr>
           </a:solidFill>
           <a:ln>
             <a:solidFill>
@@ -7687,14 +7688,16 @@
         </p:nvSpPr>
         <p:spPr>
           <a:xfrm>
-            <a:off x="980601" y="2176921"/>
-            <a:ext cx="1352981" cy="370483"/>
+            <a:off x="384648" y="2443987"/>
+            <a:ext cx="1187170" cy="286158"/>
           </a:xfrm>
           <a:prstGeom prst="rect">
             <a:avLst/>
           </a:prstGeom>
           <a:solidFill>
-            <a:srgbClr val="FFB3B3"/>
+            <a:srgbClr val="FFB3B3">
+              <a:alpha val="50000"/>
+            </a:srgbClr>
           </a:solidFill>
           <a:ln>
             <a:solidFill>
@@ -7741,14 +7744,16 @@
         </p:nvSpPr>
         <p:spPr>
           <a:xfrm>
-            <a:off x="980601" y="4736653"/>
-            <a:ext cx="1352981" cy="370483"/>
+            <a:off x="384648" y="5437771"/>
+            <a:ext cx="1187170" cy="286158"/>
           </a:xfrm>
           <a:prstGeom prst="rect">
             <a:avLst/>
           </a:prstGeom>
           <a:solidFill>
-            <a:srgbClr val="FFB3B3"/>
+            <a:srgbClr val="FFB3B3">
+              <a:alpha val="50000"/>
+            </a:srgbClr>
           </a:solidFill>
           <a:ln>
             <a:solidFill>
@@ -7795,14 +7800,16 @@
         </p:nvSpPr>
         <p:spPr>
           <a:xfrm>
-            <a:off x="980601" y="2816854"/>
-            <a:ext cx="1352981" cy="370483"/>
+            <a:off x="384648" y="3192433"/>
+            <a:ext cx="1187170" cy="286158"/>
           </a:xfrm>
           <a:prstGeom prst="rect">
             <a:avLst/>
           </a:prstGeom>
           <a:solidFill>
-            <a:srgbClr val="FFB3B3"/>
+            <a:srgbClr val="FFB3B3">
+              <a:alpha val="50000"/>
+            </a:srgbClr>
           </a:solidFill>
           <a:ln>
             <a:solidFill>
@@ -7849,14 +7856,16 @@
         </p:nvSpPr>
         <p:spPr>
           <a:xfrm>
-            <a:off x="980601" y="3456787"/>
-            <a:ext cx="1352981" cy="370483"/>
+            <a:off x="384648" y="3940879"/>
+            <a:ext cx="1187170" cy="286158"/>
           </a:xfrm>
           <a:prstGeom prst="rect">
             <a:avLst/>
           </a:prstGeom>
           <a:solidFill>
-            <a:srgbClr val="FFB3B3"/>
+            <a:srgbClr val="FFB3B3">
+              <a:alpha val="50000"/>
+            </a:srgbClr>
           </a:solidFill>
           <a:ln>
             <a:solidFill>
@@ -7903,14 +7912,16 @@
         </p:nvSpPr>
         <p:spPr>
           <a:xfrm>
-            <a:off x="980601" y="4096720"/>
-            <a:ext cx="1352981" cy="370483"/>
+            <a:off x="384648" y="4689325"/>
+            <a:ext cx="1187170" cy="286158"/>
           </a:xfrm>
           <a:prstGeom prst="rect">
             <a:avLst/>
           </a:prstGeom>
           <a:solidFill>
-            <a:srgbClr val="FFB3B3"/>
+            <a:srgbClr val="FFB3B3">
+              <a:alpha val="50000"/>
+            </a:srgbClr>
           </a:solidFill>
           <a:ln>
             <a:solidFill>
@@ -7957,14 +7968,16 @@
         </p:nvSpPr>
         <p:spPr>
           <a:xfrm>
-            <a:off x="980601" y="897055"/>
-            <a:ext cx="1352981" cy="370483"/>
+            <a:off x="384648" y="947095"/>
+            <a:ext cx="1187170" cy="286158"/>
           </a:xfrm>
           <a:prstGeom prst="rect">
             <a:avLst/>
           </a:prstGeom>
           <a:solidFill>
-            <a:srgbClr val="FFB3B3"/>
+            <a:srgbClr val="FFB3B3">
+              <a:alpha val="50000"/>
+            </a:srgbClr>
           </a:solidFill>
           <a:ln>
             <a:solidFill>
@@ -7994,15 +8007,15 @@
           <a:p>
             <a:pPr algn="ctr"/>
             <a:r>
-              <a:rPr lang="zh-CN" altLang="en-US" sz="1600" dirty="0"/>
+              <a:rPr lang="zh-CN" altLang="en-US" sz="1400" dirty="0"/>
               <a:t>蕾丝包子</a:t>
             </a:r>
             <a:r>
-              <a:rPr lang="en-US" altLang="zh-CN" sz="1600" dirty="0"/>
+              <a:rPr lang="en-US" altLang="zh-CN" sz="1400" dirty="0"/>
               <a:t>A</a:t>
             </a:r>
             <a:r>
-              <a:rPr lang="zh-CN" altLang="en-US" sz="1600" dirty="0"/>
+              <a:rPr lang="zh-CN" altLang="en-US" sz="1400" dirty="0"/>
               <a:t>酱</a:t>
             </a:r>
           </a:p>
@@ -8022,14 +8035,16 @@
         </p:nvSpPr>
         <p:spPr>
           <a:xfrm>
-            <a:off x="980601" y="5376583"/>
-            <a:ext cx="1352981" cy="370483"/>
+            <a:off x="384648" y="6186215"/>
+            <a:ext cx="1187170" cy="286158"/>
           </a:xfrm>
           <a:prstGeom prst="rect">
             <a:avLst/>
           </a:prstGeom>
           <a:solidFill>
-            <a:srgbClr val="FFB3B3"/>
+            <a:srgbClr val="FFB3B3">
+              <a:alpha val="50000"/>
+            </a:srgbClr>
           </a:solidFill>
           <a:ln>
             <a:solidFill>
@@ -8076,14 +8091,16 @@
         </p:nvSpPr>
         <p:spPr>
           <a:xfrm>
-            <a:off x="9858418" y="1536988"/>
-            <a:ext cx="1352981" cy="370483"/>
+            <a:off x="10620182" y="1695541"/>
+            <a:ext cx="1187170" cy="286158"/>
           </a:xfrm>
           <a:prstGeom prst="rect">
             <a:avLst/>
           </a:prstGeom>
           <a:solidFill>
-            <a:srgbClr val="FFB3B3"/>
+            <a:srgbClr val="FFB3B3">
+              <a:alpha val="50000"/>
+            </a:srgbClr>
           </a:solidFill>
           <a:ln>
             <a:solidFill>
@@ -8130,14 +8147,16 @@
         </p:nvSpPr>
         <p:spPr>
           <a:xfrm>
-            <a:off x="9858418" y="2176921"/>
-            <a:ext cx="1352981" cy="370483"/>
+            <a:off x="10620182" y="2443987"/>
+            <a:ext cx="1187170" cy="286158"/>
           </a:xfrm>
           <a:prstGeom prst="rect">
             <a:avLst/>
           </a:prstGeom>
           <a:solidFill>
-            <a:srgbClr val="FFB3B3"/>
+            <a:srgbClr val="FFB3B3">
+              <a:alpha val="50000"/>
+            </a:srgbClr>
           </a:solidFill>
           <a:ln>
             <a:solidFill>
@@ -8184,14 +8203,16 @@
         </p:nvSpPr>
         <p:spPr>
           <a:xfrm>
-            <a:off x="9858418" y="4736653"/>
-            <a:ext cx="1352981" cy="370483"/>
+            <a:off x="10620182" y="5437771"/>
+            <a:ext cx="1187170" cy="286158"/>
           </a:xfrm>
           <a:prstGeom prst="rect">
             <a:avLst/>
           </a:prstGeom>
           <a:solidFill>
-            <a:srgbClr val="FFB3B3"/>
+            <a:srgbClr val="FFB3B3">
+              <a:alpha val="50000"/>
+            </a:srgbClr>
           </a:solidFill>
           <a:ln>
             <a:solidFill>
@@ -8238,14 +8259,16 @@
         </p:nvSpPr>
         <p:spPr>
           <a:xfrm>
-            <a:off x="9858418" y="2816854"/>
-            <a:ext cx="1352981" cy="370483"/>
+            <a:off x="10620182" y="3192433"/>
+            <a:ext cx="1187170" cy="286158"/>
           </a:xfrm>
           <a:prstGeom prst="rect">
             <a:avLst/>
           </a:prstGeom>
           <a:solidFill>
-            <a:srgbClr val="FFB3B3"/>
+            <a:srgbClr val="FFB3B3">
+              <a:alpha val="50000"/>
+            </a:srgbClr>
           </a:solidFill>
           <a:ln>
             <a:solidFill>
@@ -8292,14 +8315,16 @@
         </p:nvSpPr>
         <p:spPr>
           <a:xfrm>
-            <a:off x="9858418" y="3456787"/>
-            <a:ext cx="1352981" cy="370483"/>
+            <a:off x="10620182" y="3940879"/>
+            <a:ext cx="1187170" cy="286158"/>
           </a:xfrm>
           <a:prstGeom prst="rect">
             <a:avLst/>
           </a:prstGeom>
           <a:solidFill>
-            <a:srgbClr val="FFB3B3"/>
+            <a:srgbClr val="FFB3B3">
+              <a:alpha val="50000"/>
+            </a:srgbClr>
           </a:solidFill>
           <a:ln>
             <a:solidFill>
@@ -8346,14 +8371,16 @@
         </p:nvSpPr>
         <p:spPr>
           <a:xfrm>
-            <a:off x="9858418" y="4096720"/>
-            <a:ext cx="1352981" cy="370483"/>
+            <a:off x="10620182" y="4689325"/>
+            <a:ext cx="1187170" cy="286158"/>
           </a:xfrm>
           <a:prstGeom prst="rect">
             <a:avLst/>
           </a:prstGeom>
           <a:solidFill>
-            <a:srgbClr val="FFB3B3"/>
+            <a:srgbClr val="FFB3B3">
+              <a:alpha val="50000"/>
+            </a:srgbClr>
           </a:solidFill>
           <a:ln>
             <a:solidFill>
@@ -8400,14 +8427,16 @@
         </p:nvSpPr>
         <p:spPr>
           <a:xfrm>
-            <a:off x="9858418" y="897055"/>
-            <a:ext cx="1352981" cy="370483"/>
+            <a:off x="10620182" y="947095"/>
+            <a:ext cx="1187170" cy="286158"/>
           </a:xfrm>
           <a:prstGeom prst="rect">
             <a:avLst/>
           </a:prstGeom>
           <a:solidFill>
-            <a:srgbClr val="FFB3B3"/>
+            <a:srgbClr val="FFB3B3">
+              <a:alpha val="50000"/>
+            </a:srgbClr>
           </a:solidFill>
           <a:ln>
             <a:solidFill>
@@ -8454,14 +8483,16 @@
         </p:nvSpPr>
         <p:spPr>
           <a:xfrm>
-            <a:off x="9858418" y="5376583"/>
-            <a:ext cx="1352981" cy="370483"/>
+            <a:off x="10620182" y="6186215"/>
+            <a:ext cx="1187170" cy="286158"/>
           </a:xfrm>
           <a:prstGeom prst="rect">
             <a:avLst/>
           </a:prstGeom>
           <a:solidFill>
-            <a:srgbClr val="FFB3B3"/>
+            <a:srgbClr val="FFB3B3">
+              <a:alpha val="50000"/>
+            </a:srgbClr>
           </a:solidFill>
           <a:ln>
             <a:solidFill>
@@ -8508,14 +8539,16 @@
         </p:nvSpPr>
         <p:spPr>
           <a:xfrm>
-            <a:off x="7915491" y="1226378"/>
-            <a:ext cx="1352981" cy="370483"/>
+            <a:off x="8971079" y="1321441"/>
+            <a:ext cx="1187170" cy="286158"/>
           </a:xfrm>
           <a:prstGeom prst="rect">
             <a:avLst/>
           </a:prstGeom>
           <a:solidFill>
-            <a:srgbClr val="FFB3B3"/>
+            <a:srgbClr val="FFB3B3">
+              <a:alpha val="60000"/>
+            </a:srgbClr>
           </a:solidFill>
           <a:ln>
             <a:solidFill>
@@ -8562,14 +8595,16 @@
         </p:nvSpPr>
         <p:spPr>
           <a:xfrm>
-            <a:off x="2923183" y="1226378"/>
-            <a:ext cx="1352981" cy="370483"/>
+            <a:off x="2033406" y="1321441"/>
+            <a:ext cx="1187170" cy="286158"/>
           </a:xfrm>
           <a:prstGeom prst="rect">
             <a:avLst/>
           </a:prstGeom>
           <a:solidFill>
-            <a:srgbClr val="FFB3B3"/>
+            <a:srgbClr val="FFB3B3">
+              <a:alpha val="60000"/>
+            </a:srgbClr>
           </a:solidFill>
           <a:ln>
             <a:solidFill>
@@ -8616,14 +8651,16 @@
         </p:nvSpPr>
         <p:spPr>
           <a:xfrm>
-            <a:off x="2923183" y="2491574"/>
-            <a:ext cx="1352981" cy="370483"/>
+            <a:off x="2033406" y="2818108"/>
+            <a:ext cx="1187170" cy="286158"/>
           </a:xfrm>
           <a:prstGeom prst="rect">
             <a:avLst/>
           </a:prstGeom>
           <a:solidFill>
-            <a:srgbClr val="FFB3B3"/>
+            <a:srgbClr val="FFB3B3">
+              <a:alpha val="60000"/>
+            </a:srgbClr>
           </a:solidFill>
           <a:ln>
             <a:solidFill>
@@ -8670,14 +8707,16 @@
         </p:nvSpPr>
         <p:spPr>
           <a:xfrm>
-            <a:off x="2923528" y="5021965"/>
-            <a:ext cx="1352981" cy="370483"/>
+            <a:off x="2033751" y="5811441"/>
+            <a:ext cx="1187170" cy="286158"/>
           </a:xfrm>
           <a:prstGeom prst="rect">
             <a:avLst/>
           </a:prstGeom>
           <a:solidFill>
-            <a:srgbClr val="FFB3B3"/>
+            <a:srgbClr val="FFB3B3">
+              <a:alpha val="60000"/>
+            </a:srgbClr>
           </a:solidFill>
           <a:ln>
             <a:solidFill>
@@ -8724,14 +8763,16 @@
         </p:nvSpPr>
         <p:spPr>
           <a:xfrm>
-            <a:off x="2923183" y="3756770"/>
-            <a:ext cx="1352981" cy="370483"/>
+            <a:off x="2033406" y="4314775"/>
+            <a:ext cx="1187170" cy="286158"/>
           </a:xfrm>
           <a:prstGeom prst="rect">
             <a:avLst/>
           </a:prstGeom>
           <a:solidFill>
-            <a:srgbClr val="FFB3B3"/>
+            <a:srgbClr val="FFB3B3">
+              <a:alpha val="60000"/>
+            </a:srgbClr>
           </a:solidFill>
           <a:ln>
             <a:solidFill>
@@ -8778,14 +8819,16 @@
         </p:nvSpPr>
         <p:spPr>
           <a:xfrm>
-            <a:off x="7915491" y="2491573"/>
-            <a:ext cx="1352981" cy="370483"/>
+            <a:off x="8971079" y="2818108"/>
+            <a:ext cx="1187170" cy="286158"/>
           </a:xfrm>
           <a:prstGeom prst="rect">
             <a:avLst/>
           </a:prstGeom>
           <a:solidFill>
-            <a:srgbClr val="FFB3B3"/>
+            <a:srgbClr val="FFB3B3">
+              <a:alpha val="60000"/>
+            </a:srgbClr>
           </a:solidFill>
           <a:ln>
             <a:solidFill>
@@ -8832,14 +8875,16 @@
         </p:nvSpPr>
         <p:spPr>
           <a:xfrm>
-            <a:off x="7915491" y="3756769"/>
-            <a:ext cx="1352981" cy="370483"/>
+            <a:off x="8971079" y="4314775"/>
+            <a:ext cx="1187170" cy="286158"/>
           </a:xfrm>
           <a:prstGeom prst="rect">
             <a:avLst/>
           </a:prstGeom>
           <a:solidFill>
-            <a:srgbClr val="FFB3B3"/>
+            <a:srgbClr val="FFB3B3">
+              <a:alpha val="60000"/>
+            </a:srgbClr>
           </a:solidFill>
           <a:ln>
             <a:solidFill>
@@ -8886,14 +8931,16 @@
         </p:nvSpPr>
         <p:spPr>
           <a:xfrm>
-            <a:off x="7915491" y="5021963"/>
-            <a:ext cx="1352981" cy="370483"/>
+            <a:off x="8971079" y="5811441"/>
+            <a:ext cx="1187170" cy="286158"/>
           </a:xfrm>
           <a:prstGeom prst="rect">
             <a:avLst/>
           </a:prstGeom>
           <a:solidFill>
-            <a:srgbClr val="FFB3B3"/>
+            <a:srgbClr val="FFB3B3">
+              <a:alpha val="60000"/>
+            </a:srgbClr>
           </a:solidFill>
           <a:ln>
             <a:solidFill>
@@ -8923,6 +8970,2187 @@
           <a:p>
             <a:pPr algn="ctr"/>
             <a:endParaRPr lang="zh-CN" altLang="en-US"/>
+          </a:p>
+        </p:txBody>
+      </p:sp>
+      <p:sp>
+        <p:nvSpPr>
+          <p:cNvPr id="34" name="矩形 33">
+            <a:extLst>
+              <a:ext uri="{FF2B5EF4-FFF2-40B4-BE49-F238E27FC236}">
+                <a16:creationId xmlns:a16="http://schemas.microsoft.com/office/drawing/2014/main" id="{D3B61D34-D536-45CA-85F2-588A56B21618}"/>
+              </a:ext>
+            </a:extLst>
+          </p:cNvPr>
+          <p:cNvSpPr/>
+          <p:nvPr/>
+        </p:nvSpPr>
+        <p:spPr>
+          <a:xfrm>
+            <a:off x="3876250" y="2072513"/>
+            <a:ext cx="1187170" cy="286158"/>
+          </a:xfrm>
+          <a:prstGeom prst="rect">
+            <a:avLst/>
+          </a:prstGeom>
+          <a:solidFill>
+            <a:srgbClr val="FFB3B3">
+              <a:alpha val="70000"/>
+            </a:srgbClr>
+          </a:solidFill>
+          <a:ln>
+            <a:solidFill>
+              <a:srgbClr val="E28EA6"/>
+            </a:solidFill>
+          </a:ln>
+        </p:spPr>
+        <p:style>
+          <a:lnRef idx="2">
+            <a:schemeClr val="accent3">
+              <a:shade val="50000"/>
+            </a:schemeClr>
+          </a:lnRef>
+          <a:fillRef idx="1">
+            <a:schemeClr val="accent3"/>
+          </a:fillRef>
+          <a:effectRef idx="0">
+            <a:schemeClr val="accent3"/>
+          </a:effectRef>
+          <a:fontRef idx="minor">
+            <a:schemeClr val="lt1"/>
+          </a:fontRef>
+        </p:style>
+        <p:txBody>
+          <a:bodyPr rtlCol="0" anchor="ctr"/>
+          <a:lstStyle/>
+          <a:p>
+            <a:pPr algn="ctr"/>
+            <a:endParaRPr lang="zh-CN" altLang="en-US"/>
+          </a:p>
+        </p:txBody>
+      </p:sp>
+      <p:sp>
+        <p:nvSpPr>
+          <p:cNvPr id="35" name="矩形 34">
+            <a:extLst>
+              <a:ext uri="{FF2B5EF4-FFF2-40B4-BE49-F238E27FC236}">
+                <a16:creationId xmlns:a16="http://schemas.microsoft.com/office/drawing/2014/main" id="{9B9CFD88-BA0D-49E6-942E-C360A7B63E36}"/>
+              </a:ext>
+            </a:extLst>
+          </p:cNvPr>
+          <p:cNvSpPr/>
+          <p:nvPr/>
+        </p:nvSpPr>
+        <p:spPr>
+          <a:xfrm>
+            <a:off x="3876250" y="5062995"/>
+            <a:ext cx="1187170" cy="286158"/>
+          </a:xfrm>
+          <a:prstGeom prst="rect">
+            <a:avLst/>
+          </a:prstGeom>
+          <a:solidFill>
+            <a:srgbClr val="FFB3B3">
+              <a:alpha val="70000"/>
+            </a:srgbClr>
+          </a:solidFill>
+          <a:ln>
+            <a:solidFill>
+              <a:srgbClr val="E28EA6"/>
+            </a:solidFill>
+          </a:ln>
+        </p:spPr>
+        <p:style>
+          <a:lnRef idx="2">
+            <a:schemeClr val="accent3">
+              <a:shade val="50000"/>
+            </a:schemeClr>
+          </a:lnRef>
+          <a:fillRef idx="1">
+            <a:schemeClr val="accent3"/>
+          </a:fillRef>
+          <a:effectRef idx="0">
+            <a:schemeClr val="accent3"/>
+          </a:effectRef>
+          <a:fontRef idx="minor">
+            <a:schemeClr val="lt1"/>
+          </a:fontRef>
+        </p:style>
+        <p:txBody>
+          <a:bodyPr rtlCol="0" anchor="ctr"/>
+          <a:lstStyle/>
+          <a:p>
+            <a:pPr algn="ctr"/>
+            <a:endParaRPr lang="zh-CN" altLang="en-US"/>
+          </a:p>
+        </p:txBody>
+      </p:sp>
+      <p:sp>
+        <p:nvSpPr>
+          <p:cNvPr id="36" name="矩形 35">
+            <a:extLst>
+              <a:ext uri="{FF2B5EF4-FFF2-40B4-BE49-F238E27FC236}">
+                <a16:creationId xmlns:a16="http://schemas.microsoft.com/office/drawing/2014/main" id="{A33C6019-7797-4ADB-9490-93336CB1A532}"/>
+              </a:ext>
+            </a:extLst>
+          </p:cNvPr>
+          <p:cNvSpPr/>
+          <p:nvPr/>
+        </p:nvSpPr>
+        <p:spPr>
+          <a:xfrm>
+            <a:off x="6899079" y="2072513"/>
+            <a:ext cx="1187170" cy="286158"/>
+          </a:xfrm>
+          <a:prstGeom prst="rect">
+            <a:avLst/>
+          </a:prstGeom>
+          <a:solidFill>
+            <a:srgbClr val="FFB3B3">
+              <a:alpha val="70000"/>
+            </a:srgbClr>
+          </a:solidFill>
+          <a:ln>
+            <a:solidFill>
+              <a:srgbClr val="E28EA6"/>
+            </a:solidFill>
+          </a:ln>
+        </p:spPr>
+        <p:style>
+          <a:lnRef idx="2">
+            <a:schemeClr val="accent3">
+              <a:shade val="50000"/>
+            </a:schemeClr>
+          </a:lnRef>
+          <a:fillRef idx="1">
+            <a:schemeClr val="accent3"/>
+          </a:fillRef>
+          <a:effectRef idx="0">
+            <a:schemeClr val="accent3"/>
+          </a:effectRef>
+          <a:fontRef idx="minor">
+            <a:schemeClr val="lt1"/>
+          </a:fontRef>
+        </p:style>
+        <p:txBody>
+          <a:bodyPr rtlCol="0" anchor="ctr"/>
+          <a:lstStyle/>
+          <a:p>
+            <a:pPr algn="ctr"/>
+            <a:endParaRPr lang="zh-CN" altLang="en-US"/>
+          </a:p>
+        </p:txBody>
+      </p:sp>
+      <p:sp>
+        <p:nvSpPr>
+          <p:cNvPr id="37" name="矩形 36">
+            <a:extLst>
+              <a:ext uri="{FF2B5EF4-FFF2-40B4-BE49-F238E27FC236}">
+                <a16:creationId xmlns:a16="http://schemas.microsoft.com/office/drawing/2014/main" id="{9615C390-3CBD-4C8C-AA4E-E4385AB2882E}"/>
+              </a:ext>
+            </a:extLst>
+          </p:cNvPr>
+          <p:cNvSpPr/>
+          <p:nvPr/>
+        </p:nvSpPr>
+        <p:spPr>
+          <a:xfrm>
+            <a:off x="6899079" y="5062995"/>
+            <a:ext cx="1187170" cy="286158"/>
+          </a:xfrm>
+          <a:prstGeom prst="rect">
+            <a:avLst/>
+          </a:prstGeom>
+          <a:solidFill>
+            <a:srgbClr val="FFB3B3">
+              <a:alpha val="70000"/>
+            </a:srgbClr>
+          </a:solidFill>
+          <a:ln>
+            <a:solidFill>
+              <a:srgbClr val="E28EA6"/>
+            </a:solidFill>
+          </a:ln>
+        </p:spPr>
+        <p:style>
+          <a:lnRef idx="2">
+            <a:schemeClr val="accent3">
+              <a:shade val="50000"/>
+            </a:schemeClr>
+          </a:lnRef>
+          <a:fillRef idx="1">
+            <a:schemeClr val="accent3"/>
+          </a:fillRef>
+          <a:effectRef idx="0">
+            <a:schemeClr val="accent3"/>
+          </a:effectRef>
+          <a:fontRef idx="minor">
+            <a:schemeClr val="lt1"/>
+          </a:fontRef>
+        </p:style>
+        <p:txBody>
+          <a:bodyPr rtlCol="0" anchor="ctr"/>
+          <a:lstStyle/>
+          <a:p>
+            <a:pPr algn="ctr"/>
+            <a:endParaRPr lang="zh-CN" altLang="en-US"/>
+          </a:p>
+        </p:txBody>
+      </p:sp>
+      <p:sp>
+        <p:nvSpPr>
+          <p:cNvPr id="38" name="矩形 37">
+            <a:extLst>
+              <a:ext uri="{FF2B5EF4-FFF2-40B4-BE49-F238E27FC236}">
+                <a16:creationId xmlns:a16="http://schemas.microsoft.com/office/drawing/2014/main" id="{B7CF6744-FFA2-43E8-98A6-8991E2094A37}"/>
+              </a:ext>
+            </a:extLst>
+          </p:cNvPr>
+          <p:cNvSpPr/>
+          <p:nvPr/>
+        </p:nvSpPr>
+        <p:spPr>
+          <a:xfrm>
+            <a:off x="5407725" y="3940879"/>
+            <a:ext cx="1187170" cy="286158"/>
+          </a:xfrm>
+          <a:prstGeom prst="rect">
+            <a:avLst/>
+          </a:prstGeom>
+          <a:solidFill>
+            <a:srgbClr val="FFB3B3">
+              <a:alpha val="80000"/>
+            </a:srgbClr>
+          </a:solidFill>
+          <a:ln>
+            <a:solidFill>
+              <a:srgbClr val="E28EA6"/>
+            </a:solidFill>
+          </a:ln>
+        </p:spPr>
+        <p:style>
+          <a:lnRef idx="2">
+            <a:schemeClr val="accent3">
+              <a:shade val="50000"/>
+            </a:schemeClr>
+          </a:lnRef>
+          <a:fillRef idx="1">
+            <a:schemeClr val="accent3"/>
+          </a:fillRef>
+          <a:effectRef idx="0">
+            <a:schemeClr val="accent3"/>
+          </a:effectRef>
+          <a:fontRef idx="minor">
+            <a:schemeClr val="lt1"/>
+          </a:fontRef>
+        </p:style>
+        <p:txBody>
+          <a:bodyPr rtlCol="0" anchor="ctr"/>
+          <a:lstStyle/>
+          <a:p>
+            <a:pPr algn="ctr"/>
+            <a:endParaRPr lang="zh-CN" altLang="en-US"/>
+          </a:p>
+        </p:txBody>
+      </p:sp>
+      <p:sp>
+        <p:nvSpPr>
+          <p:cNvPr id="39" name="矩形 38">
+            <a:extLst>
+              <a:ext uri="{FF2B5EF4-FFF2-40B4-BE49-F238E27FC236}">
+                <a16:creationId xmlns:a16="http://schemas.microsoft.com/office/drawing/2014/main" id="{10124DF7-4BC1-4186-BDA2-60668827A46D}"/>
+              </a:ext>
+            </a:extLst>
+          </p:cNvPr>
+          <p:cNvSpPr/>
+          <p:nvPr/>
+        </p:nvSpPr>
+        <p:spPr>
+          <a:xfrm>
+            <a:off x="5407725" y="2814703"/>
+            <a:ext cx="1187170" cy="286158"/>
+          </a:xfrm>
+          <a:prstGeom prst="rect">
+            <a:avLst/>
+          </a:prstGeom>
+          <a:solidFill>
+            <a:srgbClr val="FFB3B3">
+              <a:alpha val="80000"/>
+            </a:srgbClr>
+          </a:solidFill>
+          <a:ln>
+            <a:solidFill>
+              <a:srgbClr val="E28EA6"/>
+            </a:solidFill>
+          </a:ln>
+        </p:spPr>
+        <p:style>
+          <a:lnRef idx="2">
+            <a:schemeClr val="accent3">
+              <a:shade val="50000"/>
+            </a:schemeClr>
+          </a:lnRef>
+          <a:fillRef idx="1">
+            <a:schemeClr val="accent3"/>
+          </a:fillRef>
+          <a:effectRef idx="0">
+            <a:schemeClr val="accent3"/>
+          </a:effectRef>
+          <a:fontRef idx="minor">
+            <a:schemeClr val="lt1"/>
+          </a:fontRef>
+        </p:style>
+        <p:txBody>
+          <a:bodyPr rtlCol="0" anchor="ctr"/>
+          <a:lstStyle/>
+          <a:p>
+            <a:pPr algn="ctr"/>
+            <a:endParaRPr lang="zh-CN" altLang="en-US"/>
+          </a:p>
+        </p:txBody>
+      </p:sp>
+      <p:sp>
+        <p:nvSpPr>
+          <p:cNvPr id="40" name="矩形 39">
+            <a:extLst>
+              <a:ext uri="{FF2B5EF4-FFF2-40B4-BE49-F238E27FC236}">
+                <a16:creationId xmlns:a16="http://schemas.microsoft.com/office/drawing/2014/main" id="{C4AFF44B-DDA3-4F03-AAF8-A7E2C6D5BB37}"/>
+              </a:ext>
+            </a:extLst>
+          </p:cNvPr>
+          <p:cNvSpPr/>
+          <p:nvPr/>
+        </p:nvSpPr>
+        <p:spPr>
+          <a:xfrm>
+            <a:off x="5407724" y="3377791"/>
+            <a:ext cx="1187170" cy="286158"/>
+          </a:xfrm>
+          <a:prstGeom prst="rect">
+            <a:avLst/>
+          </a:prstGeom>
+          <a:solidFill>
+            <a:srgbClr val="FFB3B3">
+              <a:alpha val="90000"/>
+            </a:srgbClr>
+          </a:solidFill>
+          <a:ln>
+            <a:solidFill>
+              <a:srgbClr val="E28EA6"/>
+            </a:solidFill>
+          </a:ln>
+        </p:spPr>
+        <p:style>
+          <a:lnRef idx="2">
+            <a:schemeClr val="accent3">
+              <a:shade val="50000"/>
+            </a:schemeClr>
+          </a:lnRef>
+          <a:fillRef idx="1">
+            <a:schemeClr val="accent3"/>
+          </a:fillRef>
+          <a:effectRef idx="0">
+            <a:schemeClr val="accent3"/>
+          </a:effectRef>
+          <a:fontRef idx="minor">
+            <a:schemeClr val="lt1"/>
+          </a:fontRef>
+        </p:style>
+        <p:txBody>
+          <a:bodyPr rtlCol="0" anchor="ctr"/>
+          <a:lstStyle/>
+          <a:p>
+            <a:pPr algn="ctr"/>
+            <a:endParaRPr lang="zh-CN" altLang="en-US"/>
+          </a:p>
+        </p:txBody>
+      </p:sp>
+      <p:cxnSp>
+        <p:nvCxnSpPr>
+          <p:cNvPr id="6" name="连接符: 肘形 5">
+            <a:extLst>
+              <a:ext uri="{FF2B5EF4-FFF2-40B4-BE49-F238E27FC236}">
+                <a16:creationId xmlns:a16="http://schemas.microsoft.com/office/drawing/2014/main" id="{56D6B87A-5974-41B4-9CF7-9C5D6B584DAA}"/>
+              </a:ext>
+            </a:extLst>
+          </p:cNvPr>
+          <p:cNvCxnSpPr>
+            <a:stCxn id="16" idx="3"/>
+            <a:endCxn id="27" idx="1"/>
+          </p:cNvCxnSpPr>
+          <p:nvPr/>
+        </p:nvCxnSpPr>
+        <p:spPr>
+          <a:xfrm>
+            <a:off x="1571818" y="1090174"/>
+            <a:ext cx="461588" cy="374346"/>
+          </a:xfrm>
+          <a:prstGeom prst="bentConnector3">
+            <a:avLst/>
+          </a:prstGeom>
+          <a:ln w="12700">
+            <a:solidFill>
+              <a:srgbClr val="E28EA6"/>
+            </a:solidFill>
+            <a:headEnd type="none" w="med" len="med"/>
+            <a:tailEnd type="arrow" w="med" len="med"/>
+          </a:ln>
+        </p:spPr>
+        <p:style>
+          <a:lnRef idx="1">
+            <a:schemeClr val="accent3"/>
+          </a:lnRef>
+          <a:fillRef idx="0">
+            <a:schemeClr val="accent3"/>
+          </a:fillRef>
+          <a:effectRef idx="0">
+            <a:schemeClr val="accent3"/>
+          </a:effectRef>
+          <a:fontRef idx="minor">
+            <a:schemeClr val="tx1"/>
+          </a:fontRef>
+        </p:style>
+      </p:cxnSp>
+      <p:cxnSp>
+        <p:nvCxnSpPr>
+          <p:cNvPr id="41" name="连接符: 肘形 40">
+            <a:extLst>
+              <a:ext uri="{FF2B5EF4-FFF2-40B4-BE49-F238E27FC236}">
+                <a16:creationId xmlns:a16="http://schemas.microsoft.com/office/drawing/2014/main" id="{35F55058-2033-4036-A6C9-6DD73EB2D448}"/>
+              </a:ext>
+            </a:extLst>
+          </p:cNvPr>
+          <p:cNvCxnSpPr>
+            <a:cxnSpLocks/>
+            <a:stCxn id="4" idx="3"/>
+            <a:endCxn id="27" idx="1"/>
+          </p:cNvCxnSpPr>
+          <p:nvPr/>
+        </p:nvCxnSpPr>
+        <p:spPr>
+          <a:xfrm flipV="1">
+            <a:off x="1571818" y="1464520"/>
+            <a:ext cx="461588" cy="374100"/>
+          </a:xfrm>
+          <a:prstGeom prst="bentConnector3">
+            <a:avLst/>
+          </a:prstGeom>
+          <a:ln w="12700">
+            <a:solidFill>
+              <a:srgbClr val="E28EA6"/>
+            </a:solidFill>
+            <a:headEnd type="none" w="med" len="med"/>
+            <a:tailEnd type="arrow" w="med" len="med"/>
+          </a:ln>
+        </p:spPr>
+        <p:style>
+          <a:lnRef idx="1">
+            <a:schemeClr val="accent3"/>
+          </a:lnRef>
+          <a:fillRef idx="0">
+            <a:schemeClr val="accent3"/>
+          </a:fillRef>
+          <a:effectRef idx="0">
+            <a:schemeClr val="accent3"/>
+          </a:effectRef>
+          <a:fontRef idx="minor">
+            <a:schemeClr val="tx1"/>
+          </a:fontRef>
+        </p:style>
+      </p:cxnSp>
+      <p:cxnSp>
+        <p:nvCxnSpPr>
+          <p:cNvPr id="42" name="连接符: 肘形 41">
+            <a:extLst>
+              <a:ext uri="{FF2B5EF4-FFF2-40B4-BE49-F238E27FC236}">
+                <a16:creationId xmlns:a16="http://schemas.microsoft.com/office/drawing/2014/main" id="{65A08A49-1027-4606-9265-8217425BE3C3}"/>
+              </a:ext>
+            </a:extLst>
+          </p:cNvPr>
+          <p:cNvCxnSpPr>
+            <a:cxnSpLocks/>
+            <a:stCxn id="11" idx="3"/>
+            <a:endCxn id="28" idx="1"/>
+          </p:cNvCxnSpPr>
+          <p:nvPr/>
+        </p:nvCxnSpPr>
+        <p:spPr>
+          <a:xfrm>
+            <a:off x="1571818" y="2587066"/>
+            <a:ext cx="461588" cy="374121"/>
+          </a:xfrm>
+          <a:prstGeom prst="bentConnector3">
+            <a:avLst/>
+          </a:prstGeom>
+          <a:ln w="12700">
+            <a:solidFill>
+              <a:srgbClr val="E28EA6"/>
+            </a:solidFill>
+            <a:headEnd type="none" w="med" len="med"/>
+            <a:tailEnd type="arrow" w="med" len="med"/>
+          </a:ln>
+        </p:spPr>
+        <p:style>
+          <a:lnRef idx="1">
+            <a:schemeClr val="accent3"/>
+          </a:lnRef>
+          <a:fillRef idx="0">
+            <a:schemeClr val="accent3"/>
+          </a:fillRef>
+          <a:effectRef idx="0">
+            <a:schemeClr val="accent3"/>
+          </a:effectRef>
+          <a:fontRef idx="minor">
+            <a:schemeClr val="tx1"/>
+          </a:fontRef>
+        </p:style>
+      </p:cxnSp>
+      <p:cxnSp>
+        <p:nvCxnSpPr>
+          <p:cNvPr id="43" name="连接符: 肘形 42">
+            <a:extLst>
+              <a:ext uri="{FF2B5EF4-FFF2-40B4-BE49-F238E27FC236}">
+                <a16:creationId xmlns:a16="http://schemas.microsoft.com/office/drawing/2014/main" id="{F1ADF931-3C41-4237-827C-32F571D5F014}"/>
+              </a:ext>
+            </a:extLst>
+          </p:cNvPr>
+          <p:cNvCxnSpPr>
+            <a:cxnSpLocks/>
+            <a:stCxn id="13" idx="3"/>
+            <a:endCxn id="28" idx="1"/>
+          </p:cNvCxnSpPr>
+          <p:nvPr/>
+        </p:nvCxnSpPr>
+        <p:spPr>
+          <a:xfrm flipV="1">
+            <a:off x="1571818" y="2961187"/>
+            <a:ext cx="461588" cy="374325"/>
+          </a:xfrm>
+          <a:prstGeom prst="bentConnector3">
+            <a:avLst/>
+          </a:prstGeom>
+          <a:ln w="12700">
+            <a:solidFill>
+              <a:srgbClr val="E28EA6"/>
+            </a:solidFill>
+            <a:headEnd type="none" w="med" len="med"/>
+            <a:tailEnd type="arrow" w="med" len="med"/>
+          </a:ln>
+        </p:spPr>
+        <p:style>
+          <a:lnRef idx="1">
+            <a:schemeClr val="accent3"/>
+          </a:lnRef>
+          <a:fillRef idx="0">
+            <a:schemeClr val="accent3"/>
+          </a:fillRef>
+          <a:effectRef idx="0">
+            <a:schemeClr val="accent3"/>
+          </a:effectRef>
+          <a:fontRef idx="minor">
+            <a:schemeClr val="tx1"/>
+          </a:fontRef>
+        </p:style>
+      </p:cxnSp>
+      <p:cxnSp>
+        <p:nvCxnSpPr>
+          <p:cNvPr id="46" name="连接符: 肘形 45">
+            <a:extLst>
+              <a:ext uri="{FF2B5EF4-FFF2-40B4-BE49-F238E27FC236}">
+                <a16:creationId xmlns:a16="http://schemas.microsoft.com/office/drawing/2014/main" id="{AEA58F2B-EA21-4E15-B26E-975021981367}"/>
+              </a:ext>
+            </a:extLst>
+          </p:cNvPr>
+          <p:cNvCxnSpPr>
+            <a:cxnSpLocks/>
+            <a:stCxn id="14" idx="3"/>
+            <a:endCxn id="30" idx="1"/>
+          </p:cNvCxnSpPr>
+          <p:nvPr/>
+        </p:nvCxnSpPr>
+        <p:spPr>
+          <a:xfrm>
+            <a:off x="1571818" y="4083958"/>
+            <a:ext cx="461588" cy="373896"/>
+          </a:xfrm>
+          <a:prstGeom prst="bentConnector3">
+            <a:avLst>
+              <a:gd name="adj1" fmla="val 50000"/>
+            </a:avLst>
+          </a:prstGeom>
+          <a:ln w="12700">
+            <a:solidFill>
+              <a:srgbClr val="E28EA6"/>
+            </a:solidFill>
+            <a:headEnd type="none" w="med" len="med"/>
+            <a:tailEnd type="arrow" w="med" len="med"/>
+          </a:ln>
+        </p:spPr>
+        <p:style>
+          <a:lnRef idx="1">
+            <a:schemeClr val="accent3"/>
+          </a:lnRef>
+          <a:fillRef idx="0">
+            <a:schemeClr val="accent3"/>
+          </a:fillRef>
+          <a:effectRef idx="0">
+            <a:schemeClr val="accent3"/>
+          </a:effectRef>
+          <a:fontRef idx="minor">
+            <a:schemeClr val="tx1"/>
+          </a:fontRef>
+        </p:style>
+      </p:cxnSp>
+      <p:cxnSp>
+        <p:nvCxnSpPr>
+          <p:cNvPr id="49" name="连接符: 肘形 48">
+            <a:extLst>
+              <a:ext uri="{FF2B5EF4-FFF2-40B4-BE49-F238E27FC236}">
+                <a16:creationId xmlns:a16="http://schemas.microsoft.com/office/drawing/2014/main" id="{0B1A887D-0024-40AE-B112-CC9483C31F62}"/>
+              </a:ext>
+            </a:extLst>
+          </p:cNvPr>
+          <p:cNvCxnSpPr>
+            <a:cxnSpLocks/>
+            <a:stCxn id="15" idx="3"/>
+            <a:endCxn id="30" idx="1"/>
+          </p:cNvCxnSpPr>
+          <p:nvPr/>
+        </p:nvCxnSpPr>
+        <p:spPr>
+          <a:xfrm flipV="1">
+            <a:off x="1571818" y="4457854"/>
+            <a:ext cx="461588" cy="374550"/>
+          </a:xfrm>
+          <a:prstGeom prst="bentConnector3">
+            <a:avLst>
+              <a:gd name="adj1" fmla="val 50000"/>
+            </a:avLst>
+          </a:prstGeom>
+          <a:ln w="12700">
+            <a:solidFill>
+              <a:srgbClr val="E28EA6"/>
+            </a:solidFill>
+            <a:headEnd type="none" w="med" len="med"/>
+            <a:tailEnd type="arrow" w="med" len="med"/>
+          </a:ln>
+        </p:spPr>
+        <p:style>
+          <a:lnRef idx="1">
+            <a:schemeClr val="accent3"/>
+          </a:lnRef>
+          <a:fillRef idx="0">
+            <a:schemeClr val="accent3"/>
+          </a:fillRef>
+          <a:effectRef idx="0">
+            <a:schemeClr val="accent3"/>
+          </a:effectRef>
+          <a:fontRef idx="minor">
+            <a:schemeClr val="tx1"/>
+          </a:fontRef>
+        </p:style>
+      </p:cxnSp>
+      <p:cxnSp>
+        <p:nvCxnSpPr>
+          <p:cNvPr id="52" name="连接符: 肘形 51">
+            <a:extLst>
+              <a:ext uri="{FF2B5EF4-FFF2-40B4-BE49-F238E27FC236}">
+                <a16:creationId xmlns:a16="http://schemas.microsoft.com/office/drawing/2014/main" id="{3062640A-46BE-4873-81A2-F1C73FC01F92}"/>
+              </a:ext>
+            </a:extLst>
+          </p:cNvPr>
+          <p:cNvCxnSpPr>
+            <a:cxnSpLocks/>
+            <a:stCxn id="12" idx="3"/>
+            <a:endCxn id="29" idx="1"/>
+          </p:cNvCxnSpPr>
+          <p:nvPr/>
+        </p:nvCxnSpPr>
+        <p:spPr>
+          <a:xfrm>
+            <a:off x="1571818" y="5580850"/>
+            <a:ext cx="461933" cy="373670"/>
+          </a:xfrm>
+          <a:prstGeom prst="bentConnector3">
+            <a:avLst>
+              <a:gd name="adj1" fmla="val 50000"/>
+            </a:avLst>
+          </a:prstGeom>
+          <a:ln w="12700">
+            <a:solidFill>
+              <a:srgbClr val="E28EA6"/>
+            </a:solidFill>
+            <a:headEnd type="none" w="med" len="med"/>
+            <a:tailEnd type="arrow" w="med" len="med"/>
+          </a:ln>
+        </p:spPr>
+        <p:style>
+          <a:lnRef idx="1">
+            <a:schemeClr val="accent3"/>
+          </a:lnRef>
+          <a:fillRef idx="0">
+            <a:schemeClr val="accent3"/>
+          </a:fillRef>
+          <a:effectRef idx="0">
+            <a:schemeClr val="accent3"/>
+          </a:effectRef>
+          <a:fontRef idx="minor">
+            <a:schemeClr val="tx1"/>
+          </a:fontRef>
+        </p:style>
+      </p:cxnSp>
+      <p:cxnSp>
+        <p:nvCxnSpPr>
+          <p:cNvPr id="55" name="连接符: 肘形 54">
+            <a:extLst>
+              <a:ext uri="{FF2B5EF4-FFF2-40B4-BE49-F238E27FC236}">
+                <a16:creationId xmlns:a16="http://schemas.microsoft.com/office/drawing/2014/main" id="{185331CE-4D81-4C42-99C4-99BDE45D277E}"/>
+              </a:ext>
+            </a:extLst>
+          </p:cNvPr>
+          <p:cNvCxnSpPr>
+            <a:cxnSpLocks/>
+            <a:stCxn id="17" idx="3"/>
+            <a:endCxn id="29" idx="1"/>
+          </p:cNvCxnSpPr>
+          <p:nvPr/>
+        </p:nvCxnSpPr>
+        <p:spPr>
+          <a:xfrm flipV="1">
+            <a:off x="1571818" y="5954520"/>
+            <a:ext cx="461933" cy="374774"/>
+          </a:xfrm>
+          <a:prstGeom prst="bentConnector3">
+            <a:avLst>
+              <a:gd name="adj1" fmla="val 50000"/>
+            </a:avLst>
+          </a:prstGeom>
+          <a:ln w="12700">
+            <a:solidFill>
+              <a:srgbClr val="E28EA6"/>
+            </a:solidFill>
+            <a:headEnd type="none" w="med" len="med"/>
+            <a:tailEnd type="arrow" w="med" len="med"/>
+          </a:ln>
+        </p:spPr>
+        <p:style>
+          <a:lnRef idx="1">
+            <a:schemeClr val="accent3"/>
+          </a:lnRef>
+          <a:fillRef idx="0">
+            <a:schemeClr val="accent3"/>
+          </a:fillRef>
+          <a:effectRef idx="0">
+            <a:schemeClr val="accent3"/>
+          </a:effectRef>
+          <a:fontRef idx="minor">
+            <a:schemeClr val="tx1"/>
+          </a:fontRef>
+        </p:style>
+      </p:cxnSp>
+      <p:cxnSp>
+        <p:nvCxnSpPr>
+          <p:cNvPr id="58" name="连接符: 肘形 57">
+            <a:extLst>
+              <a:ext uri="{FF2B5EF4-FFF2-40B4-BE49-F238E27FC236}">
+                <a16:creationId xmlns:a16="http://schemas.microsoft.com/office/drawing/2014/main" id="{409C3F07-1AD9-4E8E-AC37-D4DD2CDC17D9}"/>
+              </a:ext>
+            </a:extLst>
+          </p:cNvPr>
+          <p:cNvCxnSpPr>
+            <a:cxnSpLocks/>
+            <a:stCxn id="27" idx="3"/>
+            <a:endCxn id="34" idx="1"/>
+          </p:cNvCxnSpPr>
+          <p:nvPr/>
+        </p:nvCxnSpPr>
+        <p:spPr>
+          <a:xfrm>
+            <a:off x="3220576" y="1464520"/>
+            <a:ext cx="655674" cy="751072"/>
+          </a:xfrm>
+          <a:prstGeom prst="bentConnector3">
+            <a:avLst>
+              <a:gd name="adj1" fmla="val 50000"/>
+            </a:avLst>
+          </a:prstGeom>
+          <a:ln w="12700">
+            <a:solidFill>
+              <a:srgbClr val="E28EA6"/>
+            </a:solidFill>
+            <a:headEnd type="none" w="med" len="med"/>
+            <a:tailEnd type="arrow" w="med" len="med"/>
+          </a:ln>
+        </p:spPr>
+        <p:style>
+          <a:lnRef idx="1">
+            <a:schemeClr val="accent3"/>
+          </a:lnRef>
+          <a:fillRef idx="0">
+            <a:schemeClr val="accent3"/>
+          </a:fillRef>
+          <a:effectRef idx="0">
+            <a:schemeClr val="accent3"/>
+          </a:effectRef>
+          <a:fontRef idx="minor">
+            <a:schemeClr val="tx1"/>
+          </a:fontRef>
+        </p:style>
+      </p:cxnSp>
+      <p:cxnSp>
+        <p:nvCxnSpPr>
+          <p:cNvPr id="61" name="连接符: 肘形 60">
+            <a:extLst>
+              <a:ext uri="{FF2B5EF4-FFF2-40B4-BE49-F238E27FC236}">
+                <a16:creationId xmlns:a16="http://schemas.microsoft.com/office/drawing/2014/main" id="{A74454DE-30C0-48C5-B5C1-956582C4E87F}"/>
+              </a:ext>
+            </a:extLst>
+          </p:cNvPr>
+          <p:cNvCxnSpPr>
+            <a:cxnSpLocks/>
+            <a:stCxn id="28" idx="3"/>
+            <a:endCxn id="34" idx="1"/>
+          </p:cNvCxnSpPr>
+          <p:nvPr/>
+        </p:nvCxnSpPr>
+        <p:spPr>
+          <a:xfrm flipV="1">
+            <a:off x="3220576" y="2215592"/>
+            <a:ext cx="655674" cy="745595"/>
+          </a:xfrm>
+          <a:prstGeom prst="bentConnector3">
+            <a:avLst>
+              <a:gd name="adj1" fmla="val 50000"/>
+            </a:avLst>
+          </a:prstGeom>
+          <a:ln w="12700">
+            <a:solidFill>
+              <a:srgbClr val="E28EA6"/>
+            </a:solidFill>
+            <a:headEnd type="none" w="med" len="med"/>
+            <a:tailEnd type="arrow" w="med" len="med"/>
+          </a:ln>
+        </p:spPr>
+        <p:style>
+          <a:lnRef idx="1">
+            <a:schemeClr val="accent3"/>
+          </a:lnRef>
+          <a:fillRef idx="0">
+            <a:schemeClr val="accent3"/>
+          </a:fillRef>
+          <a:effectRef idx="0">
+            <a:schemeClr val="accent3"/>
+          </a:effectRef>
+          <a:fontRef idx="minor">
+            <a:schemeClr val="tx1"/>
+          </a:fontRef>
+        </p:style>
+      </p:cxnSp>
+      <p:cxnSp>
+        <p:nvCxnSpPr>
+          <p:cNvPr id="64" name="连接符: 肘形 63">
+            <a:extLst>
+              <a:ext uri="{FF2B5EF4-FFF2-40B4-BE49-F238E27FC236}">
+                <a16:creationId xmlns:a16="http://schemas.microsoft.com/office/drawing/2014/main" id="{7F30A6BE-3D6A-482A-9836-E94F912D22E3}"/>
+              </a:ext>
+            </a:extLst>
+          </p:cNvPr>
+          <p:cNvCxnSpPr>
+            <a:cxnSpLocks/>
+            <a:stCxn id="30" idx="3"/>
+            <a:endCxn id="35" idx="1"/>
+          </p:cNvCxnSpPr>
+          <p:nvPr/>
+        </p:nvCxnSpPr>
+        <p:spPr>
+          <a:xfrm>
+            <a:off x="3220576" y="4457854"/>
+            <a:ext cx="655674" cy="748220"/>
+          </a:xfrm>
+          <a:prstGeom prst="bentConnector3">
+            <a:avLst>
+              <a:gd name="adj1" fmla="val 50000"/>
+            </a:avLst>
+          </a:prstGeom>
+          <a:ln w="12700">
+            <a:solidFill>
+              <a:srgbClr val="E28EA6"/>
+            </a:solidFill>
+            <a:headEnd type="none" w="med" len="med"/>
+            <a:tailEnd type="arrow" w="med" len="med"/>
+          </a:ln>
+        </p:spPr>
+        <p:style>
+          <a:lnRef idx="1">
+            <a:schemeClr val="accent3"/>
+          </a:lnRef>
+          <a:fillRef idx="0">
+            <a:schemeClr val="accent3"/>
+          </a:fillRef>
+          <a:effectRef idx="0">
+            <a:schemeClr val="accent3"/>
+          </a:effectRef>
+          <a:fontRef idx="minor">
+            <a:schemeClr val="tx1"/>
+          </a:fontRef>
+        </p:style>
+      </p:cxnSp>
+      <p:cxnSp>
+        <p:nvCxnSpPr>
+          <p:cNvPr id="67" name="连接符: 肘形 66">
+            <a:extLst>
+              <a:ext uri="{FF2B5EF4-FFF2-40B4-BE49-F238E27FC236}">
+                <a16:creationId xmlns:a16="http://schemas.microsoft.com/office/drawing/2014/main" id="{2191A19C-4F06-477F-BBC3-53E243A8D9A8}"/>
+              </a:ext>
+            </a:extLst>
+          </p:cNvPr>
+          <p:cNvCxnSpPr>
+            <a:cxnSpLocks/>
+            <a:stCxn id="29" idx="3"/>
+            <a:endCxn id="35" idx="1"/>
+          </p:cNvCxnSpPr>
+          <p:nvPr/>
+        </p:nvCxnSpPr>
+        <p:spPr>
+          <a:xfrm flipV="1">
+            <a:off x="3220921" y="5206074"/>
+            <a:ext cx="655329" cy="748446"/>
+          </a:xfrm>
+          <a:prstGeom prst="bentConnector3">
+            <a:avLst>
+              <a:gd name="adj1" fmla="val 50000"/>
+            </a:avLst>
+          </a:prstGeom>
+          <a:ln w="12700">
+            <a:solidFill>
+              <a:srgbClr val="E28EA6"/>
+            </a:solidFill>
+            <a:headEnd type="none" w="med" len="med"/>
+            <a:tailEnd type="arrow" w="med" len="med"/>
+          </a:ln>
+        </p:spPr>
+        <p:style>
+          <a:lnRef idx="1">
+            <a:schemeClr val="accent3"/>
+          </a:lnRef>
+          <a:fillRef idx="0">
+            <a:schemeClr val="accent3"/>
+          </a:fillRef>
+          <a:effectRef idx="0">
+            <a:schemeClr val="accent3"/>
+          </a:effectRef>
+          <a:fontRef idx="minor">
+            <a:schemeClr val="tx1"/>
+          </a:fontRef>
+        </p:style>
+      </p:cxnSp>
+      <p:cxnSp>
+        <p:nvCxnSpPr>
+          <p:cNvPr id="70" name="连接符: 肘形 69">
+            <a:extLst>
+              <a:ext uri="{FF2B5EF4-FFF2-40B4-BE49-F238E27FC236}">
+                <a16:creationId xmlns:a16="http://schemas.microsoft.com/office/drawing/2014/main" id="{D8464FE9-B4F0-4E5B-965A-60D5274C3913}"/>
+              </a:ext>
+            </a:extLst>
+          </p:cNvPr>
+          <p:cNvCxnSpPr>
+            <a:cxnSpLocks/>
+            <a:stCxn id="34" idx="2"/>
+            <a:endCxn id="39" idx="0"/>
+          </p:cNvCxnSpPr>
+          <p:nvPr/>
+        </p:nvCxnSpPr>
+        <p:spPr>
+          <a:xfrm rot="16200000" flipH="1">
+            <a:off x="5007556" y="1820949"/>
+            <a:ext cx="456032" cy="1531475"/>
+          </a:xfrm>
+          <a:prstGeom prst="bentConnector3">
+            <a:avLst>
+              <a:gd name="adj1" fmla="val 50000"/>
+            </a:avLst>
+          </a:prstGeom>
+          <a:ln w="12700">
+            <a:solidFill>
+              <a:srgbClr val="E28EA6"/>
+            </a:solidFill>
+            <a:headEnd type="none" w="med" len="med"/>
+            <a:tailEnd type="arrow" w="med" len="med"/>
+          </a:ln>
+        </p:spPr>
+        <p:style>
+          <a:lnRef idx="1">
+            <a:schemeClr val="accent3"/>
+          </a:lnRef>
+          <a:fillRef idx="0">
+            <a:schemeClr val="accent3"/>
+          </a:fillRef>
+          <a:effectRef idx="0">
+            <a:schemeClr val="accent3"/>
+          </a:effectRef>
+          <a:fontRef idx="minor">
+            <a:schemeClr val="tx1"/>
+          </a:fontRef>
+        </p:style>
+      </p:cxnSp>
+      <p:cxnSp>
+        <p:nvCxnSpPr>
+          <p:cNvPr id="75" name="连接符: 肘形 74">
+            <a:extLst>
+              <a:ext uri="{FF2B5EF4-FFF2-40B4-BE49-F238E27FC236}">
+                <a16:creationId xmlns:a16="http://schemas.microsoft.com/office/drawing/2014/main" id="{2078076A-7EAB-4886-85C5-4B658C422F68}"/>
+              </a:ext>
+            </a:extLst>
+          </p:cNvPr>
+          <p:cNvCxnSpPr>
+            <a:cxnSpLocks/>
+            <a:stCxn id="35" idx="0"/>
+            <a:endCxn id="38" idx="2"/>
+          </p:cNvCxnSpPr>
+          <p:nvPr/>
+        </p:nvCxnSpPr>
+        <p:spPr>
+          <a:xfrm rot="5400000" flipH="1" flipV="1">
+            <a:off x="4817593" y="3879279"/>
+            <a:ext cx="835958" cy="1531475"/>
+          </a:xfrm>
+          <a:prstGeom prst="bentConnector3">
+            <a:avLst>
+              <a:gd name="adj1" fmla="val 50000"/>
+            </a:avLst>
+          </a:prstGeom>
+          <a:ln w="12700">
+            <a:solidFill>
+              <a:srgbClr val="E28EA6"/>
+            </a:solidFill>
+            <a:headEnd type="none" w="med" len="med"/>
+            <a:tailEnd type="arrow" w="med" len="med"/>
+          </a:ln>
+        </p:spPr>
+        <p:style>
+          <a:lnRef idx="1">
+            <a:schemeClr val="accent3"/>
+          </a:lnRef>
+          <a:fillRef idx="0">
+            <a:schemeClr val="accent3"/>
+          </a:fillRef>
+          <a:effectRef idx="0">
+            <a:schemeClr val="accent3"/>
+          </a:effectRef>
+          <a:fontRef idx="minor">
+            <a:schemeClr val="tx1"/>
+          </a:fontRef>
+        </p:style>
+      </p:cxnSp>
+      <p:cxnSp>
+        <p:nvCxnSpPr>
+          <p:cNvPr id="78" name="连接符: 肘形 77">
+            <a:extLst>
+              <a:ext uri="{FF2B5EF4-FFF2-40B4-BE49-F238E27FC236}">
+                <a16:creationId xmlns:a16="http://schemas.microsoft.com/office/drawing/2014/main" id="{C39B314F-2D99-439B-BC02-1AFECE9048D8}"/>
+              </a:ext>
+            </a:extLst>
+          </p:cNvPr>
+          <p:cNvCxnSpPr>
+            <a:cxnSpLocks/>
+            <a:stCxn id="36" idx="2"/>
+            <a:endCxn id="39" idx="0"/>
+          </p:cNvCxnSpPr>
+          <p:nvPr/>
+        </p:nvCxnSpPr>
+        <p:spPr>
+          <a:xfrm rot="5400000">
+            <a:off x="6518971" y="1841010"/>
+            <a:ext cx="456032" cy="1491354"/>
+          </a:xfrm>
+          <a:prstGeom prst="bentConnector3">
+            <a:avLst>
+              <a:gd name="adj1" fmla="val 50000"/>
+            </a:avLst>
+          </a:prstGeom>
+          <a:ln w="12700">
+            <a:solidFill>
+              <a:srgbClr val="E28EA6"/>
+            </a:solidFill>
+            <a:headEnd type="none" w="med" len="med"/>
+            <a:tailEnd type="arrow" w="med" len="med"/>
+          </a:ln>
+        </p:spPr>
+        <p:style>
+          <a:lnRef idx="1">
+            <a:schemeClr val="accent3"/>
+          </a:lnRef>
+          <a:fillRef idx="0">
+            <a:schemeClr val="accent3"/>
+          </a:fillRef>
+          <a:effectRef idx="0">
+            <a:schemeClr val="accent3"/>
+          </a:effectRef>
+          <a:fontRef idx="minor">
+            <a:schemeClr val="tx1"/>
+          </a:fontRef>
+        </p:style>
+      </p:cxnSp>
+      <p:cxnSp>
+        <p:nvCxnSpPr>
+          <p:cNvPr id="81" name="连接符: 肘形 80">
+            <a:extLst>
+              <a:ext uri="{FF2B5EF4-FFF2-40B4-BE49-F238E27FC236}">
+                <a16:creationId xmlns:a16="http://schemas.microsoft.com/office/drawing/2014/main" id="{FEF6BA53-9402-4958-A79A-C53D4362EFC6}"/>
+              </a:ext>
+            </a:extLst>
+          </p:cNvPr>
+          <p:cNvCxnSpPr>
+            <a:cxnSpLocks/>
+            <a:stCxn id="37" idx="0"/>
+            <a:endCxn id="38" idx="2"/>
+          </p:cNvCxnSpPr>
+          <p:nvPr/>
+        </p:nvCxnSpPr>
+        <p:spPr>
+          <a:xfrm rot="16200000" flipV="1">
+            <a:off x="6329008" y="3899339"/>
+            <a:ext cx="835958" cy="1491354"/>
+          </a:xfrm>
+          <a:prstGeom prst="bentConnector3">
+            <a:avLst>
+              <a:gd name="adj1" fmla="val 50000"/>
+            </a:avLst>
+          </a:prstGeom>
+          <a:ln w="12700">
+            <a:solidFill>
+              <a:srgbClr val="E28EA6"/>
+            </a:solidFill>
+            <a:headEnd type="none" w="med" len="med"/>
+            <a:tailEnd type="arrow" w="med" len="med"/>
+          </a:ln>
+        </p:spPr>
+        <p:style>
+          <a:lnRef idx="1">
+            <a:schemeClr val="accent3"/>
+          </a:lnRef>
+          <a:fillRef idx="0">
+            <a:schemeClr val="accent3"/>
+          </a:fillRef>
+          <a:effectRef idx="0">
+            <a:schemeClr val="accent3"/>
+          </a:effectRef>
+          <a:fontRef idx="minor">
+            <a:schemeClr val="tx1"/>
+          </a:fontRef>
+        </p:style>
+      </p:cxnSp>
+      <p:cxnSp>
+        <p:nvCxnSpPr>
+          <p:cNvPr id="90" name="连接符: 肘形 89">
+            <a:extLst>
+              <a:ext uri="{FF2B5EF4-FFF2-40B4-BE49-F238E27FC236}">
+                <a16:creationId xmlns:a16="http://schemas.microsoft.com/office/drawing/2014/main" id="{E24FCF2A-C975-4F0E-8DAD-46411ED9E977}"/>
+              </a:ext>
+            </a:extLst>
+          </p:cNvPr>
+          <p:cNvCxnSpPr>
+            <a:cxnSpLocks/>
+            <a:stCxn id="26" idx="1"/>
+            <a:endCxn id="36" idx="3"/>
+          </p:cNvCxnSpPr>
+          <p:nvPr/>
+        </p:nvCxnSpPr>
+        <p:spPr>
+          <a:xfrm rot="10800000" flipV="1">
+            <a:off x="8086249" y="1464520"/>
+            <a:ext cx="884830" cy="751072"/>
+          </a:xfrm>
+          <a:prstGeom prst="bentConnector3">
+            <a:avLst>
+              <a:gd name="adj1" fmla="val 50000"/>
+            </a:avLst>
+          </a:prstGeom>
+          <a:ln w="12700">
+            <a:solidFill>
+              <a:srgbClr val="E28EA6"/>
+            </a:solidFill>
+            <a:headEnd type="none" w="med" len="med"/>
+            <a:tailEnd type="arrow" w="med" len="med"/>
+          </a:ln>
+        </p:spPr>
+        <p:style>
+          <a:lnRef idx="1">
+            <a:schemeClr val="accent3"/>
+          </a:lnRef>
+          <a:fillRef idx="0">
+            <a:schemeClr val="accent3"/>
+          </a:fillRef>
+          <a:effectRef idx="0">
+            <a:schemeClr val="accent3"/>
+          </a:effectRef>
+          <a:fontRef idx="minor">
+            <a:schemeClr val="tx1"/>
+          </a:fontRef>
+        </p:style>
+      </p:cxnSp>
+      <p:cxnSp>
+        <p:nvCxnSpPr>
+          <p:cNvPr id="93" name="连接符: 肘形 92">
+            <a:extLst>
+              <a:ext uri="{FF2B5EF4-FFF2-40B4-BE49-F238E27FC236}">
+                <a16:creationId xmlns:a16="http://schemas.microsoft.com/office/drawing/2014/main" id="{318E8DCD-42E7-4654-B6B2-C471F456EFA3}"/>
+              </a:ext>
+            </a:extLst>
+          </p:cNvPr>
+          <p:cNvCxnSpPr>
+            <a:cxnSpLocks/>
+            <a:stCxn id="31" idx="1"/>
+            <a:endCxn id="36" idx="3"/>
+          </p:cNvCxnSpPr>
+          <p:nvPr/>
+        </p:nvCxnSpPr>
+        <p:spPr>
+          <a:xfrm rot="10800000">
+            <a:off x="8086249" y="2215593"/>
+            <a:ext cx="884830" cy="745595"/>
+          </a:xfrm>
+          <a:prstGeom prst="bentConnector3">
+            <a:avLst>
+              <a:gd name="adj1" fmla="val 50000"/>
+            </a:avLst>
+          </a:prstGeom>
+          <a:ln w="12700">
+            <a:solidFill>
+              <a:srgbClr val="E28EA6"/>
+            </a:solidFill>
+            <a:headEnd type="none" w="med" len="med"/>
+            <a:tailEnd type="arrow" w="med" len="med"/>
+          </a:ln>
+        </p:spPr>
+        <p:style>
+          <a:lnRef idx="1">
+            <a:schemeClr val="accent3"/>
+          </a:lnRef>
+          <a:fillRef idx="0">
+            <a:schemeClr val="accent3"/>
+          </a:fillRef>
+          <a:effectRef idx="0">
+            <a:schemeClr val="accent3"/>
+          </a:effectRef>
+          <a:fontRef idx="minor">
+            <a:schemeClr val="tx1"/>
+          </a:fontRef>
+        </p:style>
+      </p:cxnSp>
+      <p:cxnSp>
+        <p:nvCxnSpPr>
+          <p:cNvPr id="96" name="连接符: 肘形 95">
+            <a:extLst>
+              <a:ext uri="{FF2B5EF4-FFF2-40B4-BE49-F238E27FC236}">
+                <a16:creationId xmlns:a16="http://schemas.microsoft.com/office/drawing/2014/main" id="{0492D649-FE66-40E6-BAE9-DD6FA8061D10}"/>
+              </a:ext>
+            </a:extLst>
+          </p:cNvPr>
+          <p:cNvCxnSpPr>
+            <a:cxnSpLocks/>
+            <a:stCxn id="32" idx="1"/>
+            <a:endCxn id="37" idx="3"/>
+          </p:cNvCxnSpPr>
+          <p:nvPr/>
+        </p:nvCxnSpPr>
+        <p:spPr>
+          <a:xfrm rot="10800000" flipV="1">
+            <a:off x="8086249" y="4457854"/>
+            <a:ext cx="884830" cy="748220"/>
+          </a:xfrm>
+          <a:prstGeom prst="bentConnector3">
+            <a:avLst>
+              <a:gd name="adj1" fmla="val 50000"/>
+            </a:avLst>
+          </a:prstGeom>
+          <a:ln w="12700">
+            <a:solidFill>
+              <a:srgbClr val="E28EA6"/>
+            </a:solidFill>
+            <a:headEnd type="none" w="med" len="med"/>
+            <a:tailEnd type="arrow" w="med" len="med"/>
+          </a:ln>
+        </p:spPr>
+        <p:style>
+          <a:lnRef idx="1">
+            <a:schemeClr val="accent3"/>
+          </a:lnRef>
+          <a:fillRef idx="0">
+            <a:schemeClr val="accent3"/>
+          </a:fillRef>
+          <a:effectRef idx="0">
+            <a:schemeClr val="accent3"/>
+          </a:effectRef>
+          <a:fontRef idx="minor">
+            <a:schemeClr val="tx1"/>
+          </a:fontRef>
+        </p:style>
+      </p:cxnSp>
+      <p:cxnSp>
+        <p:nvCxnSpPr>
+          <p:cNvPr id="99" name="连接符: 肘形 98">
+            <a:extLst>
+              <a:ext uri="{FF2B5EF4-FFF2-40B4-BE49-F238E27FC236}">
+                <a16:creationId xmlns:a16="http://schemas.microsoft.com/office/drawing/2014/main" id="{ED01DEF5-BB44-4FC1-A987-22E7D09F4900}"/>
+              </a:ext>
+            </a:extLst>
+          </p:cNvPr>
+          <p:cNvCxnSpPr>
+            <a:cxnSpLocks/>
+            <a:stCxn id="33" idx="1"/>
+            <a:endCxn id="37" idx="3"/>
+          </p:cNvCxnSpPr>
+          <p:nvPr/>
+        </p:nvCxnSpPr>
+        <p:spPr>
+          <a:xfrm rot="10800000">
+            <a:off x="8086249" y="5206074"/>
+            <a:ext cx="884830" cy="748446"/>
+          </a:xfrm>
+          <a:prstGeom prst="bentConnector3">
+            <a:avLst>
+              <a:gd name="adj1" fmla="val 50000"/>
+            </a:avLst>
+          </a:prstGeom>
+          <a:ln w="12700">
+            <a:solidFill>
+              <a:srgbClr val="E28EA6"/>
+            </a:solidFill>
+            <a:headEnd type="none" w="med" len="med"/>
+            <a:tailEnd type="arrow" w="med" len="med"/>
+          </a:ln>
+        </p:spPr>
+        <p:style>
+          <a:lnRef idx="1">
+            <a:schemeClr val="accent3"/>
+          </a:lnRef>
+          <a:fillRef idx="0">
+            <a:schemeClr val="accent3"/>
+          </a:fillRef>
+          <a:effectRef idx="0">
+            <a:schemeClr val="accent3"/>
+          </a:effectRef>
+          <a:fontRef idx="minor">
+            <a:schemeClr val="tx1"/>
+          </a:fontRef>
+        </p:style>
+      </p:cxnSp>
+      <p:cxnSp>
+        <p:nvCxnSpPr>
+          <p:cNvPr id="112" name="直接箭头连接符 111">
+            <a:extLst>
+              <a:ext uri="{FF2B5EF4-FFF2-40B4-BE49-F238E27FC236}">
+                <a16:creationId xmlns:a16="http://schemas.microsoft.com/office/drawing/2014/main" id="{7C0AEAA5-211A-478B-ABCF-AE839B4C346E}"/>
+              </a:ext>
+            </a:extLst>
+          </p:cNvPr>
+          <p:cNvCxnSpPr>
+            <a:stCxn id="39" idx="2"/>
+          </p:cNvCxnSpPr>
+          <p:nvPr/>
+        </p:nvCxnSpPr>
+        <p:spPr>
+          <a:xfrm flipH="1">
+            <a:off x="6001309" y="3100861"/>
+            <a:ext cx="1" cy="276930"/>
+          </a:xfrm>
+          <a:prstGeom prst="straightConnector1">
+            <a:avLst/>
+          </a:prstGeom>
+          <a:ln w="12700">
+            <a:solidFill>
+              <a:srgbClr val="E28EA6"/>
+            </a:solidFill>
+            <a:headEnd type="none" w="med" len="med"/>
+            <a:tailEnd type="arrow" w="med" len="med"/>
+          </a:ln>
+        </p:spPr>
+        <p:style>
+          <a:lnRef idx="1">
+            <a:schemeClr val="accent1"/>
+          </a:lnRef>
+          <a:fillRef idx="0">
+            <a:schemeClr val="accent1"/>
+          </a:fillRef>
+          <a:effectRef idx="0">
+            <a:schemeClr val="accent1"/>
+          </a:effectRef>
+          <a:fontRef idx="minor">
+            <a:schemeClr val="tx1"/>
+          </a:fontRef>
+        </p:style>
+      </p:cxnSp>
+      <p:cxnSp>
+        <p:nvCxnSpPr>
+          <p:cNvPr id="113" name="直接箭头连接符 112">
+            <a:extLst>
+              <a:ext uri="{FF2B5EF4-FFF2-40B4-BE49-F238E27FC236}">
+                <a16:creationId xmlns:a16="http://schemas.microsoft.com/office/drawing/2014/main" id="{B0A0AB8A-F458-4D78-85DA-7026F73C8D5D}"/>
+              </a:ext>
+            </a:extLst>
+          </p:cNvPr>
+          <p:cNvCxnSpPr>
+            <a:cxnSpLocks/>
+            <a:stCxn id="38" idx="0"/>
+            <a:endCxn id="40" idx="2"/>
+          </p:cNvCxnSpPr>
+          <p:nvPr/>
+        </p:nvCxnSpPr>
+        <p:spPr>
+          <a:xfrm flipH="1" flipV="1">
+            <a:off x="6001309" y="3663949"/>
+            <a:ext cx="1" cy="276930"/>
+          </a:xfrm>
+          <a:prstGeom prst="straightConnector1">
+            <a:avLst/>
+          </a:prstGeom>
+          <a:ln w="12700">
+            <a:solidFill>
+              <a:srgbClr val="E28EA6"/>
+            </a:solidFill>
+            <a:headEnd type="none" w="med" len="med"/>
+            <a:tailEnd type="arrow" w="med" len="med"/>
+          </a:ln>
+        </p:spPr>
+        <p:style>
+          <a:lnRef idx="1">
+            <a:schemeClr val="accent1"/>
+          </a:lnRef>
+          <a:fillRef idx="0">
+            <a:schemeClr val="accent1"/>
+          </a:fillRef>
+          <a:effectRef idx="0">
+            <a:schemeClr val="accent1"/>
+          </a:effectRef>
+          <a:fontRef idx="minor">
+            <a:schemeClr val="tx1"/>
+          </a:fontRef>
+        </p:style>
+      </p:cxnSp>
+      <p:cxnSp>
+        <p:nvCxnSpPr>
+          <p:cNvPr id="116" name="连接符: 肘形 115">
+            <a:extLst>
+              <a:ext uri="{FF2B5EF4-FFF2-40B4-BE49-F238E27FC236}">
+                <a16:creationId xmlns:a16="http://schemas.microsoft.com/office/drawing/2014/main" id="{F9CB919B-2373-4D39-8F04-2F99A4962815}"/>
+              </a:ext>
+            </a:extLst>
+          </p:cNvPr>
+          <p:cNvCxnSpPr>
+            <a:cxnSpLocks/>
+            <a:stCxn id="24" idx="1"/>
+            <a:endCxn id="26" idx="3"/>
+          </p:cNvCxnSpPr>
+          <p:nvPr/>
+        </p:nvCxnSpPr>
+        <p:spPr>
+          <a:xfrm rot="10800000" flipV="1">
+            <a:off x="10158250" y="1090174"/>
+            <a:ext cx="461933" cy="374346"/>
+          </a:xfrm>
+          <a:prstGeom prst="bentConnector3">
+            <a:avLst>
+              <a:gd name="adj1" fmla="val 50000"/>
+            </a:avLst>
+          </a:prstGeom>
+          <a:ln w="12700">
+            <a:solidFill>
+              <a:srgbClr val="E28EA6"/>
+            </a:solidFill>
+            <a:headEnd type="none" w="med" len="med"/>
+            <a:tailEnd type="arrow" w="med" len="med"/>
+          </a:ln>
+        </p:spPr>
+        <p:style>
+          <a:lnRef idx="1">
+            <a:schemeClr val="accent3"/>
+          </a:lnRef>
+          <a:fillRef idx="0">
+            <a:schemeClr val="accent3"/>
+          </a:fillRef>
+          <a:effectRef idx="0">
+            <a:schemeClr val="accent3"/>
+          </a:effectRef>
+          <a:fontRef idx="minor">
+            <a:schemeClr val="tx1"/>
+          </a:fontRef>
+        </p:style>
+      </p:cxnSp>
+      <p:cxnSp>
+        <p:nvCxnSpPr>
+          <p:cNvPr id="119" name="连接符: 肘形 118">
+            <a:extLst>
+              <a:ext uri="{FF2B5EF4-FFF2-40B4-BE49-F238E27FC236}">
+                <a16:creationId xmlns:a16="http://schemas.microsoft.com/office/drawing/2014/main" id="{808B054C-7A2E-43A7-BCF1-3F75FE2A9A1A}"/>
+              </a:ext>
+            </a:extLst>
+          </p:cNvPr>
+          <p:cNvCxnSpPr>
+            <a:cxnSpLocks/>
+            <a:stCxn id="19" idx="1"/>
+            <a:endCxn id="31" idx="3"/>
+          </p:cNvCxnSpPr>
+          <p:nvPr/>
+        </p:nvCxnSpPr>
+        <p:spPr>
+          <a:xfrm rot="10800000" flipV="1">
+            <a:off x="10158250" y="2587065"/>
+            <a:ext cx="461933" cy="374121"/>
+          </a:xfrm>
+          <a:prstGeom prst="bentConnector3">
+            <a:avLst>
+              <a:gd name="adj1" fmla="val 50000"/>
+            </a:avLst>
+          </a:prstGeom>
+          <a:ln w="12700">
+            <a:solidFill>
+              <a:srgbClr val="E28EA6"/>
+            </a:solidFill>
+            <a:headEnd type="none" w="med" len="med"/>
+            <a:tailEnd type="arrow" w="med" len="med"/>
+          </a:ln>
+        </p:spPr>
+        <p:style>
+          <a:lnRef idx="1">
+            <a:schemeClr val="accent3"/>
+          </a:lnRef>
+          <a:fillRef idx="0">
+            <a:schemeClr val="accent3"/>
+          </a:fillRef>
+          <a:effectRef idx="0">
+            <a:schemeClr val="accent3"/>
+          </a:effectRef>
+          <a:fontRef idx="minor">
+            <a:schemeClr val="tx1"/>
+          </a:fontRef>
+        </p:style>
+      </p:cxnSp>
+      <p:cxnSp>
+        <p:nvCxnSpPr>
+          <p:cNvPr id="122" name="连接符: 肘形 121">
+            <a:extLst>
+              <a:ext uri="{FF2B5EF4-FFF2-40B4-BE49-F238E27FC236}">
+                <a16:creationId xmlns:a16="http://schemas.microsoft.com/office/drawing/2014/main" id="{B38B4254-3264-4D05-BF0C-B94A5A03123B}"/>
+              </a:ext>
+            </a:extLst>
+          </p:cNvPr>
+          <p:cNvCxnSpPr>
+            <a:cxnSpLocks/>
+            <a:stCxn id="22" idx="1"/>
+            <a:endCxn id="32" idx="3"/>
+          </p:cNvCxnSpPr>
+          <p:nvPr/>
+        </p:nvCxnSpPr>
+        <p:spPr>
+          <a:xfrm rot="10800000" flipV="1">
+            <a:off x="10158250" y="4083958"/>
+            <a:ext cx="461933" cy="373896"/>
+          </a:xfrm>
+          <a:prstGeom prst="bentConnector3">
+            <a:avLst>
+              <a:gd name="adj1" fmla="val 50000"/>
+            </a:avLst>
+          </a:prstGeom>
+          <a:ln w="12700">
+            <a:solidFill>
+              <a:srgbClr val="E28EA6"/>
+            </a:solidFill>
+            <a:headEnd type="none" w="med" len="med"/>
+            <a:tailEnd type="arrow" w="med" len="med"/>
+          </a:ln>
+        </p:spPr>
+        <p:style>
+          <a:lnRef idx="1">
+            <a:schemeClr val="accent3"/>
+          </a:lnRef>
+          <a:fillRef idx="0">
+            <a:schemeClr val="accent3"/>
+          </a:fillRef>
+          <a:effectRef idx="0">
+            <a:schemeClr val="accent3"/>
+          </a:effectRef>
+          <a:fontRef idx="minor">
+            <a:schemeClr val="tx1"/>
+          </a:fontRef>
+        </p:style>
+      </p:cxnSp>
+      <p:cxnSp>
+        <p:nvCxnSpPr>
+          <p:cNvPr id="125" name="连接符: 肘形 124">
+            <a:extLst>
+              <a:ext uri="{FF2B5EF4-FFF2-40B4-BE49-F238E27FC236}">
+                <a16:creationId xmlns:a16="http://schemas.microsoft.com/office/drawing/2014/main" id="{1BB5B73D-54F1-4F10-A0EC-9F05715846DF}"/>
+              </a:ext>
+            </a:extLst>
+          </p:cNvPr>
+          <p:cNvCxnSpPr>
+            <a:cxnSpLocks/>
+            <a:stCxn id="20" idx="1"/>
+            <a:endCxn id="33" idx="3"/>
+          </p:cNvCxnSpPr>
+          <p:nvPr/>
+        </p:nvCxnSpPr>
+        <p:spPr>
+          <a:xfrm rot="10800000" flipV="1">
+            <a:off x="10158250" y="5580850"/>
+            <a:ext cx="461933" cy="373670"/>
+          </a:xfrm>
+          <a:prstGeom prst="bentConnector3">
+            <a:avLst>
+              <a:gd name="adj1" fmla="val 50000"/>
+            </a:avLst>
+          </a:prstGeom>
+          <a:ln w="12700">
+            <a:solidFill>
+              <a:srgbClr val="E28EA6"/>
+            </a:solidFill>
+            <a:headEnd type="none" w="med" len="med"/>
+            <a:tailEnd type="arrow" w="med" len="med"/>
+          </a:ln>
+        </p:spPr>
+        <p:style>
+          <a:lnRef idx="1">
+            <a:schemeClr val="accent3"/>
+          </a:lnRef>
+          <a:fillRef idx="0">
+            <a:schemeClr val="accent3"/>
+          </a:fillRef>
+          <a:effectRef idx="0">
+            <a:schemeClr val="accent3"/>
+          </a:effectRef>
+          <a:fontRef idx="minor">
+            <a:schemeClr val="tx1"/>
+          </a:fontRef>
+        </p:style>
+      </p:cxnSp>
+      <p:cxnSp>
+        <p:nvCxnSpPr>
+          <p:cNvPr id="128" name="连接符: 肘形 127">
+            <a:extLst>
+              <a:ext uri="{FF2B5EF4-FFF2-40B4-BE49-F238E27FC236}">
+                <a16:creationId xmlns:a16="http://schemas.microsoft.com/office/drawing/2014/main" id="{68F8D675-CBFE-4B68-914B-4F3A9A960DF9}"/>
+              </a:ext>
+            </a:extLst>
+          </p:cNvPr>
+          <p:cNvCxnSpPr>
+            <a:cxnSpLocks/>
+            <a:stCxn id="18" idx="1"/>
+            <a:endCxn id="26" idx="3"/>
+          </p:cNvCxnSpPr>
+          <p:nvPr/>
+        </p:nvCxnSpPr>
+        <p:spPr>
+          <a:xfrm rot="10800000">
+            <a:off x="10158250" y="1464520"/>
+            <a:ext cx="461933" cy="374100"/>
+          </a:xfrm>
+          <a:prstGeom prst="bentConnector3">
+            <a:avLst>
+              <a:gd name="adj1" fmla="val 50000"/>
+            </a:avLst>
+          </a:prstGeom>
+          <a:ln w="12700">
+            <a:solidFill>
+              <a:srgbClr val="E28EA6"/>
+            </a:solidFill>
+            <a:headEnd type="none" w="med" len="med"/>
+            <a:tailEnd type="arrow" w="med" len="med"/>
+          </a:ln>
+        </p:spPr>
+        <p:style>
+          <a:lnRef idx="1">
+            <a:schemeClr val="accent3"/>
+          </a:lnRef>
+          <a:fillRef idx="0">
+            <a:schemeClr val="accent3"/>
+          </a:fillRef>
+          <a:effectRef idx="0">
+            <a:schemeClr val="accent3"/>
+          </a:effectRef>
+          <a:fontRef idx="minor">
+            <a:schemeClr val="tx1"/>
+          </a:fontRef>
+        </p:style>
+      </p:cxnSp>
+      <p:cxnSp>
+        <p:nvCxnSpPr>
+          <p:cNvPr id="131" name="连接符: 肘形 130">
+            <a:extLst>
+              <a:ext uri="{FF2B5EF4-FFF2-40B4-BE49-F238E27FC236}">
+                <a16:creationId xmlns:a16="http://schemas.microsoft.com/office/drawing/2014/main" id="{D397CF42-AA40-4251-BAC5-056B3022C534}"/>
+              </a:ext>
+            </a:extLst>
+          </p:cNvPr>
+          <p:cNvCxnSpPr>
+            <a:cxnSpLocks/>
+            <a:stCxn id="21" idx="1"/>
+            <a:endCxn id="31" idx="3"/>
+          </p:cNvCxnSpPr>
+          <p:nvPr/>
+        </p:nvCxnSpPr>
+        <p:spPr>
+          <a:xfrm rot="10800000">
+            <a:off x="10158250" y="2961188"/>
+            <a:ext cx="461933" cy="374325"/>
+          </a:xfrm>
+          <a:prstGeom prst="bentConnector3">
+            <a:avLst>
+              <a:gd name="adj1" fmla="val 50000"/>
+            </a:avLst>
+          </a:prstGeom>
+          <a:ln w="12700">
+            <a:solidFill>
+              <a:srgbClr val="E28EA6"/>
+            </a:solidFill>
+            <a:headEnd type="none" w="med" len="med"/>
+            <a:tailEnd type="arrow" w="med" len="med"/>
+          </a:ln>
+        </p:spPr>
+        <p:style>
+          <a:lnRef idx="1">
+            <a:schemeClr val="accent3"/>
+          </a:lnRef>
+          <a:fillRef idx="0">
+            <a:schemeClr val="accent3"/>
+          </a:fillRef>
+          <a:effectRef idx="0">
+            <a:schemeClr val="accent3"/>
+          </a:effectRef>
+          <a:fontRef idx="minor">
+            <a:schemeClr val="tx1"/>
+          </a:fontRef>
+        </p:style>
+      </p:cxnSp>
+      <p:cxnSp>
+        <p:nvCxnSpPr>
+          <p:cNvPr id="134" name="连接符: 肘形 133">
+            <a:extLst>
+              <a:ext uri="{FF2B5EF4-FFF2-40B4-BE49-F238E27FC236}">
+                <a16:creationId xmlns:a16="http://schemas.microsoft.com/office/drawing/2014/main" id="{618B5836-25D3-4965-8D86-B68903E1E0CF}"/>
+              </a:ext>
+            </a:extLst>
+          </p:cNvPr>
+          <p:cNvCxnSpPr>
+            <a:cxnSpLocks/>
+            <a:stCxn id="23" idx="1"/>
+            <a:endCxn id="32" idx="3"/>
+          </p:cNvCxnSpPr>
+          <p:nvPr/>
+        </p:nvCxnSpPr>
+        <p:spPr>
+          <a:xfrm rot="10800000">
+            <a:off x="10158250" y="4457854"/>
+            <a:ext cx="461933" cy="374550"/>
+          </a:xfrm>
+          <a:prstGeom prst="bentConnector3">
+            <a:avLst>
+              <a:gd name="adj1" fmla="val 50000"/>
+            </a:avLst>
+          </a:prstGeom>
+          <a:ln w="12700">
+            <a:solidFill>
+              <a:srgbClr val="E28EA6"/>
+            </a:solidFill>
+            <a:headEnd type="none" w="med" len="med"/>
+            <a:tailEnd type="arrow" w="med" len="med"/>
+          </a:ln>
+        </p:spPr>
+        <p:style>
+          <a:lnRef idx="1">
+            <a:schemeClr val="accent3"/>
+          </a:lnRef>
+          <a:fillRef idx="0">
+            <a:schemeClr val="accent3"/>
+          </a:fillRef>
+          <a:effectRef idx="0">
+            <a:schemeClr val="accent3"/>
+          </a:effectRef>
+          <a:fontRef idx="minor">
+            <a:schemeClr val="tx1"/>
+          </a:fontRef>
+        </p:style>
+      </p:cxnSp>
+      <p:cxnSp>
+        <p:nvCxnSpPr>
+          <p:cNvPr id="137" name="连接符: 肘形 136">
+            <a:extLst>
+              <a:ext uri="{FF2B5EF4-FFF2-40B4-BE49-F238E27FC236}">
+                <a16:creationId xmlns:a16="http://schemas.microsoft.com/office/drawing/2014/main" id="{DEC1CD3D-5EAA-471C-87CA-FABE428EE16E}"/>
+              </a:ext>
+            </a:extLst>
+          </p:cNvPr>
+          <p:cNvCxnSpPr>
+            <a:cxnSpLocks/>
+            <a:stCxn id="25" idx="1"/>
+            <a:endCxn id="33" idx="3"/>
+          </p:cNvCxnSpPr>
+          <p:nvPr/>
+        </p:nvCxnSpPr>
+        <p:spPr>
+          <a:xfrm rot="10800000">
+            <a:off x="10158250" y="5954520"/>
+            <a:ext cx="461933" cy="374774"/>
+          </a:xfrm>
+          <a:prstGeom prst="bentConnector3">
+            <a:avLst>
+              <a:gd name="adj1" fmla="val 50000"/>
+            </a:avLst>
+          </a:prstGeom>
+          <a:ln w="12700">
+            <a:solidFill>
+              <a:srgbClr val="E28EA6"/>
+            </a:solidFill>
+            <a:headEnd type="none" w="med" len="med"/>
+            <a:tailEnd type="arrow" w="med" len="med"/>
+          </a:ln>
+        </p:spPr>
+        <p:style>
+          <a:lnRef idx="1">
+            <a:schemeClr val="accent3"/>
+          </a:lnRef>
+          <a:fillRef idx="0">
+            <a:schemeClr val="accent3"/>
+          </a:fillRef>
+          <a:effectRef idx="0">
+            <a:schemeClr val="accent3"/>
+          </a:effectRef>
+          <a:fontRef idx="minor">
+            <a:schemeClr val="tx1"/>
+          </a:fontRef>
+        </p:style>
+      </p:cxnSp>
+      <p:sp>
+        <p:nvSpPr>
+          <p:cNvPr id="140" name="文本框 139">
+            <a:extLst>
+              <a:ext uri="{FF2B5EF4-FFF2-40B4-BE49-F238E27FC236}">
+                <a16:creationId xmlns:a16="http://schemas.microsoft.com/office/drawing/2014/main" id="{A0C26438-95C8-4EC9-AED0-F00ABDFBDCA7}"/>
+              </a:ext>
+            </a:extLst>
+          </p:cNvPr>
+          <p:cNvSpPr txBox="1"/>
+          <p:nvPr/>
+        </p:nvSpPr>
+        <p:spPr>
+          <a:xfrm>
+            <a:off x="489958" y="3525171"/>
+            <a:ext cx="976549" cy="369332"/>
+          </a:xfrm>
+          <a:prstGeom prst="rect">
+            <a:avLst/>
+          </a:prstGeom>
+          <a:noFill/>
+        </p:spPr>
+        <p:txBody>
+          <a:bodyPr wrap="none" rtlCol="0">
+            <a:spAutoFit/>
+          </a:bodyPr>
+          <a:lstStyle/>
+          <a:p>
+            <a:pPr algn="ctr"/>
+            <a:r>
+              <a:rPr lang="en-US" altLang="zh-CN" dirty="0">
+                <a:solidFill>
+                  <a:schemeClr val="tx1">
+                    <a:alpha val="50000"/>
+                  </a:schemeClr>
+                </a:solidFill>
+              </a:rPr>
+              <a:t>1/8</a:t>
+            </a:r>
+            <a:r>
+              <a:rPr lang="zh-CN" altLang="en-US" dirty="0">
+                <a:solidFill>
+                  <a:schemeClr val="tx1">
+                    <a:alpha val="50000"/>
+                  </a:schemeClr>
+                </a:solidFill>
+              </a:rPr>
+              <a:t>决赛</a:t>
+            </a:r>
+          </a:p>
+        </p:txBody>
+      </p:sp>
+      <p:sp>
+        <p:nvSpPr>
+          <p:cNvPr id="141" name="文本框 140">
+            <a:extLst>
+              <a:ext uri="{FF2B5EF4-FFF2-40B4-BE49-F238E27FC236}">
+                <a16:creationId xmlns:a16="http://schemas.microsoft.com/office/drawing/2014/main" id="{A9B728A1-4A71-473F-A4E5-7D2EEB6FFCB0}"/>
+              </a:ext>
+            </a:extLst>
+          </p:cNvPr>
+          <p:cNvSpPr txBox="1"/>
+          <p:nvPr/>
+        </p:nvSpPr>
+        <p:spPr>
+          <a:xfrm>
+            <a:off x="10714740" y="3520870"/>
+            <a:ext cx="976549" cy="369332"/>
+          </a:xfrm>
+          <a:prstGeom prst="rect">
+            <a:avLst/>
+          </a:prstGeom>
+          <a:noFill/>
+        </p:spPr>
+        <p:txBody>
+          <a:bodyPr wrap="none" rtlCol="0">
+            <a:spAutoFit/>
+          </a:bodyPr>
+          <a:lstStyle/>
+          <a:p>
+            <a:pPr algn="ctr"/>
+            <a:r>
+              <a:rPr lang="en-US" altLang="zh-CN" dirty="0">
+                <a:solidFill>
+                  <a:schemeClr val="tx1">
+                    <a:alpha val="50000"/>
+                  </a:schemeClr>
+                </a:solidFill>
+              </a:rPr>
+              <a:t>1/8</a:t>
+            </a:r>
+            <a:r>
+              <a:rPr lang="zh-CN" altLang="en-US" dirty="0">
+                <a:solidFill>
+                  <a:schemeClr val="tx1">
+                    <a:alpha val="50000"/>
+                  </a:schemeClr>
+                </a:solidFill>
+              </a:rPr>
+              <a:t>决赛</a:t>
+            </a:r>
+          </a:p>
+        </p:txBody>
+      </p:sp>
+      <p:sp>
+        <p:nvSpPr>
+          <p:cNvPr id="142" name="文本框 141">
+            <a:extLst>
+              <a:ext uri="{FF2B5EF4-FFF2-40B4-BE49-F238E27FC236}">
+                <a16:creationId xmlns:a16="http://schemas.microsoft.com/office/drawing/2014/main" id="{392718C0-9E42-4185-B38E-6BAAC31ED9D7}"/>
+              </a:ext>
+            </a:extLst>
+          </p:cNvPr>
+          <p:cNvSpPr txBox="1"/>
+          <p:nvPr/>
+        </p:nvSpPr>
+        <p:spPr>
+          <a:xfrm>
+            <a:off x="2138716" y="3519378"/>
+            <a:ext cx="976549" cy="369332"/>
+          </a:xfrm>
+          <a:prstGeom prst="rect">
+            <a:avLst/>
+          </a:prstGeom>
+          <a:noFill/>
+        </p:spPr>
+        <p:txBody>
+          <a:bodyPr wrap="none" rtlCol="0">
+            <a:spAutoFit/>
+          </a:bodyPr>
+          <a:lstStyle/>
+          <a:p>
+            <a:pPr algn="ctr"/>
+            <a:r>
+              <a:rPr lang="en-US" altLang="zh-CN" dirty="0">
+                <a:solidFill>
+                  <a:schemeClr val="tx1">
+                    <a:alpha val="60000"/>
+                  </a:schemeClr>
+                </a:solidFill>
+              </a:rPr>
+              <a:t>1/4</a:t>
+            </a:r>
+            <a:r>
+              <a:rPr lang="zh-CN" altLang="en-US" dirty="0">
+                <a:solidFill>
+                  <a:schemeClr val="tx1">
+                    <a:alpha val="60000"/>
+                  </a:schemeClr>
+                </a:solidFill>
+              </a:rPr>
+              <a:t>决赛</a:t>
+            </a:r>
+          </a:p>
+        </p:txBody>
+      </p:sp>
+      <p:sp>
+        <p:nvSpPr>
+          <p:cNvPr id="143" name="文本框 142">
+            <a:extLst>
+              <a:ext uri="{FF2B5EF4-FFF2-40B4-BE49-F238E27FC236}">
+                <a16:creationId xmlns:a16="http://schemas.microsoft.com/office/drawing/2014/main" id="{B8A71CF6-1291-4BC6-89C8-6D1598C72C0E}"/>
+              </a:ext>
+            </a:extLst>
+          </p:cNvPr>
+          <p:cNvSpPr txBox="1"/>
+          <p:nvPr/>
+        </p:nvSpPr>
+        <p:spPr>
+          <a:xfrm>
+            <a:off x="9076389" y="3519569"/>
+            <a:ext cx="976549" cy="369332"/>
+          </a:xfrm>
+          <a:prstGeom prst="rect">
+            <a:avLst/>
+          </a:prstGeom>
+          <a:noFill/>
+        </p:spPr>
+        <p:txBody>
+          <a:bodyPr wrap="none" rtlCol="0">
+            <a:spAutoFit/>
+          </a:bodyPr>
+          <a:lstStyle/>
+          <a:p>
+            <a:pPr algn="ctr"/>
+            <a:r>
+              <a:rPr lang="en-US" altLang="zh-CN" dirty="0">
+                <a:solidFill>
+                  <a:schemeClr val="tx1">
+                    <a:alpha val="60000"/>
+                  </a:schemeClr>
+                </a:solidFill>
+              </a:rPr>
+              <a:t>1/4</a:t>
+            </a:r>
+            <a:r>
+              <a:rPr lang="zh-CN" altLang="en-US" dirty="0">
+                <a:solidFill>
+                  <a:schemeClr val="tx1">
+                    <a:alpha val="60000"/>
+                  </a:schemeClr>
+                </a:solidFill>
+              </a:rPr>
+              <a:t>决赛</a:t>
+            </a:r>
+          </a:p>
+        </p:txBody>
+      </p:sp>
+      <p:sp>
+        <p:nvSpPr>
+          <p:cNvPr id="144" name="文本框 143">
+            <a:extLst>
+              <a:ext uri="{FF2B5EF4-FFF2-40B4-BE49-F238E27FC236}">
+                <a16:creationId xmlns:a16="http://schemas.microsoft.com/office/drawing/2014/main" id="{C80D5815-5D06-4DF2-8C84-D463DBAE386E}"/>
+              </a:ext>
+            </a:extLst>
+          </p:cNvPr>
+          <p:cNvSpPr txBox="1"/>
+          <p:nvPr/>
+        </p:nvSpPr>
+        <p:spPr>
+          <a:xfrm>
+            <a:off x="5542668" y="5511048"/>
+            <a:ext cx="877163" cy="369332"/>
+          </a:xfrm>
+          <a:prstGeom prst="rect">
+            <a:avLst/>
+          </a:prstGeom>
+          <a:noFill/>
+        </p:spPr>
+        <p:txBody>
+          <a:bodyPr wrap="none" rtlCol="0">
+            <a:spAutoFit/>
+          </a:bodyPr>
+          <a:lstStyle/>
+          <a:p>
+            <a:pPr algn="ctr"/>
+            <a:r>
+              <a:rPr lang="zh-CN" altLang="en-US" dirty="0">
+                <a:solidFill>
+                  <a:schemeClr val="tx1">
+                    <a:alpha val="70000"/>
+                  </a:schemeClr>
+                </a:solidFill>
+              </a:rPr>
+              <a:t>半决赛</a:t>
+            </a:r>
+          </a:p>
+        </p:txBody>
+      </p:sp>
+      <p:sp>
+        <p:nvSpPr>
+          <p:cNvPr id="145" name="文本框 144">
+            <a:extLst>
+              <a:ext uri="{FF2B5EF4-FFF2-40B4-BE49-F238E27FC236}">
+                <a16:creationId xmlns:a16="http://schemas.microsoft.com/office/drawing/2014/main" id="{35BA48F2-6844-4B3D-9E27-ADB1723E311B}"/>
+              </a:ext>
+            </a:extLst>
+          </p:cNvPr>
+          <p:cNvSpPr txBox="1"/>
+          <p:nvPr/>
+        </p:nvSpPr>
+        <p:spPr>
+          <a:xfrm>
+            <a:off x="5542667" y="1542825"/>
+            <a:ext cx="877163" cy="369332"/>
+          </a:xfrm>
+          <a:prstGeom prst="rect">
+            <a:avLst/>
+          </a:prstGeom>
+          <a:noFill/>
+        </p:spPr>
+        <p:txBody>
+          <a:bodyPr wrap="none" rtlCol="0">
+            <a:spAutoFit/>
+          </a:bodyPr>
+          <a:lstStyle/>
+          <a:p>
+            <a:pPr algn="ctr"/>
+            <a:r>
+              <a:rPr lang="zh-CN" altLang="en-US" dirty="0">
+                <a:solidFill>
+                  <a:schemeClr val="tx1">
+                    <a:alpha val="70000"/>
+                  </a:schemeClr>
+                </a:solidFill>
+              </a:rPr>
+              <a:t>半决赛</a:t>
+            </a:r>
+          </a:p>
+        </p:txBody>
+      </p:sp>
+      <p:sp>
+        <p:nvSpPr>
+          <p:cNvPr id="146" name="文本框 145">
+            <a:extLst>
+              <a:ext uri="{FF2B5EF4-FFF2-40B4-BE49-F238E27FC236}">
+                <a16:creationId xmlns:a16="http://schemas.microsoft.com/office/drawing/2014/main" id="{2EE09A37-DA2B-4198-9F19-2A924F2791E7}"/>
+              </a:ext>
+            </a:extLst>
+          </p:cNvPr>
+          <p:cNvSpPr txBox="1"/>
+          <p:nvPr/>
+        </p:nvSpPr>
+        <p:spPr>
+          <a:xfrm>
+            <a:off x="6888320" y="3306720"/>
+            <a:ext cx="646331" cy="369332"/>
+          </a:xfrm>
+          <a:prstGeom prst="rect">
+            <a:avLst/>
+          </a:prstGeom>
+          <a:noFill/>
+        </p:spPr>
+        <p:txBody>
+          <a:bodyPr wrap="none" rtlCol="0">
+            <a:spAutoFit/>
+          </a:bodyPr>
+          <a:lstStyle/>
+          <a:p>
+            <a:pPr algn="ctr"/>
+            <a:r>
+              <a:rPr lang="zh-CN" altLang="en-US" dirty="0">
+                <a:solidFill>
+                  <a:schemeClr val="tx1">
+                    <a:alpha val="80000"/>
+                  </a:schemeClr>
+                </a:solidFill>
+              </a:rPr>
+              <a:t>决赛</a:t>
+            </a:r>
           </a:p>
         </p:txBody>
       </p:sp>

--- a/documents/race_profile/result_board.pptx
+++ b/documents/race_profile/result_board.pptx
@@ -9,12 +9,14 @@
     <p:sldId id="261" r:id="rId3"/>
     <p:sldId id="257" r:id="rId4"/>
     <p:sldId id="264" r:id="rId5"/>
-    <p:sldId id="259" r:id="rId6"/>
-    <p:sldId id="262" r:id="rId7"/>
-    <p:sldId id="265" r:id="rId8"/>
-    <p:sldId id="260" r:id="rId9"/>
-    <p:sldId id="266" r:id="rId10"/>
-    <p:sldId id="263" r:id="rId11"/>
+    <p:sldId id="267" r:id="rId6"/>
+    <p:sldId id="259" r:id="rId7"/>
+    <p:sldId id="262" r:id="rId8"/>
+    <p:sldId id="265" r:id="rId9"/>
+    <p:sldId id="268" r:id="rId10"/>
+    <p:sldId id="260" r:id="rId11"/>
+    <p:sldId id="266" r:id="rId12"/>
+    <p:sldId id="263" r:id="rId13"/>
   </p:sldIdLst>
   <p:sldSz cx="12192000" cy="6858000"/>
   <p:notesSz cx="6858000" cy="9144000"/>
@@ -268,7 +270,7 @@
           <a:p>
             <a:fld id="{58EFE355-25A0-4687-B210-279ACD5280DB}" type="datetimeFigureOut">
               <a:rPr lang="zh-CN" altLang="en-US" smtClean="0"/>
-              <a:t>2021/11/3</a:t>
+              <a:t>2021/11/4</a:t>
             </a:fld>
             <a:endParaRPr lang="zh-CN" altLang="en-US"/>
           </a:p>
@@ -466,7 +468,7 @@
           <a:p>
             <a:fld id="{58EFE355-25A0-4687-B210-279ACD5280DB}" type="datetimeFigureOut">
               <a:rPr lang="zh-CN" altLang="en-US" smtClean="0"/>
-              <a:t>2021/11/3</a:t>
+              <a:t>2021/11/4</a:t>
             </a:fld>
             <a:endParaRPr lang="zh-CN" altLang="en-US"/>
           </a:p>
@@ -674,7 +676,7 @@
           <a:p>
             <a:fld id="{58EFE355-25A0-4687-B210-279ACD5280DB}" type="datetimeFigureOut">
               <a:rPr lang="zh-CN" altLang="en-US" smtClean="0"/>
-              <a:t>2021/11/3</a:t>
+              <a:t>2021/11/4</a:t>
             </a:fld>
             <a:endParaRPr lang="zh-CN" altLang="en-US"/>
           </a:p>
@@ -872,7 +874,7 @@
           <a:p>
             <a:fld id="{58EFE355-25A0-4687-B210-279ACD5280DB}" type="datetimeFigureOut">
               <a:rPr lang="zh-CN" altLang="en-US" smtClean="0"/>
-              <a:t>2021/11/3</a:t>
+              <a:t>2021/11/4</a:t>
             </a:fld>
             <a:endParaRPr lang="zh-CN" altLang="en-US"/>
           </a:p>
@@ -1147,7 +1149,7 @@
           <a:p>
             <a:fld id="{58EFE355-25A0-4687-B210-279ACD5280DB}" type="datetimeFigureOut">
               <a:rPr lang="zh-CN" altLang="en-US" smtClean="0"/>
-              <a:t>2021/11/3</a:t>
+              <a:t>2021/11/4</a:t>
             </a:fld>
             <a:endParaRPr lang="zh-CN" altLang="en-US"/>
           </a:p>
@@ -1412,7 +1414,7 @@
           <a:p>
             <a:fld id="{58EFE355-25A0-4687-B210-279ACD5280DB}" type="datetimeFigureOut">
               <a:rPr lang="zh-CN" altLang="en-US" smtClean="0"/>
-              <a:t>2021/11/3</a:t>
+              <a:t>2021/11/4</a:t>
             </a:fld>
             <a:endParaRPr lang="zh-CN" altLang="en-US"/>
           </a:p>
@@ -1824,7 +1826,7 @@
           <a:p>
             <a:fld id="{58EFE355-25A0-4687-B210-279ACD5280DB}" type="datetimeFigureOut">
               <a:rPr lang="zh-CN" altLang="en-US" smtClean="0"/>
-              <a:t>2021/11/3</a:t>
+              <a:t>2021/11/4</a:t>
             </a:fld>
             <a:endParaRPr lang="zh-CN" altLang="en-US"/>
           </a:p>
@@ -1965,7 +1967,7 @@
           <a:p>
             <a:fld id="{58EFE355-25A0-4687-B210-279ACD5280DB}" type="datetimeFigureOut">
               <a:rPr lang="zh-CN" altLang="en-US" smtClean="0"/>
-              <a:t>2021/11/3</a:t>
+              <a:t>2021/11/4</a:t>
             </a:fld>
             <a:endParaRPr lang="zh-CN" altLang="en-US"/>
           </a:p>
@@ -2078,7 +2080,7 @@
           <a:p>
             <a:fld id="{58EFE355-25A0-4687-B210-279ACD5280DB}" type="datetimeFigureOut">
               <a:rPr lang="zh-CN" altLang="en-US" smtClean="0"/>
-              <a:t>2021/11/3</a:t>
+              <a:t>2021/11/4</a:t>
             </a:fld>
             <a:endParaRPr lang="zh-CN" altLang="en-US"/>
           </a:p>
@@ -2389,7 +2391,7 @@
           <a:p>
             <a:fld id="{58EFE355-25A0-4687-B210-279ACD5280DB}" type="datetimeFigureOut">
               <a:rPr lang="zh-CN" altLang="en-US" smtClean="0"/>
-              <a:t>2021/11/3</a:t>
+              <a:t>2021/11/4</a:t>
             </a:fld>
             <a:endParaRPr lang="zh-CN" altLang="en-US"/>
           </a:p>
@@ -2677,7 +2679,7 @@
           <a:p>
             <a:fld id="{58EFE355-25A0-4687-B210-279ACD5280DB}" type="datetimeFigureOut">
               <a:rPr lang="zh-CN" altLang="en-US" smtClean="0"/>
-              <a:t>2021/11/3</a:t>
+              <a:t>2021/11/4</a:t>
             </a:fld>
             <a:endParaRPr lang="zh-CN" altLang="en-US"/>
           </a:p>
@@ -2936,7 +2938,7 @@
           <a:p>
             <a:fld id="{58EFE355-25A0-4687-B210-279ACD5280DB}" type="datetimeFigureOut">
               <a:rPr lang="zh-CN" altLang="en-US" smtClean="0"/>
-              <a:t>2021/11/3</a:t>
+              <a:t>2021/11/4</a:t>
             </a:fld>
             <a:endParaRPr lang="zh-CN" altLang="en-US"/>
           </a:p>
@@ -3451,6 +3453,1876 @@
         </p:nvSpPr>
         <p:spPr>
           <a:xfrm>
+            <a:off x="706271" y="5182784"/>
+            <a:ext cx="10515600" cy="1325563"/>
+          </a:xfrm>
+        </p:spPr>
+        <p:txBody>
+          <a:bodyPr/>
+          <a:lstStyle/>
+          <a:p>
+            <a:r>
+              <a:rPr lang="en-US" altLang="zh-CN" dirty="0">
+                <a:solidFill>
+                  <a:srgbClr val="E28EA6"/>
+                </a:solidFill>
+              </a:rPr>
+              <a:t>#</a:t>
+            </a:r>
+            <a:r>
+              <a:rPr lang="en-US" altLang="zh-CN" dirty="0"/>
+              <a:t> </a:t>
+            </a:r>
+            <a:r>
+              <a:rPr lang="en-US" altLang="zh-CN" dirty="0">
+                <a:solidFill>
+                  <a:srgbClr val="E28EA6"/>
+                </a:solidFill>
+              </a:rPr>
+              <a:t>LaceDuvetWeiboIDElection2021</a:t>
+            </a:r>
+            <a:endParaRPr lang="zh-CN" altLang="en-US" dirty="0">
+              <a:solidFill>
+                <a:srgbClr val="E28EA6"/>
+              </a:solidFill>
+            </a:endParaRPr>
+          </a:p>
+        </p:txBody>
+      </p:sp>
+      <p:sp>
+        <p:nvSpPr>
+          <p:cNvPr id="3" name="内容占位符 2">
+            <a:extLst>
+              <a:ext uri="{FF2B5EF4-FFF2-40B4-BE49-F238E27FC236}">
+                <a16:creationId xmlns:a16="http://schemas.microsoft.com/office/drawing/2014/main" id="{1DCAFE66-5143-4932-86E7-772D349D8740}"/>
+              </a:ext>
+            </a:extLst>
+          </p:cNvPr>
+          <p:cNvSpPr>
+            <a:spLocks noGrp="1"/>
+          </p:cNvSpPr>
+          <p:nvPr>
+            <p:ph idx="1"/>
+          </p:nvPr>
+        </p:nvSpPr>
+        <p:spPr>
+          <a:xfrm>
+            <a:off x="838200" y="932322"/>
+            <a:ext cx="10515600" cy="497697"/>
+          </a:xfrm>
+        </p:spPr>
+        <p:txBody>
+          <a:bodyPr/>
+          <a:lstStyle/>
+          <a:p>
+            <a:pPr marL="0" indent="0">
+              <a:buNone/>
+            </a:pPr>
+            <a:r>
+              <a:rPr lang="zh-CN" altLang="en-US" dirty="0"/>
+              <a:t>明日赛程  </a:t>
+            </a:r>
+            <a:r>
+              <a:rPr lang="en-US" altLang="zh-CN" sz="2000" dirty="0">
+                <a:solidFill>
+                  <a:srgbClr val="E28EA6"/>
+                </a:solidFill>
+              </a:rPr>
+              <a:t>d</a:t>
+            </a:r>
+            <a:r>
+              <a:rPr lang="zh-CN" altLang="en-US" sz="2000" dirty="0">
+                <a:solidFill>
+                  <a:srgbClr val="E28EA6"/>
+                </a:solidFill>
+              </a:rPr>
+              <a:t>酱微博</a:t>
+            </a:r>
+            <a:r>
+              <a:rPr lang="en-US" altLang="zh-CN" sz="2000" dirty="0">
+                <a:solidFill>
+                  <a:srgbClr val="E28EA6"/>
+                </a:solidFill>
+              </a:rPr>
+              <a:t>ID</a:t>
+            </a:r>
+            <a:r>
+              <a:rPr lang="zh-CN" altLang="en-US" sz="2000" dirty="0">
+                <a:solidFill>
+                  <a:srgbClr val="E28EA6"/>
+                </a:solidFill>
+              </a:rPr>
+              <a:t>总选举</a:t>
+            </a:r>
+            <a:r>
+              <a:rPr lang="en-US" altLang="zh-CN" sz="2000" dirty="0">
+                <a:solidFill>
+                  <a:srgbClr val="E28EA6"/>
+                </a:solidFill>
+              </a:rPr>
+              <a:t>2021</a:t>
+            </a:r>
+            <a:endParaRPr lang="zh-CN" altLang="en-US" dirty="0"/>
+          </a:p>
+        </p:txBody>
+      </p:sp>
+      <p:sp>
+        <p:nvSpPr>
+          <p:cNvPr id="6" name="文本框 5">
+            <a:extLst>
+              <a:ext uri="{FF2B5EF4-FFF2-40B4-BE49-F238E27FC236}">
+                <a16:creationId xmlns:a16="http://schemas.microsoft.com/office/drawing/2014/main" id="{FB0B0FEF-82D8-4EFB-8BB3-82AAA2679CC5}"/>
+              </a:ext>
+            </a:extLst>
+          </p:cNvPr>
+          <p:cNvSpPr txBox="1"/>
+          <p:nvPr/>
+        </p:nvSpPr>
+        <p:spPr>
+          <a:xfrm>
+            <a:off x="2295311" y="1806186"/>
+            <a:ext cx="2264276" cy="707886"/>
+          </a:xfrm>
+          <a:prstGeom prst="rect">
+            <a:avLst/>
+          </a:prstGeom>
+          <a:noFill/>
+        </p:spPr>
+        <p:txBody>
+          <a:bodyPr wrap="square">
+            <a:spAutoFit/>
+          </a:bodyPr>
+          <a:lstStyle/>
+          <a:p>
+            <a:r>
+              <a:rPr lang="en-US" altLang="zh-CN" sz="2400" dirty="0">
+                <a:solidFill>
+                  <a:srgbClr val="E28EA6"/>
+                </a:solidFill>
+              </a:rPr>
+              <a:t>Group </a:t>
+            </a:r>
+            <a:r>
+              <a:rPr lang="en-US" altLang="zh-CN" sz="4000" dirty="0">
+                <a:solidFill>
+                  <a:srgbClr val="E28EA6"/>
+                </a:solidFill>
+              </a:rPr>
+              <a:t>D</a:t>
+            </a:r>
+            <a:endParaRPr lang="zh-CN" altLang="en-US" sz="4000" dirty="0">
+              <a:solidFill>
+                <a:srgbClr val="E28EA6"/>
+              </a:solidFill>
+            </a:endParaRPr>
+          </a:p>
+        </p:txBody>
+      </p:sp>
+      <p:sp>
+        <p:nvSpPr>
+          <p:cNvPr id="8" name="文本框 7">
+            <a:extLst>
+              <a:ext uri="{FF2B5EF4-FFF2-40B4-BE49-F238E27FC236}">
+                <a16:creationId xmlns:a16="http://schemas.microsoft.com/office/drawing/2014/main" id="{B2169444-FA91-4707-B72F-8931B89896C7}"/>
+              </a:ext>
+            </a:extLst>
+          </p:cNvPr>
+          <p:cNvSpPr txBox="1"/>
+          <p:nvPr/>
+        </p:nvSpPr>
+        <p:spPr>
+          <a:xfrm>
+            <a:off x="2295311" y="2898402"/>
+            <a:ext cx="2637347" cy="1938992"/>
+          </a:xfrm>
+          <a:prstGeom prst="rect">
+            <a:avLst/>
+          </a:prstGeom>
+          <a:noFill/>
+        </p:spPr>
+        <p:txBody>
+          <a:bodyPr wrap="square">
+            <a:spAutoFit/>
+          </a:bodyPr>
+          <a:lstStyle/>
+          <a:p>
+            <a:r>
+              <a:rPr lang="zh-CN" altLang="en-US" sz="2000" dirty="0"/>
+              <a:t>蕾丝勾子</a:t>
+            </a:r>
+            <a:r>
+              <a:rPr lang="en-US" altLang="zh-CN" sz="2000" dirty="0"/>
+              <a:t>d</a:t>
+            </a:r>
+            <a:r>
+              <a:rPr lang="zh-CN" altLang="en-US" sz="2000" dirty="0"/>
+              <a:t>酱</a:t>
+            </a:r>
+          </a:p>
+          <a:p>
+            <a:r>
+              <a:rPr lang="zh-CN" altLang="en-US" sz="2000" dirty="0"/>
+              <a:t>法蕾缝纫机</a:t>
+            </a:r>
+            <a:r>
+              <a:rPr lang="en-US" altLang="zh-CN" sz="2000" dirty="0"/>
+              <a:t>d</a:t>
+            </a:r>
+            <a:r>
+              <a:rPr lang="zh-CN" altLang="en-US" sz="2000" dirty="0"/>
+              <a:t>酱</a:t>
+            </a:r>
+          </a:p>
+          <a:p>
+            <a:r>
+              <a:rPr lang="zh-CN" altLang="en-US" sz="2000" dirty="0"/>
+              <a:t>蕾丝麻酱糖饼</a:t>
+            </a:r>
+            <a:r>
+              <a:rPr lang="en-US" altLang="zh-CN" sz="2000" dirty="0"/>
+              <a:t>d</a:t>
+            </a:r>
+            <a:r>
+              <a:rPr lang="zh-CN" altLang="en-US" sz="2000" dirty="0"/>
+              <a:t>酱</a:t>
+            </a:r>
+          </a:p>
+          <a:p>
+            <a:r>
+              <a:rPr lang="zh-CN" altLang="en-US" sz="2000" dirty="0"/>
+              <a:t>蕾丝被子</a:t>
+            </a:r>
+            <a:r>
+              <a:rPr lang="en-US" altLang="zh-CN" sz="2000" dirty="0"/>
+              <a:t>d</a:t>
+            </a:r>
+            <a:r>
+              <a:rPr lang="zh-CN" altLang="en-US" sz="2000" dirty="0"/>
+              <a:t>酱</a:t>
+            </a:r>
+          </a:p>
+          <a:p>
+            <a:r>
+              <a:rPr lang="zh-CN" altLang="en-US" sz="2000" dirty="0"/>
+              <a:t>蕾丝汤圆</a:t>
+            </a:r>
+            <a:r>
+              <a:rPr lang="en-US" altLang="zh-CN" sz="2000" dirty="0"/>
+              <a:t>d</a:t>
+            </a:r>
+            <a:r>
+              <a:rPr lang="zh-CN" altLang="en-US" sz="2000" dirty="0"/>
+              <a:t>酱</a:t>
+            </a:r>
+          </a:p>
+          <a:p>
+            <a:r>
+              <a:rPr lang="zh-CN" altLang="en-US" sz="2000" dirty="0"/>
+              <a:t>蕾丝包孓</a:t>
+            </a:r>
+            <a:r>
+              <a:rPr lang="en-US" altLang="zh-CN" sz="2000" dirty="0"/>
+              <a:t>d</a:t>
+            </a:r>
+            <a:r>
+              <a:rPr lang="zh-CN" altLang="en-US" sz="2000" dirty="0"/>
+              <a:t>酱</a:t>
+            </a:r>
+          </a:p>
+        </p:txBody>
+      </p:sp>
+      <p:sp>
+        <p:nvSpPr>
+          <p:cNvPr id="9" name="文本框 8">
+            <a:extLst>
+              <a:ext uri="{FF2B5EF4-FFF2-40B4-BE49-F238E27FC236}">
+                <a16:creationId xmlns:a16="http://schemas.microsoft.com/office/drawing/2014/main" id="{C5DE88D4-8D0E-4118-A8D7-8C7F4E9E382B}"/>
+              </a:ext>
+            </a:extLst>
+          </p:cNvPr>
+          <p:cNvSpPr txBox="1"/>
+          <p:nvPr/>
+        </p:nvSpPr>
+        <p:spPr>
+          <a:xfrm>
+            <a:off x="6775595" y="2898402"/>
+            <a:ext cx="2637347" cy="1631216"/>
+          </a:xfrm>
+          <a:prstGeom prst="rect">
+            <a:avLst/>
+          </a:prstGeom>
+          <a:noFill/>
+        </p:spPr>
+        <p:txBody>
+          <a:bodyPr wrap="square">
+            <a:spAutoFit/>
+          </a:bodyPr>
+          <a:lstStyle/>
+          <a:p>
+            <a:r>
+              <a:rPr lang="zh-CN" altLang="en-US" sz="2000" dirty="0"/>
+              <a:t>蕾丝丸子</a:t>
+            </a:r>
+            <a:r>
+              <a:rPr lang="en-US" altLang="zh-CN" sz="2000" dirty="0"/>
+              <a:t>d</a:t>
+            </a:r>
+            <a:r>
+              <a:rPr lang="zh-CN" altLang="en-US" sz="2000" dirty="0"/>
+              <a:t>酱</a:t>
+            </a:r>
+          </a:p>
+          <a:p>
+            <a:r>
+              <a:rPr lang="zh-CN" altLang="en-US" sz="2000" dirty="0"/>
+              <a:t>蕾包子丝</a:t>
+            </a:r>
+            <a:r>
+              <a:rPr lang="en-US" altLang="zh-CN" sz="2000" dirty="0"/>
+              <a:t>d</a:t>
+            </a:r>
+            <a:r>
+              <a:rPr lang="zh-CN" altLang="en-US" sz="2000" dirty="0"/>
+              <a:t>酱</a:t>
+            </a:r>
+          </a:p>
+          <a:p>
+            <a:r>
+              <a:rPr lang="zh-CN" altLang="en-US" sz="2000" dirty="0"/>
+              <a:t>蕾丝夹馍蘸大酱</a:t>
+            </a:r>
+          </a:p>
+          <a:p>
+            <a:r>
+              <a:rPr lang="zh-CN" altLang="en-US" sz="2000" dirty="0"/>
+              <a:t>蕾丝叉烧包</a:t>
+            </a:r>
+            <a:r>
+              <a:rPr lang="en-US" altLang="zh-CN" sz="2000" dirty="0"/>
+              <a:t>d</a:t>
+            </a:r>
+            <a:r>
+              <a:rPr lang="zh-CN" altLang="en-US" sz="2000" dirty="0"/>
+              <a:t>酱</a:t>
+            </a:r>
+          </a:p>
+          <a:p>
+            <a:r>
+              <a:rPr lang="zh-CN" altLang="en-US" sz="2000" dirty="0"/>
+              <a:t>蕾丝粽子</a:t>
+            </a:r>
+            <a:r>
+              <a:rPr lang="en-US" altLang="zh-CN" sz="2000" dirty="0"/>
+              <a:t>d</a:t>
+            </a:r>
+            <a:r>
+              <a:rPr lang="zh-CN" altLang="en-US" sz="2000" dirty="0"/>
+              <a:t>酱</a:t>
+            </a:r>
+          </a:p>
+        </p:txBody>
+      </p:sp>
+      <p:sp>
+        <p:nvSpPr>
+          <p:cNvPr id="10" name="文本框 9">
+            <a:extLst>
+              <a:ext uri="{FF2B5EF4-FFF2-40B4-BE49-F238E27FC236}">
+                <a16:creationId xmlns:a16="http://schemas.microsoft.com/office/drawing/2014/main" id="{FF6CA720-280A-49F1-99B3-4C2066D81A71}"/>
+              </a:ext>
+            </a:extLst>
+          </p:cNvPr>
+          <p:cNvSpPr txBox="1"/>
+          <p:nvPr/>
+        </p:nvSpPr>
+        <p:spPr>
+          <a:xfrm>
+            <a:off x="6775595" y="1806186"/>
+            <a:ext cx="2264276" cy="707886"/>
+          </a:xfrm>
+          <a:prstGeom prst="rect">
+            <a:avLst/>
+          </a:prstGeom>
+          <a:noFill/>
+        </p:spPr>
+        <p:txBody>
+          <a:bodyPr wrap="square">
+            <a:spAutoFit/>
+          </a:bodyPr>
+          <a:lstStyle/>
+          <a:p>
+            <a:r>
+              <a:rPr lang="en-US" altLang="zh-CN" sz="2400" dirty="0">
+                <a:solidFill>
+                  <a:srgbClr val="E28EA6"/>
+                </a:solidFill>
+              </a:rPr>
+              <a:t>Group </a:t>
+            </a:r>
+            <a:r>
+              <a:rPr lang="en-US" altLang="zh-CN" sz="4000" dirty="0">
+                <a:solidFill>
+                  <a:srgbClr val="E28EA6"/>
+                </a:solidFill>
+              </a:rPr>
+              <a:t>H</a:t>
+            </a:r>
+            <a:endParaRPr lang="zh-CN" altLang="en-US" sz="4000" dirty="0">
+              <a:solidFill>
+                <a:srgbClr val="E28EA6"/>
+              </a:solidFill>
+            </a:endParaRPr>
+          </a:p>
+        </p:txBody>
+      </p:sp>
+    </p:spTree>
+    <p:extLst>
+      <p:ext uri="{BB962C8B-B14F-4D97-AF65-F5344CB8AC3E}">
+        <p14:creationId xmlns:p14="http://schemas.microsoft.com/office/powerpoint/2010/main" val="243769693"/>
+      </p:ext>
+    </p:extLst>
+  </p:cSld>
+  <p:clrMapOvr>
+    <a:masterClrMapping/>
+  </p:clrMapOvr>
+</p:sld>
+</file>
+
+<file path=ppt/slides/slide11.xml><?xml version="1.0" encoding="utf-8"?>
+<p:sld xmlns:a="http://schemas.openxmlformats.org/drawingml/2006/main" xmlns:r="http://schemas.openxmlformats.org/officeDocument/2006/relationships" xmlns:p="http://schemas.openxmlformats.org/presentationml/2006/main">
+  <p:cSld>
+    <p:spTree>
+      <p:nvGrpSpPr>
+        <p:cNvPr id="1" name=""/>
+        <p:cNvGrpSpPr/>
+        <p:nvPr/>
+      </p:nvGrpSpPr>
+      <p:grpSpPr>
+        <a:xfrm>
+          <a:off x="0" y="0"/>
+          <a:ext cx="0" cy="0"/>
+          <a:chOff x="0" y="0"/>
+          <a:chExt cx="0" cy="0"/>
+        </a:xfrm>
+      </p:grpSpPr>
+      <p:sp>
+        <p:nvSpPr>
+          <p:cNvPr id="2" name="标题 1">
+            <a:extLst>
+              <a:ext uri="{FF2B5EF4-FFF2-40B4-BE49-F238E27FC236}">
+                <a16:creationId xmlns:a16="http://schemas.microsoft.com/office/drawing/2014/main" id="{B0833462-3DC5-40B2-92C8-322D2048EE7F}"/>
+              </a:ext>
+            </a:extLst>
+          </p:cNvPr>
+          <p:cNvSpPr>
+            <a:spLocks noGrp="1"/>
+          </p:cNvSpPr>
+          <p:nvPr>
+            <p:ph type="title"/>
+          </p:nvPr>
+        </p:nvSpPr>
+        <p:spPr>
+          <a:xfrm>
+            <a:off x="706271" y="5182784"/>
+            <a:ext cx="10515600" cy="1325563"/>
+          </a:xfrm>
+        </p:spPr>
+        <p:txBody>
+          <a:bodyPr/>
+          <a:lstStyle/>
+          <a:p>
+            <a:r>
+              <a:rPr lang="en-US" altLang="zh-CN" dirty="0">
+                <a:solidFill>
+                  <a:srgbClr val="E28EA6"/>
+                </a:solidFill>
+              </a:rPr>
+              <a:t>#</a:t>
+            </a:r>
+            <a:r>
+              <a:rPr lang="en-US" altLang="zh-CN" dirty="0"/>
+              <a:t> </a:t>
+            </a:r>
+            <a:r>
+              <a:rPr lang="en-US" altLang="zh-CN" dirty="0">
+                <a:solidFill>
+                  <a:srgbClr val="E28EA6"/>
+                </a:solidFill>
+              </a:rPr>
+              <a:t>LaceDuvetWeiboIDElection2021</a:t>
+            </a:r>
+            <a:endParaRPr lang="zh-CN" altLang="en-US" dirty="0">
+              <a:solidFill>
+                <a:srgbClr val="E28EA6"/>
+              </a:solidFill>
+            </a:endParaRPr>
+          </a:p>
+        </p:txBody>
+      </p:sp>
+      <p:sp>
+        <p:nvSpPr>
+          <p:cNvPr id="3" name="内容占位符 2">
+            <a:extLst>
+              <a:ext uri="{FF2B5EF4-FFF2-40B4-BE49-F238E27FC236}">
+                <a16:creationId xmlns:a16="http://schemas.microsoft.com/office/drawing/2014/main" id="{1DCAFE66-5143-4932-86E7-772D349D8740}"/>
+              </a:ext>
+            </a:extLst>
+          </p:cNvPr>
+          <p:cNvSpPr>
+            <a:spLocks noGrp="1"/>
+          </p:cNvSpPr>
+          <p:nvPr>
+            <p:ph idx="1"/>
+          </p:nvPr>
+        </p:nvSpPr>
+        <p:spPr>
+          <a:xfrm>
+            <a:off x="838200" y="932322"/>
+            <a:ext cx="10515600" cy="497697"/>
+          </a:xfrm>
+        </p:spPr>
+        <p:txBody>
+          <a:bodyPr/>
+          <a:lstStyle/>
+          <a:p>
+            <a:pPr marL="0" indent="0">
+              <a:buNone/>
+            </a:pPr>
+            <a:r>
+              <a:rPr lang="zh-CN" altLang="en-US" dirty="0"/>
+              <a:t>前</a:t>
+            </a:r>
+            <a:r>
+              <a:rPr lang="en-US" altLang="zh-CN" dirty="0"/>
+              <a:t>16</a:t>
+            </a:r>
+            <a:r>
+              <a:rPr lang="zh-CN" altLang="en-US" dirty="0"/>
+              <a:t>名 </a:t>
+            </a:r>
+            <a:r>
+              <a:rPr lang="en-US" altLang="zh-CN" sz="2000" dirty="0">
+                <a:solidFill>
+                  <a:srgbClr val="E28EA6"/>
+                </a:solidFill>
+              </a:rPr>
+              <a:t>d</a:t>
+            </a:r>
+            <a:r>
+              <a:rPr lang="zh-CN" altLang="en-US" sz="2000" dirty="0">
+                <a:solidFill>
+                  <a:srgbClr val="E28EA6"/>
+                </a:solidFill>
+              </a:rPr>
+              <a:t>酱微博</a:t>
+            </a:r>
+            <a:r>
+              <a:rPr lang="en-US" altLang="zh-CN" sz="2000" dirty="0">
+                <a:solidFill>
+                  <a:srgbClr val="E28EA6"/>
+                </a:solidFill>
+              </a:rPr>
+              <a:t>ID</a:t>
+            </a:r>
+            <a:r>
+              <a:rPr lang="zh-CN" altLang="en-US" sz="2000" dirty="0">
+                <a:solidFill>
+                  <a:srgbClr val="E28EA6"/>
+                </a:solidFill>
+              </a:rPr>
+              <a:t>总选举</a:t>
+            </a:r>
+            <a:r>
+              <a:rPr lang="en-US" altLang="zh-CN" sz="2000" dirty="0">
+                <a:solidFill>
+                  <a:srgbClr val="E28EA6"/>
+                </a:solidFill>
+              </a:rPr>
+              <a:t>2021</a:t>
+            </a:r>
+            <a:endParaRPr lang="zh-CN" altLang="en-US" dirty="0"/>
+          </a:p>
+        </p:txBody>
+      </p:sp>
+      <p:sp>
+        <p:nvSpPr>
+          <p:cNvPr id="11" name="矩形 10">
+            <a:extLst>
+              <a:ext uri="{FF2B5EF4-FFF2-40B4-BE49-F238E27FC236}">
+                <a16:creationId xmlns:a16="http://schemas.microsoft.com/office/drawing/2014/main" id="{F006DACE-D445-4EBE-9D39-91A75A40F672}"/>
+              </a:ext>
+            </a:extLst>
+          </p:cNvPr>
+          <p:cNvSpPr/>
+          <p:nvPr/>
+        </p:nvSpPr>
+        <p:spPr>
+          <a:xfrm>
+            <a:off x="1187334" y="2111696"/>
+            <a:ext cx="1847563" cy="286158"/>
+          </a:xfrm>
+          <a:prstGeom prst="rect">
+            <a:avLst/>
+          </a:prstGeom>
+          <a:solidFill>
+            <a:srgbClr val="FFB3B3">
+              <a:alpha val="50000"/>
+            </a:srgbClr>
+          </a:solidFill>
+          <a:ln>
+            <a:solidFill>
+              <a:srgbClr val="E28EA6"/>
+            </a:solidFill>
+          </a:ln>
+        </p:spPr>
+        <p:style>
+          <a:lnRef idx="2">
+            <a:schemeClr val="accent3">
+              <a:shade val="50000"/>
+            </a:schemeClr>
+          </a:lnRef>
+          <a:fillRef idx="1">
+            <a:schemeClr val="accent3"/>
+          </a:fillRef>
+          <a:effectRef idx="0">
+            <a:schemeClr val="accent3"/>
+          </a:effectRef>
+          <a:fontRef idx="minor">
+            <a:schemeClr val="lt1"/>
+          </a:fontRef>
+        </p:style>
+        <p:txBody>
+          <a:bodyPr rtlCol="0" anchor="ctr"/>
+          <a:lstStyle/>
+          <a:p>
+            <a:pPr algn="ctr"/>
+            <a:r>
+              <a:rPr lang="zh-CN" altLang="en-US" sz="1400" dirty="0">
+                <a:solidFill>
+                  <a:srgbClr val="E28EA6"/>
+                </a:solidFill>
+              </a:rPr>
+              <a:t>蕾丝卤煮</a:t>
+            </a:r>
+            <a:r>
+              <a:rPr lang="en-US" altLang="zh-CN" sz="1400" dirty="0">
+                <a:solidFill>
+                  <a:srgbClr val="E28EA6"/>
+                </a:solidFill>
+              </a:rPr>
+              <a:t>d</a:t>
+            </a:r>
+            <a:r>
+              <a:rPr lang="zh-CN" altLang="en-US" sz="1400" dirty="0">
+                <a:solidFill>
+                  <a:srgbClr val="E28EA6"/>
+                </a:solidFill>
+              </a:rPr>
+              <a:t>酱</a:t>
+            </a:r>
+          </a:p>
+        </p:txBody>
+      </p:sp>
+      <p:sp>
+        <p:nvSpPr>
+          <p:cNvPr id="12" name="矩形 11">
+            <a:extLst>
+              <a:ext uri="{FF2B5EF4-FFF2-40B4-BE49-F238E27FC236}">
+                <a16:creationId xmlns:a16="http://schemas.microsoft.com/office/drawing/2014/main" id="{DD97EF9F-B364-4E44-9C8D-DD21BE39271D}"/>
+              </a:ext>
+            </a:extLst>
+          </p:cNvPr>
+          <p:cNvSpPr/>
+          <p:nvPr/>
+        </p:nvSpPr>
+        <p:spPr>
+          <a:xfrm>
+            <a:off x="1187334" y="2812780"/>
+            <a:ext cx="1847563" cy="286158"/>
+          </a:xfrm>
+          <a:prstGeom prst="rect">
+            <a:avLst/>
+          </a:prstGeom>
+          <a:solidFill>
+            <a:srgbClr val="FFB3B3">
+              <a:alpha val="50000"/>
+            </a:srgbClr>
+          </a:solidFill>
+          <a:ln>
+            <a:solidFill>
+              <a:srgbClr val="E28EA6"/>
+            </a:solidFill>
+          </a:ln>
+        </p:spPr>
+        <p:style>
+          <a:lnRef idx="2">
+            <a:schemeClr val="accent3">
+              <a:shade val="50000"/>
+            </a:schemeClr>
+          </a:lnRef>
+          <a:fillRef idx="1">
+            <a:schemeClr val="accent3"/>
+          </a:fillRef>
+          <a:effectRef idx="0">
+            <a:schemeClr val="accent3"/>
+          </a:effectRef>
+          <a:fontRef idx="minor">
+            <a:schemeClr val="lt1"/>
+          </a:fontRef>
+        </p:style>
+        <p:txBody>
+          <a:bodyPr rtlCol="0" anchor="ctr"/>
+          <a:lstStyle/>
+          <a:p>
+            <a:pPr algn="ctr"/>
+            <a:r>
+              <a:rPr lang="zh-CN" altLang="en-US" sz="1400" dirty="0">
+                <a:solidFill>
+                  <a:srgbClr val="E28EA6"/>
+                </a:solidFill>
+              </a:rPr>
+              <a:t>蕾丝流心奶黄包</a:t>
+            </a:r>
+            <a:r>
+              <a:rPr lang="en-US" altLang="zh-CN" sz="1400" dirty="0">
+                <a:solidFill>
+                  <a:srgbClr val="E28EA6"/>
+                </a:solidFill>
+              </a:rPr>
+              <a:t>d</a:t>
+            </a:r>
+            <a:r>
+              <a:rPr lang="zh-CN" altLang="en-US" sz="1400" dirty="0">
+                <a:solidFill>
+                  <a:srgbClr val="E28EA6"/>
+                </a:solidFill>
+              </a:rPr>
+              <a:t>酱</a:t>
+            </a:r>
+          </a:p>
+        </p:txBody>
+      </p:sp>
+      <p:sp>
+        <p:nvSpPr>
+          <p:cNvPr id="13" name="矩形 12">
+            <a:extLst>
+              <a:ext uri="{FF2B5EF4-FFF2-40B4-BE49-F238E27FC236}">
+                <a16:creationId xmlns:a16="http://schemas.microsoft.com/office/drawing/2014/main" id="{7BB9F4FA-7ED1-4419-9AF1-8A698733E7F6}"/>
+              </a:ext>
+            </a:extLst>
+          </p:cNvPr>
+          <p:cNvSpPr/>
+          <p:nvPr/>
+        </p:nvSpPr>
+        <p:spPr>
+          <a:xfrm>
+            <a:off x="1187334" y="3513864"/>
+            <a:ext cx="1847563" cy="286158"/>
+          </a:xfrm>
+          <a:prstGeom prst="rect">
+            <a:avLst/>
+          </a:prstGeom>
+          <a:solidFill>
+            <a:srgbClr val="FFB3B3">
+              <a:alpha val="50000"/>
+            </a:srgbClr>
+          </a:solidFill>
+          <a:ln>
+            <a:solidFill>
+              <a:srgbClr val="E28EA6"/>
+            </a:solidFill>
+          </a:ln>
+        </p:spPr>
+        <p:style>
+          <a:lnRef idx="2">
+            <a:schemeClr val="accent3">
+              <a:shade val="50000"/>
+            </a:schemeClr>
+          </a:lnRef>
+          <a:fillRef idx="1">
+            <a:schemeClr val="accent3"/>
+          </a:fillRef>
+          <a:effectRef idx="0">
+            <a:schemeClr val="accent3"/>
+          </a:effectRef>
+          <a:fontRef idx="minor">
+            <a:schemeClr val="lt1"/>
+          </a:fontRef>
+        </p:style>
+        <p:txBody>
+          <a:bodyPr rtlCol="0" anchor="ctr"/>
+          <a:lstStyle/>
+          <a:p>
+            <a:pPr algn="ctr"/>
+            <a:r>
+              <a:rPr lang="zh-CN" altLang="en-US" sz="1400" dirty="0">
+                <a:solidFill>
+                  <a:srgbClr val="E28EA6"/>
+                </a:solidFill>
+              </a:rPr>
+              <a:t>蕾丝傻狍子</a:t>
+            </a:r>
+            <a:r>
+              <a:rPr lang="en-US" altLang="zh-CN" sz="1400" dirty="0">
+                <a:solidFill>
+                  <a:srgbClr val="E28EA6"/>
+                </a:solidFill>
+              </a:rPr>
+              <a:t>d</a:t>
+            </a:r>
+            <a:r>
+              <a:rPr lang="zh-CN" altLang="en-US" sz="1400" dirty="0">
+                <a:solidFill>
+                  <a:srgbClr val="E28EA6"/>
+                </a:solidFill>
+              </a:rPr>
+              <a:t>酱</a:t>
+            </a:r>
+          </a:p>
+        </p:txBody>
+      </p:sp>
+      <p:sp>
+        <p:nvSpPr>
+          <p:cNvPr id="14" name="矩形 13">
+            <a:extLst>
+              <a:ext uri="{FF2B5EF4-FFF2-40B4-BE49-F238E27FC236}">
+                <a16:creationId xmlns:a16="http://schemas.microsoft.com/office/drawing/2014/main" id="{528D89C8-86EE-4B59-A652-EA5674121DA6}"/>
+              </a:ext>
+            </a:extLst>
+          </p:cNvPr>
+          <p:cNvSpPr/>
+          <p:nvPr/>
+        </p:nvSpPr>
+        <p:spPr>
+          <a:xfrm>
+            <a:off x="1187334" y="4214948"/>
+            <a:ext cx="1847563" cy="286158"/>
+          </a:xfrm>
+          <a:prstGeom prst="rect">
+            <a:avLst/>
+          </a:prstGeom>
+          <a:solidFill>
+            <a:srgbClr val="FFB3B3">
+              <a:alpha val="50000"/>
+            </a:srgbClr>
+          </a:solidFill>
+          <a:ln>
+            <a:solidFill>
+              <a:srgbClr val="E28EA6"/>
+            </a:solidFill>
+          </a:ln>
+        </p:spPr>
+        <p:style>
+          <a:lnRef idx="2">
+            <a:schemeClr val="accent3">
+              <a:shade val="50000"/>
+            </a:schemeClr>
+          </a:lnRef>
+          <a:fillRef idx="1">
+            <a:schemeClr val="accent3"/>
+          </a:fillRef>
+          <a:effectRef idx="0">
+            <a:schemeClr val="accent3"/>
+          </a:effectRef>
+          <a:fontRef idx="minor">
+            <a:schemeClr val="lt1"/>
+          </a:fontRef>
+        </p:style>
+        <p:txBody>
+          <a:bodyPr rtlCol="0" anchor="ctr"/>
+          <a:lstStyle/>
+          <a:p>
+            <a:pPr algn="ctr"/>
+            <a:r>
+              <a:rPr lang="zh-CN" altLang="en-US" sz="1400" dirty="0">
+                <a:solidFill>
+                  <a:srgbClr val="E28EA6"/>
+                </a:solidFill>
+              </a:rPr>
+              <a:t>蕾丝糯米团子</a:t>
+            </a:r>
+            <a:r>
+              <a:rPr lang="en-US" altLang="zh-CN" sz="1400" dirty="0">
+                <a:solidFill>
+                  <a:srgbClr val="E28EA6"/>
+                </a:solidFill>
+              </a:rPr>
+              <a:t>d</a:t>
+            </a:r>
+            <a:r>
+              <a:rPr lang="zh-CN" altLang="en-US" sz="1400" dirty="0">
+                <a:solidFill>
+                  <a:srgbClr val="E28EA6"/>
+                </a:solidFill>
+              </a:rPr>
+              <a:t>酱</a:t>
+            </a:r>
+          </a:p>
+        </p:txBody>
+      </p:sp>
+      <p:sp>
+        <p:nvSpPr>
+          <p:cNvPr id="15" name="矩形 14">
+            <a:extLst>
+              <a:ext uri="{FF2B5EF4-FFF2-40B4-BE49-F238E27FC236}">
+                <a16:creationId xmlns:a16="http://schemas.microsoft.com/office/drawing/2014/main" id="{1DC01B75-7AD8-4085-93FD-7E480E0F406D}"/>
+              </a:ext>
+            </a:extLst>
+          </p:cNvPr>
+          <p:cNvSpPr/>
+          <p:nvPr/>
+        </p:nvSpPr>
+        <p:spPr>
+          <a:xfrm>
+            <a:off x="3673316" y="2111696"/>
+            <a:ext cx="1847563" cy="286158"/>
+          </a:xfrm>
+          <a:prstGeom prst="rect">
+            <a:avLst/>
+          </a:prstGeom>
+          <a:solidFill>
+            <a:srgbClr val="FFB3B3">
+              <a:alpha val="50000"/>
+            </a:srgbClr>
+          </a:solidFill>
+          <a:ln>
+            <a:solidFill>
+              <a:srgbClr val="E28EA6"/>
+            </a:solidFill>
+          </a:ln>
+        </p:spPr>
+        <p:style>
+          <a:lnRef idx="2">
+            <a:schemeClr val="accent3">
+              <a:shade val="50000"/>
+            </a:schemeClr>
+          </a:lnRef>
+          <a:fillRef idx="1">
+            <a:schemeClr val="accent3"/>
+          </a:fillRef>
+          <a:effectRef idx="0">
+            <a:schemeClr val="accent3"/>
+          </a:effectRef>
+          <a:fontRef idx="minor">
+            <a:schemeClr val="lt1"/>
+          </a:fontRef>
+        </p:style>
+        <p:txBody>
+          <a:bodyPr rtlCol="0" anchor="ctr"/>
+          <a:lstStyle/>
+          <a:p>
+            <a:pPr algn="ctr"/>
+            <a:r>
+              <a:rPr lang="zh-CN" altLang="en-US" sz="1400" dirty="0">
+                <a:solidFill>
+                  <a:srgbClr val="E28EA6"/>
+                </a:solidFill>
+              </a:rPr>
+              <a:t>蕾丝烧饼</a:t>
+            </a:r>
+            <a:r>
+              <a:rPr lang="en-US" altLang="zh-CN" sz="1400" dirty="0">
+                <a:solidFill>
+                  <a:srgbClr val="E28EA6"/>
+                </a:solidFill>
+              </a:rPr>
+              <a:t>d</a:t>
+            </a:r>
+            <a:r>
+              <a:rPr lang="zh-CN" altLang="en-US" sz="1400" dirty="0">
+                <a:solidFill>
+                  <a:srgbClr val="E28EA6"/>
+                </a:solidFill>
+              </a:rPr>
+              <a:t>酱</a:t>
+            </a:r>
+          </a:p>
+        </p:txBody>
+      </p:sp>
+      <p:sp>
+        <p:nvSpPr>
+          <p:cNvPr id="16" name="矩形 15">
+            <a:extLst>
+              <a:ext uri="{FF2B5EF4-FFF2-40B4-BE49-F238E27FC236}">
+                <a16:creationId xmlns:a16="http://schemas.microsoft.com/office/drawing/2014/main" id="{D6EBCBAC-6C68-4F98-B73F-4849466C0889}"/>
+              </a:ext>
+            </a:extLst>
+          </p:cNvPr>
+          <p:cNvSpPr/>
+          <p:nvPr/>
+        </p:nvSpPr>
+        <p:spPr>
+          <a:xfrm>
+            <a:off x="6159298" y="2117830"/>
+            <a:ext cx="1847563" cy="286158"/>
+          </a:xfrm>
+          <a:prstGeom prst="rect">
+            <a:avLst/>
+          </a:prstGeom>
+          <a:solidFill>
+            <a:srgbClr val="FFB3B3">
+              <a:alpha val="50000"/>
+            </a:srgbClr>
+          </a:solidFill>
+          <a:ln>
+            <a:solidFill>
+              <a:srgbClr val="E28EA6"/>
+            </a:solidFill>
+          </a:ln>
+        </p:spPr>
+        <p:style>
+          <a:lnRef idx="2">
+            <a:schemeClr val="accent3">
+              <a:shade val="50000"/>
+            </a:schemeClr>
+          </a:lnRef>
+          <a:fillRef idx="1">
+            <a:schemeClr val="accent3"/>
+          </a:fillRef>
+          <a:effectRef idx="0">
+            <a:schemeClr val="accent3"/>
+          </a:effectRef>
+          <a:fontRef idx="minor">
+            <a:schemeClr val="lt1"/>
+          </a:fontRef>
+        </p:style>
+        <p:txBody>
+          <a:bodyPr rtlCol="0" anchor="ctr"/>
+          <a:lstStyle/>
+          <a:p>
+            <a:pPr algn="ctr"/>
+            <a:r>
+              <a:rPr lang="zh-CN" altLang="en-US" sz="1400" dirty="0">
+                <a:solidFill>
+                  <a:srgbClr val="E28EA6"/>
+                </a:solidFill>
+              </a:rPr>
+              <a:t>蕾丝纸包不住火</a:t>
+            </a:r>
+            <a:r>
+              <a:rPr lang="en-US" altLang="zh-CN" sz="1400" dirty="0">
+                <a:solidFill>
+                  <a:srgbClr val="E28EA6"/>
+                </a:solidFill>
+              </a:rPr>
+              <a:t>d</a:t>
+            </a:r>
+            <a:r>
+              <a:rPr lang="zh-CN" altLang="en-US" sz="1400" dirty="0">
+                <a:solidFill>
+                  <a:srgbClr val="E28EA6"/>
+                </a:solidFill>
+              </a:rPr>
+              <a:t>酱</a:t>
+            </a:r>
+          </a:p>
+        </p:txBody>
+      </p:sp>
+      <p:sp>
+        <p:nvSpPr>
+          <p:cNvPr id="17" name="矩形 16">
+            <a:extLst>
+              <a:ext uri="{FF2B5EF4-FFF2-40B4-BE49-F238E27FC236}">
+                <a16:creationId xmlns:a16="http://schemas.microsoft.com/office/drawing/2014/main" id="{461FA4FB-ED7C-4A2A-B23E-D5F31B360B08}"/>
+              </a:ext>
+            </a:extLst>
+          </p:cNvPr>
+          <p:cNvSpPr/>
+          <p:nvPr/>
+        </p:nvSpPr>
+        <p:spPr>
+          <a:xfrm>
+            <a:off x="8645280" y="2111696"/>
+            <a:ext cx="1847563" cy="286158"/>
+          </a:xfrm>
+          <a:prstGeom prst="rect">
+            <a:avLst/>
+          </a:prstGeom>
+          <a:solidFill>
+            <a:srgbClr val="FFB3B3">
+              <a:alpha val="50000"/>
+            </a:srgbClr>
+          </a:solidFill>
+          <a:ln>
+            <a:solidFill>
+              <a:srgbClr val="E28EA6"/>
+            </a:solidFill>
+          </a:ln>
+        </p:spPr>
+        <p:style>
+          <a:lnRef idx="2">
+            <a:schemeClr val="accent3">
+              <a:shade val="50000"/>
+            </a:schemeClr>
+          </a:lnRef>
+          <a:fillRef idx="1">
+            <a:schemeClr val="accent3"/>
+          </a:fillRef>
+          <a:effectRef idx="0">
+            <a:schemeClr val="accent3"/>
+          </a:effectRef>
+          <a:fontRef idx="minor">
+            <a:schemeClr val="lt1"/>
+          </a:fontRef>
+        </p:style>
+        <p:txBody>
+          <a:bodyPr rtlCol="0" anchor="ctr"/>
+          <a:lstStyle/>
+          <a:p>
+            <a:pPr algn="ctr"/>
+            <a:r>
+              <a:rPr lang="zh-CN" altLang="en-US" sz="1400" dirty="0">
+                <a:solidFill>
+                  <a:srgbClr val="E28EA6"/>
+                </a:solidFill>
+              </a:rPr>
+              <a:t>蕾丝包纸</a:t>
+            </a:r>
+            <a:r>
+              <a:rPr lang="en-US" altLang="zh-CN" sz="1400" dirty="0">
+                <a:solidFill>
+                  <a:srgbClr val="E28EA6"/>
+                </a:solidFill>
+              </a:rPr>
+              <a:t>d</a:t>
+            </a:r>
+            <a:r>
+              <a:rPr lang="zh-CN" altLang="en-US" sz="1400" dirty="0">
+                <a:solidFill>
+                  <a:srgbClr val="E28EA6"/>
+                </a:solidFill>
+              </a:rPr>
+              <a:t>酱</a:t>
+            </a:r>
+          </a:p>
+        </p:txBody>
+      </p:sp>
+      <p:sp>
+        <p:nvSpPr>
+          <p:cNvPr id="18" name="矩形 17">
+            <a:extLst>
+              <a:ext uri="{FF2B5EF4-FFF2-40B4-BE49-F238E27FC236}">
+                <a16:creationId xmlns:a16="http://schemas.microsoft.com/office/drawing/2014/main" id="{E899D399-622C-4FAE-97C1-376D2BD8ECD1}"/>
+              </a:ext>
+            </a:extLst>
+          </p:cNvPr>
+          <p:cNvSpPr/>
+          <p:nvPr/>
+        </p:nvSpPr>
+        <p:spPr>
+          <a:xfrm>
+            <a:off x="3673316" y="2812780"/>
+            <a:ext cx="1847563" cy="286158"/>
+          </a:xfrm>
+          <a:prstGeom prst="rect">
+            <a:avLst/>
+          </a:prstGeom>
+          <a:solidFill>
+            <a:srgbClr val="FFB3B3">
+              <a:alpha val="50000"/>
+            </a:srgbClr>
+          </a:solidFill>
+          <a:ln>
+            <a:solidFill>
+              <a:srgbClr val="E28EA6"/>
+            </a:solidFill>
+          </a:ln>
+        </p:spPr>
+        <p:style>
+          <a:lnRef idx="2">
+            <a:schemeClr val="accent3">
+              <a:shade val="50000"/>
+            </a:schemeClr>
+          </a:lnRef>
+          <a:fillRef idx="1">
+            <a:schemeClr val="accent3"/>
+          </a:fillRef>
+          <a:effectRef idx="0">
+            <a:schemeClr val="accent3"/>
+          </a:effectRef>
+          <a:fontRef idx="minor">
+            <a:schemeClr val="lt1"/>
+          </a:fontRef>
+        </p:style>
+        <p:txBody>
+          <a:bodyPr rtlCol="0" anchor="ctr"/>
+          <a:lstStyle/>
+          <a:p>
+            <a:pPr algn="ctr"/>
+            <a:r>
+              <a:rPr lang="zh-CN" altLang="en-US" sz="1400" dirty="0">
+                <a:solidFill>
+                  <a:srgbClr val="E28EA6"/>
+                </a:solidFill>
+              </a:rPr>
+              <a:t>蕾丝面条炸酱</a:t>
+            </a:r>
+          </a:p>
+        </p:txBody>
+      </p:sp>
+      <p:sp>
+        <p:nvSpPr>
+          <p:cNvPr id="19" name="矩形 18">
+            <a:extLst>
+              <a:ext uri="{FF2B5EF4-FFF2-40B4-BE49-F238E27FC236}">
+                <a16:creationId xmlns:a16="http://schemas.microsoft.com/office/drawing/2014/main" id="{996C45C1-378E-4E85-9EF5-1DEA6C86AE00}"/>
+              </a:ext>
+            </a:extLst>
+          </p:cNvPr>
+          <p:cNvSpPr/>
+          <p:nvPr/>
+        </p:nvSpPr>
+        <p:spPr>
+          <a:xfrm>
+            <a:off x="3673316" y="3513864"/>
+            <a:ext cx="1847563" cy="286158"/>
+          </a:xfrm>
+          <a:prstGeom prst="rect">
+            <a:avLst/>
+          </a:prstGeom>
+          <a:solidFill>
+            <a:srgbClr val="FFB3B3">
+              <a:alpha val="50000"/>
+            </a:srgbClr>
+          </a:solidFill>
+          <a:ln>
+            <a:solidFill>
+              <a:srgbClr val="E28EA6"/>
+            </a:solidFill>
+          </a:ln>
+        </p:spPr>
+        <p:style>
+          <a:lnRef idx="2">
+            <a:schemeClr val="accent3">
+              <a:shade val="50000"/>
+            </a:schemeClr>
+          </a:lnRef>
+          <a:fillRef idx="1">
+            <a:schemeClr val="accent3"/>
+          </a:fillRef>
+          <a:effectRef idx="0">
+            <a:schemeClr val="accent3"/>
+          </a:effectRef>
+          <a:fontRef idx="minor">
+            <a:schemeClr val="lt1"/>
+          </a:fontRef>
+        </p:style>
+        <p:txBody>
+          <a:bodyPr rtlCol="0" anchor="ctr"/>
+          <a:lstStyle/>
+          <a:p>
+            <a:pPr algn="ctr"/>
+            <a:r>
+              <a:rPr lang="zh-CN" altLang="en-US" sz="1400" dirty="0">
+                <a:solidFill>
+                  <a:srgbClr val="E28EA6"/>
+                </a:solidFill>
+              </a:rPr>
+              <a:t>蕾丝馒头</a:t>
+            </a:r>
+            <a:r>
+              <a:rPr lang="en-US" altLang="zh-CN" sz="1400" dirty="0">
+                <a:solidFill>
+                  <a:srgbClr val="E28EA6"/>
+                </a:solidFill>
+              </a:rPr>
+              <a:t>d</a:t>
+            </a:r>
+            <a:r>
+              <a:rPr lang="zh-CN" altLang="en-US" sz="1400" dirty="0">
+                <a:solidFill>
+                  <a:srgbClr val="E28EA6"/>
+                </a:solidFill>
+              </a:rPr>
+              <a:t>酱</a:t>
+            </a:r>
+          </a:p>
+        </p:txBody>
+      </p:sp>
+      <p:sp>
+        <p:nvSpPr>
+          <p:cNvPr id="20" name="矩形 19">
+            <a:extLst>
+              <a:ext uri="{FF2B5EF4-FFF2-40B4-BE49-F238E27FC236}">
+                <a16:creationId xmlns:a16="http://schemas.microsoft.com/office/drawing/2014/main" id="{ACEE2B89-825A-49EE-87BD-9342F705B4CC}"/>
+              </a:ext>
+            </a:extLst>
+          </p:cNvPr>
+          <p:cNvSpPr/>
+          <p:nvPr/>
+        </p:nvSpPr>
+        <p:spPr>
+          <a:xfrm>
+            <a:off x="3673316" y="4214948"/>
+            <a:ext cx="1847563" cy="286158"/>
+          </a:xfrm>
+          <a:prstGeom prst="rect">
+            <a:avLst/>
+          </a:prstGeom>
+          <a:solidFill>
+            <a:srgbClr val="FFB3B3">
+              <a:alpha val="50000"/>
+            </a:srgbClr>
+          </a:solidFill>
+          <a:ln>
+            <a:solidFill>
+              <a:srgbClr val="E28EA6"/>
+            </a:solidFill>
+          </a:ln>
+        </p:spPr>
+        <p:style>
+          <a:lnRef idx="2">
+            <a:schemeClr val="accent3">
+              <a:shade val="50000"/>
+            </a:schemeClr>
+          </a:lnRef>
+          <a:fillRef idx="1">
+            <a:schemeClr val="accent3"/>
+          </a:fillRef>
+          <a:effectRef idx="0">
+            <a:schemeClr val="accent3"/>
+          </a:effectRef>
+          <a:fontRef idx="minor">
+            <a:schemeClr val="lt1"/>
+          </a:fontRef>
+        </p:style>
+        <p:txBody>
+          <a:bodyPr rtlCol="0" anchor="ctr"/>
+          <a:lstStyle/>
+          <a:p>
+            <a:pPr algn="ctr"/>
+            <a:r>
+              <a:rPr lang="zh-CN" altLang="en-US" sz="1400" dirty="0">
+                <a:solidFill>
+                  <a:srgbClr val="E28EA6"/>
+                </a:solidFill>
+              </a:rPr>
+              <a:t>蕾丝包了</a:t>
+            </a:r>
+            <a:r>
+              <a:rPr lang="en-US" altLang="zh-CN" sz="1400" dirty="0">
+                <a:solidFill>
+                  <a:srgbClr val="E28EA6"/>
+                </a:solidFill>
+              </a:rPr>
+              <a:t>d</a:t>
+            </a:r>
+            <a:r>
+              <a:rPr lang="zh-CN" altLang="en-US" sz="1400" dirty="0">
+                <a:solidFill>
+                  <a:srgbClr val="E28EA6"/>
+                </a:solidFill>
+              </a:rPr>
+              <a:t>酱</a:t>
+            </a:r>
+          </a:p>
+        </p:txBody>
+      </p:sp>
+      <p:sp>
+        <p:nvSpPr>
+          <p:cNvPr id="21" name="矩形 20">
+            <a:extLst>
+              <a:ext uri="{FF2B5EF4-FFF2-40B4-BE49-F238E27FC236}">
+                <a16:creationId xmlns:a16="http://schemas.microsoft.com/office/drawing/2014/main" id="{036BC43A-95AB-46F8-BF4C-A45FB9E379EC}"/>
+              </a:ext>
+            </a:extLst>
+          </p:cNvPr>
+          <p:cNvSpPr/>
+          <p:nvPr/>
+        </p:nvSpPr>
+        <p:spPr>
+          <a:xfrm>
+            <a:off x="6159298" y="2812780"/>
+            <a:ext cx="1847563" cy="286158"/>
+          </a:xfrm>
+          <a:prstGeom prst="rect">
+            <a:avLst/>
+          </a:prstGeom>
+          <a:solidFill>
+            <a:srgbClr val="FFB3B3">
+              <a:alpha val="50000"/>
+            </a:srgbClr>
+          </a:solidFill>
+          <a:ln>
+            <a:solidFill>
+              <a:srgbClr val="E28EA6"/>
+            </a:solidFill>
+          </a:ln>
+        </p:spPr>
+        <p:style>
+          <a:lnRef idx="2">
+            <a:schemeClr val="accent3">
+              <a:shade val="50000"/>
+            </a:schemeClr>
+          </a:lnRef>
+          <a:fillRef idx="1">
+            <a:schemeClr val="accent3"/>
+          </a:fillRef>
+          <a:effectRef idx="0">
+            <a:schemeClr val="accent3"/>
+          </a:effectRef>
+          <a:fontRef idx="minor">
+            <a:schemeClr val="lt1"/>
+          </a:fontRef>
+        </p:style>
+        <p:txBody>
+          <a:bodyPr rtlCol="0" anchor="ctr"/>
+          <a:lstStyle/>
+          <a:p>
+            <a:pPr algn="ctr"/>
+            <a:r>
+              <a:rPr lang="zh-CN" altLang="en-US" sz="1400" dirty="0">
+                <a:solidFill>
+                  <a:srgbClr val="E28EA6"/>
+                </a:solidFill>
+              </a:rPr>
+              <a:t>蕾丝被子</a:t>
+            </a:r>
+            <a:r>
+              <a:rPr lang="en-US" altLang="zh-CN" sz="1400" dirty="0">
+                <a:solidFill>
+                  <a:srgbClr val="E28EA6"/>
+                </a:solidFill>
+              </a:rPr>
+              <a:t>d</a:t>
+            </a:r>
+            <a:r>
+              <a:rPr lang="zh-CN" altLang="en-US" sz="1400" dirty="0">
+                <a:solidFill>
+                  <a:srgbClr val="E28EA6"/>
+                </a:solidFill>
+              </a:rPr>
+              <a:t>酱</a:t>
+            </a:r>
+          </a:p>
+        </p:txBody>
+      </p:sp>
+      <p:sp>
+        <p:nvSpPr>
+          <p:cNvPr id="22" name="矩形 21">
+            <a:extLst>
+              <a:ext uri="{FF2B5EF4-FFF2-40B4-BE49-F238E27FC236}">
+                <a16:creationId xmlns:a16="http://schemas.microsoft.com/office/drawing/2014/main" id="{D40B231F-5CDC-4BC3-BF53-47CF1A3F48D4}"/>
+              </a:ext>
+            </a:extLst>
+          </p:cNvPr>
+          <p:cNvSpPr/>
+          <p:nvPr/>
+        </p:nvSpPr>
+        <p:spPr>
+          <a:xfrm>
+            <a:off x="6159298" y="3513864"/>
+            <a:ext cx="1847563" cy="286158"/>
+          </a:xfrm>
+          <a:prstGeom prst="rect">
+            <a:avLst/>
+          </a:prstGeom>
+          <a:solidFill>
+            <a:srgbClr val="FFB3B3">
+              <a:alpha val="50000"/>
+            </a:srgbClr>
+          </a:solidFill>
+          <a:ln>
+            <a:solidFill>
+              <a:srgbClr val="E28EA6"/>
+            </a:solidFill>
+          </a:ln>
+        </p:spPr>
+        <p:style>
+          <a:lnRef idx="2">
+            <a:schemeClr val="accent3">
+              <a:shade val="50000"/>
+            </a:schemeClr>
+          </a:lnRef>
+          <a:fillRef idx="1">
+            <a:schemeClr val="accent3"/>
+          </a:fillRef>
+          <a:effectRef idx="0">
+            <a:schemeClr val="accent3"/>
+          </a:effectRef>
+          <a:fontRef idx="minor">
+            <a:schemeClr val="lt1"/>
+          </a:fontRef>
+        </p:style>
+        <p:txBody>
+          <a:bodyPr rtlCol="0" anchor="ctr"/>
+          <a:lstStyle/>
+          <a:p>
+            <a:pPr algn="ctr"/>
+            <a:r>
+              <a:rPr lang="zh-CN" altLang="en-US" sz="1400" dirty="0">
+                <a:solidFill>
+                  <a:srgbClr val="E28EA6"/>
+                </a:solidFill>
+              </a:rPr>
+              <a:t>蕾丝狍子</a:t>
+            </a:r>
+            <a:r>
+              <a:rPr lang="en-US" altLang="zh-CN" sz="1400" dirty="0">
+                <a:solidFill>
+                  <a:srgbClr val="E28EA6"/>
+                </a:solidFill>
+              </a:rPr>
+              <a:t>d</a:t>
+            </a:r>
+            <a:r>
+              <a:rPr lang="zh-CN" altLang="en-US" sz="1400" dirty="0">
+                <a:solidFill>
+                  <a:srgbClr val="E28EA6"/>
+                </a:solidFill>
+              </a:rPr>
+              <a:t>酱</a:t>
+            </a:r>
+          </a:p>
+        </p:txBody>
+      </p:sp>
+      <p:sp>
+        <p:nvSpPr>
+          <p:cNvPr id="23" name="矩形 22">
+            <a:extLst>
+              <a:ext uri="{FF2B5EF4-FFF2-40B4-BE49-F238E27FC236}">
+                <a16:creationId xmlns:a16="http://schemas.microsoft.com/office/drawing/2014/main" id="{9E4F84C4-2AD6-47A4-BC47-8AD9DD6DDBAF}"/>
+              </a:ext>
+            </a:extLst>
+          </p:cNvPr>
+          <p:cNvSpPr/>
+          <p:nvPr/>
+        </p:nvSpPr>
+        <p:spPr>
+          <a:xfrm>
+            <a:off x="6159298" y="4214948"/>
+            <a:ext cx="1847563" cy="286158"/>
+          </a:xfrm>
+          <a:prstGeom prst="rect">
+            <a:avLst/>
+          </a:prstGeom>
+          <a:solidFill>
+            <a:srgbClr val="FFB3B3">
+              <a:alpha val="50000"/>
+            </a:srgbClr>
+          </a:solidFill>
+          <a:ln>
+            <a:solidFill>
+              <a:srgbClr val="E28EA6"/>
+            </a:solidFill>
+          </a:ln>
+        </p:spPr>
+        <p:style>
+          <a:lnRef idx="2">
+            <a:schemeClr val="accent3">
+              <a:shade val="50000"/>
+            </a:schemeClr>
+          </a:lnRef>
+          <a:fillRef idx="1">
+            <a:schemeClr val="accent3"/>
+          </a:fillRef>
+          <a:effectRef idx="0">
+            <a:schemeClr val="accent3"/>
+          </a:effectRef>
+          <a:fontRef idx="minor">
+            <a:schemeClr val="lt1"/>
+          </a:fontRef>
+        </p:style>
+        <p:txBody>
+          <a:bodyPr rtlCol="0" anchor="ctr"/>
+          <a:lstStyle/>
+          <a:p>
+            <a:pPr algn="ctr"/>
+            <a:r>
+              <a:rPr lang="zh-CN" altLang="en-US" sz="1400" dirty="0">
+                <a:solidFill>
+                  <a:srgbClr val="E28EA6"/>
+                </a:solidFill>
+              </a:rPr>
+              <a:t>蕾丝叉烧包</a:t>
+            </a:r>
+            <a:r>
+              <a:rPr lang="en-US" altLang="zh-CN" sz="1400" dirty="0">
+                <a:solidFill>
+                  <a:srgbClr val="E28EA6"/>
+                </a:solidFill>
+              </a:rPr>
+              <a:t>d</a:t>
+            </a:r>
+            <a:r>
+              <a:rPr lang="zh-CN" altLang="en-US" sz="1400" dirty="0">
+                <a:solidFill>
+                  <a:srgbClr val="E28EA6"/>
+                </a:solidFill>
+              </a:rPr>
+              <a:t>酱</a:t>
+            </a:r>
+          </a:p>
+        </p:txBody>
+      </p:sp>
+      <p:sp>
+        <p:nvSpPr>
+          <p:cNvPr id="24" name="矩形 23">
+            <a:extLst>
+              <a:ext uri="{FF2B5EF4-FFF2-40B4-BE49-F238E27FC236}">
+                <a16:creationId xmlns:a16="http://schemas.microsoft.com/office/drawing/2014/main" id="{E58AF398-7453-49C7-9764-1E1D35B85BAD}"/>
+              </a:ext>
+            </a:extLst>
+          </p:cNvPr>
+          <p:cNvSpPr/>
+          <p:nvPr/>
+        </p:nvSpPr>
+        <p:spPr>
+          <a:xfrm>
+            <a:off x="8645280" y="2812780"/>
+            <a:ext cx="1847563" cy="286158"/>
+          </a:xfrm>
+          <a:prstGeom prst="rect">
+            <a:avLst/>
+          </a:prstGeom>
+          <a:solidFill>
+            <a:srgbClr val="FFB3B3">
+              <a:alpha val="50000"/>
+            </a:srgbClr>
+          </a:solidFill>
+          <a:ln>
+            <a:solidFill>
+              <a:srgbClr val="E28EA6"/>
+            </a:solidFill>
+          </a:ln>
+        </p:spPr>
+        <p:style>
+          <a:lnRef idx="2">
+            <a:schemeClr val="accent3">
+              <a:shade val="50000"/>
+            </a:schemeClr>
+          </a:lnRef>
+          <a:fillRef idx="1">
+            <a:schemeClr val="accent3"/>
+          </a:fillRef>
+          <a:effectRef idx="0">
+            <a:schemeClr val="accent3"/>
+          </a:effectRef>
+          <a:fontRef idx="minor">
+            <a:schemeClr val="lt1"/>
+          </a:fontRef>
+        </p:style>
+        <p:txBody>
+          <a:bodyPr rtlCol="0" anchor="ctr"/>
+          <a:lstStyle/>
+          <a:p>
+            <a:pPr algn="ctr"/>
+            <a:r>
+              <a:rPr lang="zh-CN" altLang="en-US" sz="1400" dirty="0">
+                <a:solidFill>
+                  <a:srgbClr val="E28EA6"/>
+                </a:solidFill>
+              </a:rPr>
+              <a:t>蕾丝包孓</a:t>
+            </a:r>
+            <a:r>
+              <a:rPr lang="en-US" altLang="zh-CN" sz="1400" dirty="0">
+                <a:solidFill>
+                  <a:srgbClr val="E28EA6"/>
+                </a:solidFill>
+              </a:rPr>
+              <a:t>d</a:t>
+            </a:r>
+            <a:r>
+              <a:rPr lang="zh-CN" altLang="en-US" sz="1400" dirty="0">
+                <a:solidFill>
+                  <a:srgbClr val="E28EA6"/>
+                </a:solidFill>
+              </a:rPr>
+              <a:t>酱</a:t>
+            </a:r>
+          </a:p>
+        </p:txBody>
+      </p:sp>
+      <p:sp>
+        <p:nvSpPr>
+          <p:cNvPr id="25" name="矩形 24">
+            <a:extLst>
+              <a:ext uri="{FF2B5EF4-FFF2-40B4-BE49-F238E27FC236}">
+                <a16:creationId xmlns:a16="http://schemas.microsoft.com/office/drawing/2014/main" id="{0A19C166-7673-45AB-9C9A-8C0C83A79EA9}"/>
+              </a:ext>
+            </a:extLst>
+          </p:cNvPr>
+          <p:cNvSpPr/>
+          <p:nvPr/>
+        </p:nvSpPr>
+        <p:spPr>
+          <a:xfrm>
+            <a:off x="8645280" y="3513864"/>
+            <a:ext cx="1847563" cy="286158"/>
+          </a:xfrm>
+          <a:prstGeom prst="rect">
+            <a:avLst/>
+          </a:prstGeom>
+          <a:solidFill>
+            <a:srgbClr val="FFB3B3">
+              <a:alpha val="50000"/>
+            </a:srgbClr>
+          </a:solidFill>
+          <a:ln>
+            <a:solidFill>
+              <a:srgbClr val="E28EA6"/>
+            </a:solidFill>
+          </a:ln>
+        </p:spPr>
+        <p:style>
+          <a:lnRef idx="2">
+            <a:schemeClr val="accent3">
+              <a:shade val="50000"/>
+            </a:schemeClr>
+          </a:lnRef>
+          <a:fillRef idx="1">
+            <a:schemeClr val="accent3"/>
+          </a:fillRef>
+          <a:effectRef idx="0">
+            <a:schemeClr val="accent3"/>
+          </a:effectRef>
+          <a:fontRef idx="minor">
+            <a:schemeClr val="lt1"/>
+          </a:fontRef>
+        </p:style>
+        <p:txBody>
+          <a:bodyPr rtlCol="0" anchor="ctr"/>
+          <a:lstStyle/>
+          <a:p>
+            <a:pPr algn="ctr"/>
+            <a:r>
+              <a:rPr lang="zh-CN" altLang="en-US" sz="1400" dirty="0">
+                <a:solidFill>
+                  <a:srgbClr val="E28EA6"/>
+                </a:solidFill>
+              </a:rPr>
+              <a:t>蕾丝肘子</a:t>
+            </a:r>
+            <a:r>
+              <a:rPr lang="en-US" altLang="zh-CN" sz="1400" dirty="0">
+                <a:solidFill>
+                  <a:srgbClr val="E28EA6"/>
+                </a:solidFill>
+              </a:rPr>
+              <a:t>d</a:t>
+            </a:r>
+            <a:r>
+              <a:rPr lang="zh-CN" altLang="en-US" sz="1400" dirty="0">
+                <a:solidFill>
+                  <a:srgbClr val="E28EA6"/>
+                </a:solidFill>
+              </a:rPr>
+              <a:t>酱</a:t>
+            </a:r>
+          </a:p>
+        </p:txBody>
+      </p:sp>
+      <p:sp>
+        <p:nvSpPr>
+          <p:cNvPr id="26" name="矩形 25">
+            <a:extLst>
+              <a:ext uri="{FF2B5EF4-FFF2-40B4-BE49-F238E27FC236}">
+                <a16:creationId xmlns:a16="http://schemas.microsoft.com/office/drawing/2014/main" id="{1E2A83CC-730A-4E03-902C-DD88C506B6A7}"/>
+              </a:ext>
+            </a:extLst>
+          </p:cNvPr>
+          <p:cNvSpPr/>
+          <p:nvPr/>
+        </p:nvSpPr>
+        <p:spPr>
+          <a:xfrm>
+            <a:off x="8645280" y="4214948"/>
+            <a:ext cx="1847563" cy="286158"/>
+          </a:xfrm>
+          <a:prstGeom prst="rect">
+            <a:avLst/>
+          </a:prstGeom>
+          <a:solidFill>
+            <a:srgbClr val="FFB3B3">
+              <a:alpha val="50000"/>
+            </a:srgbClr>
+          </a:solidFill>
+          <a:ln>
+            <a:solidFill>
+              <a:srgbClr val="E28EA6"/>
+            </a:solidFill>
+          </a:ln>
+        </p:spPr>
+        <p:style>
+          <a:lnRef idx="2">
+            <a:schemeClr val="accent3">
+              <a:shade val="50000"/>
+            </a:schemeClr>
+          </a:lnRef>
+          <a:fillRef idx="1">
+            <a:schemeClr val="accent3"/>
+          </a:fillRef>
+          <a:effectRef idx="0">
+            <a:schemeClr val="accent3"/>
+          </a:effectRef>
+          <a:fontRef idx="minor">
+            <a:schemeClr val="lt1"/>
+          </a:fontRef>
+        </p:style>
+        <p:txBody>
+          <a:bodyPr rtlCol="0" anchor="ctr"/>
+          <a:lstStyle/>
+          <a:p>
+            <a:pPr algn="ctr"/>
+            <a:r>
+              <a:rPr lang="zh-CN" altLang="en-US" sz="1400" dirty="0">
+                <a:solidFill>
+                  <a:srgbClr val="E28EA6"/>
+                </a:solidFill>
+              </a:rPr>
+              <a:t>蕾丝夹馍蘸大酱</a:t>
+            </a:r>
+          </a:p>
+        </p:txBody>
+      </p:sp>
+    </p:spTree>
+    <p:extLst>
+      <p:ext uri="{BB962C8B-B14F-4D97-AF65-F5344CB8AC3E}">
+        <p14:creationId xmlns:p14="http://schemas.microsoft.com/office/powerpoint/2010/main" val="1003494901"/>
+      </p:ext>
+    </p:extLst>
+  </p:cSld>
+  <p:clrMapOvr>
+    <a:masterClrMapping/>
+  </p:clrMapOvr>
+</p:sld>
+</file>
+
+<file path=ppt/slides/slide12.xml><?xml version="1.0" encoding="utf-8"?>
+<p:sld xmlns:a="http://schemas.openxmlformats.org/drawingml/2006/main" xmlns:r="http://schemas.openxmlformats.org/officeDocument/2006/relationships" xmlns:p="http://schemas.openxmlformats.org/presentationml/2006/main">
+  <p:cSld>
+    <p:spTree>
+      <p:nvGrpSpPr>
+        <p:cNvPr id="1" name=""/>
+        <p:cNvGrpSpPr/>
+        <p:nvPr/>
+      </p:nvGrpSpPr>
+      <p:grpSpPr>
+        <a:xfrm>
+          <a:off x="0" y="0"/>
+          <a:ext cx="0" cy="0"/>
+          <a:chOff x="0" y="0"/>
+          <a:chExt cx="0" cy="0"/>
+        </a:xfrm>
+      </p:grpSpPr>
+      <p:sp>
+        <p:nvSpPr>
+          <p:cNvPr id="2" name="标题 1">
+            <a:extLst>
+              <a:ext uri="{FF2B5EF4-FFF2-40B4-BE49-F238E27FC236}">
+                <a16:creationId xmlns:a16="http://schemas.microsoft.com/office/drawing/2014/main" id="{B0833462-3DC5-40B2-92C8-322D2048EE7F}"/>
+              </a:ext>
+            </a:extLst>
+          </p:cNvPr>
+          <p:cNvSpPr>
+            <a:spLocks noGrp="1"/>
+          </p:cNvSpPr>
+          <p:nvPr>
+            <p:ph type="title"/>
+          </p:nvPr>
+        </p:nvSpPr>
+        <p:spPr>
+          <a:xfrm>
             <a:off x="311330" y="3547339"/>
             <a:ext cx="10515600" cy="2902545"/>
           </a:xfrm>
@@ -9195,7 +11067,7 @@
           <p:nvPr>
             <p:extLst>
               <p:ext uri="{D42A27DB-BD31-4B8C-83A1-F6EECF244321}">
-                <p14:modId xmlns:p14="http://schemas.microsoft.com/office/powerpoint/2010/main" val="388678878"/>
+                <p14:modId xmlns:p14="http://schemas.microsoft.com/office/powerpoint/2010/main" val="1591380439"/>
               </p:ext>
             </p:extLst>
           </p:nvPr>
@@ -9846,7 +11718,7 @@
                             </a:schemeClr>
                           </a:solidFill>
                         </a:rPr>
-                        <a:t>6</a:t>
+                        <a:t>5</a:t>
                       </a:r>
                       <a:endParaRPr lang="zh-CN" altLang="en-US" dirty="0">
                         <a:solidFill>
@@ -9967,6 +11839,1029 @@
 </file>
 
 <file path=ppt/slides/slide5.xml><?xml version="1.0" encoding="utf-8"?>
+<p:sld xmlns:a="http://schemas.openxmlformats.org/drawingml/2006/main" xmlns:r="http://schemas.openxmlformats.org/officeDocument/2006/relationships" xmlns:p="http://schemas.openxmlformats.org/presentationml/2006/main">
+  <p:cSld>
+    <p:spTree>
+      <p:nvGrpSpPr>
+        <p:cNvPr id="1" name=""/>
+        <p:cNvGrpSpPr/>
+        <p:nvPr/>
+      </p:nvGrpSpPr>
+      <p:grpSpPr>
+        <a:xfrm>
+          <a:off x="0" y="0"/>
+          <a:ext cx="0" cy="0"/>
+          <a:chOff x="0" y="0"/>
+          <a:chExt cx="0" cy="0"/>
+        </a:xfrm>
+      </p:grpSpPr>
+      <p:sp>
+        <p:nvSpPr>
+          <p:cNvPr id="2" name="标题 1">
+            <a:extLst>
+              <a:ext uri="{FF2B5EF4-FFF2-40B4-BE49-F238E27FC236}">
+                <a16:creationId xmlns:a16="http://schemas.microsoft.com/office/drawing/2014/main" id="{B0833462-3DC5-40B2-92C8-322D2048EE7F}"/>
+              </a:ext>
+            </a:extLst>
+          </p:cNvPr>
+          <p:cNvSpPr>
+            <a:spLocks noGrp="1"/>
+          </p:cNvSpPr>
+          <p:nvPr>
+            <p:ph type="title"/>
+          </p:nvPr>
+        </p:nvSpPr>
+        <p:spPr>
+          <a:xfrm>
+            <a:off x="706271" y="5182784"/>
+            <a:ext cx="10515600" cy="1325563"/>
+          </a:xfrm>
+        </p:spPr>
+        <p:txBody>
+          <a:bodyPr/>
+          <a:lstStyle/>
+          <a:p>
+            <a:r>
+              <a:rPr lang="en-US" altLang="zh-CN" dirty="0">
+                <a:solidFill>
+                  <a:srgbClr val="E28EA6"/>
+                </a:solidFill>
+              </a:rPr>
+              <a:t>#</a:t>
+            </a:r>
+            <a:r>
+              <a:rPr lang="en-US" altLang="zh-CN" dirty="0"/>
+              <a:t> </a:t>
+            </a:r>
+            <a:r>
+              <a:rPr lang="en-US" altLang="zh-CN" dirty="0">
+                <a:solidFill>
+                  <a:srgbClr val="E28EA6"/>
+                </a:solidFill>
+              </a:rPr>
+              <a:t>LaceDuvetWeiboIDElection2021</a:t>
+            </a:r>
+            <a:endParaRPr lang="zh-CN" altLang="en-US" dirty="0">
+              <a:solidFill>
+                <a:srgbClr val="E28EA6"/>
+              </a:solidFill>
+            </a:endParaRPr>
+          </a:p>
+        </p:txBody>
+      </p:sp>
+      <p:sp>
+        <p:nvSpPr>
+          <p:cNvPr id="3" name="内容占位符 2">
+            <a:extLst>
+              <a:ext uri="{FF2B5EF4-FFF2-40B4-BE49-F238E27FC236}">
+                <a16:creationId xmlns:a16="http://schemas.microsoft.com/office/drawing/2014/main" id="{1DCAFE66-5143-4932-86E7-772D349D8740}"/>
+              </a:ext>
+            </a:extLst>
+          </p:cNvPr>
+          <p:cNvSpPr>
+            <a:spLocks noGrp="1"/>
+          </p:cNvSpPr>
+          <p:nvPr>
+            <p:ph idx="1"/>
+          </p:nvPr>
+        </p:nvSpPr>
+        <p:spPr>
+          <a:xfrm>
+            <a:off x="838200" y="932322"/>
+            <a:ext cx="10515600" cy="497697"/>
+          </a:xfrm>
+        </p:spPr>
+        <p:txBody>
+          <a:bodyPr/>
+          <a:lstStyle/>
+          <a:p>
+            <a:pPr marL="0" indent="0">
+              <a:buNone/>
+            </a:pPr>
+            <a:r>
+              <a:rPr lang="zh-CN" altLang="en-US" dirty="0"/>
+              <a:t>小组赛</a:t>
+            </a:r>
+            <a:r>
+              <a:rPr lang="en-US" altLang="zh-CN" dirty="0"/>
+              <a:t>D</a:t>
+            </a:r>
+            <a:r>
+              <a:rPr lang="zh-CN" altLang="en-US" dirty="0"/>
+              <a:t>组  </a:t>
+            </a:r>
+            <a:r>
+              <a:rPr lang="en-US" altLang="zh-CN" sz="2000" dirty="0">
+                <a:solidFill>
+                  <a:srgbClr val="E28EA6"/>
+                </a:solidFill>
+              </a:rPr>
+              <a:t>d</a:t>
+            </a:r>
+            <a:r>
+              <a:rPr lang="zh-CN" altLang="en-US" sz="2000" dirty="0">
+                <a:solidFill>
+                  <a:srgbClr val="E28EA6"/>
+                </a:solidFill>
+              </a:rPr>
+              <a:t>酱微博</a:t>
+            </a:r>
+            <a:r>
+              <a:rPr lang="en-US" altLang="zh-CN" sz="2000" dirty="0">
+                <a:solidFill>
+                  <a:srgbClr val="E28EA6"/>
+                </a:solidFill>
+              </a:rPr>
+              <a:t>ID</a:t>
+            </a:r>
+            <a:r>
+              <a:rPr lang="zh-CN" altLang="en-US" sz="2000" dirty="0">
+                <a:solidFill>
+                  <a:srgbClr val="E28EA6"/>
+                </a:solidFill>
+              </a:rPr>
+              <a:t>总选举</a:t>
+            </a:r>
+            <a:r>
+              <a:rPr lang="en-US" altLang="zh-CN" sz="2000" dirty="0">
+                <a:solidFill>
+                  <a:srgbClr val="E28EA6"/>
+                </a:solidFill>
+              </a:rPr>
+              <a:t>2021</a:t>
+            </a:r>
+            <a:endParaRPr lang="zh-CN" altLang="en-US" dirty="0">
+              <a:solidFill>
+                <a:srgbClr val="E28EA6"/>
+              </a:solidFill>
+            </a:endParaRPr>
+          </a:p>
+        </p:txBody>
+      </p:sp>
+      <p:graphicFrame>
+        <p:nvGraphicFramePr>
+          <p:cNvPr id="4" name="表格 3">
+            <a:extLst>
+              <a:ext uri="{FF2B5EF4-FFF2-40B4-BE49-F238E27FC236}">
+                <a16:creationId xmlns:a16="http://schemas.microsoft.com/office/drawing/2014/main" id="{CB9C674D-C857-4131-AEBA-19C09D3A8C68}"/>
+              </a:ext>
+            </a:extLst>
+          </p:cNvPr>
+          <p:cNvGraphicFramePr>
+            <a:graphicFrameLocks noGrp="1"/>
+          </p:cNvGraphicFramePr>
+          <p:nvPr>
+            <p:extLst>
+              <p:ext uri="{D42A27DB-BD31-4B8C-83A1-F6EECF244321}">
+                <p14:modId xmlns:p14="http://schemas.microsoft.com/office/powerpoint/2010/main" val="3829300455"/>
+              </p:ext>
+            </p:extLst>
+          </p:nvPr>
+        </p:nvGraphicFramePr>
+        <p:xfrm>
+          <a:off x="838200" y="2131060"/>
+          <a:ext cx="10515600" cy="2595880"/>
+        </p:xfrm>
+        <a:graphic>
+          <a:graphicData uri="http://schemas.openxmlformats.org/drawingml/2006/table">
+            <a:tbl>
+              <a:tblPr firstRow="1" bandRow="1">
+                <a:tableStyleId>{3B4B98B0-60AC-42C2-AFA5-B58CD77FA1E5}</a:tableStyleId>
+              </a:tblPr>
+              <a:tblGrid>
+                <a:gridCol w="2628900">
+                  <a:extLst>
+                    <a:ext uri="{9D8B030D-6E8A-4147-A177-3AD203B41FA5}">
+                      <a16:colId xmlns:a16="http://schemas.microsoft.com/office/drawing/2014/main" val="4196562404"/>
+                    </a:ext>
+                  </a:extLst>
+                </a:gridCol>
+                <a:gridCol w="2628900">
+                  <a:extLst>
+                    <a:ext uri="{9D8B030D-6E8A-4147-A177-3AD203B41FA5}">
+                      <a16:colId xmlns:a16="http://schemas.microsoft.com/office/drawing/2014/main" val="3290698310"/>
+                    </a:ext>
+                  </a:extLst>
+                </a:gridCol>
+                <a:gridCol w="2628900">
+                  <a:extLst>
+                    <a:ext uri="{9D8B030D-6E8A-4147-A177-3AD203B41FA5}">
+                      <a16:colId xmlns:a16="http://schemas.microsoft.com/office/drawing/2014/main" val="807860116"/>
+                    </a:ext>
+                  </a:extLst>
+                </a:gridCol>
+                <a:gridCol w="2628900">
+                  <a:extLst>
+                    <a:ext uri="{9D8B030D-6E8A-4147-A177-3AD203B41FA5}">
+                      <a16:colId xmlns:a16="http://schemas.microsoft.com/office/drawing/2014/main" val="1909900190"/>
+                    </a:ext>
+                  </a:extLst>
+                </a:gridCol>
+              </a:tblGrid>
+              <a:tr h="370840">
+                <a:tc>
+                  <a:txBody>
+                    <a:bodyPr/>
+                    <a:lstStyle/>
+                    <a:p>
+                      <a:pPr algn="ctr"/>
+                      <a:r>
+                        <a:rPr lang="zh-CN" altLang="en-US" dirty="0"/>
+                        <a:t>排名</a:t>
+                      </a:r>
+                    </a:p>
+                  </a:txBody>
+                  <a:tcPr/>
+                </a:tc>
+                <a:tc>
+                  <a:txBody>
+                    <a:bodyPr/>
+                    <a:lstStyle/>
+                    <a:p>
+                      <a:pPr algn="ctr"/>
+                      <a:r>
+                        <a:rPr lang="zh-CN" altLang="en-US" dirty="0"/>
+                        <a:t>选手名称</a:t>
+                      </a:r>
+                    </a:p>
+                  </a:txBody>
+                  <a:tcPr/>
+                </a:tc>
+                <a:tc>
+                  <a:txBody>
+                    <a:bodyPr/>
+                    <a:lstStyle/>
+                    <a:p>
+                      <a:pPr algn="ctr"/>
+                      <a:r>
+                        <a:rPr lang="zh-CN" altLang="en-US" dirty="0"/>
+                        <a:t>积分</a:t>
+                      </a:r>
+                    </a:p>
+                  </a:txBody>
+                  <a:tcPr/>
+                </a:tc>
+                <a:tc>
+                  <a:txBody>
+                    <a:bodyPr/>
+                    <a:lstStyle/>
+                    <a:p>
+                      <a:pPr algn="ctr"/>
+                      <a:endParaRPr lang="zh-CN" altLang="en-US" dirty="0"/>
+                    </a:p>
+                  </a:txBody>
+                  <a:tcPr/>
+                </a:tc>
+                <a:extLst>
+                  <a:ext uri="{0D108BD9-81ED-4DB2-BD59-A6C34878D82A}">
+                    <a16:rowId xmlns:a16="http://schemas.microsoft.com/office/drawing/2014/main" val="2329359568"/>
+                  </a:ext>
+                </a:extLst>
+              </a:tr>
+              <a:tr h="370840">
+                <a:tc>
+                  <a:txBody>
+                    <a:bodyPr/>
+                    <a:lstStyle/>
+                    <a:p>
+                      <a:pPr algn="ctr"/>
+                      <a:r>
+                        <a:rPr lang="en-US" altLang="zh-CN" dirty="0"/>
+                        <a:t>1</a:t>
+                      </a:r>
+                      <a:endParaRPr lang="zh-CN" altLang="en-US" dirty="0"/>
+                    </a:p>
+                  </a:txBody>
+                  <a:tcPr/>
+                </a:tc>
+                <a:tc>
+                  <a:txBody>
+                    <a:bodyPr/>
+                    <a:lstStyle/>
+                    <a:p>
+                      <a:pPr algn="ctr"/>
+                      <a:r>
+                        <a:rPr lang="zh-CN" altLang="en-US" sz="1800" b="0" i="0" kern="1200" dirty="0">
+                          <a:solidFill>
+                            <a:schemeClr val="tx1"/>
+                          </a:solidFill>
+                          <a:effectLst/>
+                          <a:latin typeface="+mn-lt"/>
+                          <a:ea typeface="+mn-ea"/>
+                          <a:cs typeface="+mn-cs"/>
+                        </a:rPr>
+                        <a:t>蕾丝被子</a:t>
+                      </a:r>
+                      <a:r>
+                        <a:rPr lang="en-US" altLang="zh-CN" sz="1800" b="0" i="0" kern="1200" dirty="0">
+                          <a:solidFill>
+                            <a:schemeClr val="tx1"/>
+                          </a:solidFill>
+                          <a:effectLst/>
+                          <a:latin typeface="+mn-lt"/>
+                          <a:ea typeface="+mn-ea"/>
+                          <a:cs typeface="+mn-cs"/>
+                        </a:rPr>
+                        <a:t>d</a:t>
+                      </a:r>
+                      <a:r>
+                        <a:rPr lang="zh-CN" altLang="en-US" sz="1800" b="0" i="0" kern="1200" dirty="0">
+                          <a:solidFill>
+                            <a:schemeClr val="tx1"/>
+                          </a:solidFill>
+                          <a:effectLst/>
+                          <a:latin typeface="+mn-lt"/>
+                          <a:ea typeface="+mn-ea"/>
+                          <a:cs typeface="+mn-cs"/>
+                        </a:rPr>
+                        <a:t>酱</a:t>
+                      </a:r>
+                      <a:endParaRPr lang="zh-CN" altLang="en-US" dirty="0"/>
+                    </a:p>
+                  </a:txBody>
+                  <a:tcPr/>
+                </a:tc>
+                <a:tc>
+                  <a:txBody>
+                    <a:bodyPr/>
+                    <a:lstStyle/>
+                    <a:p>
+                      <a:pPr algn="ctr"/>
+                      <a:r>
+                        <a:rPr lang="en-US" altLang="zh-CN" dirty="0"/>
+                        <a:t>14</a:t>
+                      </a:r>
+                      <a:endParaRPr lang="zh-CN" altLang="en-US" dirty="0"/>
+                    </a:p>
+                  </a:txBody>
+                  <a:tcPr/>
+                </a:tc>
+                <a:tc>
+                  <a:txBody>
+                    <a:bodyPr/>
+                    <a:lstStyle/>
+                    <a:p>
+                      <a:pPr algn="ctr"/>
+                      <a:r>
+                        <a:rPr lang="zh-CN" altLang="en-US" dirty="0"/>
+                        <a:t>晋级</a:t>
+                      </a:r>
+                      <a:r>
+                        <a:rPr lang="en-US" altLang="zh-CN" dirty="0"/>
+                        <a:t>1/8</a:t>
+                      </a:r>
+                      <a:r>
+                        <a:rPr lang="zh-CN" altLang="en-US" dirty="0"/>
+                        <a:t>决赛</a:t>
+                      </a:r>
+                    </a:p>
+                  </a:txBody>
+                  <a:tcPr/>
+                </a:tc>
+                <a:extLst>
+                  <a:ext uri="{0D108BD9-81ED-4DB2-BD59-A6C34878D82A}">
+                    <a16:rowId xmlns:a16="http://schemas.microsoft.com/office/drawing/2014/main" val="326775811"/>
+                  </a:ext>
+                </a:extLst>
+              </a:tr>
+              <a:tr h="370840">
+                <a:tc>
+                  <a:txBody>
+                    <a:bodyPr/>
+                    <a:lstStyle/>
+                    <a:p>
+                      <a:pPr algn="ctr"/>
+                      <a:r>
+                        <a:rPr lang="en-US" altLang="zh-CN" dirty="0"/>
+                        <a:t>2</a:t>
+                      </a:r>
+                      <a:endParaRPr lang="zh-CN" altLang="en-US" dirty="0"/>
+                    </a:p>
+                  </a:txBody>
+                  <a:tcPr/>
+                </a:tc>
+                <a:tc>
+                  <a:txBody>
+                    <a:bodyPr/>
+                    <a:lstStyle/>
+                    <a:p>
+                      <a:pPr algn="ctr"/>
+                      <a:r>
+                        <a:rPr lang="zh-CN" altLang="en-US" sz="1800" b="0" i="0" kern="1200" dirty="0">
+                          <a:solidFill>
+                            <a:schemeClr val="tx1"/>
+                          </a:solidFill>
+                          <a:effectLst/>
+                          <a:latin typeface="+mn-lt"/>
+                          <a:ea typeface="+mn-ea"/>
+                          <a:cs typeface="+mn-cs"/>
+                        </a:rPr>
+                        <a:t>蕾丝包孓</a:t>
+                      </a:r>
+                      <a:r>
+                        <a:rPr lang="en-US" altLang="zh-CN" sz="1800" b="0" i="0" kern="1200" dirty="0">
+                          <a:solidFill>
+                            <a:schemeClr val="tx1"/>
+                          </a:solidFill>
+                          <a:effectLst/>
+                          <a:latin typeface="+mn-lt"/>
+                          <a:ea typeface="+mn-ea"/>
+                          <a:cs typeface="+mn-cs"/>
+                        </a:rPr>
+                        <a:t>d</a:t>
+                      </a:r>
+                      <a:r>
+                        <a:rPr lang="zh-CN" altLang="en-US" sz="1800" b="0" i="0" kern="1200" dirty="0">
+                          <a:solidFill>
+                            <a:schemeClr val="tx1"/>
+                          </a:solidFill>
+                          <a:effectLst/>
+                          <a:latin typeface="+mn-lt"/>
+                          <a:ea typeface="+mn-ea"/>
+                          <a:cs typeface="+mn-cs"/>
+                        </a:rPr>
+                        <a:t>酱</a:t>
+                      </a:r>
+                      <a:endParaRPr lang="zh-CN" altLang="en-US" dirty="0"/>
+                    </a:p>
+                  </a:txBody>
+                  <a:tcPr/>
+                </a:tc>
+                <a:tc>
+                  <a:txBody>
+                    <a:bodyPr/>
+                    <a:lstStyle/>
+                    <a:p>
+                      <a:pPr algn="ctr"/>
+                      <a:r>
+                        <a:rPr lang="en-US" altLang="zh-CN" dirty="0"/>
+                        <a:t>6</a:t>
+                      </a:r>
+                      <a:endParaRPr lang="zh-CN" altLang="en-US" dirty="0"/>
+                    </a:p>
+                  </a:txBody>
+                  <a:tcPr/>
+                </a:tc>
+                <a:tc>
+                  <a:txBody>
+                    <a:bodyPr/>
+                    <a:lstStyle/>
+                    <a:p>
+                      <a:pPr marL="0" marR="0" lvl="0" indent="0" algn="ctr" defTabSz="914400" rtl="0" eaLnBrk="1" fontAlgn="auto" latinLnBrk="0" hangingPunct="1">
+                        <a:lnSpc>
+                          <a:spcPct val="100000"/>
+                        </a:lnSpc>
+                        <a:spcBef>
+                          <a:spcPts val="0"/>
+                        </a:spcBef>
+                        <a:spcAft>
+                          <a:spcPts val="0"/>
+                        </a:spcAft>
+                        <a:buClrTx/>
+                        <a:buSzTx/>
+                        <a:buFontTx/>
+                        <a:buNone/>
+                        <a:tabLst/>
+                        <a:defRPr/>
+                      </a:pPr>
+                      <a:r>
+                        <a:rPr lang="zh-CN" altLang="en-US" dirty="0"/>
+                        <a:t>晋级</a:t>
+                      </a:r>
+                      <a:r>
+                        <a:rPr lang="en-US" altLang="zh-CN" dirty="0"/>
+                        <a:t>1/8</a:t>
+                      </a:r>
+                      <a:r>
+                        <a:rPr lang="zh-CN" altLang="en-US" dirty="0"/>
+                        <a:t>决赛</a:t>
+                      </a:r>
+                    </a:p>
+                  </a:txBody>
+                  <a:tcPr/>
+                </a:tc>
+                <a:extLst>
+                  <a:ext uri="{0D108BD9-81ED-4DB2-BD59-A6C34878D82A}">
+                    <a16:rowId xmlns:a16="http://schemas.microsoft.com/office/drawing/2014/main" val="161246582"/>
+                  </a:ext>
+                </a:extLst>
+              </a:tr>
+              <a:tr h="370840">
+                <a:tc>
+                  <a:txBody>
+                    <a:bodyPr/>
+                    <a:lstStyle/>
+                    <a:p>
+                      <a:pPr algn="ctr"/>
+                      <a:r>
+                        <a:rPr lang="en-US" altLang="zh-CN" dirty="0">
+                          <a:solidFill>
+                            <a:schemeClr val="bg1">
+                              <a:lumMod val="50000"/>
+                            </a:schemeClr>
+                          </a:solidFill>
+                        </a:rPr>
+                        <a:t>3</a:t>
+                      </a:r>
+                      <a:endParaRPr lang="zh-CN" altLang="en-US" dirty="0">
+                        <a:solidFill>
+                          <a:schemeClr val="bg1">
+                            <a:lumMod val="50000"/>
+                          </a:schemeClr>
+                        </a:solidFill>
+                      </a:endParaRPr>
+                    </a:p>
+                  </a:txBody>
+                  <a:tcPr/>
+                </a:tc>
+                <a:tc>
+                  <a:txBody>
+                    <a:bodyPr/>
+                    <a:lstStyle/>
+                    <a:p>
+                      <a:pPr algn="ctr"/>
+                      <a:r>
+                        <a:rPr lang="zh-CN" altLang="en-US" sz="1800" b="0" i="0" kern="1200" dirty="0">
+                          <a:solidFill>
+                            <a:schemeClr val="bg1">
+                              <a:lumMod val="50000"/>
+                            </a:schemeClr>
+                          </a:solidFill>
+                          <a:effectLst/>
+                          <a:latin typeface="+mn-lt"/>
+                          <a:ea typeface="+mn-ea"/>
+                          <a:cs typeface="+mn-cs"/>
+                        </a:rPr>
+                        <a:t>蕾丝麻酱糖饼</a:t>
+                      </a:r>
+                      <a:r>
+                        <a:rPr lang="en-US" altLang="zh-CN" sz="1800" b="0" i="0" kern="1200" dirty="0">
+                          <a:solidFill>
+                            <a:schemeClr val="bg1">
+                              <a:lumMod val="50000"/>
+                            </a:schemeClr>
+                          </a:solidFill>
+                          <a:effectLst/>
+                          <a:latin typeface="+mn-lt"/>
+                          <a:ea typeface="+mn-ea"/>
+                          <a:cs typeface="+mn-cs"/>
+                        </a:rPr>
+                        <a:t>d</a:t>
+                      </a:r>
+                      <a:r>
+                        <a:rPr lang="zh-CN" altLang="en-US" sz="1800" b="0" i="0" kern="1200" dirty="0">
+                          <a:solidFill>
+                            <a:schemeClr val="bg1">
+                              <a:lumMod val="50000"/>
+                            </a:schemeClr>
+                          </a:solidFill>
+                          <a:effectLst/>
+                          <a:latin typeface="+mn-lt"/>
+                          <a:ea typeface="+mn-ea"/>
+                          <a:cs typeface="+mn-cs"/>
+                        </a:rPr>
+                        <a:t>酱</a:t>
+                      </a:r>
+                      <a:endParaRPr lang="zh-CN" altLang="en-US" dirty="0">
+                        <a:solidFill>
+                          <a:schemeClr val="bg1">
+                            <a:lumMod val="50000"/>
+                          </a:schemeClr>
+                        </a:solidFill>
+                      </a:endParaRPr>
+                    </a:p>
+                  </a:txBody>
+                  <a:tcPr/>
+                </a:tc>
+                <a:tc>
+                  <a:txBody>
+                    <a:bodyPr/>
+                    <a:lstStyle/>
+                    <a:p>
+                      <a:pPr algn="ctr"/>
+                      <a:r>
+                        <a:rPr lang="en-US" altLang="zh-CN" dirty="0">
+                          <a:solidFill>
+                            <a:schemeClr val="bg1">
+                              <a:lumMod val="50000"/>
+                            </a:schemeClr>
+                          </a:solidFill>
+                        </a:rPr>
+                        <a:t>5</a:t>
+                      </a:r>
+                      <a:endParaRPr lang="zh-CN" altLang="en-US" dirty="0">
+                        <a:solidFill>
+                          <a:schemeClr val="bg1">
+                            <a:lumMod val="50000"/>
+                          </a:schemeClr>
+                        </a:solidFill>
+                      </a:endParaRPr>
+                    </a:p>
+                  </a:txBody>
+                  <a:tcPr/>
+                </a:tc>
+                <a:tc>
+                  <a:txBody>
+                    <a:bodyPr/>
+                    <a:lstStyle/>
+                    <a:p>
+                      <a:pPr algn="ctr"/>
+                      <a:endParaRPr lang="zh-CN" altLang="en-US" dirty="0">
+                        <a:solidFill>
+                          <a:schemeClr val="bg1">
+                            <a:lumMod val="50000"/>
+                          </a:schemeClr>
+                        </a:solidFill>
+                      </a:endParaRPr>
+                    </a:p>
+                  </a:txBody>
+                  <a:tcPr/>
+                </a:tc>
+                <a:extLst>
+                  <a:ext uri="{0D108BD9-81ED-4DB2-BD59-A6C34878D82A}">
+                    <a16:rowId xmlns:a16="http://schemas.microsoft.com/office/drawing/2014/main" val="3051721874"/>
+                  </a:ext>
+                </a:extLst>
+              </a:tr>
+              <a:tr h="370840">
+                <a:tc>
+                  <a:txBody>
+                    <a:bodyPr/>
+                    <a:lstStyle/>
+                    <a:p>
+                      <a:pPr algn="ctr"/>
+                      <a:r>
+                        <a:rPr lang="en-US" altLang="zh-CN" dirty="0">
+                          <a:solidFill>
+                            <a:schemeClr val="bg1">
+                              <a:lumMod val="50000"/>
+                            </a:schemeClr>
+                          </a:solidFill>
+                        </a:rPr>
+                        <a:t>4</a:t>
+                      </a:r>
+                      <a:endParaRPr lang="zh-CN" altLang="en-US" dirty="0">
+                        <a:solidFill>
+                          <a:schemeClr val="bg1">
+                            <a:lumMod val="50000"/>
+                          </a:schemeClr>
+                        </a:solidFill>
+                      </a:endParaRPr>
+                    </a:p>
+                  </a:txBody>
+                  <a:tcPr/>
+                </a:tc>
+                <a:tc>
+                  <a:txBody>
+                    <a:bodyPr/>
+                    <a:lstStyle/>
+                    <a:p>
+                      <a:pPr algn="ctr"/>
+                      <a:r>
+                        <a:rPr lang="zh-CN" altLang="en-US" dirty="0">
+                          <a:solidFill>
+                            <a:schemeClr val="bg1">
+                              <a:lumMod val="50000"/>
+                            </a:schemeClr>
+                          </a:solidFill>
+                        </a:rPr>
+                        <a:t>蕾丝勾子</a:t>
+                      </a:r>
+                      <a:r>
+                        <a:rPr lang="en-US" altLang="zh-CN" dirty="0">
+                          <a:solidFill>
+                            <a:schemeClr val="bg1">
+                              <a:lumMod val="50000"/>
+                            </a:schemeClr>
+                          </a:solidFill>
+                        </a:rPr>
+                        <a:t>d</a:t>
+                      </a:r>
+                      <a:r>
+                        <a:rPr lang="zh-CN" altLang="en-US" dirty="0">
+                          <a:solidFill>
+                            <a:schemeClr val="bg1">
+                              <a:lumMod val="50000"/>
+                            </a:schemeClr>
+                          </a:solidFill>
+                        </a:rPr>
+                        <a:t>酱</a:t>
+                      </a:r>
+                      <a:endParaRPr lang="en-US" altLang="zh-CN" dirty="0">
+                        <a:solidFill>
+                          <a:schemeClr val="bg1">
+                            <a:lumMod val="50000"/>
+                          </a:schemeClr>
+                        </a:solidFill>
+                      </a:endParaRPr>
+                    </a:p>
+                  </a:txBody>
+                  <a:tcPr/>
+                </a:tc>
+                <a:tc>
+                  <a:txBody>
+                    <a:bodyPr/>
+                    <a:lstStyle/>
+                    <a:p>
+                      <a:pPr algn="ctr"/>
+                      <a:r>
+                        <a:rPr lang="en-US" altLang="zh-CN" dirty="0">
+                          <a:solidFill>
+                            <a:schemeClr val="bg1">
+                              <a:lumMod val="50000"/>
+                            </a:schemeClr>
+                          </a:solidFill>
+                        </a:rPr>
+                        <a:t>3</a:t>
+                      </a:r>
+                      <a:endParaRPr lang="zh-CN" altLang="en-US" dirty="0">
+                        <a:solidFill>
+                          <a:schemeClr val="bg1">
+                            <a:lumMod val="50000"/>
+                          </a:schemeClr>
+                        </a:solidFill>
+                      </a:endParaRPr>
+                    </a:p>
+                  </a:txBody>
+                  <a:tcPr/>
+                </a:tc>
+                <a:tc>
+                  <a:txBody>
+                    <a:bodyPr/>
+                    <a:lstStyle/>
+                    <a:p>
+                      <a:pPr algn="ctr"/>
+                      <a:endParaRPr lang="zh-CN" altLang="en-US" dirty="0">
+                        <a:solidFill>
+                          <a:schemeClr val="bg1">
+                            <a:lumMod val="50000"/>
+                          </a:schemeClr>
+                        </a:solidFill>
+                      </a:endParaRPr>
+                    </a:p>
+                  </a:txBody>
+                  <a:tcPr/>
+                </a:tc>
+                <a:extLst>
+                  <a:ext uri="{0D108BD9-81ED-4DB2-BD59-A6C34878D82A}">
+                    <a16:rowId xmlns:a16="http://schemas.microsoft.com/office/drawing/2014/main" val="1721441378"/>
+                  </a:ext>
+                </a:extLst>
+              </a:tr>
+              <a:tr h="370840">
+                <a:tc>
+                  <a:txBody>
+                    <a:bodyPr/>
+                    <a:lstStyle/>
+                    <a:p>
+                      <a:pPr algn="ctr"/>
+                      <a:r>
+                        <a:rPr lang="en-US" altLang="zh-CN" dirty="0">
+                          <a:solidFill>
+                            <a:schemeClr val="bg1">
+                              <a:lumMod val="50000"/>
+                            </a:schemeClr>
+                          </a:solidFill>
+                        </a:rPr>
+                        <a:t>4</a:t>
+                      </a:r>
+                      <a:endParaRPr lang="zh-CN" altLang="en-US" dirty="0">
+                        <a:solidFill>
+                          <a:schemeClr val="bg1">
+                            <a:lumMod val="50000"/>
+                          </a:schemeClr>
+                        </a:solidFill>
+                      </a:endParaRPr>
+                    </a:p>
+                  </a:txBody>
+                  <a:tcPr/>
+                </a:tc>
+                <a:tc>
+                  <a:txBody>
+                    <a:bodyPr/>
+                    <a:lstStyle/>
+                    <a:p>
+                      <a:pPr algn="ctr"/>
+                      <a:r>
+                        <a:rPr lang="zh-CN" altLang="en-US" dirty="0">
+                          <a:solidFill>
+                            <a:schemeClr val="bg1">
+                              <a:lumMod val="50000"/>
+                            </a:schemeClr>
+                          </a:solidFill>
+                        </a:rPr>
+                        <a:t>蕾丝汤圆</a:t>
+                      </a:r>
+                      <a:r>
+                        <a:rPr lang="en-US" altLang="zh-CN" dirty="0">
+                          <a:solidFill>
+                            <a:schemeClr val="bg1">
+                              <a:lumMod val="50000"/>
+                            </a:schemeClr>
+                          </a:solidFill>
+                        </a:rPr>
+                        <a:t>d</a:t>
+                      </a:r>
+                      <a:r>
+                        <a:rPr lang="zh-CN" altLang="en-US" dirty="0">
+                          <a:solidFill>
+                            <a:schemeClr val="bg1">
+                              <a:lumMod val="50000"/>
+                            </a:schemeClr>
+                          </a:solidFill>
+                        </a:rPr>
+                        <a:t>酱</a:t>
+                      </a:r>
+                    </a:p>
+                  </a:txBody>
+                  <a:tcPr/>
+                </a:tc>
+                <a:tc>
+                  <a:txBody>
+                    <a:bodyPr/>
+                    <a:lstStyle/>
+                    <a:p>
+                      <a:pPr algn="ctr"/>
+                      <a:r>
+                        <a:rPr lang="en-US" altLang="zh-CN" dirty="0">
+                          <a:solidFill>
+                            <a:schemeClr val="bg1">
+                              <a:lumMod val="50000"/>
+                            </a:schemeClr>
+                          </a:solidFill>
+                        </a:rPr>
+                        <a:t>3</a:t>
+                      </a:r>
+                      <a:endParaRPr lang="zh-CN" altLang="en-US" dirty="0">
+                        <a:solidFill>
+                          <a:schemeClr val="bg1">
+                            <a:lumMod val="50000"/>
+                          </a:schemeClr>
+                        </a:solidFill>
+                      </a:endParaRPr>
+                    </a:p>
+                  </a:txBody>
+                  <a:tcPr/>
+                </a:tc>
+                <a:tc>
+                  <a:txBody>
+                    <a:bodyPr/>
+                    <a:lstStyle/>
+                    <a:p>
+                      <a:pPr algn="ctr"/>
+                      <a:endParaRPr lang="zh-CN" altLang="en-US" dirty="0">
+                        <a:solidFill>
+                          <a:schemeClr val="bg1">
+                            <a:lumMod val="50000"/>
+                          </a:schemeClr>
+                        </a:solidFill>
+                      </a:endParaRPr>
+                    </a:p>
+                  </a:txBody>
+                  <a:tcPr/>
+                </a:tc>
+                <a:extLst>
+                  <a:ext uri="{0D108BD9-81ED-4DB2-BD59-A6C34878D82A}">
+                    <a16:rowId xmlns:a16="http://schemas.microsoft.com/office/drawing/2014/main" val="2048286747"/>
+                  </a:ext>
+                </a:extLst>
+              </a:tr>
+              <a:tr h="370840">
+                <a:tc>
+                  <a:txBody>
+                    <a:bodyPr/>
+                    <a:lstStyle/>
+                    <a:p>
+                      <a:pPr algn="ctr"/>
+                      <a:r>
+                        <a:rPr lang="en-US" altLang="zh-CN" dirty="0">
+                          <a:solidFill>
+                            <a:schemeClr val="bg1">
+                              <a:lumMod val="50000"/>
+                            </a:schemeClr>
+                          </a:solidFill>
+                        </a:rPr>
+                        <a:t>6</a:t>
+                      </a:r>
+                      <a:endParaRPr lang="zh-CN" altLang="en-US" dirty="0">
+                        <a:solidFill>
+                          <a:schemeClr val="bg1">
+                            <a:lumMod val="50000"/>
+                          </a:schemeClr>
+                        </a:solidFill>
+                      </a:endParaRPr>
+                    </a:p>
+                  </a:txBody>
+                  <a:tcPr/>
+                </a:tc>
+                <a:tc>
+                  <a:txBody>
+                    <a:bodyPr/>
+                    <a:lstStyle/>
+                    <a:p>
+                      <a:pPr algn="ctr"/>
+                      <a:r>
+                        <a:rPr lang="zh-CN" altLang="en-US" dirty="0">
+                          <a:solidFill>
+                            <a:schemeClr val="bg1">
+                              <a:lumMod val="50000"/>
+                            </a:schemeClr>
+                          </a:solidFill>
+                        </a:rPr>
+                        <a:t>法蕾缝纫机</a:t>
+                      </a:r>
+                      <a:r>
+                        <a:rPr lang="en-US" altLang="zh-CN" dirty="0">
+                          <a:solidFill>
+                            <a:schemeClr val="bg1">
+                              <a:lumMod val="50000"/>
+                            </a:schemeClr>
+                          </a:solidFill>
+                        </a:rPr>
+                        <a:t>d</a:t>
+                      </a:r>
+                      <a:r>
+                        <a:rPr lang="zh-CN" altLang="en-US" dirty="0">
+                          <a:solidFill>
+                            <a:schemeClr val="bg1">
+                              <a:lumMod val="50000"/>
+                            </a:schemeClr>
+                          </a:solidFill>
+                        </a:rPr>
+                        <a:t>酱</a:t>
+                      </a:r>
+                    </a:p>
+                  </a:txBody>
+                  <a:tcPr/>
+                </a:tc>
+                <a:tc>
+                  <a:txBody>
+                    <a:bodyPr/>
+                    <a:lstStyle/>
+                    <a:p>
+                      <a:pPr algn="ctr"/>
+                      <a:r>
+                        <a:rPr lang="en-US" altLang="zh-CN" dirty="0">
+                          <a:solidFill>
+                            <a:schemeClr val="bg1">
+                              <a:lumMod val="50000"/>
+                            </a:schemeClr>
+                          </a:solidFill>
+                        </a:rPr>
+                        <a:t>2</a:t>
+                      </a:r>
+                      <a:endParaRPr lang="zh-CN" altLang="en-US" dirty="0">
+                        <a:solidFill>
+                          <a:schemeClr val="bg1">
+                            <a:lumMod val="50000"/>
+                          </a:schemeClr>
+                        </a:solidFill>
+                      </a:endParaRPr>
+                    </a:p>
+                  </a:txBody>
+                  <a:tcPr/>
+                </a:tc>
+                <a:tc>
+                  <a:txBody>
+                    <a:bodyPr/>
+                    <a:lstStyle/>
+                    <a:p>
+                      <a:pPr algn="ctr"/>
+                      <a:endParaRPr lang="zh-CN" altLang="en-US" dirty="0">
+                        <a:solidFill>
+                          <a:schemeClr val="bg1">
+                            <a:lumMod val="50000"/>
+                          </a:schemeClr>
+                        </a:solidFill>
+                      </a:endParaRPr>
+                    </a:p>
+                  </a:txBody>
+                  <a:tcPr/>
+                </a:tc>
+                <a:extLst>
+                  <a:ext uri="{0D108BD9-81ED-4DB2-BD59-A6C34878D82A}">
+                    <a16:rowId xmlns:a16="http://schemas.microsoft.com/office/drawing/2014/main" val="3714060895"/>
+                  </a:ext>
+                </a:extLst>
+              </a:tr>
+            </a:tbl>
+          </a:graphicData>
+        </a:graphic>
+      </p:graphicFrame>
+    </p:spTree>
+    <p:extLst>
+      <p:ext uri="{BB962C8B-B14F-4D97-AF65-F5344CB8AC3E}">
+        <p14:creationId xmlns:p14="http://schemas.microsoft.com/office/powerpoint/2010/main" val="218996177"/>
+      </p:ext>
+    </p:extLst>
+  </p:cSld>
+  <p:clrMapOvr>
+    <a:masterClrMapping/>
+  </p:clrMapOvr>
+</p:sld>
+</file>
+
+<file path=ppt/slides/slide6.xml><?xml version="1.0" encoding="utf-8"?>
 <p:sld xmlns:a="http://schemas.openxmlformats.org/drawingml/2006/main" xmlns:r="http://schemas.openxmlformats.org/officeDocument/2006/relationships" xmlns:p="http://schemas.openxmlformats.org/presentationml/2006/main">
   <p:cSld>
     <p:spTree>
@@ -10798,7 +13693,7 @@
 </p:sld>
 </file>
 
-<file path=ppt/slides/slide6.xml><?xml version="1.0" encoding="utf-8"?>
+<file path=ppt/slides/slide7.xml><?xml version="1.0" encoding="utf-8"?>
 <p:sld xmlns:a="http://schemas.openxmlformats.org/drawingml/2006/main" xmlns:r="http://schemas.openxmlformats.org/officeDocument/2006/relationships" xmlns:p="http://schemas.openxmlformats.org/presentationml/2006/main">
   <p:cSld>
     <p:spTree>
@@ -11636,7 +14531,7 @@
 </p:sld>
 </file>
 
-<file path=ppt/slides/slide7.xml><?xml version="1.0" encoding="utf-8"?>
+<file path=ppt/slides/slide8.xml><?xml version="1.0" encoding="utf-8"?>
 <p:sld xmlns:a="http://schemas.openxmlformats.org/drawingml/2006/main" xmlns:r="http://schemas.openxmlformats.org/officeDocument/2006/relationships" xmlns:p="http://schemas.openxmlformats.org/presentationml/2006/main">
   <p:cSld>
     <p:spTree>
@@ -12484,475 +15379,6 @@
 </p:sld>
 </file>
 
-<file path=ppt/slides/slide8.xml><?xml version="1.0" encoding="utf-8"?>
-<p:sld xmlns:a="http://schemas.openxmlformats.org/drawingml/2006/main" xmlns:r="http://schemas.openxmlformats.org/officeDocument/2006/relationships" xmlns:p="http://schemas.openxmlformats.org/presentationml/2006/main">
-  <p:cSld>
-    <p:spTree>
-      <p:nvGrpSpPr>
-        <p:cNvPr id="1" name=""/>
-        <p:cNvGrpSpPr/>
-        <p:nvPr/>
-      </p:nvGrpSpPr>
-      <p:grpSpPr>
-        <a:xfrm>
-          <a:off x="0" y="0"/>
-          <a:ext cx="0" cy="0"/>
-          <a:chOff x="0" y="0"/>
-          <a:chExt cx="0" cy="0"/>
-        </a:xfrm>
-      </p:grpSpPr>
-      <p:sp>
-        <p:nvSpPr>
-          <p:cNvPr id="2" name="标题 1">
-            <a:extLst>
-              <a:ext uri="{FF2B5EF4-FFF2-40B4-BE49-F238E27FC236}">
-                <a16:creationId xmlns:a16="http://schemas.microsoft.com/office/drawing/2014/main" id="{B0833462-3DC5-40B2-92C8-322D2048EE7F}"/>
-              </a:ext>
-            </a:extLst>
-          </p:cNvPr>
-          <p:cNvSpPr>
-            <a:spLocks noGrp="1"/>
-          </p:cNvSpPr>
-          <p:nvPr>
-            <p:ph type="title"/>
-          </p:nvPr>
-        </p:nvSpPr>
-        <p:spPr>
-          <a:xfrm>
-            <a:off x="706271" y="5182784"/>
-            <a:ext cx="10515600" cy="1325563"/>
-          </a:xfrm>
-        </p:spPr>
-        <p:txBody>
-          <a:bodyPr/>
-          <a:lstStyle/>
-          <a:p>
-            <a:r>
-              <a:rPr lang="en-US" altLang="zh-CN" dirty="0">
-                <a:solidFill>
-                  <a:srgbClr val="E28EA6"/>
-                </a:solidFill>
-              </a:rPr>
-              <a:t>#</a:t>
-            </a:r>
-            <a:r>
-              <a:rPr lang="en-US" altLang="zh-CN" dirty="0"/>
-              <a:t> </a:t>
-            </a:r>
-            <a:r>
-              <a:rPr lang="en-US" altLang="zh-CN" dirty="0">
-                <a:solidFill>
-                  <a:srgbClr val="E28EA6"/>
-                </a:solidFill>
-              </a:rPr>
-              <a:t>LaceDuvetWeiboIDElection2021</a:t>
-            </a:r>
-            <a:endParaRPr lang="zh-CN" altLang="en-US" dirty="0">
-              <a:solidFill>
-                <a:srgbClr val="E28EA6"/>
-              </a:solidFill>
-            </a:endParaRPr>
-          </a:p>
-        </p:txBody>
-      </p:sp>
-      <p:sp>
-        <p:nvSpPr>
-          <p:cNvPr id="3" name="内容占位符 2">
-            <a:extLst>
-              <a:ext uri="{FF2B5EF4-FFF2-40B4-BE49-F238E27FC236}">
-                <a16:creationId xmlns:a16="http://schemas.microsoft.com/office/drawing/2014/main" id="{1DCAFE66-5143-4932-86E7-772D349D8740}"/>
-              </a:ext>
-            </a:extLst>
-          </p:cNvPr>
-          <p:cNvSpPr>
-            <a:spLocks noGrp="1"/>
-          </p:cNvSpPr>
-          <p:nvPr>
-            <p:ph idx="1"/>
-          </p:nvPr>
-        </p:nvSpPr>
-        <p:spPr>
-          <a:xfrm>
-            <a:off x="838200" y="932322"/>
-            <a:ext cx="10515600" cy="497697"/>
-          </a:xfrm>
-        </p:spPr>
-        <p:txBody>
-          <a:bodyPr/>
-          <a:lstStyle/>
-          <a:p>
-            <a:pPr marL="0" indent="0">
-              <a:buNone/>
-            </a:pPr>
-            <a:r>
-              <a:rPr lang="zh-CN" altLang="en-US" dirty="0"/>
-              <a:t>明日赛程  </a:t>
-            </a:r>
-            <a:r>
-              <a:rPr lang="en-US" altLang="zh-CN" sz="2000" dirty="0">
-                <a:solidFill>
-                  <a:srgbClr val="E28EA6"/>
-                </a:solidFill>
-              </a:rPr>
-              <a:t>d</a:t>
-            </a:r>
-            <a:r>
-              <a:rPr lang="zh-CN" altLang="en-US" sz="2000" dirty="0">
-                <a:solidFill>
-                  <a:srgbClr val="E28EA6"/>
-                </a:solidFill>
-              </a:rPr>
-              <a:t>酱微博</a:t>
-            </a:r>
-            <a:r>
-              <a:rPr lang="en-US" altLang="zh-CN" sz="2000" dirty="0">
-                <a:solidFill>
-                  <a:srgbClr val="E28EA6"/>
-                </a:solidFill>
-              </a:rPr>
-              <a:t>ID</a:t>
-            </a:r>
-            <a:r>
-              <a:rPr lang="zh-CN" altLang="en-US" sz="2000" dirty="0">
-                <a:solidFill>
-                  <a:srgbClr val="E28EA6"/>
-                </a:solidFill>
-              </a:rPr>
-              <a:t>总选举</a:t>
-            </a:r>
-            <a:r>
-              <a:rPr lang="en-US" altLang="zh-CN" sz="2000" dirty="0">
-                <a:solidFill>
-                  <a:srgbClr val="E28EA6"/>
-                </a:solidFill>
-              </a:rPr>
-              <a:t>2021</a:t>
-            </a:r>
-            <a:endParaRPr lang="zh-CN" altLang="en-US" dirty="0"/>
-          </a:p>
-        </p:txBody>
-      </p:sp>
-      <p:sp>
-        <p:nvSpPr>
-          <p:cNvPr id="6" name="文本框 5">
-            <a:extLst>
-              <a:ext uri="{FF2B5EF4-FFF2-40B4-BE49-F238E27FC236}">
-                <a16:creationId xmlns:a16="http://schemas.microsoft.com/office/drawing/2014/main" id="{FB0B0FEF-82D8-4EFB-8BB3-82AAA2679CC5}"/>
-              </a:ext>
-            </a:extLst>
-          </p:cNvPr>
-          <p:cNvSpPr txBox="1"/>
-          <p:nvPr/>
-        </p:nvSpPr>
-        <p:spPr>
-          <a:xfrm>
-            <a:off x="2295311" y="1806186"/>
-            <a:ext cx="2264276" cy="707886"/>
-          </a:xfrm>
-          <a:prstGeom prst="rect">
-            <a:avLst/>
-          </a:prstGeom>
-          <a:noFill/>
-        </p:spPr>
-        <p:txBody>
-          <a:bodyPr wrap="square">
-            <a:spAutoFit/>
-          </a:bodyPr>
-          <a:lstStyle/>
-          <a:p>
-            <a:r>
-              <a:rPr lang="en-US" altLang="zh-CN" sz="2400" dirty="0">
-                <a:solidFill>
-                  <a:srgbClr val="E28EA6"/>
-                </a:solidFill>
-              </a:rPr>
-              <a:t>Group </a:t>
-            </a:r>
-            <a:r>
-              <a:rPr lang="en-US" altLang="zh-CN" sz="4000" dirty="0">
-                <a:solidFill>
-                  <a:srgbClr val="E28EA6"/>
-                </a:solidFill>
-              </a:rPr>
-              <a:t>D</a:t>
-            </a:r>
-            <a:endParaRPr lang="zh-CN" altLang="en-US" sz="4000" dirty="0">
-              <a:solidFill>
-                <a:srgbClr val="E28EA6"/>
-              </a:solidFill>
-            </a:endParaRPr>
-          </a:p>
-        </p:txBody>
-      </p:sp>
-      <p:sp>
-        <p:nvSpPr>
-          <p:cNvPr id="8" name="文本框 7">
-            <a:extLst>
-              <a:ext uri="{FF2B5EF4-FFF2-40B4-BE49-F238E27FC236}">
-                <a16:creationId xmlns:a16="http://schemas.microsoft.com/office/drawing/2014/main" id="{B2169444-FA91-4707-B72F-8931B89896C7}"/>
-              </a:ext>
-            </a:extLst>
-          </p:cNvPr>
-          <p:cNvSpPr txBox="1"/>
-          <p:nvPr/>
-        </p:nvSpPr>
-        <p:spPr>
-          <a:xfrm>
-            <a:off x="2295311" y="2898402"/>
-            <a:ext cx="2637347" cy="1938992"/>
-          </a:xfrm>
-          <a:prstGeom prst="rect">
-            <a:avLst/>
-          </a:prstGeom>
-          <a:noFill/>
-        </p:spPr>
-        <p:txBody>
-          <a:bodyPr wrap="square">
-            <a:spAutoFit/>
-          </a:bodyPr>
-          <a:lstStyle/>
-          <a:p>
-            <a:r>
-              <a:rPr lang="zh-CN" altLang="en-US" sz="2000" dirty="0"/>
-              <a:t>蕾丝勾子</a:t>
-            </a:r>
-            <a:r>
-              <a:rPr lang="en-US" altLang="zh-CN" sz="2000" dirty="0"/>
-              <a:t>d</a:t>
-            </a:r>
-            <a:r>
-              <a:rPr lang="zh-CN" altLang="en-US" sz="2000" dirty="0"/>
-              <a:t>酱</a:t>
-            </a:r>
-          </a:p>
-          <a:p>
-            <a:r>
-              <a:rPr lang="zh-CN" altLang="en-US" sz="2000" dirty="0"/>
-              <a:t>法蕾缝纫机</a:t>
-            </a:r>
-            <a:r>
-              <a:rPr lang="en-US" altLang="zh-CN" sz="2000" dirty="0"/>
-              <a:t>d</a:t>
-            </a:r>
-            <a:r>
-              <a:rPr lang="zh-CN" altLang="en-US" sz="2000" dirty="0"/>
-              <a:t>酱</a:t>
-            </a:r>
-          </a:p>
-          <a:p>
-            <a:r>
-              <a:rPr lang="zh-CN" altLang="en-US" sz="2000" dirty="0"/>
-              <a:t>蕾丝麻酱糖饼</a:t>
-            </a:r>
-            <a:r>
-              <a:rPr lang="en-US" altLang="zh-CN" sz="2000" dirty="0"/>
-              <a:t>d</a:t>
-            </a:r>
-            <a:r>
-              <a:rPr lang="zh-CN" altLang="en-US" sz="2000" dirty="0"/>
-              <a:t>酱</a:t>
-            </a:r>
-          </a:p>
-          <a:p>
-            <a:r>
-              <a:rPr lang="zh-CN" altLang="en-US" sz="2000" dirty="0"/>
-              <a:t>蕾丝被子</a:t>
-            </a:r>
-            <a:r>
-              <a:rPr lang="en-US" altLang="zh-CN" sz="2000" dirty="0"/>
-              <a:t>d</a:t>
-            </a:r>
-            <a:r>
-              <a:rPr lang="zh-CN" altLang="en-US" sz="2000" dirty="0"/>
-              <a:t>酱</a:t>
-            </a:r>
-          </a:p>
-          <a:p>
-            <a:r>
-              <a:rPr lang="zh-CN" altLang="en-US" sz="2000" dirty="0"/>
-              <a:t>蕾丝汤圆</a:t>
-            </a:r>
-            <a:r>
-              <a:rPr lang="en-US" altLang="zh-CN" sz="2000" dirty="0"/>
-              <a:t>d</a:t>
-            </a:r>
-            <a:r>
-              <a:rPr lang="zh-CN" altLang="en-US" sz="2000" dirty="0"/>
-              <a:t>酱</a:t>
-            </a:r>
-          </a:p>
-          <a:p>
-            <a:r>
-              <a:rPr lang="zh-CN" altLang="en-US" sz="2000" dirty="0"/>
-              <a:t>蕾丝包孓</a:t>
-            </a:r>
-            <a:r>
-              <a:rPr lang="en-US" altLang="zh-CN" sz="2000" dirty="0"/>
-              <a:t>d</a:t>
-            </a:r>
-            <a:r>
-              <a:rPr lang="zh-CN" altLang="en-US" sz="2000" dirty="0"/>
-              <a:t>酱</a:t>
-            </a:r>
-          </a:p>
-        </p:txBody>
-      </p:sp>
-      <p:sp>
-        <p:nvSpPr>
-          <p:cNvPr id="9" name="文本框 8">
-            <a:extLst>
-              <a:ext uri="{FF2B5EF4-FFF2-40B4-BE49-F238E27FC236}">
-                <a16:creationId xmlns:a16="http://schemas.microsoft.com/office/drawing/2014/main" id="{C5DE88D4-8D0E-4118-A8D7-8C7F4E9E382B}"/>
-              </a:ext>
-            </a:extLst>
-          </p:cNvPr>
-          <p:cNvSpPr txBox="1"/>
-          <p:nvPr/>
-        </p:nvSpPr>
-        <p:spPr>
-          <a:xfrm>
-            <a:off x="6775595" y="2898402"/>
-            <a:ext cx="2637347" cy="1631216"/>
-          </a:xfrm>
-          <a:prstGeom prst="rect">
-            <a:avLst/>
-          </a:prstGeom>
-          <a:noFill/>
-        </p:spPr>
-        <p:txBody>
-          <a:bodyPr wrap="square">
-            <a:spAutoFit/>
-          </a:bodyPr>
-          <a:lstStyle/>
-          <a:p>
-            <a:r>
-              <a:rPr lang="zh-CN" altLang="en-US" sz="2000" dirty="0"/>
-              <a:t>蕾丝丸子</a:t>
-            </a:r>
-            <a:r>
-              <a:rPr lang="en-US" altLang="zh-CN" sz="2000" dirty="0"/>
-              <a:t>d</a:t>
-            </a:r>
-            <a:r>
-              <a:rPr lang="zh-CN" altLang="en-US" sz="2000" dirty="0"/>
-              <a:t>酱</a:t>
-            </a:r>
-          </a:p>
-          <a:p>
-            <a:r>
-              <a:rPr lang="zh-CN" altLang="en-US" sz="2000" dirty="0"/>
-              <a:t>蕾包子丝</a:t>
-            </a:r>
-            <a:r>
-              <a:rPr lang="en-US" altLang="zh-CN" sz="2000" dirty="0"/>
-              <a:t>d</a:t>
-            </a:r>
-            <a:r>
-              <a:rPr lang="zh-CN" altLang="en-US" sz="2000" dirty="0"/>
-              <a:t>酱</a:t>
-            </a:r>
-          </a:p>
-          <a:p>
-            <a:r>
-              <a:rPr lang="zh-CN" altLang="en-US" sz="2000" dirty="0"/>
-              <a:t>蕾丝夹馍蘸大酱</a:t>
-            </a:r>
-          </a:p>
-          <a:p>
-            <a:r>
-              <a:rPr lang="zh-CN" altLang="en-US" sz="2000" dirty="0"/>
-              <a:t>蕾丝叉烧包</a:t>
-            </a:r>
-            <a:r>
-              <a:rPr lang="en-US" altLang="zh-CN" sz="2000" dirty="0"/>
-              <a:t>d</a:t>
-            </a:r>
-            <a:r>
-              <a:rPr lang="zh-CN" altLang="en-US" sz="2000" dirty="0"/>
-              <a:t>酱</a:t>
-            </a:r>
-          </a:p>
-          <a:p>
-            <a:r>
-              <a:rPr lang="zh-CN" altLang="en-US" sz="2000" dirty="0"/>
-              <a:t>蕾丝粽子</a:t>
-            </a:r>
-            <a:r>
-              <a:rPr lang="en-US" altLang="zh-CN" sz="2000" dirty="0"/>
-              <a:t>d</a:t>
-            </a:r>
-            <a:r>
-              <a:rPr lang="zh-CN" altLang="en-US" sz="2000" dirty="0"/>
-              <a:t>酱</a:t>
-            </a:r>
-          </a:p>
-        </p:txBody>
-      </p:sp>
-      <p:sp>
-        <p:nvSpPr>
-          <p:cNvPr id="10" name="文本框 9">
-            <a:extLst>
-              <a:ext uri="{FF2B5EF4-FFF2-40B4-BE49-F238E27FC236}">
-                <a16:creationId xmlns:a16="http://schemas.microsoft.com/office/drawing/2014/main" id="{FF6CA720-280A-49F1-99B3-4C2066D81A71}"/>
-              </a:ext>
-            </a:extLst>
-          </p:cNvPr>
-          <p:cNvSpPr txBox="1"/>
-          <p:nvPr/>
-        </p:nvSpPr>
-        <p:spPr>
-          <a:xfrm>
-            <a:off x="6775595" y="1806186"/>
-            <a:ext cx="2264276" cy="707886"/>
-          </a:xfrm>
-          <a:prstGeom prst="rect">
-            <a:avLst/>
-          </a:prstGeom>
-          <a:noFill/>
-        </p:spPr>
-        <p:txBody>
-          <a:bodyPr wrap="square">
-            <a:spAutoFit/>
-          </a:bodyPr>
-          <a:lstStyle/>
-          <a:p>
-            <a:r>
-              <a:rPr lang="en-US" altLang="zh-CN" sz="2400" dirty="0">
-                <a:solidFill>
-                  <a:srgbClr val="E28EA6"/>
-                </a:solidFill>
-              </a:rPr>
-              <a:t>Group </a:t>
-            </a:r>
-            <a:r>
-              <a:rPr lang="en-US" altLang="zh-CN" sz="4000" dirty="0">
-                <a:solidFill>
-                  <a:srgbClr val="E28EA6"/>
-                </a:solidFill>
-              </a:rPr>
-              <a:t>H</a:t>
-            </a:r>
-            <a:endParaRPr lang="zh-CN" altLang="en-US" sz="4000" dirty="0">
-              <a:solidFill>
-                <a:srgbClr val="E28EA6"/>
-              </a:solidFill>
-            </a:endParaRPr>
-          </a:p>
-        </p:txBody>
-      </p:sp>
-    </p:spTree>
-    <p:extLst>
-      <p:ext uri="{BB962C8B-B14F-4D97-AF65-F5344CB8AC3E}">
-        <p14:creationId xmlns:p14="http://schemas.microsoft.com/office/powerpoint/2010/main" val="243769693"/>
-      </p:ext>
-    </p:extLst>
-  </p:cSld>
-  <p:clrMapOvr>
-    <a:masterClrMapping/>
-  </p:clrMapOvr>
-</p:sld>
-</file>
-
 <file path=ppt/slides/slide9.xml><?xml version="1.0" encoding="utf-8"?>
 <p:sld xmlns:a="http://schemas.openxmlformats.org/drawingml/2006/main" xmlns:r="http://schemas.openxmlformats.org/officeDocument/2006/relationships" xmlns:p="http://schemas.openxmlformats.org/presentationml/2006/main">
   <p:cSld>
@@ -13055,15 +15481,15 @@
             </a:pPr>
             <a:r>
               <a:rPr lang="zh-CN" altLang="en-US" dirty="0"/>
-              <a:t>前</a:t>
+              <a:t>小组赛</a:t>
             </a:r>
             <a:r>
               <a:rPr lang="en-US" altLang="zh-CN" dirty="0"/>
-              <a:t>16</a:t>
+              <a:t>H</a:t>
             </a:r>
             <a:r>
               <a:rPr lang="zh-CN" altLang="en-US" dirty="0"/>
-              <a:t>名 </a:t>
+              <a:t>组  </a:t>
             </a:r>
             <a:r>
               <a:rPr lang="en-US" altLang="zh-CN" sz="2000" dirty="0">
@@ -13109,1042 +15535,706 @@
           </a:p>
         </p:txBody>
       </p:sp>
-      <p:sp>
-        <p:nvSpPr>
-          <p:cNvPr id="11" name="矩形 10">
-            <a:extLst>
-              <a:ext uri="{FF2B5EF4-FFF2-40B4-BE49-F238E27FC236}">
-                <a16:creationId xmlns:a16="http://schemas.microsoft.com/office/drawing/2014/main" id="{F006DACE-D445-4EBE-9D39-91A75A40F672}"/>
-              </a:ext>
-            </a:extLst>
-          </p:cNvPr>
-          <p:cNvSpPr/>
-          <p:nvPr/>
-        </p:nvSpPr>
-        <p:spPr>
-          <a:xfrm>
-            <a:off x="1187334" y="2111696"/>
-            <a:ext cx="1847563" cy="286158"/>
-          </a:xfrm>
-          <a:prstGeom prst="rect">
-            <a:avLst/>
-          </a:prstGeom>
-          <a:solidFill>
-            <a:srgbClr val="FFB3B3">
-              <a:alpha val="50000"/>
-            </a:srgbClr>
-          </a:solidFill>
-          <a:ln>
-            <a:solidFill>
-              <a:srgbClr val="E28EA6"/>
-            </a:solidFill>
-          </a:ln>
-        </p:spPr>
-        <p:style>
-          <a:lnRef idx="2">
-            <a:schemeClr val="accent3">
-              <a:shade val="50000"/>
-            </a:schemeClr>
-          </a:lnRef>
-          <a:fillRef idx="1">
-            <a:schemeClr val="accent3"/>
-          </a:fillRef>
-          <a:effectRef idx="0">
-            <a:schemeClr val="accent3"/>
-          </a:effectRef>
-          <a:fontRef idx="minor">
-            <a:schemeClr val="lt1"/>
-          </a:fontRef>
-        </p:style>
-        <p:txBody>
-          <a:bodyPr rtlCol="0" anchor="ctr"/>
-          <a:lstStyle/>
-          <a:p>
-            <a:pPr algn="ctr"/>
-            <a:r>
-              <a:rPr lang="zh-CN" altLang="en-US" sz="1400" dirty="0"/>
-              <a:t>蕾丝卤煮</a:t>
-            </a:r>
-            <a:r>
-              <a:rPr lang="en-US" altLang="zh-CN" sz="1400" dirty="0"/>
-              <a:t>d</a:t>
-            </a:r>
-            <a:r>
-              <a:rPr lang="zh-CN" altLang="en-US" sz="1400" dirty="0"/>
-              <a:t>酱</a:t>
-            </a:r>
-          </a:p>
-        </p:txBody>
-      </p:sp>
-      <p:sp>
-        <p:nvSpPr>
-          <p:cNvPr id="12" name="矩形 11">
-            <a:extLst>
-              <a:ext uri="{FF2B5EF4-FFF2-40B4-BE49-F238E27FC236}">
-                <a16:creationId xmlns:a16="http://schemas.microsoft.com/office/drawing/2014/main" id="{DD97EF9F-B364-4E44-9C8D-DD21BE39271D}"/>
-              </a:ext>
-            </a:extLst>
-          </p:cNvPr>
-          <p:cNvSpPr/>
-          <p:nvPr/>
-        </p:nvSpPr>
-        <p:spPr>
-          <a:xfrm>
-            <a:off x="1187334" y="2812780"/>
-            <a:ext cx="1847563" cy="286158"/>
-          </a:xfrm>
-          <a:prstGeom prst="rect">
-            <a:avLst/>
-          </a:prstGeom>
-          <a:solidFill>
-            <a:srgbClr val="FFB3B3">
-              <a:alpha val="50000"/>
-            </a:srgbClr>
-          </a:solidFill>
-          <a:ln>
-            <a:solidFill>
-              <a:srgbClr val="E28EA6"/>
-            </a:solidFill>
-          </a:ln>
-        </p:spPr>
-        <p:style>
-          <a:lnRef idx="2">
-            <a:schemeClr val="accent3">
-              <a:shade val="50000"/>
-            </a:schemeClr>
-          </a:lnRef>
-          <a:fillRef idx="1">
-            <a:schemeClr val="accent3"/>
-          </a:fillRef>
-          <a:effectRef idx="0">
-            <a:schemeClr val="accent3"/>
-          </a:effectRef>
-          <a:fontRef idx="minor">
-            <a:schemeClr val="lt1"/>
-          </a:fontRef>
-        </p:style>
-        <p:txBody>
-          <a:bodyPr rtlCol="0" anchor="ctr"/>
-          <a:lstStyle/>
-          <a:p>
-            <a:pPr algn="ctr"/>
-            <a:r>
-              <a:rPr lang="zh-CN" altLang="en-US" sz="1400" dirty="0"/>
-              <a:t>蕾丝流心奶黄包</a:t>
-            </a:r>
-            <a:r>
-              <a:rPr lang="en-US" altLang="zh-CN" sz="1400" dirty="0"/>
-              <a:t>d</a:t>
-            </a:r>
-            <a:r>
-              <a:rPr lang="zh-CN" altLang="en-US" sz="1400" dirty="0"/>
-              <a:t>酱</a:t>
-            </a:r>
-          </a:p>
-        </p:txBody>
-      </p:sp>
-      <p:sp>
-        <p:nvSpPr>
-          <p:cNvPr id="13" name="矩形 12">
-            <a:extLst>
-              <a:ext uri="{FF2B5EF4-FFF2-40B4-BE49-F238E27FC236}">
-                <a16:creationId xmlns:a16="http://schemas.microsoft.com/office/drawing/2014/main" id="{7BB9F4FA-7ED1-4419-9AF1-8A698733E7F6}"/>
-              </a:ext>
-            </a:extLst>
-          </p:cNvPr>
-          <p:cNvSpPr/>
-          <p:nvPr/>
-        </p:nvSpPr>
-        <p:spPr>
-          <a:xfrm>
-            <a:off x="1187334" y="3513864"/>
-            <a:ext cx="1847563" cy="286158"/>
-          </a:xfrm>
-          <a:prstGeom prst="rect">
-            <a:avLst/>
-          </a:prstGeom>
-          <a:solidFill>
-            <a:srgbClr val="FFB3B3">
-              <a:alpha val="50000"/>
-            </a:srgbClr>
-          </a:solidFill>
-          <a:ln>
-            <a:solidFill>
-              <a:srgbClr val="E28EA6"/>
-            </a:solidFill>
-          </a:ln>
-        </p:spPr>
-        <p:style>
-          <a:lnRef idx="2">
-            <a:schemeClr val="accent3">
-              <a:shade val="50000"/>
-            </a:schemeClr>
-          </a:lnRef>
-          <a:fillRef idx="1">
-            <a:schemeClr val="accent3"/>
-          </a:fillRef>
-          <a:effectRef idx="0">
-            <a:schemeClr val="accent3"/>
-          </a:effectRef>
-          <a:fontRef idx="minor">
-            <a:schemeClr val="lt1"/>
-          </a:fontRef>
-        </p:style>
-        <p:txBody>
-          <a:bodyPr rtlCol="0" anchor="ctr"/>
-          <a:lstStyle/>
-          <a:p>
-            <a:pPr algn="ctr"/>
-            <a:r>
-              <a:rPr lang="zh-CN" altLang="en-US" sz="1400" dirty="0"/>
-              <a:t>蕾丝傻狍子</a:t>
-            </a:r>
-            <a:r>
-              <a:rPr lang="en-US" altLang="zh-CN" sz="1400" dirty="0"/>
-              <a:t>d</a:t>
-            </a:r>
-            <a:r>
-              <a:rPr lang="zh-CN" altLang="en-US" sz="1400" dirty="0"/>
-              <a:t>酱</a:t>
-            </a:r>
-          </a:p>
-        </p:txBody>
-      </p:sp>
-      <p:sp>
-        <p:nvSpPr>
-          <p:cNvPr id="14" name="矩形 13">
-            <a:extLst>
-              <a:ext uri="{FF2B5EF4-FFF2-40B4-BE49-F238E27FC236}">
-                <a16:creationId xmlns:a16="http://schemas.microsoft.com/office/drawing/2014/main" id="{528D89C8-86EE-4B59-A652-EA5674121DA6}"/>
-              </a:ext>
-            </a:extLst>
-          </p:cNvPr>
-          <p:cNvSpPr/>
-          <p:nvPr/>
-        </p:nvSpPr>
-        <p:spPr>
-          <a:xfrm>
-            <a:off x="1187334" y="4214948"/>
-            <a:ext cx="1847563" cy="286158"/>
-          </a:xfrm>
-          <a:prstGeom prst="rect">
-            <a:avLst/>
-          </a:prstGeom>
-          <a:solidFill>
-            <a:srgbClr val="FFB3B3">
-              <a:alpha val="50000"/>
-            </a:srgbClr>
-          </a:solidFill>
-          <a:ln>
-            <a:solidFill>
-              <a:srgbClr val="E28EA6"/>
-            </a:solidFill>
-          </a:ln>
-        </p:spPr>
-        <p:style>
-          <a:lnRef idx="2">
-            <a:schemeClr val="accent3">
-              <a:shade val="50000"/>
-            </a:schemeClr>
-          </a:lnRef>
-          <a:fillRef idx="1">
-            <a:schemeClr val="accent3"/>
-          </a:fillRef>
-          <a:effectRef idx="0">
-            <a:schemeClr val="accent3"/>
-          </a:effectRef>
-          <a:fontRef idx="minor">
-            <a:schemeClr val="lt1"/>
-          </a:fontRef>
-        </p:style>
-        <p:txBody>
-          <a:bodyPr rtlCol="0" anchor="ctr"/>
-          <a:lstStyle/>
-          <a:p>
-            <a:pPr algn="ctr"/>
-            <a:r>
-              <a:rPr lang="zh-CN" altLang="en-US" sz="1400" dirty="0"/>
-              <a:t>蕾丝糯米团子</a:t>
-            </a:r>
-            <a:r>
-              <a:rPr lang="en-US" altLang="zh-CN" sz="1400" dirty="0"/>
-              <a:t>d</a:t>
-            </a:r>
-            <a:r>
-              <a:rPr lang="zh-CN" altLang="en-US" sz="1400" dirty="0"/>
-              <a:t>酱</a:t>
-            </a:r>
-          </a:p>
-        </p:txBody>
-      </p:sp>
-      <p:sp>
-        <p:nvSpPr>
-          <p:cNvPr id="15" name="矩形 14">
-            <a:extLst>
-              <a:ext uri="{FF2B5EF4-FFF2-40B4-BE49-F238E27FC236}">
-                <a16:creationId xmlns:a16="http://schemas.microsoft.com/office/drawing/2014/main" id="{1DC01B75-7AD8-4085-93FD-7E480E0F406D}"/>
-              </a:ext>
-            </a:extLst>
-          </p:cNvPr>
-          <p:cNvSpPr/>
-          <p:nvPr/>
-        </p:nvSpPr>
-        <p:spPr>
-          <a:xfrm>
-            <a:off x="3673316" y="2111696"/>
-            <a:ext cx="1847563" cy="286158"/>
-          </a:xfrm>
-          <a:prstGeom prst="rect">
-            <a:avLst/>
-          </a:prstGeom>
-          <a:solidFill>
-            <a:srgbClr val="FFB3B3">
-              <a:alpha val="50000"/>
-            </a:srgbClr>
-          </a:solidFill>
-          <a:ln>
-            <a:solidFill>
-              <a:srgbClr val="E28EA6"/>
-            </a:solidFill>
-          </a:ln>
-        </p:spPr>
-        <p:style>
-          <a:lnRef idx="2">
-            <a:schemeClr val="accent3">
-              <a:shade val="50000"/>
-            </a:schemeClr>
-          </a:lnRef>
-          <a:fillRef idx="1">
-            <a:schemeClr val="accent3"/>
-          </a:fillRef>
-          <a:effectRef idx="0">
-            <a:schemeClr val="accent3"/>
-          </a:effectRef>
-          <a:fontRef idx="minor">
-            <a:schemeClr val="lt1"/>
-          </a:fontRef>
-        </p:style>
-        <p:txBody>
-          <a:bodyPr rtlCol="0" anchor="ctr"/>
-          <a:lstStyle/>
-          <a:p>
-            <a:pPr algn="ctr"/>
-            <a:r>
-              <a:rPr lang="zh-CN" altLang="en-US" sz="1400" dirty="0"/>
-              <a:t>蕾丝烧饼</a:t>
-            </a:r>
-            <a:r>
-              <a:rPr lang="en-US" altLang="zh-CN" sz="1400" dirty="0"/>
-              <a:t>d</a:t>
-            </a:r>
-            <a:r>
-              <a:rPr lang="zh-CN" altLang="en-US" sz="1400" dirty="0"/>
-              <a:t>酱</a:t>
-            </a:r>
-          </a:p>
-        </p:txBody>
-      </p:sp>
-      <p:sp>
-        <p:nvSpPr>
-          <p:cNvPr id="16" name="矩形 15">
-            <a:extLst>
-              <a:ext uri="{FF2B5EF4-FFF2-40B4-BE49-F238E27FC236}">
-                <a16:creationId xmlns:a16="http://schemas.microsoft.com/office/drawing/2014/main" id="{D6EBCBAC-6C68-4F98-B73F-4849466C0889}"/>
-              </a:ext>
-            </a:extLst>
-          </p:cNvPr>
-          <p:cNvSpPr/>
-          <p:nvPr/>
-        </p:nvSpPr>
-        <p:spPr>
-          <a:xfrm>
-            <a:off x="6159298" y="2117830"/>
-            <a:ext cx="1847563" cy="286158"/>
-          </a:xfrm>
-          <a:prstGeom prst="rect">
-            <a:avLst/>
-          </a:prstGeom>
-          <a:solidFill>
-            <a:srgbClr val="FFB3B3">
-              <a:alpha val="50000"/>
-            </a:srgbClr>
-          </a:solidFill>
-          <a:ln>
-            <a:solidFill>
-              <a:srgbClr val="E28EA6"/>
-            </a:solidFill>
-          </a:ln>
-        </p:spPr>
-        <p:style>
-          <a:lnRef idx="2">
-            <a:schemeClr val="accent3">
-              <a:shade val="50000"/>
-            </a:schemeClr>
-          </a:lnRef>
-          <a:fillRef idx="1">
-            <a:schemeClr val="accent3"/>
-          </a:fillRef>
-          <a:effectRef idx="0">
-            <a:schemeClr val="accent3"/>
-          </a:effectRef>
-          <a:fontRef idx="minor">
-            <a:schemeClr val="lt1"/>
-          </a:fontRef>
-        </p:style>
-        <p:txBody>
-          <a:bodyPr rtlCol="0" anchor="ctr"/>
-          <a:lstStyle/>
-          <a:p>
-            <a:pPr algn="ctr"/>
-            <a:r>
-              <a:rPr lang="zh-CN" altLang="en-US" sz="1400" dirty="0"/>
-              <a:t>蕾丝纸包不住火</a:t>
-            </a:r>
-            <a:r>
-              <a:rPr lang="en-US" altLang="zh-CN" sz="1400" dirty="0"/>
-              <a:t>d</a:t>
-            </a:r>
-            <a:r>
-              <a:rPr lang="zh-CN" altLang="en-US" sz="1400" dirty="0"/>
-              <a:t>酱</a:t>
-            </a:r>
-          </a:p>
-        </p:txBody>
-      </p:sp>
-      <p:sp>
-        <p:nvSpPr>
-          <p:cNvPr id="17" name="矩形 16">
-            <a:extLst>
-              <a:ext uri="{FF2B5EF4-FFF2-40B4-BE49-F238E27FC236}">
-                <a16:creationId xmlns:a16="http://schemas.microsoft.com/office/drawing/2014/main" id="{461FA4FB-ED7C-4A2A-B23E-D5F31B360B08}"/>
-              </a:ext>
-            </a:extLst>
-          </p:cNvPr>
-          <p:cNvSpPr/>
-          <p:nvPr/>
-        </p:nvSpPr>
-        <p:spPr>
-          <a:xfrm>
-            <a:off x="8645280" y="2111696"/>
-            <a:ext cx="1847563" cy="286158"/>
-          </a:xfrm>
-          <a:prstGeom prst="rect">
-            <a:avLst/>
-          </a:prstGeom>
-          <a:solidFill>
-            <a:srgbClr val="FFB3B3">
-              <a:alpha val="50000"/>
-            </a:srgbClr>
-          </a:solidFill>
-          <a:ln>
-            <a:solidFill>
-              <a:srgbClr val="E28EA6"/>
-            </a:solidFill>
-          </a:ln>
-        </p:spPr>
-        <p:style>
-          <a:lnRef idx="2">
-            <a:schemeClr val="accent3">
-              <a:shade val="50000"/>
-            </a:schemeClr>
-          </a:lnRef>
-          <a:fillRef idx="1">
-            <a:schemeClr val="accent3"/>
-          </a:fillRef>
-          <a:effectRef idx="0">
-            <a:schemeClr val="accent3"/>
-          </a:effectRef>
-          <a:fontRef idx="minor">
-            <a:schemeClr val="lt1"/>
-          </a:fontRef>
-        </p:style>
-        <p:txBody>
-          <a:bodyPr rtlCol="0" anchor="ctr"/>
-          <a:lstStyle/>
-          <a:p>
-            <a:pPr algn="ctr"/>
-            <a:r>
-              <a:rPr lang="zh-CN" altLang="en-US" sz="1400" dirty="0"/>
-              <a:t>蕾丝包纸</a:t>
-            </a:r>
-            <a:r>
-              <a:rPr lang="en-US" altLang="zh-CN" sz="1400" dirty="0"/>
-              <a:t>d</a:t>
-            </a:r>
-            <a:r>
-              <a:rPr lang="zh-CN" altLang="en-US" sz="1400" dirty="0"/>
-              <a:t>酱</a:t>
-            </a:r>
-          </a:p>
-        </p:txBody>
-      </p:sp>
-      <p:sp>
-        <p:nvSpPr>
-          <p:cNvPr id="18" name="矩形 17">
-            <a:extLst>
-              <a:ext uri="{FF2B5EF4-FFF2-40B4-BE49-F238E27FC236}">
-                <a16:creationId xmlns:a16="http://schemas.microsoft.com/office/drawing/2014/main" id="{E899D399-622C-4FAE-97C1-376D2BD8ECD1}"/>
-              </a:ext>
-            </a:extLst>
-          </p:cNvPr>
-          <p:cNvSpPr/>
-          <p:nvPr/>
-        </p:nvSpPr>
-        <p:spPr>
-          <a:xfrm>
-            <a:off x="3673316" y="2812780"/>
-            <a:ext cx="1847563" cy="286158"/>
-          </a:xfrm>
-          <a:prstGeom prst="rect">
-            <a:avLst/>
-          </a:prstGeom>
-          <a:solidFill>
-            <a:srgbClr val="FFB3B3">
-              <a:alpha val="50000"/>
-            </a:srgbClr>
-          </a:solidFill>
-          <a:ln>
-            <a:solidFill>
-              <a:srgbClr val="E28EA6"/>
-            </a:solidFill>
-          </a:ln>
-        </p:spPr>
-        <p:style>
-          <a:lnRef idx="2">
-            <a:schemeClr val="accent3">
-              <a:shade val="50000"/>
-            </a:schemeClr>
-          </a:lnRef>
-          <a:fillRef idx="1">
-            <a:schemeClr val="accent3"/>
-          </a:fillRef>
-          <a:effectRef idx="0">
-            <a:schemeClr val="accent3"/>
-          </a:effectRef>
-          <a:fontRef idx="minor">
-            <a:schemeClr val="lt1"/>
-          </a:fontRef>
-        </p:style>
-        <p:txBody>
-          <a:bodyPr rtlCol="0" anchor="ctr"/>
-          <a:lstStyle/>
-          <a:p>
-            <a:pPr algn="ctr"/>
-            <a:r>
-              <a:rPr lang="zh-CN" altLang="en-US" sz="1400" dirty="0"/>
-              <a:t>蕾丝面条炸酱</a:t>
-            </a:r>
-          </a:p>
-        </p:txBody>
-      </p:sp>
-      <p:sp>
-        <p:nvSpPr>
-          <p:cNvPr id="19" name="矩形 18">
-            <a:extLst>
-              <a:ext uri="{FF2B5EF4-FFF2-40B4-BE49-F238E27FC236}">
-                <a16:creationId xmlns:a16="http://schemas.microsoft.com/office/drawing/2014/main" id="{996C45C1-378E-4E85-9EF5-1DEA6C86AE00}"/>
-              </a:ext>
-            </a:extLst>
-          </p:cNvPr>
-          <p:cNvSpPr/>
-          <p:nvPr/>
-        </p:nvSpPr>
-        <p:spPr>
-          <a:xfrm>
-            <a:off x="3673316" y="3513864"/>
-            <a:ext cx="1847563" cy="286158"/>
-          </a:xfrm>
-          <a:prstGeom prst="rect">
-            <a:avLst/>
-          </a:prstGeom>
-          <a:solidFill>
-            <a:srgbClr val="FFB3B3">
-              <a:alpha val="50000"/>
-            </a:srgbClr>
-          </a:solidFill>
-          <a:ln>
-            <a:solidFill>
-              <a:srgbClr val="E28EA6"/>
-            </a:solidFill>
-          </a:ln>
-        </p:spPr>
-        <p:style>
-          <a:lnRef idx="2">
-            <a:schemeClr val="accent3">
-              <a:shade val="50000"/>
-            </a:schemeClr>
-          </a:lnRef>
-          <a:fillRef idx="1">
-            <a:schemeClr val="accent3"/>
-          </a:fillRef>
-          <a:effectRef idx="0">
-            <a:schemeClr val="accent3"/>
-          </a:effectRef>
-          <a:fontRef idx="minor">
-            <a:schemeClr val="lt1"/>
-          </a:fontRef>
-        </p:style>
-        <p:txBody>
-          <a:bodyPr rtlCol="0" anchor="ctr"/>
-          <a:lstStyle/>
-          <a:p>
-            <a:pPr algn="ctr"/>
-            <a:r>
-              <a:rPr lang="zh-CN" altLang="en-US" sz="1400" dirty="0"/>
-              <a:t>蕾丝馒头</a:t>
-            </a:r>
-            <a:r>
-              <a:rPr lang="en-US" altLang="zh-CN" sz="1400" dirty="0"/>
-              <a:t>d</a:t>
-            </a:r>
-            <a:r>
-              <a:rPr lang="zh-CN" altLang="en-US" sz="1400" dirty="0"/>
-              <a:t>酱</a:t>
-            </a:r>
-          </a:p>
-        </p:txBody>
-      </p:sp>
-      <p:sp>
-        <p:nvSpPr>
-          <p:cNvPr id="20" name="矩形 19">
-            <a:extLst>
-              <a:ext uri="{FF2B5EF4-FFF2-40B4-BE49-F238E27FC236}">
-                <a16:creationId xmlns:a16="http://schemas.microsoft.com/office/drawing/2014/main" id="{ACEE2B89-825A-49EE-87BD-9342F705B4CC}"/>
-              </a:ext>
-            </a:extLst>
-          </p:cNvPr>
-          <p:cNvSpPr/>
-          <p:nvPr/>
-        </p:nvSpPr>
-        <p:spPr>
-          <a:xfrm>
-            <a:off x="3673316" y="4214948"/>
-            <a:ext cx="1847563" cy="286158"/>
-          </a:xfrm>
-          <a:prstGeom prst="rect">
-            <a:avLst/>
-          </a:prstGeom>
-          <a:solidFill>
-            <a:srgbClr val="FFB3B3">
-              <a:alpha val="50000"/>
-            </a:srgbClr>
-          </a:solidFill>
-          <a:ln>
-            <a:solidFill>
-              <a:srgbClr val="E28EA6"/>
-            </a:solidFill>
-          </a:ln>
-        </p:spPr>
-        <p:style>
-          <a:lnRef idx="2">
-            <a:schemeClr val="accent3">
-              <a:shade val="50000"/>
-            </a:schemeClr>
-          </a:lnRef>
-          <a:fillRef idx="1">
-            <a:schemeClr val="accent3"/>
-          </a:fillRef>
-          <a:effectRef idx="0">
-            <a:schemeClr val="accent3"/>
-          </a:effectRef>
-          <a:fontRef idx="minor">
-            <a:schemeClr val="lt1"/>
-          </a:fontRef>
-        </p:style>
-        <p:txBody>
-          <a:bodyPr rtlCol="0" anchor="ctr"/>
-          <a:lstStyle/>
-          <a:p>
-            <a:pPr algn="ctr"/>
-            <a:r>
-              <a:rPr lang="zh-CN" altLang="en-US" sz="1400" dirty="0"/>
-              <a:t>蕾丝包了</a:t>
-            </a:r>
-            <a:r>
-              <a:rPr lang="en-US" altLang="zh-CN" sz="1400" dirty="0"/>
-              <a:t>d</a:t>
-            </a:r>
-            <a:r>
-              <a:rPr lang="zh-CN" altLang="en-US" sz="1400" dirty="0"/>
-              <a:t>酱</a:t>
-            </a:r>
-          </a:p>
-        </p:txBody>
-      </p:sp>
-      <p:sp>
-        <p:nvSpPr>
-          <p:cNvPr id="21" name="矩形 20">
-            <a:extLst>
-              <a:ext uri="{FF2B5EF4-FFF2-40B4-BE49-F238E27FC236}">
-                <a16:creationId xmlns:a16="http://schemas.microsoft.com/office/drawing/2014/main" id="{036BC43A-95AB-46F8-BF4C-A45FB9E379EC}"/>
-              </a:ext>
-            </a:extLst>
-          </p:cNvPr>
-          <p:cNvSpPr/>
-          <p:nvPr/>
-        </p:nvSpPr>
-        <p:spPr>
-          <a:xfrm>
-            <a:off x="6159298" y="2812780"/>
-            <a:ext cx="1847563" cy="286158"/>
-          </a:xfrm>
-          <a:prstGeom prst="rect">
-            <a:avLst/>
-          </a:prstGeom>
-          <a:solidFill>
-            <a:srgbClr val="FFB3B3">
-              <a:alpha val="50000"/>
-            </a:srgbClr>
-          </a:solidFill>
-          <a:ln>
-            <a:solidFill>
-              <a:srgbClr val="E28EA6"/>
-            </a:solidFill>
-          </a:ln>
-        </p:spPr>
-        <p:style>
-          <a:lnRef idx="2">
-            <a:schemeClr val="accent3">
-              <a:shade val="50000"/>
-            </a:schemeClr>
-          </a:lnRef>
-          <a:fillRef idx="1">
-            <a:schemeClr val="accent3"/>
-          </a:fillRef>
-          <a:effectRef idx="0">
-            <a:schemeClr val="accent3"/>
-          </a:effectRef>
-          <a:fontRef idx="minor">
-            <a:schemeClr val="lt1"/>
-          </a:fontRef>
-        </p:style>
-        <p:txBody>
-          <a:bodyPr rtlCol="0" anchor="ctr"/>
-          <a:lstStyle/>
-          <a:p>
-            <a:pPr algn="ctr"/>
-            <a:r>
-              <a:rPr lang="zh-CN" altLang="en-US" sz="1400" dirty="0"/>
-              <a:t>明日揭晓</a:t>
-            </a:r>
-          </a:p>
-        </p:txBody>
-      </p:sp>
-      <p:sp>
-        <p:nvSpPr>
-          <p:cNvPr id="22" name="矩形 21">
-            <a:extLst>
-              <a:ext uri="{FF2B5EF4-FFF2-40B4-BE49-F238E27FC236}">
-                <a16:creationId xmlns:a16="http://schemas.microsoft.com/office/drawing/2014/main" id="{D40B231F-5CDC-4BC3-BF53-47CF1A3F48D4}"/>
-              </a:ext>
-            </a:extLst>
-          </p:cNvPr>
-          <p:cNvSpPr/>
-          <p:nvPr/>
-        </p:nvSpPr>
-        <p:spPr>
-          <a:xfrm>
-            <a:off x="6159298" y="3513864"/>
-            <a:ext cx="1847563" cy="286158"/>
-          </a:xfrm>
-          <a:prstGeom prst="rect">
-            <a:avLst/>
-          </a:prstGeom>
-          <a:solidFill>
-            <a:srgbClr val="FFB3B3">
-              <a:alpha val="50000"/>
-            </a:srgbClr>
-          </a:solidFill>
-          <a:ln>
-            <a:solidFill>
-              <a:srgbClr val="E28EA6"/>
-            </a:solidFill>
-          </a:ln>
-        </p:spPr>
-        <p:style>
-          <a:lnRef idx="2">
-            <a:schemeClr val="accent3">
-              <a:shade val="50000"/>
-            </a:schemeClr>
-          </a:lnRef>
-          <a:fillRef idx="1">
-            <a:schemeClr val="accent3"/>
-          </a:fillRef>
-          <a:effectRef idx="0">
-            <a:schemeClr val="accent3"/>
-          </a:effectRef>
-          <a:fontRef idx="minor">
-            <a:schemeClr val="lt1"/>
-          </a:fontRef>
-        </p:style>
-        <p:txBody>
-          <a:bodyPr rtlCol="0" anchor="ctr"/>
-          <a:lstStyle/>
-          <a:p>
-            <a:pPr algn="ctr"/>
-            <a:r>
-              <a:rPr lang="zh-CN" altLang="en-US" sz="1400" dirty="0"/>
-              <a:t>蕾丝狍子</a:t>
-            </a:r>
-            <a:r>
-              <a:rPr lang="en-US" altLang="zh-CN" sz="1400" dirty="0"/>
-              <a:t>d</a:t>
-            </a:r>
-            <a:r>
-              <a:rPr lang="zh-CN" altLang="en-US" sz="1400" dirty="0"/>
-              <a:t>酱</a:t>
-            </a:r>
-          </a:p>
-        </p:txBody>
-      </p:sp>
-      <p:sp>
-        <p:nvSpPr>
-          <p:cNvPr id="23" name="矩形 22">
-            <a:extLst>
-              <a:ext uri="{FF2B5EF4-FFF2-40B4-BE49-F238E27FC236}">
-                <a16:creationId xmlns:a16="http://schemas.microsoft.com/office/drawing/2014/main" id="{9E4F84C4-2AD6-47A4-BC47-8AD9DD6DDBAF}"/>
-              </a:ext>
-            </a:extLst>
-          </p:cNvPr>
-          <p:cNvSpPr/>
-          <p:nvPr/>
-        </p:nvSpPr>
-        <p:spPr>
-          <a:xfrm>
-            <a:off x="6159298" y="4214948"/>
-            <a:ext cx="1847563" cy="286158"/>
-          </a:xfrm>
-          <a:prstGeom prst="rect">
-            <a:avLst/>
-          </a:prstGeom>
-          <a:solidFill>
-            <a:srgbClr val="FFB3B3">
-              <a:alpha val="50000"/>
-            </a:srgbClr>
-          </a:solidFill>
-          <a:ln>
-            <a:solidFill>
-              <a:srgbClr val="E28EA6"/>
-            </a:solidFill>
-          </a:ln>
-        </p:spPr>
-        <p:style>
-          <a:lnRef idx="2">
-            <a:schemeClr val="accent3">
-              <a:shade val="50000"/>
-            </a:schemeClr>
-          </a:lnRef>
-          <a:fillRef idx="1">
-            <a:schemeClr val="accent3"/>
-          </a:fillRef>
-          <a:effectRef idx="0">
-            <a:schemeClr val="accent3"/>
-          </a:effectRef>
-          <a:fontRef idx="minor">
-            <a:schemeClr val="lt1"/>
-          </a:fontRef>
-        </p:style>
-        <p:txBody>
-          <a:bodyPr rtlCol="0" anchor="ctr"/>
-          <a:lstStyle/>
-          <a:p>
-            <a:pPr algn="ctr"/>
-            <a:r>
-              <a:rPr lang="zh-CN" altLang="en-US" sz="1400" dirty="0"/>
-              <a:t>明日揭晓</a:t>
-            </a:r>
-          </a:p>
-        </p:txBody>
-      </p:sp>
-      <p:sp>
-        <p:nvSpPr>
-          <p:cNvPr id="24" name="矩形 23">
-            <a:extLst>
-              <a:ext uri="{FF2B5EF4-FFF2-40B4-BE49-F238E27FC236}">
-                <a16:creationId xmlns:a16="http://schemas.microsoft.com/office/drawing/2014/main" id="{E58AF398-7453-49C7-9764-1E1D35B85BAD}"/>
-              </a:ext>
-            </a:extLst>
-          </p:cNvPr>
-          <p:cNvSpPr/>
-          <p:nvPr/>
-        </p:nvSpPr>
-        <p:spPr>
-          <a:xfrm>
-            <a:off x="8645280" y="2812780"/>
-            <a:ext cx="1847563" cy="286158"/>
-          </a:xfrm>
-          <a:prstGeom prst="rect">
-            <a:avLst/>
-          </a:prstGeom>
-          <a:solidFill>
-            <a:srgbClr val="FFB3B3">
-              <a:alpha val="50000"/>
-            </a:srgbClr>
-          </a:solidFill>
-          <a:ln>
-            <a:solidFill>
-              <a:srgbClr val="E28EA6"/>
-            </a:solidFill>
-          </a:ln>
-        </p:spPr>
-        <p:style>
-          <a:lnRef idx="2">
-            <a:schemeClr val="accent3">
-              <a:shade val="50000"/>
-            </a:schemeClr>
-          </a:lnRef>
-          <a:fillRef idx="1">
-            <a:schemeClr val="accent3"/>
-          </a:fillRef>
-          <a:effectRef idx="0">
-            <a:schemeClr val="accent3"/>
-          </a:effectRef>
-          <a:fontRef idx="minor">
-            <a:schemeClr val="lt1"/>
-          </a:fontRef>
-        </p:style>
-        <p:txBody>
-          <a:bodyPr rtlCol="0" anchor="ctr"/>
-          <a:lstStyle/>
-          <a:p>
-            <a:pPr algn="ctr"/>
-            <a:r>
-              <a:rPr lang="zh-CN" altLang="en-US" sz="1400" dirty="0"/>
-              <a:t>明日揭晓</a:t>
-            </a:r>
-          </a:p>
-        </p:txBody>
-      </p:sp>
-      <p:sp>
-        <p:nvSpPr>
-          <p:cNvPr id="25" name="矩形 24">
-            <a:extLst>
-              <a:ext uri="{FF2B5EF4-FFF2-40B4-BE49-F238E27FC236}">
-                <a16:creationId xmlns:a16="http://schemas.microsoft.com/office/drawing/2014/main" id="{0A19C166-7673-45AB-9C9A-8C0C83A79EA9}"/>
-              </a:ext>
-            </a:extLst>
-          </p:cNvPr>
-          <p:cNvSpPr/>
-          <p:nvPr/>
-        </p:nvSpPr>
-        <p:spPr>
-          <a:xfrm>
-            <a:off x="8645280" y="3513864"/>
-            <a:ext cx="1847563" cy="286158"/>
-          </a:xfrm>
-          <a:prstGeom prst="rect">
-            <a:avLst/>
-          </a:prstGeom>
-          <a:solidFill>
-            <a:srgbClr val="FFB3B3">
-              <a:alpha val="50000"/>
-            </a:srgbClr>
-          </a:solidFill>
-          <a:ln>
-            <a:solidFill>
-              <a:srgbClr val="E28EA6"/>
-            </a:solidFill>
-          </a:ln>
-        </p:spPr>
-        <p:style>
-          <a:lnRef idx="2">
-            <a:schemeClr val="accent3">
-              <a:shade val="50000"/>
-            </a:schemeClr>
-          </a:lnRef>
-          <a:fillRef idx="1">
-            <a:schemeClr val="accent3"/>
-          </a:fillRef>
-          <a:effectRef idx="0">
-            <a:schemeClr val="accent3"/>
-          </a:effectRef>
-          <a:fontRef idx="minor">
-            <a:schemeClr val="lt1"/>
-          </a:fontRef>
-        </p:style>
-        <p:txBody>
-          <a:bodyPr rtlCol="0" anchor="ctr"/>
-          <a:lstStyle/>
-          <a:p>
-            <a:pPr algn="ctr"/>
-            <a:r>
-              <a:rPr lang="zh-CN" altLang="en-US" sz="1400" dirty="0"/>
-              <a:t>蕾丝肘子</a:t>
-            </a:r>
-            <a:r>
-              <a:rPr lang="en-US" altLang="zh-CN" sz="1400" dirty="0"/>
-              <a:t>d</a:t>
-            </a:r>
-            <a:r>
-              <a:rPr lang="zh-CN" altLang="en-US" sz="1400" dirty="0"/>
-              <a:t>酱</a:t>
-            </a:r>
-          </a:p>
-        </p:txBody>
-      </p:sp>
-      <p:sp>
-        <p:nvSpPr>
-          <p:cNvPr id="26" name="矩形 25">
-            <a:extLst>
-              <a:ext uri="{FF2B5EF4-FFF2-40B4-BE49-F238E27FC236}">
-                <a16:creationId xmlns:a16="http://schemas.microsoft.com/office/drawing/2014/main" id="{1E2A83CC-730A-4E03-902C-DD88C506B6A7}"/>
-              </a:ext>
-            </a:extLst>
-          </p:cNvPr>
-          <p:cNvSpPr/>
-          <p:nvPr/>
-        </p:nvSpPr>
-        <p:spPr>
-          <a:xfrm>
-            <a:off x="8645280" y="4214948"/>
-            <a:ext cx="1847563" cy="286158"/>
-          </a:xfrm>
-          <a:prstGeom prst="rect">
-            <a:avLst/>
-          </a:prstGeom>
-          <a:solidFill>
-            <a:srgbClr val="FFB3B3">
-              <a:alpha val="50000"/>
-            </a:srgbClr>
-          </a:solidFill>
-          <a:ln>
-            <a:solidFill>
-              <a:srgbClr val="E28EA6"/>
-            </a:solidFill>
-          </a:ln>
-        </p:spPr>
-        <p:style>
-          <a:lnRef idx="2">
-            <a:schemeClr val="accent3">
-              <a:shade val="50000"/>
-            </a:schemeClr>
-          </a:lnRef>
-          <a:fillRef idx="1">
-            <a:schemeClr val="accent3"/>
-          </a:fillRef>
-          <a:effectRef idx="0">
-            <a:schemeClr val="accent3"/>
-          </a:effectRef>
-          <a:fontRef idx="minor">
-            <a:schemeClr val="lt1"/>
-          </a:fontRef>
-        </p:style>
-        <p:txBody>
-          <a:bodyPr rtlCol="0" anchor="ctr"/>
-          <a:lstStyle/>
-          <a:p>
-            <a:pPr algn="ctr"/>
-            <a:r>
-              <a:rPr lang="zh-CN" altLang="en-US" sz="1400" dirty="0"/>
-              <a:t>明日揭晓</a:t>
-            </a:r>
-          </a:p>
-        </p:txBody>
-      </p:sp>
+      <p:graphicFrame>
+        <p:nvGraphicFramePr>
+          <p:cNvPr id="5" name="表格 4">
+            <a:extLst>
+              <a:ext uri="{FF2B5EF4-FFF2-40B4-BE49-F238E27FC236}">
+                <a16:creationId xmlns:a16="http://schemas.microsoft.com/office/drawing/2014/main" id="{49A72A93-A647-4749-81EE-CFCD9A9A70B0}"/>
+              </a:ext>
+            </a:extLst>
+          </p:cNvPr>
+          <p:cNvGraphicFramePr>
+            <a:graphicFrameLocks noGrp="1"/>
+          </p:cNvGraphicFramePr>
+          <p:nvPr>
+            <p:extLst>
+              <p:ext uri="{D42A27DB-BD31-4B8C-83A1-F6EECF244321}">
+                <p14:modId xmlns:p14="http://schemas.microsoft.com/office/powerpoint/2010/main" val="2419656456"/>
+              </p:ext>
+            </p:extLst>
+          </p:nvPr>
+        </p:nvGraphicFramePr>
+        <p:xfrm>
+          <a:off x="838200" y="2316480"/>
+          <a:ext cx="10515600" cy="2225040"/>
+        </p:xfrm>
+        <a:graphic>
+          <a:graphicData uri="http://schemas.openxmlformats.org/drawingml/2006/table">
+            <a:tbl>
+              <a:tblPr firstRow="1" bandRow="1">
+                <a:tableStyleId>{3B4B98B0-60AC-42C2-AFA5-B58CD77FA1E5}</a:tableStyleId>
+              </a:tblPr>
+              <a:tblGrid>
+                <a:gridCol w="2628900">
+                  <a:extLst>
+                    <a:ext uri="{9D8B030D-6E8A-4147-A177-3AD203B41FA5}">
+                      <a16:colId xmlns:a16="http://schemas.microsoft.com/office/drawing/2014/main" val="4196562404"/>
+                    </a:ext>
+                  </a:extLst>
+                </a:gridCol>
+                <a:gridCol w="2628900">
+                  <a:extLst>
+                    <a:ext uri="{9D8B030D-6E8A-4147-A177-3AD203B41FA5}">
+                      <a16:colId xmlns:a16="http://schemas.microsoft.com/office/drawing/2014/main" val="3290698310"/>
+                    </a:ext>
+                  </a:extLst>
+                </a:gridCol>
+                <a:gridCol w="2628900">
+                  <a:extLst>
+                    <a:ext uri="{9D8B030D-6E8A-4147-A177-3AD203B41FA5}">
+                      <a16:colId xmlns:a16="http://schemas.microsoft.com/office/drawing/2014/main" val="807860116"/>
+                    </a:ext>
+                  </a:extLst>
+                </a:gridCol>
+                <a:gridCol w="2628900">
+                  <a:extLst>
+                    <a:ext uri="{9D8B030D-6E8A-4147-A177-3AD203B41FA5}">
+                      <a16:colId xmlns:a16="http://schemas.microsoft.com/office/drawing/2014/main" val="1909900190"/>
+                    </a:ext>
+                  </a:extLst>
+                </a:gridCol>
+              </a:tblGrid>
+              <a:tr h="370840">
+                <a:tc>
+                  <a:txBody>
+                    <a:bodyPr/>
+                    <a:lstStyle/>
+                    <a:p>
+                      <a:pPr algn="ctr"/>
+                      <a:r>
+                        <a:rPr lang="zh-CN" altLang="en-US" dirty="0"/>
+                        <a:t>排名</a:t>
+                      </a:r>
+                    </a:p>
+                  </a:txBody>
+                  <a:tcPr/>
+                </a:tc>
+                <a:tc>
+                  <a:txBody>
+                    <a:bodyPr/>
+                    <a:lstStyle/>
+                    <a:p>
+                      <a:pPr algn="ctr"/>
+                      <a:r>
+                        <a:rPr lang="zh-CN" altLang="en-US" dirty="0"/>
+                        <a:t>选手名称</a:t>
+                      </a:r>
+                    </a:p>
+                  </a:txBody>
+                  <a:tcPr/>
+                </a:tc>
+                <a:tc>
+                  <a:txBody>
+                    <a:bodyPr/>
+                    <a:lstStyle/>
+                    <a:p>
+                      <a:pPr algn="ctr"/>
+                      <a:r>
+                        <a:rPr lang="zh-CN" altLang="en-US" dirty="0"/>
+                        <a:t>积分</a:t>
+                      </a:r>
+                    </a:p>
+                  </a:txBody>
+                  <a:tcPr/>
+                </a:tc>
+                <a:tc>
+                  <a:txBody>
+                    <a:bodyPr/>
+                    <a:lstStyle/>
+                    <a:p>
+                      <a:pPr algn="ctr"/>
+                      <a:endParaRPr lang="zh-CN" altLang="en-US" dirty="0"/>
+                    </a:p>
+                  </a:txBody>
+                  <a:tcPr/>
+                </a:tc>
+                <a:extLst>
+                  <a:ext uri="{0D108BD9-81ED-4DB2-BD59-A6C34878D82A}">
+                    <a16:rowId xmlns:a16="http://schemas.microsoft.com/office/drawing/2014/main" val="2329359568"/>
+                  </a:ext>
+                </a:extLst>
+              </a:tr>
+              <a:tr h="370840">
+                <a:tc>
+                  <a:txBody>
+                    <a:bodyPr/>
+                    <a:lstStyle/>
+                    <a:p>
+                      <a:pPr algn="ctr"/>
+                      <a:r>
+                        <a:rPr lang="en-US" altLang="zh-CN" dirty="0"/>
+                        <a:t>1</a:t>
+                      </a:r>
+                      <a:endParaRPr lang="zh-CN" altLang="en-US" dirty="0"/>
+                    </a:p>
+                  </a:txBody>
+                  <a:tcPr/>
+                </a:tc>
+                <a:tc>
+                  <a:txBody>
+                    <a:bodyPr/>
+                    <a:lstStyle/>
+                    <a:p>
+                      <a:pPr algn="ctr"/>
+                      <a:r>
+                        <a:rPr lang="zh-CN" altLang="en-US" sz="1800" b="0" i="0" kern="1200" dirty="0">
+                          <a:solidFill>
+                            <a:schemeClr val="tx1"/>
+                          </a:solidFill>
+                          <a:effectLst/>
+                          <a:latin typeface="+mn-lt"/>
+                          <a:ea typeface="+mn-ea"/>
+                          <a:cs typeface="+mn-cs"/>
+                        </a:rPr>
+                        <a:t>蕾丝叉烧包</a:t>
+                      </a:r>
+                      <a:r>
+                        <a:rPr lang="en-US" altLang="zh-CN" sz="1800" b="0" i="0" kern="1200" dirty="0">
+                          <a:solidFill>
+                            <a:schemeClr val="tx1"/>
+                          </a:solidFill>
+                          <a:effectLst/>
+                          <a:latin typeface="+mn-lt"/>
+                          <a:ea typeface="+mn-ea"/>
+                          <a:cs typeface="+mn-cs"/>
+                        </a:rPr>
+                        <a:t>d</a:t>
+                      </a:r>
+                      <a:r>
+                        <a:rPr lang="zh-CN" altLang="en-US" sz="1800" b="0" i="0" kern="1200" dirty="0">
+                          <a:solidFill>
+                            <a:schemeClr val="tx1"/>
+                          </a:solidFill>
+                          <a:effectLst/>
+                          <a:latin typeface="+mn-lt"/>
+                          <a:ea typeface="+mn-ea"/>
+                          <a:cs typeface="+mn-cs"/>
+                        </a:rPr>
+                        <a:t>酱</a:t>
+                      </a:r>
+                      <a:endParaRPr lang="zh-CN" altLang="en-US" dirty="0"/>
+                    </a:p>
+                  </a:txBody>
+                  <a:tcPr/>
+                </a:tc>
+                <a:tc>
+                  <a:txBody>
+                    <a:bodyPr/>
+                    <a:lstStyle/>
+                    <a:p>
+                      <a:pPr algn="ctr"/>
+                      <a:r>
+                        <a:rPr lang="en-US" altLang="zh-CN" dirty="0"/>
+                        <a:t>13</a:t>
+                      </a:r>
+                      <a:endParaRPr lang="zh-CN" altLang="en-US" dirty="0"/>
+                    </a:p>
+                  </a:txBody>
+                  <a:tcPr/>
+                </a:tc>
+                <a:tc>
+                  <a:txBody>
+                    <a:bodyPr/>
+                    <a:lstStyle/>
+                    <a:p>
+                      <a:pPr algn="ctr"/>
+                      <a:r>
+                        <a:rPr lang="zh-CN" altLang="en-US" dirty="0"/>
+                        <a:t>晋级</a:t>
+                      </a:r>
+                      <a:r>
+                        <a:rPr lang="en-US" altLang="zh-CN" dirty="0"/>
+                        <a:t>1/8</a:t>
+                      </a:r>
+                      <a:r>
+                        <a:rPr lang="zh-CN" altLang="en-US" dirty="0"/>
+                        <a:t>决赛</a:t>
+                      </a:r>
+                    </a:p>
+                  </a:txBody>
+                  <a:tcPr/>
+                </a:tc>
+                <a:extLst>
+                  <a:ext uri="{0D108BD9-81ED-4DB2-BD59-A6C34878D82A}">
+                    <a16:rowId xmlns:a16="http://schemas.microsoft.com/office/drawing/2014/main" val="326775811"/>
+                  </a:ext>
+                </a:extLst>
+              </a:tr>
+              <a:tr h="370840">
+                <a:tc>
+                  <a:txBody>
+                    <a:bodyPr/>
+                    <a:lstStyle/>
+                    <a:p>
+                      <a:pPr algn="ctr"/>
+                      <a:r>
+                        <a:rPr lang="en-US" altLang="zh-CN" dirty="0"/>
+                        <a:t>2</a:t>
+                      </a:r>
+                      <a:endParaRPr lang="zh-CN" altLang="en-US" dirty="0"/>
+                    </a:p>
+                  </a:txBody>
+                  <a:tcPr/>
+                </a:tc>
+                <a:tc>
+                  <a:txBody>
+                    <a:bodyPr/>
+                    <a:lstStyle/>
+                    <a:p>
+                      <a:pPr algn="ctr"/>
+                      <a:r>
+                        <a:rPr lang="zh-CN" altLang="en-US" dirty="0"/>
+                        <a:t>蕾丝夹馍蘸大酱</a:t>
+                      </a:r>
+                    </a:p>
+                  </a:txBody>
+                  <a:tcPr/>
+                </a:tc>
+                <a:tc>
+                  <a:txBody>
+                    <a:bodyPr/>
+                    <a:lstStyle/>
+                    <a:p>
+                      <a:pPr algn="ctr"/>
+                      <a:r>
+                        <a:rPr lang="en-US" altLang="zh-CN" dirty="0"/>
+                        <a:t>9</a:t>
+                      </a:r>
+                      <a:endParaRPr lang="zh-CN" altLang="en-US" dirty="0"/>
+                    </a:p>
+                  </a:txBody>
+                  <a:tcPr/>
+                </a:tc>
+                <a:tc>
+                  <a:txBody>
+                    <a:bodyPr/>
+                    <a:lstStyle/>
+                    <a:p>
+                      <a:pPr marL="0" marR="0" lvl="0" indent="0" algn="ctr" defTabSz="914400" rtl="0" eaLnBrk="1" fontAlgn="auto" latinLnBrk="0" hangingPunct="1">
+                        <a:lnSpc>
+                          <a:spcPct val="100000"/>
+                        </a:lnSpc>
+                        <a:spcBef>
+                          <a:spcPts val="0"/>
+                        </a:spcBef>
+                        <a:spcAft>
+                          <a:spcPts val="0"/>
+                        </a:spcAft>
+                        <a:buClrTx/>
+                        <a:buSzTx/>
+                        <a:buFontTx/>
+                        <a:buNone/>
+                        <a:tabLst/>
+                        <a:defRPr/>
+                      </a:pPr>
+                      <a:r>
+                        <a:rPr lang="zh-CN" altLang="en-US" dirty="0"/>
+                        <a:t>晋级</a:t>
+                      </a:r>
+                      <a:r>
+                        <a:rPr lang="en-US" altLang="zh-CN" dirty="0"/>
+                        <a:t>1/8</a:t>
+                      </a:r>
+                      <a:r>
+                        <a:rPr lang="zh-CN" altLang="en-US" dirty="0"/>
+                        <a:t>决赛</a:t>
+                      </a:r>
+                    </a:p>
+                  </a:txBody>
+                  <a:tcPr/>
+                </a:tc>
+                <a:extLst>
+                  <a:ext uri="{0D108BD9-81ED-4DB2-BD59-A6C34878D82A}">
+                    <a16:rowId xmlns:a16="http://schemas.microsoft.com/office/drawing/2014/main" val="161246582"/>
+                  </a:ext>
+                </a:extLst>
+              </a:tr>
+              <a:tr h="370840">
+                <a:tc>
+                  <a:txBody>
+                    <a:bodyPr/>
+                    <a:lstStyle/>
+                    <a:p>
+                      <a:pPr algn="ctr"/>
+                      <a:r>
+                        <a:rPr lang="en-US" altLang="zh-CN" dirty="0">
+                          <a:solidFill>
+                            <a:schemeClr val="bg1">
+                              <a:lumMod val="50000"/>
+                            </a:schemeClr>
+                          </a:solidFill>
+                        </a:rPr>
+                        <a:t>3</a:t>
+                      </a:r>
+                      <a:endParaRPr lang="zh-CN" altLang="en-US" dirty="0">
+                        <a:solidFill>
+                          <a:schemeClr val="bg1">
+                            <a:lumMod val="50000"/>
+                          </a:schemeClr>
+                        </a:solidFill>
+                      </a:endParaRPr>
+                    </a:p>
+                  </a:txBody>
+                  <a:tcPr/>
+                </a:tc>
+                <a:tc>
+                  <a:txBody>
+                    <a:bodyPr/>
+                    <a:lstStyle/>
+                    <a:p>
+                      <a:pPr marL="0" marR="0" lvl="0" indent="0" algn="ctr" defTabSz="914400" rtl="0" eaLnBrk="1" fontAlgn="auto" latinLnBrk="0" hangingPunct="1">
+                        <a:lnSpc>
+                          <a:spcPct val="100000"/>
+                        </a:lnSpc>
+                        <a:spcBef>
+                          <a:spcPts val="0"/>
+                        </a:spcBef>
+                        <a:spcAft>
+                          <a:spcPts val="0"/>
+                        </a:spcAft>
+                        <a:buClrTx/>
+                        <a:buSzTx/>
+                        <a:buFontTx/>
+                        <a:buNone/>
+                        <a:tabLst/>
+                        <a:defRPr/>
+                      </a:pPr>
+                      <a:r>
+                        <a:rPr lang="zh-CN" altLang="en-US" dirty="0">
+                          <a:solidFill>
+                            <a:schemeClr val="bg1">
+                              <a:lumMod val="50000"/>
+                            </a:schemeClr>
+                          </a:solidFill>
+                        </a:rPr>
+                        <a:t>蕾丝粽子</a:t>
+                      </a:r>
+                      <a:r>
+                        <a:rPr lang="en-US" altLang="zh-CN" dirty="0">
+                          <a:solidFill>
+                            <a:schemeClr val="bg1">
+                              <a:lumMod val="50000"/>
+                            </a:schemeClr>
+                          </a:solidFill>
+                        </a:rPr>
+                        <a:t>d</a:t>
+                      </a:r>
+                      <a:r>
+                        <a:rPr lang="zh-CN" altLang="en-US" dirty="0">
+                          <a:solidFill>
+                            <a:schemeClr val="bg1">
+                              <a:lumMod val="50000"/>
+                            </a:schemeClr>
+                          </a:solidFill>
+                        </a:rPr>
+                        <a:t>酱</a:t>
+                      </a:r>
+                    </a:p>
+                  </a:txBody>
+                  <a:tcPr/>
+                </a:tc>
+                <a:tc>
+                  <a:txBody>
+                    <a:bodyPr/>
+                    <a:lstStyle/>
+                    <a:p>
+                      <a:pPr algn="ctr"/>
+                      <a:r>
+                        <a:rPr lang="en-US" altLang="zh-CN" dirty="0">
+                          <a:solidFill>
+                            <a:schemeClr val="bg1">
+                              <a:lumMod val="50000"/>
+                            </a:schemeClr>
+                          </a:solidFill>
+                        </a:rPr>
+                        <a:t>5</a:t>
+                      </a:r>
+                      <a:endParaRPr lang="zh-CN" altLang="en-US" dirty="0">
+                        <a:solidFill>
+                          <a:schemeClr val="bg1">
+                            <a:lumMod val="50000"/>
+                          </a:schemeClr>
+                        </a:solidFill>
+                      </a:endParaRPr>
+                    </a:p>
+                  </a:txBody>
+                  <a:tcPr/>
+                </a:tc>
+                <a:tc>
+                  <a:txBody>
+                    <a:bodyPr/>
+                    <a:lstStyle/>
+                    <a:p>
+                      <a:pPr algn="ctr"/>
+                      <a:endParaRPr lang="zh-CN" altLang="en-US" dirty="0">
+                        <a:solidFill>
+                          <a:schemeClr val="bg1">
+                            <a:lumMod val="50000"/>
+                          </a:schemeClr>
+                        </a:solidFill>
+                      </a:endParaRPr>
+                    </a:p>
+                  </a:txBody>
+                  <a:tcPr/>
+                </a:tc>
+                <a:extLst>
+                  <a:ext uri="{0D108BD9-81ED-4DB2-BD59-A6C34878D82A}">
+                    <a16:rowId xmlns:a16="http://schemas.microsoft.com/office/drawing/2014/main" val="3051721874"/>
+                  </a:ext>
+                </a:extLst>
+              </a:tr>
+              <a:tr h="370840">
+                <a:tc>
+                  <a:txBody>
+                    <a:bodyPr/>
+                    <a:lstStyle/>
+                    <a:p>
+                      <a:pPr algn="ctr"/>
+                      <a:r>
+                        <a:rPr lang="en-US" altLang="zh-CN" dirty="0">
+                          <a:solidFill>
+                            <a:schemeClr val="bg1">
+                              <a:lumMod val="50000"/>
+                            </a:schemeClr>
+                          </a:solidFill>
+                        </a:rPr>
+                        <a:t>4</a:t>
+                      </a:r>
+                      <a:endParaRPr lang="zh-CN" altLang="en-US" dirty="0">
+                        <a:solidFill>
+                          <a:schemeClr val="bg1">
+                            <a:lumMod val="50000"/>
+                          </a:schemeClr>
+                        </a:solidFill>
+                      </a:endParaRPr>
+                    </a:p>
+                  </a:txBody>
+                  <a:tcPr/>
+                </a:tc>
+                <a:tc>
+                  <a:txBody>
+                    <a:bodyPr/>
+                    <a:lstStyle/>
+                    <a:p>
+                      <a:pPr algn="ctr"/>
+                      <a:r>
+                        <a:rPr lang="zh-CN" altLang="en-US" dirty="0">
+                          <a:solidFill>
+                            <a:schemeClr val="bg1">
+                              <a:lumMod val="50000"/>
+                            </a:schemeClr>
+                          </a:solidFill>
+                        </a:rPr>
+                        <a:t>蕾丝丸子</a:t>
+                      </a:r>
+                      <a:r>
+                        <a:rPr lang="en-US" altLang="zh-CN" dirty="0">
+                          <a:solidFill>
+                            <a:schemeClr val="bg1">
+                              <a:lumMod val="50000"/>
+                            </a:schemeClr>
+                          </a:solidFill>
+                        </a:rPr>
+                        <a:t>d</a:t>
+                      </a:r>
+                      <a:r>
+                        <a:rPr lang="zh-CN" altLang="en-US" dirty="0">
+                          <a:solidFill>
+                            <a:schemeClr val="bg1">
+                              <a:lumMod val="50000"/>
+                            </a:schemeClr>
+                          </a:solidFill>
+                        </a:rPr>
+                        <a:t>酱</a:t>
+                      </a:r>
+                      <a:endParaRPr lang="en-US" altLang="zh-CN" dirty="0">
+                        <a:solidFill>
+                          <a:schemeClr val="bg1">
+                            <a:lumMod val="50000"/>
+                          </a:schemeClr>
+                        </a:solidFill>
+                      </a:endParaRPr>
+                    </a:p>
+                  </a:txBody>
+                  <a:tcPr/>
+                </a:tc>
+                <a:tc>
+                  <a:txBody>
+                    <a:bodyPr/>
+                    <a:lstStyle/>
+                    <a:p>
+                      <a:pPr algn="ctr"/>
+                      <a:r>
+                        <a:rPr lang="en-US" altLang="zh-CN" dirty="0">
+                          <a:solidFill>
+                            <a:schemeClr val="bg1">
+                              <a:lumMod val="50000"/>
+                            </a:schemeClr>
+                          </a:solidFill>
+                        </a:rPr>
+                        <a:t>4</a:t>
+                      </a:r>
+                      <a:endParaRPr lang="zh-CN" altLang="en-US" dirty="0">
+                        <a:solidFill>
+                          <a:schemeClr val="bg1">
+                            <a:lumMod val="50000"/>
+                          </a:schemeClr>
+                        </a:solidFill>
+                      </a:endParaRPr>
+                    </a:p>
+                  </a:txBody>
+                  <a:tcPr/>
+                </a:tc>
+                <a:tc>
+                  <a:txBody>
+                    <a:bodyPr/>
+                    <a:lstStyle/>
+                    <a:p>
+                      <a:pPr algn="ctr"/>
+                      <a:endParaRPr lang="zh-CN" altLang="en-US" dirty="0">
+                        <a:solidFill>
+                          <a:schemeClr val="bg1">
+                            <a:lumMod val="50000"/>
+                          </a:schemeClr>
+                        </a:solidFill>
+                      </a:endParaRPr>
+                    </a:p>
+                  </a:txBody>
+                  <a:tcPr/>
+                </a:tc>
+                <a:extLst>
+                  <a:ext uri="{0D108BD9-81ED-4DB2-BD59-A6C34878D82A}">
+                    <a16:rowId xmlns:a16="http://schemas.microsoft.com/office/drawing/2014/main" val="1721441378"/>
+                  </a:ext>
+                </a:extLst>
+              </a:tr>
+              <a:tr h="370840">
+                <a:tc>
+                  <a:txBody>
+                    <a:bodyPr/>
+                    <a:lstStyle/>
+                    <a:p>
+                      <a:pPr algn="ctr"/>
+                      <a:r>
+                        <a:rPr lang="en-US" altLang="zh-CN" dirty="0">
+                          <a:solidFill>
+                            <a:schemeClr val="bg1">
+                              <a:lumMod val="50000"/>
+                            </a:schemeClr>
+                          </a:solidFill>
+                        </a:rPr>
+                        <a:t>4</a:t>
+                      </a:r>
+                      <a:endParaRPr lang="zh-CN" altLang="en-US" dirty="0">
+                        <a:solidFill>
+                          <a:schemeClr val="bg1">
+                            <a:lumMod val="50000"/>
+                          </a:schemeClr>
+                        </a:solidFill>
+                      </a:endParaRPr>
+                    </a:p>
+                  </a:txBody>
+                  <a:tcPr/>
+                </a:tc>
+                <a:tc>
+                  <a:txBody>
+                    <a:bodyPr/>
+                    <a:lstStyle/>
+                    <a:p>
+                      <a:pPr algn="ctr"/>
+                      <a:r>
+                        <a:rPr lang="zh-CN" altLang="en-US" dirty="0">
+                          <a:solidFill>
+                            <a:schemeClr val="bg1">
+                              <a:lumMod val="50000"/>
+                            </a:schemeClr>
+                          </a:solidFill>
+                        </a:rPr>
+                        <a:t>蕾包子丝</a:t>
+                      </a:r>
+                      <a:r>
+                        <a:rPr lang="en-US" altLang="zh-CN" dirty="0">
+                          <a:solidFill>
+                            <a:schemeClr val="bg1">
+                              <a:lumMod val="50000"/>
+                            </a:schemeClr>
+                          </a:solidFill>
+                        </a:rPr>
+                        <a:t>d</a:t>
+                      </a:r>
+                      <a:r>
+                        <a:rPr lang="zh-CN" altLang="en-US" dirty="0">
+                          <a:solidFill>
+                            <a:schemeClr val="bg1">
+                              <a:lumMod val="50000"/>
+                            </a:schemeClr>
+                          </a:solidFill>
+                        </a:rPr>
+                        <a:t>酱</a:t>
+                      </a:r>
+                    </a:p>
+                  </a:txBody>
+                  <a:tcPr/>
+                </a:tc>
+                <a:tc>
+                  <a:txBody>
+                    <a:bodyPr/>
+                    <a:lstStyle/>
+                    <a:p>
+                      <a:pPr algn="ctr"/>
+                      <a:r>
+                        <a:rPr lang="en-US" altLang="zh-CN" dirty="0">
+                          <a:solidFill>
+                            <a:schemeClr val="bg1">
+                              <a:lumMod val="50000"/>
+                            </a:schemeClr>
+                          </a:solidFill>
+                        </a:rPr>
+                        <a:t>4</a:t>
+                      </a:r>
+                      <a:endParaRPr lang="zh-CN" altLang="en-US" dirty="0">
+                        <a:solidFill>
+                          <a:schemeClr val="bg1">
+                            <a:lumMod val="50000"/>
+                          </a:schemeClr>
+                        </a:solidFill>
+                      </a:endParaRPr>
+                    </a:p>
+                  </a:txBody>
+                  <a:tcPr/>
+                </a:tc>
+                <a:tc>
+                  <a:txBody>
+                    <a:bodyPr/>
+                    <a:lstStyle/>
+                    <a:p>
+                      <a:pPr algn="ctr"/>
+                      <a:endParaRPr lang="zh-CN" altLang="en-US" dirty="0">
+                        <a:solidFill>
+                          <a:schemeClr val="bg1">
+                            <a:lumMod val="50000"/>
+                          </a:schemeClr>
+                        </a:solidFill>
+                      </a:endParaRPr>
+                    </a:p>
+                  </a:txBody>
+                  <a:tcPr/>
+                </a:tc>
+                <a:extLst>
+                  <a:ext uri="{0D108BD9-81ED-4DB2-BD59-A6C34878D82A}">
+                    <a16:rowId xmlns:a16="http://schemas.microsoft.com/office/drawing/2014/main" val="2048286747"/>
+                  </a:ext>
+                </a:extLst>
+              </a:tr>
+            </a:tbl>
+          </a:graphicData>
+        </a:graphic>
+      </p:graphicFrame>
     </p:spTree>
     <p:extLst>
       <p:ext uri="{BB962C8B-B14F-4D97-AF65-F5344CB8AC3E}">
-        <p14:creationId xmlns:p14="http://schemas.microsoft.com/office/powerpoint/2010/main" val="1003494901"/>
+        <p14:creationId xmlns:p14="http://schemas.microsoft.com/office/powerpoint/2010/main" val="1320212157"/>
       </p:ext>
     </p:extLst>
   </p:cSld>

--- a/documents/race_profile/result_board.pptx
+++ b/documents/race_profile/result_board.pptx
@@ -16,7 +16,6 @@
     <p:sldId id="268" r:id="rId10"/>
     <p:sldId id="260" r:id="rId11"/>
     <p:sldId id="266" r:id="rId12"/>
-    <p:sldId id="263" r:id="rId13"/>
   </p:sldIdLst>
   <p:sldSz cx="12192000" cy="6858000"/>
   <p:notesSz cx="6858000" cy="9144000"/>
@@ -270,7 +269,7 @@
           <a:p>
             <a:fld id="{58EFE355-25A0-4687-B210-279ACD5280DB}" type="datetimeFigureOut">
               <a:rPr lang="zh-CN" altLang="en-US" smtClean="0"/>
-              <a:t>2021/11/4</a:t>
+              <a:t>2021/11/6</a:t>
             </a:fld>
             <a:endParaRPr lang="zh-CN" altLang="en-US"/>
           </a:p>
@@ -468,7 +467,7 @@
           <a:p>
             <a:fld id="{58EFE355-25A0-4687-B210-279ACD5280DB}" type="datetimeFigureOut">
               <a:rPr lang="zh-CN" altLang="en-US" smtClean="0"/>
-              <a:t>2021/11/4</a:t>
+              <a:t>2021/11/6</a:t>
             </a:fld>
             <a:endParaRPr lang="zh-CN" altLang="en-US"/>
           </a:p>
@@ -676,7 +675,7 @@
           <a:p>
             <a:fld id="{58EFE355-25A0-4687-B210-279ACD5280DB}" type="datetimeFigureOut">
               <a:rPr lang="zh-CN" altLang="en-US" smtClean="0"/>
-              <a:t>2021/11/4</a:t>
+              <a:t>2021/11/6</a:t>
             </a:fld>
             <a:endParaRPr lang="zh-CN" altLang="en-US"/>
           </a:p>
@@ -874,7 +873,7 @@
           <a:p>
             <a:fld id="{58EFE355-25A0-4687-B210-279ACD5280DB}" type="datetimeFigureOut">
               <a:rPr lang="zh-CN" altLang="en-US" smtClean="0"/>
-              <a:t>2021/11/4</a:t>
+              <a:t>2021/11/6</a:t>
             </a:fld>
             <a:endParaRPr lang="zh-CN" altLang="en-US"/>
           </a:p>
@@ -1149,7 +1148,7 @@
           <a:p>
             <a:fld id="{58EFE355-25A0-4687-B210-279ACD5280DB}" type="datetimeFigureOut">
               <a:rPr lang="zh-CN" altLang="en-US" smtClean="0"/>
-              <a:t>2021/11/4</a:t>
+              <a:t>2021/11/6</a:t>
             </a:fld>
             <a:endParaRPr lang="zh-CN" altLang="en-US"/>
           </a:p>
@@ -1414,7 +1413,7 @@
           <a:p>
             <a:fld id="{58EFE355-25A0-4687-B210-279ACD5280DB}" type="datetimeFigureOut">
               <a:rPr lang="zh-CN" altLang="en-US" smtClean="0"/>
-              <a:t>2021/11/4</a:t>
+              <a:t>2021/11/6</a:t>
             </a:fld>
             <a:endParaRPr lang="zh-CN" altLang="en-US"/>
           </a:p>
@@ -1826,7 +1825,7 @@
           <a:p>
             <a:fld id="{58EFE355-25A0-4687-B210-279ACD5280DB}" type="datetimeFigureOut">
               <a:rPr lang="zh-CN" altLang="en-US" smtClean="0"/>
-              <a:t>2021/11/4</a:t>
+              <a:t>2021/11/6</a:t>
             </a:fld>
             <a:endParaRPr lang="zh-CN" altLang="en-US"/>
           </a:p>
@@ -1967,7 +1966,7 @@
           <a:p>
             <a:fld id="{58EFE355-25A0-4687-B210-279ACD5280DB}" type="datetimeFigureOut">
               <a:rPr lang="zh-CN" altLang="en-US" smtClean="0"/>
-              <a:t>2021/11/4</a:t>
+              <a:t>2021/11/6</a:t>
             </a:fld>
             <a:endParaRPr lang="zh-CN" altLang="en-US"/>
           </a:p>
@@ -2080,7 +2079,7 @@
           <a:p>
             <a:fld id="{58EFE355-25A0-4687-B210-279ACD5280DB}" type="datetimeFigureOut">
               <a:rPr lang="zh-CN" altLang="en-US" smtClean="0"/>
-              <a:t>2021/11/4</a:t>
+              <a:t>2021/11/6</a:t>
             </a:fld>
             <a:endParaRPr lang="zh-CN" altLang="en-US"/>
           </a:p>
@@ -2391,7 +2390,7 @@
           <a:p>
             <a:fld id="{58EFE355-25A0-4687-B210-279ACD5280DB}" type="datetimeFigureOut">
               <a:rPr lang="zh-CN" altLang="en-US" smtClean="0"/>
-              <a:t>2021/11/4</a:t>
+              <a:t>2021/11/6</a:t>
             </a:fld>
             <a:endParaRPr lang="zh-CN" altLang="en-US"/>
           </a:p>
@@ -2679,7 +2678,7 @@
           <a:p>
             <a:fld id="{58EFE355-25A0-4687-B210-279ACD5280DB}" type="datetimeFigureOut">
               <a:rPr lang="zh-CN" altLang="en-US" smtClean="0"/>
-              <a:t>2021/11/4</a:t>
+              <a:t>2021/11/6</a:t>
             </a:fld>
             <a:endParaRPr lang="zh-CN" altLang="en-US"/>
           </a:p>
@@ -2938,7 +2937,7 @@
           <a:p>
             <a:fld id="{58EFE355-25A0-4687-B210-279ACD5280DB}" type="datetimeFigureOut">
               <a:rPr lang="zh-CN" altLang="en-US" smtClean="0"/>
-              <a:t>2021/11/4</a:t>
+              <a:t>2021/11/6</a:t>
             </a:fld>
             <a:endParaRPr lang="zh-CN" altLang="en-US"/>
           </a:p>
@@ -5288,3691 +5287,6 @@
 </p:sld>
 </file>
 
-<file path=ppt/slides/slide12.xml><?xml version="1.0" encoding="utf-8"?>
-<p:sld xmlns:a="http://schemas.openxmlformats.org/drawingml/2006/main" xmlns:r="http://schemas.openxmlformats.org/officeDocument/2006/relationships" xmlns:p="http://schemas.openxmlformats.org/presentationml/2006/main">
-  <p:cSld>
-    <p:spTree>
-      <p:nvGrpSpPr>
-        <p:cNvPr id="1" name=""/>
-        <p:cNvGrpSpPr/>
-        <p:nvPr/>
-      </p:nvGrpSpPr>
-      <p:grpSpPr>
-        <a:xfrm>
-          <a:off x="0" y="0"/>
-          <a:ext cx="0" cy="0"/>
-          <a:chOff x="0" y="0"/>
-          <a:chExt cx="0" cy="0"/>
-        </a:xfrm>
-      </p:grpSpPr>
-      <p:sp>
-        <p:nvSpPr>
-          <p:cNvPr id="2" name="标题 1">
-            <a:extLst>
-              <a:ext uri="{FF2B5EF4-FFF2-40B4-BE49-F238E27FC236}">
-                <a16:creationId xmlns:a16="http://schemas.microsoft.com/office/drawing/2014/main" id="{B0833462-3DC5-40B2-92C8-322D2048EE7F}"/>
-              </a:ext>
-            </a:extLst>
-          </p:cNvPr>
-          <p:cNvSpPr>
-            <a:spLocks noGrp="1"/>
-          </p:cNvSpPr>
-          <p:nvPr>
-            <p:ph type="title"/>
-          </p:nvPr>
-        </p:nvSpPr>
-        <p:spPr>
-          <a:xfrm>
-            <a:off x="311330" y="3547339"/>
-            <a:ext cx="10515600" cy="2902545"/>
-          </a:xfrm>
-        </p:spPr>
-        <p:txBody>
-          <a:bodyPr>
-            <a:noAutofit/>
-          </a:bodyPr>
-          <a:lstStyle/>
-          <a:p>
-            <a:r>
-              <a:rPr lang="en-US" altLang="zh-CN" sz="8000" b="1" dirty="0">
-                <a:solidFill>
-                  <a:srgbClr val="E28EA6">
-                    <a:alpha val="20000"/>
-                  </a:srgbClr>
-                </a:solidFill>
-              </a:rPr>
-              <a:t>Lace Duvet</a:t>
-            </a:r>
-            <a:br>
-              <a:rPr lang="en-US" altLang="zh-CN" sz="8000" b="1" dirty="0">
-                <a:solidFill>
-                  <a:srgbClr val="E28EA6">
-                    <a:alpha val="20000"/>
-                  </a:srgbClr>
-                </a:solidFill>
-              </a:rPr>
-            </a:br>
-            <a:r>
-              <a:rPr lang="en-US" altLang="zh-CN" sz="8000" b="1" dirty="0">
-                <a:solidFill>
-                  <a:srgbClr val="E28EA6">
-                    <a:alpha val="20000"/>
-                  </a:srgbClr>
-                </a:solidFill>
-              </a:rPr>
-              <a:t>Weibo ID Election</a:t>
-            </a:r>
-            <a:br>
-              <a:rPr lang="en-US" altLang="zh-CN" sz="8000" b="1" dirty="0">
-                <a:solidFill>
-                  <a:srgbClr val="E28EA6">
-                    <a:alpha val="20000"/>
-                  </a:srgbClr>
-                </a:solidFill>
-              </a:rPr>
-            </a:br>
-            <a:r>
-              <a:rPr lang="en-US" altLang="zh-CN" sz="8000" b="1" dirty="0">
-                <a:solidFill>
-                  <a:srgbClr val="E28EA6">
-                    <a:alpha val="20000"/>
-                  </a:srgbClr>
-                </a:solidFill>
-              </a:rPr>
-              <a:t>2021</a:t>
-            </a:r>
-            <a:endParaRPr lang="zh-CN" altLang="en-US" sz="8000" b="1" dirty="0">
-              <a:solidFill>
-                <a:srgbClr val="E28EA6">
-                  <a:alpha val="20000"/>
-                </a:srgbClr>
-              </a:solidFill>
-            </a:endParaRPr>
-          </a:p>
-        </p:txBody>
-      </p:sp>
-      <p:sp>
-        <p:nvSpPr>
-          <p:cNvPr id="3" name="内容占位符 2">
-            <a:extLst>
-              <a:ext uri="{FF2B5EF4-FFF2-40B4-BE49-F238E27FC236}">
-                <a16:creationId xmlns:a16="http://schemas.microsoft.com/office/drawing/2014/main" id="{1DCAFE66-5143-4932-86E7-772D349D8740}"/>
-              </a:ext>
-            </a:extLst>
-          </p:cNvPr>
-          <p:cNvSpPr>
-            <a:spLocks noGrp="1"/>
-          </p:cNvSpPr>
-          <p:nvPr>
-            <p:ph idx="1"/>
-          </p:nvPr>
-        </p:nvSpPr>
-        <p:spPr>
-          <a:xfrm>
-            <a:off x="384648" y="248348"/>
-            <a:ext cx="10515600" cy="858233"/>
-          </a:xfrm>
-        </p:spPr>
-        <p:txBody>
-          <a:bodyPr>
-            <a:normAutofit/>
-          </a:bodyPr>
-          <a:lstStyle/>
-          <a:p>
-            <a:pPr marL="0" indent="0">
-              <a:buNone/>
-            </a:pPr>
-            <a:r>
-              <a:rPr lang="zh-CN" altLang="en-US" sz="3200" dirty="0">
-                <a:solidFill>
-                  <a:schemeClr val="tx1">
-                    <a:alpha val="60000"/>
-                  </a:schemeClr>
-                </a:solidFill>
-              </a:rPr>
-              <a:t>淘汰赛赛程</a:t>
-            </a:r>
-          </a:p>
-        </p:txBody>
-      </p:sp>
-      <p:sp>
-        <p:nvSpPr>
-          <p:cNvPr id="4" name="矩形 3">
-            <a:extLst>
-              <a:ext uri="{FF2B5EF4-FFF2-40B4-BE49-F238E27FC236}">
-                <a16:creationId xmlns:a16="http://schemas.microsoft.com/office/drawing/2014/main" id="{AD9261AF-EB6A-4EB1-A26F-8733BA6CB95F}"/>
-              </a:ext>
-            </a:extLst>
-          </p:cNvPr>
-          <p:cNvSpPr/>
-          <p:nvPr/>
-        </p:nvSpPr>
-        <p:spPr>
-          <a:xfrm>
-            <a:off x="384648" y="1695541"/>
-            <a:ext cx="1187170" cy="286158"/>
-          </a:xfrm>
-          <a:prstGeom prst="rect">
-            <a:avLst/>
-          </a:prstGeom>
-          <a:solidFill>
-            <a:srgbClr val="FFB3B3">
-              <a:alpha val="50000"/>
-            </a:srgbClr>
-          </a:solidFill>
-          <a:ln>
-            <a:solidFill>
-              <a:srgbClr val="E28EA6"/>
-            </a:solidFill>
-          </a:ln>
-        </p:spPr>
-        <p:style>
-          <a:lnRef idx="2">
-            <a:schemeClr val="accent3">
-              <a:shade val="50000"/>
-            </a:schemeClr>
-          </a:lnRef>
-          <a:fillRef idx="1">
-            <a:schemeClr val="accent3"/>
-          </a:fillRef>
-          <a:effectRef idx="0">
-            <a:schemeClr val="accent3"/>
-          </a:effectRef>
-          <a:fontRef idx="minor">
-            <a:schemeClr val="lt1"/>
-          </a:fontRef>
-        </p:style>
-        <p:txBody>
-          <a:bodyPr rtlCol="0" anchor="ctr"/>
-          <a:lstStyle/>
-          <a:p>
-            <a:pPr algn="ctr"/>
-            <a:endParaRPr lang="zh-CN" altLang="en-US"/>
-          </a:p>
-        </p:txBody>
-      </p:sp>
-      <p:sp>
-        <p:nvSpPr>
-          <p:cNvPr id="11" name="矩形 10">
-            <a:extLst>
-              <a:ext uri="{FF2B5EF4-FFF2-40B4-BE49-F238E27FC236}">
-                <a16:creationId xmlns:a16="http://schemas.microsoft.com/office/drawing/2014/main" id="{1C199168-37F0-4E3B-96B5-594694324920}"/>
-              </a:ext>
-            </a:extLst>
-          </p:cNvPr>
-          <p:cNvSpPr/>
-          <p:nvPr/>
-        </p:nvSpPr>
-        <p:spPr>
-          <a:xfrm>
-            <a:off x="384648" y="2443987"/>
-            <a:ext cx="1187170" cy="286158"/>
-          </a:xfrm>
-          <a:prstGeom prst="rect">
-            <a:avLst/>
-          </a:prstGeom>
-          <a:solidFill>
-            <a:srgbClr val="FFB3B3">
-              <a:alpha val="50000"/>
-            </a:srgbClr>
-          </a:solidFill>
-          <a:ln>
-            <a:solidFill>
-              <a:srgbClr val="E28EA6"/>
-            </a:solidFill>
-          </a:ln>
-        </p:spPr>
-        <p:style>
-          <a:lnRef idx="2">
-            <a:schemeClr val="accent3">
-              <a:shade val="50000"/>
-            </a:schemeClr>
-          </a:lnRef>
-          <a:fillRef idx="1">
-            <a:schemeClr val="accent3"/>
-          </a:fillRef>
-          <a:effectRef idx="0">
-            <a:schemeClr val="accent3"/>
-          </a:effectRef>
-          <a:fontRef idx="minor">
-            <a:schemeClr val="lt1"/>
-          </a:fontRef>
-        </p:style>
-        <p:txBody>
-          <a:bodyPr rtlCol="0" anchor="ctr"/>
-          <a:lstStyle/>
-          <a:p>
-            <a:pPr algn="ctr"/>
-            <a:endParaRPr lang="zh-CN" altLang="en-US"/>
-          </a:p>
-        </p:txBody>
-      </p:sp>
-      <p:sp>
-        <p:nvSpPr>
-          <p:cNvPr id="12" name="矩形 11">
-            <a:extLst>
-              <a:ext uri="{FF2B5EF4-FFF2-40B4-BE49-F238E27FC236}">
-                <a16:creationId xmlns:a16="http://schemas.microsoft.com/office/drawing/2014/main" id="{701DD13B-D4F4-43F6-927B-1084650DC87A}"/>
-              </a:ext>
-            </a:extLst>
-          </p:cNvPr>
-          <p:cNvSpPr/>
-          <p:nvPr/>
-        </p:nvSpPr>
-        <p:spPr>
-          <a:xfrm>
-            <a:off x="384648" y="5437771"/>
-            <a:ext cx="1187170" cy="286158"/>
-          </a:xfrm>
-          <a:prstGeom prst="rect">
-            <a:avLst/>
-          </a:prstGeom>
-          <a:solidFill>
-            <a:srgbClr val="FFB3B3">
-              <a:alpha val="50000"/>
-            </a:srgbClr>
-          </a:solidFill>
-          <a:ln>
-            <a:solidFill>
-              <a:srgbClr val="E28EA6"/>
-            </a:solidFill>
-          </a:ln>
-        </p:spPr>
-        <p:style>
-          <a:lnRef idx="2">
-            <a:schemeClr val="accent3">
-              <a:shade val="50000"/>
-            </a:schemeClr>
-          </a:lnRef>
-          <a:fillRef idx="1">
-            <a:schemeClr val="accent3"/>
-          </a:fillRef>
-          <a:effectRef idx="0">
-            <a:schemeClr val="accent3"/>
-          </a:effectRef>
-          <a:fontRef idx="minor">
-            <a:schemeClr val="lt1"/>
-          </a:fontRef>
-        </p:style>
-        <p:txBody>
-          <a:bodyPr rtlCol="0" anchor="ctr"/>
-          <a:lstStyle/>
-          <a:p>
-            <a:pPr algn="ctr"/>
-            <a:endParaRPr lang="zh-CN" altLang="en-US"/>
-          </a:p>
-        </p:txBody>
-      </p:sp>
-      <p:sp>
-        <p:nvSpPr>
-          <p:cNvPr id="13" name="矩形 12">
-            <a:extLst>
-              <a:ext uri="{FF2B5EF4-FFF2-40B4-BE49-F238E27FC236}">
-                <a16:creationId xmlns:a16="http://schemas.microsoft.com/office/drawing/2014/main" id="{03AE7EB5-B8B4-4D86-A8BD-87EBE9764FAA}"/>
-              </a:ext>
-            </a:extLst>
-          </p:cNvPr>
-          <p:cNvSpPr/>
-          <p:nvPr/>
-        </p:nvSpPr>
-        <p:spPr>
-          <a:xfrm>
-            <a:off x="384648" y="3192433"/>
-            <a:ext cx="1187170" cy="286158"/>
-          </a:xfrm>
-          <a:prstGeom prst="rect">
-            <a:avLst/>
-          </a:prstGeom>
-          <a:solidFill>
-            <a:srgbClr val="FFB3B3">
-              <a:alpha val="50000"/>
-            </a:srgbClr>
-          </a:solidFill>
-          <a:ln>
-            <a:solidFill>
-              <a:srgbClr val="E28EA6"/>
-            </a:solidFill>
-          </a:ln>
-        </p:spPr>
-        <p:style>
-          <a:lnRef idx="2">
-            <a:schemeClr val="accent3">
-              <a:shade val="50000"/>
-            </a:schemeClr>
-          </a:lnRef>
-          <a:fillRef idx="1">
-            <a:schemeClr val="accent3"/>
-          </a:fillRef>
-          <a:effectRef idx="0">
-            <a:schemeClr val="accent3"/>
-          </a:effectRef>
-          <a:fontRef idx="minor">
-            <a:schemeClr val="lt1"/>
-          </a:fontRef>
-        </p:style>
-        <p:txBody>
-          <a:bodyPr rtlCol="0" anchor="ctr"/>
-          <a:lstStyle/>
-          <a:p>
-            <a:pPr algn="ctr"/>
-            <a:endParaRPr lang="zh-CN" altLang="en-US"/>
-          </a:p>
-        </p:txBody>
-      </p:sp>
-      <p:sp>
-        <p:nvSpPr>
-          <p:cNvPr id="14" name="矩形 13">
-            <a:extLst>
-              <a:ext uri="{FF2B5EF4-FFF2-40B4-BE49-F238E27FC236}">
-                <a16:creationId xmlns:a16="http://schemas.microsoft.com/office/drawing/2014/main" id="{167B23DE-7B6F-4243-9C93-7E39AE7FB604}"/>
-              </a:ext>
-            </a:extLst>
-          </p:cNvPr>
-          <p:cNvSpPr/>
-          <p:nvPr/>
-        </p:nvSpPr>
-        <p:spPr>
-          <a:xfrm>
-            <a:off x="384648" y="3940879"/>
-            <a:ext cx="1187170" cy="286158"/>
-          </a:xfrm>
-          <a:prstGeom prst="rect">
-            <a:avLst/>
-          </a:prstGeom>
-          <a:solidFill>
-            <a:srgbClr val="FFB3B3">
-              <a:alpha val="50000"/>
-            </a:srgbClr>
-          </a:solidFill>
-          <a:ln>
-            <a:solidFill>
-              <a:srgbClr val="E28EA6"/>
-            </a:solidFill>
-          </a:ln>
-        </p:spPr>
-        <p:style>
-          <a:lnRef idx="2">
-            <a:schemeClr val="accent3">
-              <a:shade val="50000"/>
-            </a:schemeClr>
-          </a:lnRef>
-          <a:fillRef idx="1">
-            <a:schemeClr val="accent3"/>
-          </a:fillRef>
-          <a:effectRef idx="0">
-            <a:schemeClr val="accent3"/>
-          </a:effectRef>
-          <a:fontRef idx="minor">
-            <a:schemeClr val="lt1"/>
-          </a:fontRef>
-        </p:style>
-        <p:txBody>
-          <a:bodyPr rtlCol="0" anchor="ctr"/>
-          <a:lstStyle/>
-          <a:p>
-            <a:pPr algn="ctr"/>
-            <a:endParaRPr lang="zh-CN" altLang="en-US"/>
-          </a:p>
-        </p:txBody>
-      </p:sp>
-      <p:sp>
-        <p:nvSpPr>
-          <p:cNvPr id="15" name="矩形 14">
-            <a:extLst>
-              <a:ext uri="{FF2B5EF4-FFF2-40B4-BE49-F238E27FC236}">
-                <a16:creationId xmlns:a16="http://schemas.microsoft.com/office/drawing/2014/main" id="{FFC4A161-A236-4FAE-9A01-043AEA8D6C55}"/>
-              </a:ext>
-            </a:extLst>
-          </p:cNvPr>
-          <p:cNvSpPr/>
-          <p:nvPr/>
-        </p:nvSpPr>
-        <p:spPr>
-          <a:xfrm>
-            <a:off x="384648" y="4689325"/>
-            <a:ext cx="1187170" cy="286158"/>
-          </a:xfrm>
-          <a:prstGeom prst="rect">
-            <a:avLst/>
-          </a:prstGeom>
-          <a:solidFill>
-            <a:srgbClr val="FFB3B3">
-              <a:alpha val="50000"/>
-            </a:srgbClr>
-          </a:solidFill>
-          <a:ln>
-            <a:solidFill>
-              <a:srgbClr val="E28EA6"/>
-            </a:solidFill>
-          </a:ln>
-        </p:spPr>
-        <p:style>
-          <a:lnRef idx="2">
-            <a:schemeClr val="accent3">
-              <a:shade val="50000"/>
-            </a:schemeClr>
-          </a:lnRef>
-          <a:fillRef idx="1">
-            <a:schemeClr val="accent3"/>
-          </a:fillRef>
-          <a:effectRef idx="0">
-            <a:schemeClr val="accent3"/>
-          </a:effectRef>
-          <a:fontRef idx="minor">
-            <a:schemeClr val="lt1"/>
-          </a:fontRef>
-        </p:style>
-        <p:txBody>
-          <a:bodyPr rtlCol="0" anchor="ctr"/>
-          <a:lstStyle/>
-          <a:p>
-            <a:pPr algn="ctr"/>
-            <a:endParaRPr lang="zh-CN" altLang="en-US"/>
-          </a:p>
-        </p:txBody>
-      </p:sp>
-      <p:sp>
-        <p:nvSpPr>
-          <p:cNvPr id="16" name="矩形 15">
-            <a:extLst>
-              <a:ext uri="{FF2B5EF4-FFF2-40B4-BE49-F238E27FC236}">
-                <a16:creationId xmlns:a16="http://schemas.microsoft.com/office/drawing/2014/main" id="{4A996489-43DB-4C37-81BC-B4B85C59938A}"/>
-              </a:ext>
-            </a:extLst>
-          </p:cNvPr>
-          <p:cNvSpPr/>
-          <p:nvPr/>
-        </p:nvSpPr>
-        <p:spPr>
-          <a:xfrm>
-            <a:off x="384648" y="947095"/>
-            <a:ext cx="1187170" cy="286158"/>
-          </a:xfrm>
-          <a:prstGeom prst="rect">
-            <a:avLst/>
-          </a:prstGeom>
-          <a:solidFill>
-            <a:srgbClr val="FFB3B3">
-              <a:alpha val="50000"/>
-            </a:srgbClr>
-          </a:solidFill>
-          <a:ln>
-            <a:solidFill>
-              <a:srgbClr val="E28EA6"/>
-            </a:solidFill>
-          </a:ln>
-        </p:spPr>
-        <p:style>
-          <a:lnRef idx="2">
-            <a:schemeClr val="accent3">
-              <a:shade val="50000"/>
-            </a:schemeClr>
-          </a:lnRef>
-          <a:fillRef idx="1">
-            <a:schemeClr val="accent3"/>
-          </a:fillRef>
-          <a:effectRef idx="0">
-            <a:schemeClr val="accent3"/>
-          </a:effectRef>
-          <a:fontRef idx="minor">
-            <a:schemeClr val="lt1"/>
-          </a:fontRef>
-        </p:style>
-        <p:txBody>
-          <a:bodyPr rtlCol="0" anchor="ctr"/>
-          <a:lstStyle/>
-          <a:p>
-            <a:pPr algn="ctr"/>
-            <a:endParaRPr lang="zh-CN" altLang="en-US" sz="1400" dirty="0"/>
-          </a:p>
-        </p:txBody>
-      </p:sp>
-      <p:sp>
-        <p:nvSpPr>
-          <p:cNvPr id="17" name="矩形 16">
-            <a:extLst>
-              <a:ext uri="{FF2B5EF4-FFF2-40B4-BE49-F238E27FC236}">
-                <a16:creationId xmlns:a16="http://schemas.microsoft.com/office/drawing/2014/main" id="{80817FD1-931B-453F-923C-4C8CF8368DBA}"/>
-              </a:ext>
-            </a:extLst>
-          </p:cNvPr>
-          <p:cNvSpPr/>
-          <p:nvPr/>
-        </p:nvSpPr>
-        <p:spPr>
-          <a:xfrm>
-            <a:off x="384648" y="6186215"/>
-            <a:ext cx="1187170" cy="286158"/>
-          </a:xfrm>
-          <a:prstGeom prst="rect">
-            <a:avLst/>
-          </a:prstGeom>
-          <a:solidFill>
-            <a:srgbClr val="FFB3B3">
-              <a:alpha val="50000"/>
-            </a:srgbClr>
-          </a:solidFill>
-          <a:ln>
-            <a:solidFill>
-              <a:srgbClr val="E28EA6"/>
-            </a:solidFill>
-          </a:ln>
-        </p:spPr>
-        <p:style>
-          <a:lnRef idx="2">
-            <a:schemeClr val="accent3">
-              <a:shade val="50000"/>
-            </a:schemeClr>
-          </a:lnRef>
-          <a:fillRef idx="1">
-            <a:schemeClr val="accent3"/>
-          </a:fillRef>
-          <a:effectRef idx="0">
-            <a:schemeClr val="accent3"/>
-          </a:effectRef>
-          <a:fontRef idx="minor">
-            <a:schemeClr val="lt1"/>
-          </a:fontRef>
-        </p:style>
-        <p:txBody>
-          <a:bodyPr rtlCol="0" anchor="ctr"/>
-          <a:lstStyle/>
-          <a:p>
-            <a:pPr algn="ctr"/>
-            <a:endParaRPr lang="zh-CN" altLang="en-US"/>
-          </a:p>
-        </p:txBody>
-      </p:sp>
-      <p:sp>
-        <p:nvSpPr>
-          <p:cNvPr id="18" name="矩形 17">
-            <a:extLst>
-              <a:ext uri="{FF2B5EF4-FFF2-40B4-BE49-F238E27FC236}">
-                <a16:creationId xmlns:a16="http://schemas.microsoft.com/office/drawing/2014/main" id="{4EB515AA-4417-4E6E-9404-A8F9A1823F1E}"/>
-              </a:ext>
-            </a:extLst>
-          </p:cNvPr>
-          <p:cNvSpPr/>
-          <p:nvPr/>
-        </p:nvSpPr>
-        <p:spPr>
-          <a:xfrm>
-            <a:off x="10620182" y="1695541"/>
-            <a:ext cx="1187170" cy="286158"/>
-          </a:xfrm>
-          <a:prstGeom prst="rect">
-            <a:avLst/>
-          </a:prstGeom>
-          <a:solidFill>
-            <a:srgbClr val="FFB3B3">
-              <a:alpha val="50000"/>
-            </a:srgbClr>
-          </a:solidFill>
-          <a:ln>
-            <a:solidFill>
-              <a:srgbClr val="E28EA6"/>
-            </a:solidFill>
-          </a:ln>
-        </p:spPr>
-        <p:style>
-          <a:lnRef idx="2">
-            <a:schemeClr val="accent3">
-              <a:shade val="50000"/>
-            </a:schemeClr>
-          </a:lnRef>
-          <a:fillRef idx="1">
-            <a:schemeClr val="accent3"/>
-          </a:fillRef>
-          <a:effectRef idx="0">
-            <a:schemeClr val="accent3"/>
-          </a:effectRef>
-          <a:fontRef idx="minor">
-            <a:schemeClr val="lt1"/>
-          </a:fontRef>
-        </p:style>
-        <p:txBody>
-          <a:bodyPr rtlCol="0" anchor="ctr"/>
-          <a:lstStyle/>
-          <a:p>
-            <a:pPr algn="ctr"/>
-            <a:endParaRPr lang="zh-CN" altLang="en-US"/>
-          </a:p>
-        </p:txBody>
-      </p:sp>
-      <p:sp>
-        <p:nvSpPr>
-          <p:cNvPr id="19" name="矩形 18">
-            <a:extLst>
-              <a:ext uri="{FF2B5EF4-FFF2-40B4-BE49-F238E27FC236}">
-                <a16:creationId xmlns:a16="http://schemas.microsoft.com/office/drawing/2014/main" id="{52EEE422-457D-4B05-885C-DDA22D0DCD80}"/>
-              </a:ext>
-            </a:extLst>
-          </p:cNvPr>
-          <p:cNvSpPr/>
-          <p:nvPr/>
-        </p:nvSpPr>
-        <p:spPr>
-          <a:xfrm>
-            <a:off x="10620182" y="2443987"/>
-            <a:ext cx="1187170" cy="286158"/>
-          </a:xfrm>
-          <a:prstGeom prst="rect">
-            <a:avLst/>
-          </a:prstGeom>
-          <a:solidFill>
-            <a:srgbClr val="FFB3B3">
-              <a:alpha val="50000"/>
-            </a:srgbClr>
-          </a:solidFill>
-          <a:ln>
-            <a:solidFill>
-              <a:srgbClr val="E28EA6"/>
-            </a:solidFill>
-          </a:ln>
-        </p:spPr>
-        <p:style>
-          <a:lnRef idx="2">
-            <a:schemeClr val="accent3">
-              <a:shade val="50000"/>
-            </a:schemeClr>
-          </a:lnRef>
-          <a:fillRef idx="1">
-            <a:schemeClr val="accent3"/>
-          </a:fillRef>
-          <a:effectRef idx="0">
-            <a:schemeClr val="accent3"/>
-          </a:effectRef>
-          <a:fontRef idx="minor">
-            <a:schemeClr val="lt1"/>
-          </a:fontRef>
-        </p:style>
-        <p:txBody>
-          <a:bodyPr rtlCol="0" anchor="ctr"/>
-          <a:lstStyle/>
-          <a:p>
-            <a:pPr algn="ctr"/>
-            <a:endParaRPr lang="zh-CN" altLang="en-US"/>
-          </a:p>
-        </p:txBody>
-      </p:sp>
-      <p:sp>
-        <p:nvSpPr>
-          <p:cNvPr id="20" name="矩形 19">
-            <a:extLst>
-              <a:ext uri="{FF2B5EF4-FFF2-40B4-BE49-F238E27FC236}">
-                <a16:creationId xmlns:a16="http://schemas.microsoft.com/office/drawing/2014/main" id="{F94674B5-C54E-431B-AEE5-4A0E34CC544B}"/>
-              </a:ext>
-            </a:extLst>
-          </p:cNvPr>
-          <p:cNvSpPr/>
-          <p:nvPr/>
-        </p:nvSpPr>
-        <p:spPr>
-          <a:xfrm>
-            <a:off x="10620182" y="5437771"/>
-            <a:ext cx="1187170" cy="286158"/>
-          </a:xfrm>
-          <a:prstGeom prst="rect">
-            <a:avLst/>
-          </a:prstGeom>
-          <a:solidFill>
-            <a:srgbClr val="FFB3B3">
-              <a:alpha val="50000"/>
-            </a:srgbClr>
-          </a:solidFill>
-          <a:ln>
-            <a:solidFill>
-              <a:srgbClr val="E28EA6"/>
-            </a:solidFill>
-          </a:ln>
-        </p:spPr>
-        <p:style>
-          <a:lnRef idx="2">
-            <a:schemeClr val="accent3">
-              <a:shade val="50000"/>
-            </a:schemeClr>
-          </a:lnRef>
-          <a:fillRef idx="1">
-            <a:schemeClr val="accent3"/>
-          </a:fillRef>
-          <a:effectRef idx="0">
-            <a:schemeClr val="accent3"/>
-          </a:effectRef>
-          <a:fontRef idx="minor">
-            <a:schemeClr val="lt1"/>
-          </a:fontRef>
-        </p:style>
-        <p:txBody>
-          <a:bodyPr rtlCol="0" anchor="ctr"/>
-          <a:lstStyle/>
-          <a:p>
-            <a:pPr algn="ctr"/>
-            <a:endParaRPr lang="zh-CN" altLang="en-US"/>
-          </a:p>
-        </p:txBody>
-      </p:sp>
-      <p:sp>
-        <p:nvSpPr>
-          <p:cNvPr id="21" name="矩形 20">
-            <a:extLst>
-              <a:ext uri="{FF2B5EF4-FFF2-40B4-BE49-F238E27FC236}">
-                <a16:creationId xmlns:a16="http://schemas.microsoft.com/office/drawing/2014/main" id="{C6361996-9AE6-4B99-BDDF-09EA31E26E8A}"/>
-              </a:ext>
-            </a:extLst>
-          </p:cNvPr>
-          <p:cNvSpPr/>
-          <p:nvPr/>
-        </p:nvSpPr>
-        <p:spPr>
-          <a:xfrm>
-            <a:off x="10620182" y="3192433"/>
-            <a:ext cx="1187170" cy="286158"/>
-          </a:xfrm>
-          <a:prstGeom prst="rect">
-            <a:avLst/>
-          </a:prstGeom>
-          <a:solidFill>
-            <a:srgbClr val="FFB3B3">
-              <a:alpha val="50000"/>
-            </a:srgbClr>
-          </a:solidFill>
-          <a:ln>
-            <a:solidFill>
-              <a:srgbClr val="E28EA6"/>
-            </a:solidFill>
-          </a:ln>
-        </p:spPr>
-        <p:style>
-          <a:lnRef idx="2">
-            <a:schemeClr val="accent3">
-              <a:shade val="50000"/>
-            </a:schemeClr>
-          </a:lnRef>
-          <a:fillRef idx="1">
-            <a:schemeClr val="accent3"/>
-          </a:fillRef>
-          <a:effectRef idx="0">
-            <a:schemeClr val="accent3"/>
-          </a:effectRef>
-          <a:fontRef idx="minor">
-            <a:schemeClr val="lt1"/>
-          </a:fontRef>
-        </p:style>
-        <p:txBody>
-          <a:bodyPr rtlCol="0" anchor="ctr"/>
-          <a:lstStyle/>
-          <a:p>
-            <a:pPr algn="ctr"/>
-            <a:endParaRPr lang="zh-CN" altLang="en-US"/>
-          </a:p>
-        </p:txBody>
-      </p:sp>
-      <p:sp>
-        <p:nvSpPr>
-          <p:cNvPr id="22" name="矩形 21">
-            <a:extLst>
-              <a:ext uri="{FF2B5EF4-FFF2-40B4-BE49-F238E27FC236}">
-                <a16:creationId xmlns:a16="http://schemas.microsoft.com/office/drawing/2014/main" id="{7D0B4C06-1ACA-4CE2-9377-600CE0838EF4}"/>
-              </a:ext>
-            </a:extLst>
-          </p:cNvPr>
-          <p:cNvSpPr/>
-          <p:nvPr/>
-        </p:nvSpPr>
-        <p:spPr>
-          <a:xfrm>
-            <a:off x="10620182" y="3940879"/>
-            <a:ext cx="1187170" cy="286158"/>
-          </a:xfrm>
-          <a:prstGeom prst="rect">
-            <a:avLst/>
-          </a:prstGeom>
-          <a:solidFill>
-            <a:srgbClr val="FFB3B3">
-              <a:alpha val="50000"/>
-            </a:srgbClr>
-          </a:solidFill>
-          <a:ln>
-            <a:solidFill>
-              <a:srgbClr val="E28EA6"/>
-            </a:solidFill>
-          </a:ln>
-        </p:spPr>
-        <p:style>
-          <a:lnRef idx="2">
-            <a:schemeClr val="accent3">
-              <a:shade val="50000"/>
-            </a:schemeClr>
-          </a:lnRef>
-          <a:fillRef idx="1">
-            <a:schemeClr val="accent3"/>
-          </a:fillRef>
-          <a:effectRef idx="0">
-            <a:schemeClr val="accent3"/>
-          </a:effectRef>
-          <a:fontRef idx="minor">
-            <a:schemeClr val="lt1"/>
-          </a:fontRef>
-        </p:style>
-        <p:txBody>
-          <a:bodyPr rtlCol="0" anchor="ctr"/>
-          <a:lstStyle/>
-          <a:p>
-            <a:pPr algn="ctr"/>
-            <a:endParaRPr lang="zh-CN" altLang="en-US"/>
-          </a:p>
-        </p:txBody>
-      </p:sp>
-      <p:sp>
-        <p:nvSpPr>
-          <p:cNvPr id="23" name="矩形 22">
-            <a:extLst>
-              <a:ext uri="{FF2B5EF4-FFF2-40B4-BE49-F238E27FC236}">
-                <a16:creationId xmlns:a16="http://schemas.microsoft.com/office/drawing/2014/main" id="{585AD51B-5406-492A-86E9-B60E53DD2AF7}"/>
-              </a:ext>
-            </a:extLst>
-          </p:cNvPr>
-          <p:cNvSpPr/>
-          <p:nvPr/>
-        </p:nvSpPr>
-        <p:spPr>
-          <a:xfrm>
-            <a:off x="10620182" y="4689325"/>
-            <a:ext cx="1187170" cy="286158"/>
-          </a:xfrm>
-          <a:prstGeom prst="rect">
-            <a:avLst/>
-          </a:prstGeom>
-          <a:solidFill>
-            <a:srgbClr val="FFB3B3">
-              <a:alpha val="50000"/>
-            </a:srgbClr>
-          </a:solidFill>
-          <a:ln>
-            <a:solidFill>
-              <a:srgbClr val="E28EA6"/>
-            </a:solidFill>
-          </a:ln>
-        </p:spPr>
-        <p:style>
-          <a:lnRef idx="2">
-            <a:schemeClr val="accent3">
-              <a:shade val="50000"/>
-            </a:schemeClr>
-          </a:lnRef>
-          <a:fillRef idx="1">
-            <a:schemeClr val="accent3"/>
-          </a:fillRef>
-          <a:effectRef idx="0">
-            <a:schemeClr val="accent3"/>
-          </a:effectRef>
-          <a:fontRef idx="minor">
-            <a:schemeClr val="lt1"/>
-          </a:fontRef>
-        </p:style>
-        <p:txBody>
-          <a:bodyPr rtlCol="0" anchor="ctr"/>
-          <a:lstStyle/>
-          <a:p>
-            <a:pPr algn="ctr"/>
-            <a:endParaRPr lang="zh-CN" altLang="en-US"/>
-          </a:p>
-        </p:txBody>
-      </p:sp>
-      <p:sp>
-        <p:nvSpPr>
-          <p:cNvPr id="24" name="矩形 23">
-            <a:extLst>
-              <a:ext uri="{FF2B5EF4-FFF2-40B4-BE49-F238E27FC236}">
-                <a16:creationId xmlns:a16="http://schemas.microsoft.com/office/drawing/2014/main" id="{4B36B2D5-EDE9-4D40-AA3F-9AEA423FE33A}"/>
-              </a:ext>
-            </a:extLst>
-          </p:cNvPr>
-          <p:cNvSpPr/>
-          <p:nvPr/>
-        </p:nvSpPr>
-        <p:spPr>
-          <a:xfrm>
-            <a:off x="10620182" y="947095"/>
-            <a:ext cx="1187170" cy="286158"/>
-          </a:xfrm>
-          <a:prstGeom prst="rect">
-            <a:avLst/>
-          </a:prstGeom>
-          <a:solidFill>
-            <a:srgbClr val="FFB3B3">
-              <a:alpha val="50000"/>
-            </a:srgbClr>
-          </a:solidFill>
-          <a:ln>
-            <a:solidFill>
-              <a:srgbClr val="E28EA6"/>
-            </a:solidFill>
-          </a:ln>
-        </p:spPr>
-        <p:style>
-          <a:lnRef idx="2">
-            <a:schemeClr val="accent3">
-              <a:shade val="50000"/>
-            </a:schemeClr>
-          </a:lnRef>
-          <a:fillRef idx="1">
-            <a:schemeClr val="accent3"/>
-          </a:fillRef>
-          <a:effectRef idx="0">
-            <a:schemeClr val="accent3"/>
-          </a:effectRef>
-          <a:fontRef idx="minor">
-            <a:schemeClr val="lt1"/>
-          </a:fontRef>
-        </p:style>
-        <p:txBody>
-          <a:bodyPr rtlCol="0" anchor="ctr"/>
-          <a:lstStyle/>
-          <a:p>
-            <a:pPr algn="ctr"/>
-            <a:endParaRPr lang="zh-CN" altLang="en-US"/>
-          </a:p>
-        </p:txBody>
-      </p:sp>
-      <p:sp>
-        <p:nvSpPr>
-          <p:cNvPr id="25" name="矩形 24">
-            <a:extLst>
-              <a:ext uri="{FF2B5EF4-FFF2-40B4-BE49-F238E27FC236}">
-                <a16:creationId xmlns:a16="http://schemas.microsoft.com/office/drawing/2014/main" id="{649BF719-D0BF-4DDB-9778-AFB5D580929D}"/>
-              </a:ext>
-            </a:extLst>
-          </p:cNvPr>
-          <p:cNvSpPr/>
-          <p:nvPr/>
-        </p:nvSpPr>
-        <p:spPr>
-          <a:xfrm>
-            <a:off x="10620182" y="6186215"/>
-            <a:ext cx="1187170" cy="286158"/>
-          </a:xfrm>
-          <a:prstGeom prst="rect">
-            <a:avLst/>
-          </a:prstGeom>
-          <a:solidFill>
-            <a:srgbClr val="FFB3B3">
-              <a:alpha val="50000"/>
-            </a:srgbClr>
-          </a:solidFill>
-          <a:ln>
-            <a:solidFill>
-              <a:srgbClr val="E28EA6"/>
-            </a:solidFill>
-          </a:ln>
-        </p:spPr>
-        <p:style>
-          <a:lnRef idx="2">
-            <a:schemeClr val="accent3">
-              <a:shade val="50000"/>
-            </a:schemeClr>
-          </a:lnRef>
-          <a:fillRef idx="1">
-            <a:schemeClr val="accent3"/>
-          </a:fillRef>
-          <a:effectRef idx="0">
-            <a:schemeClr val="accent3"/>
-          </a:effectRef>
-          <a:fontRef idx="minor">
-            <a:schemeClr val="lt1"/>
-          </a:fontRef>
-        </p:style>
-        <p:txBody>
-          <a:bodyPr rtlCol="0" anchor="ctr"/>
-          <a:lstStyle/>
-          <a:p>
-            <a:pPr algn="ctr"/>
-            <a:endParaRPr lang="zh-CN" altLang="en-US"/>
-          </a:p>
-        </p:txBody>
-      </p:sp>
-      <p:sp>
-        <p:nvSpPr>
-          <p:cNvPr id="26" name="矩形 25">
-            <a:extLst>
-              <a:ext uri="{FF2B5EF4-FFF2-40B4-BE49-F238E27FC236}">
-                <a16:creationId xmlns:a16="http://schemas.microsoft.com/office/drawing/2014/main" id="{E486FE08-D00C-4FC8-B4B9-9F15CBCCB14C}"/>
-              </a:ext>
-            </a:extLst>
-          </p:cNvPr>
-          <p:cNvSpPr/>
-          <p:nvPr/>
-        </p:nvSpPr>
-        <p:spPr>
-          <a:xfrm>
-            <a:off x="8971079" y="1321441"/>
-            <a:ext cx="1187170" cy="286158"/>
-          </a:xfrm>
-          <a:prstGeom prst="rect">
-            <a:avLst/>
-          </a:prstGeom>
-          <a:solidFill>
-            <a:srgbClr val="FFB3B3">
-              <a:alpha val="60000"/>
-            </a:srgbClr>
-          </a:solidFill>
-          <a:ln>
-            <a:solidFill>
-              <a:srgbClr val="E28EA6"/>
-            </a:solidFill>
-          </a:ln>
-        </p:spPr>
-        <p:style>
-          <a:lnRef idx="2">
-            <a:schemeClr val="accent3">
-              <a:shade val="50000"/>
-            </a:schemeClr>
-          </a:lnRef>
-          <a:fillRef idx="1">
-            <a:schemeClr val="accent3"/>
-          </a:fillRef>
-          <a:effectRef idx="0">
-            <a:schemeClr val="accent3"/>
-          </a:effectRef>
-          <a:fontRef idx="minor">
-            <a:schemeClr val="lt1"/>
-          </a:fontRef>
-        </p:style>
-        <p:txBody>
-          <a:bodyPr rtlCol="0" anchor="ctr"/>
-          <a:lstStyle/>
-          <a:p>
-            <a:pPr algn="ctr"/>
-            <a:endParaRPr lang="zh-CN" altLang="en-US"/>
-          </a:p>
-        </p:txBody>
-      </p:sp>
-      <p:sp>
-        <p:nvSpPr>
-          <p:cNvPr id="27" name="矩形 26">
-            <a:extLst>
-              <a:ext uri="{FF2B5EF4-FFF2-40B4-BE49-F238E27FC236}">
-                <a16:creationId xmlns:a16="http://schemas.microsoft.com/office/drawing/2014/main" id="{13CFE647-55EE-4C2D-B40F-63C70411D226}"/>
-              </a:ext>
-            </a:extLst>
-          </p:cNvPr>
-          <p:cNvSpPr/>
-          <p:nvPr/>
-        </p:nvSpPr>
-        <p:spPr>
-          <a:xfrm>
-            <a:off x="2033406" y="1321441"/>
-            <a:ext cx="1187170" cy="286158"/>
-          </a:xfrm>
-          <a:prstGeom prst="rect">
-            <a:avLst/>
-          </a:prstGeom>
-          <a:solidFill>
-            <a:srgbClr val="FFB3B3">
-              <a:alpha val="60000"/>
-            </a:srgbClr>
-          </a:solidFill>
-          <a:ln>
-            <a:solidFill>
-              <a:srgbClr val="E28EA6"/>
-            </a:solidFill>
-          </a:ln>
-        </p:spPr>
-        <p:style>
-          <a:lnRef idx="2">
-            <a:schemeClr val="accent3">
-              <a:shade val="50000"/>
-            </a:schemeClr>
-          </a:lnRef>
-          <a:fillRef idx="1">
-            <a:schemeClr val="accent3"/>
-          </a:fillRef>
-          <a:effectRef idx="0">
-            <a:schemeClr val="accent3"/>
-          </a:effectRef>
-          <a:fontRef idx="minor">
-            <a:schemeClr val="lt1"/>
-          </a:fontRef>
-        </p:style>
-        <p:txBody>
-          <a:bodyPr rtlCol="0" anchor="ctr"/>
-          <a:lstStyle/>
-          <a:p>
-            <a:pPr algn="ctr"/>
-            <a:endParaRPr lang="zh-CN" altLang="en-US"/>
-          </a:p>
-        </p:txBody>
-      </p:sp>
-      <p:sp>
-        <p:nvSpPr>
-          <p:cNvPr id="28" name="矩形 27">
-            <a:extLst>
-              <a:ext uri="{FF2B5EF4-FFF2-40B4-BE49-F238E27FC236}">
-                <a16:creationId xmlns:a16="http://schemas.microsoft.com/office/drawing/2014/main" id="{AC2737A9-E9BC-4A0E-964C-DAD11544A87C}"/>
-              </a:ext>
-            </a:extLst>
-          </p:cNvPr>
-          <p:cNvSpPr/>
-          <p:nvPr/>
-        </p:nvSpPr>
-        <p:spPr>
-          <a:xfrm>
-            <a:off x="2033406" y="2818108"/>
-            <a:ext cx="1187170" cy="286158"/>
-          </a:xfrm>
-          <a:prstGeom prst="rect">
-            <a:avLst/>
-          </a:prstGeom>
-          <a:solidFill>
-            <a:srgbClr val="FFB3B3">
-              <a:alpha val="60000"/>
-            </a:srgbClr>
-          </a:solidFill>
-          <a:ln>
-            <a:solidFill>
-              <a:srgbClr val="E28EA6"/>
-            </a:solidFill>
-          </a:ln>
-        </p:spPr>
-        <p:style>
-          <a:lnRef idx="2">
-            <a:schemeClr val="accent3">
-              <a:shade val="50000"/>
-            </a:schemeClr>
-          </a:lnRef>
-          <a:fillRef idx="1">
-            <a:schemeClr val="accent3"/>
-          </a:fillRef>
-          <a:effectRef idx="0">
-            <a:schemeClr val="accent3"/>
-          </a:effectRef>
-          <a:fontRef idx="minor">
-            <a:schemeClr val="lt1"/>
-          </a:fontRef>
-        </p:style>
-        <p:txBody>
-          <a:bodyPr rtlCol="0" anchor="ctr"/>
-          <a:lstStyle/>
-          <a:p>
-            <a:pPr algn="ctr"/>
-            <a:endParaRPr lang="zh-CN" altLang="en-US"/>
-          </a:p>
-        </p:txBody>
-      </p:sp>
-      <p:sp>
-        <p:nvSpPr>
-          <p:cNvPr id="29" name="矩形 28">
-            <a:extLst>
-              <a:ext uri="{FF2B5EF4-FFF2-40B4-BE49-F238E27FC236}">
-                <a16:creationId xmlns:a16="http://schemas.microsoft.com/office/drawing/2014/main" id="{C1B2F897-3691-4BD0-87E8-58DA7C41AFC1}"/>
-              </a:ext>
-            </a:extLst>
-          </p:cNvPr>
-          <p:cNvSpPr/>
-          <p:nvPr/>
-        </p:nvSpPr>
-        <p:spPr>
-          <a:xfrm>
-            <a:off x="2033751" y="5811441"/>
-            <a:ext cx="1187170" cy="286158"/>
-          </a:xfrm>
-          <a:prstGeom prst="rect">
-            <a:avLst/>
-          </a:prstGeom>
-          <a:solidFill>
-            <a:srgbClr val="FFB3B3">
-              <a:alpha val="60000"/>
-            </a:srgbClr>
-          </a:solidFill>
-          <a:ln>
-            <a:solidFill>
-              <a:srgbClr val="E28EA6"/>
-            </a:solidFill>
-          </a:ln>
-        </p:spPr>
-        <p:style>
-          <a:lnRef idx="2">
-            <a:schemeClr val="accent3">
-              <a:shade val="50000"/>
-            </a:schemeClr>
-          </a:lnRef>
-          <a:fillRef idx="1">
-            <a:schemeClr val="accent3"/>
-          </a:fillRef>
-          <a:effectRef idx="0">
-            <a:schemeClr val="accent3"/>
-          </a:effectRef>
-          <a:fontRef idx="minor">
-            <a:schemeClr val="lt1"/>
-          </a:fontRef>
-        </p:style>
-        <p:txBody>
-          <a:bodyPr rtlCol="0" anchor="ctr"/>
-          <a:lstStyle/>
-          <a:p>
-            <a:pPr algn="ctr"/>
-            <a:endParaRPr lang="zh-CN" altLang="en-US"/>
-          </a:p>
-        </p:txBody>
-      </p:sp>
-      <p:sp>
-        <p:nvSpPr>
-          <p:cNvPr id="30" name="矩形 29">
-            <a:extLst>
-              <a:ext uri="{FF2B5EF4-FFF2-40B4-BE49-F238E27FC236}">
-                <a16:creationId xmlns:a16="http://schemas.microsoft.com/office/drawing/2014/main" id="{08B3B3CD-5F01-4C4D-B4FF-8F90F3981FDF}"/>
-              </a:ext>
-            </a:extLst>
-          </p:cNvPr>
-          <p:cNvSpPr/>
-          <p:nvPr/>
-        </p:nvSpPr>
-        <p:spPr>
-          <a:xfrm>
-            <a:off x="2033406" y="4314775"/>
-            <a:ext cx="1187170" cy="286158"/>
-          </a:xfrm>
-          <a:prstGeom prst="rect">
-            <a:avLst/>
-          </a:prstGeom>
-          <a:solidFill>
-            <a:srgbClr val="FFB3B3">
-              <a:alpha val="60000"/>
-            </a:srgbClr>
-          </a:solidFill>
-          <a:ln>
-            <a:solidFill>
-              <a:srgbClr val="E28EA6"/>
-            </a:solidFill>
-          </a:ln>
-        </p:spPr>
-        <p:style>
-          <a:lnRef idx="2">
-            <a:schemeClr val="accent3">
-              <a:shade val="50000"/>
-            </a:schemeClr>
-          </a:lnRef>
-          <a:fillRef idx="1">
-            <a:schemeClr val="accent3"/>
-          </a:fillRef>
-          <a:effectRef idx="0">
-            <a:schemeClr val="accent3"/>
-          </a:effectRef>
-          <a:fontRef idx="minor">
-            <a:schemeClr val="lt1"/>
-          </a:fontRef>
-        </p:style>
-        <p:txBody>
-          <a:bodyPr rtlCol="0" anchor="ctr"/>
-          <a:lstStyle/>
-          <a:p>
-            <a:pPr algn="ctr"/>
-            <a:endParaRPr lang="zh-CN" altLang="en-US"/>
-          </a:p>
-        </p:txBody>
-      </p:sp>
-      <p:sp>
-        <p:nvSpPr>
-          <p:cNvPr id="31" name="矩形 30">
-            <a:extLst>
-              <a:ext uri="{FF2B5EF4-FFF2-40B4-BE49-F238E27FC236}">
-                <a16:creationId xmlns:a16="http://schemas.microsoft.com/office/drawing/2014/main" id="{779E33A9-5EA1-472E-A1E4-E42F0018D9F0}"/>
-              </a:ext>
-            </a:extLst>
-          </p:cNvPr>
-          <p:cNvSpPr/>
-          <p:nvPr/>
-        </p:nvSpPr>
-        <p:spPr>
-          <a:xfrm>
-            <a:off x="8971079" y="2818108"/>
-            <a:ext cx="1187170" cy="286158"/>
-          </a:xfrm>
-          <a:prstGeom prst="rect">
-            <a:avLst/>
-          </a:prstGeom>
-          <a:solidFill>
-            <a:srgbClr val="FFB3B3">
-              <a:alpha val="60000"/>
-            </a:srgbClr>
-          </a:solidFill>
-          <a:ln>
-            <a:solidFill>
-              <a:srgbClr val="E28EA6"/>
-            </a:solidFill>
-          </a:ln>
-        </p:spPr>
-        <p:style>
-          <a:lnRef idx="2">
-            <a:schemeClr val="accent3">
-              <a:shade val="50000"/>
-            </a:schemeClr>
-          </a:lnRef>
-          <a:fillRef idx="1">
-            <a:schemeClr val="accent3"/>
-          </a:fillRef>
-          <a:effectRef idx="0">
-            <a:schemeClr val="accent3"/>
-          </a:effectRef>
-          <a:fontRef idx="minor">
-            <a:schemeClr val="lt1"/>
-          </a:fontRef>
-        </p:style>
-        <p:txBody>
-          <a:bodyPr rtlCol="0" anchor="ctr"/>
-          <a:lstStyle/>
-          <a:p>
-            <a:pPr algn="ctr"/>
-            <a:endParaRPr lang="zh-CN" altLang="en-US"/>
-          </a:p>
-        </p:txBody>
-      </p:sp>
-      <p:sp>
-        <p:nvSpPr>
-          <p:cNvPr id="32" name="矩形 31">
-            <a:extLst>
-              <a:ext uri="{FF2B5EF4-FFF2-40B4-BE49-F238E27FC236}">
-                <a16:creationId xmlns:a16="http://schemas.microsoft.com/office/drawing/2014/main" id="{DE63DCBA-79BC-4A0B-9CBB-EF80FEDF731B}"/>
-              </a:ext>
-            </a:extLst>
-          </p:cNvPr>
-          <p:cNvSpPr/>
-          <p:nvPr/>
-        </p:nvSpPr>
-        <p:spPr>
-          <a:xfrm>
-            <a:off x="8971079" y="4314775"/>
-            <a:ext cx="1187170" cy="286158"/>
-          </a:xfrm>
-          <a:prstGeom prst="rect">
-            <a:avLst/>
-          </a:prstGeom>
-          <a:solidFill>
-            <a:srgbClr val="FFB3B3">
-              <a:alpha val="60000"/>
-            </a:srgbClr>
-          </a:solidFill>
-          <a:ln>
-            <a:solidFill>
-              <a:srgbClr val="E28EA6"/>
-            </a:solidFill>
-          </a:ln>
-        </p:spPr>
-        <p:style>
-          <a:lnRef idx="2">
-            <a:schemeClr val="accent3">
-              <a:shade val="50000"/>
-            </a:schemeClr>
-          </a:lnRef>
-          <a:fillRef idx="1">
-            <a:schemeClr val="accent3"/>
-          </a:fillRef>
-          <a:effectRef idx="0">
-            <a:schemeClr val="accent3"/>
-          </a:effectRef>
-          <a:fontRef idx="minor">
-            <a:schemeClr val="lt1"/>
-          </a:fontRef>
-        </p:style>
-        <p:txBody>
-          <a:bodyPr rtlCol="0" anchor="ctr"/>
-          <a:lstStyle/>
-          <a:p>
-            <a:pPr algn="ctr"/>
-            <a:endParaRPr lang="zh-CN" altLang="en-US"/>
-          </a:p>
-        </p:txBody>
-      </p:sp>
-      <p:sp>
-        <p:nvSpPr>
-          <p:cNvPr id="33" name="矩形 32">
-            <a:extLst>
-              <a:ext uri="{FF2B5EF4-FFF2-40B4-BE49-F238E27FC236}">
-                <a16:creationId xmlns:a16="http://schemas.microsoft.com/office/drawing/2014/main" id="{82AA739F-1944-44FF-B58A-837F8F7446AA}"/>
-              </a:ext>
-            </a:extLst>
-          </p:cNvPr>
-          <p:cNvSpPr/>
-          <p:nvPr/>
-        </p:nvSpPr>
-        <p:spPr>
-          <a:xfrm>
-            <a:off x="8971079" y="5811441"/>
-            <a:ext cx="1187170" cy="286158"/>
-          </a:xfrm>
-          <a:prstGeom prst="rect">
-            <a:avLst/>
-          </a:prstGeom>
-          <a:solidFill>
-            <a:srgbClr val="FFB3B3">
-              <a:alpha val="60000"/>
-            </a:srgbClr>
-          </a:solidFill>
-          <a:ln>
-            <a:solidFill>
-              <a:srgbClr val="E28EA6"/>
-            </a:solidFill>
-          </a:ln>
-        </p:spPr>
-        <p:style>
-          <a:lnRef idx="2">
-            <a:schemeClr val="accent3">
-              <a:shade val="50000"/>
-            </a:schemeClr>
-          </a:lnRef>
-          <a:fillRef idx="1">
-            <a:schemeClr val="accent3"/>
-          </a:fillRef>
-          <a:effectRef idx="0">
-            <a:schemeClr val="accent3"/>
-          </a:effectRef>
-          <a:fontRef idx="minor">
-            <a:schemeClr val="lt1"/>
-          </a:fontRef>
-        </p:style>
-        <p:txBody>
-          <a:bodyPr rtlCol="0" anchor="ctr"/>
-          <a:lstStyle/>
-          <a:p>
-            <a:pPr algn="ctr"/>
-            <a:endParaRPr lang="zh-CN" altLang="en-US"/>
-          </a:p>
-        </p:txBody>
-      </p:sp>
-      <p:sp>
-        <p:nvSpPr>
-          <p:cNvPr id="34" name="矩形 33">
-            <a:extLst>
-              <a:ext uri="{FF2B5EF4-FFF2-40B4-BE49-F238E27FC236}">
-                <a16:creationId xmlns:a16="http://schemas.microsoft.com/office/drawing/2014/main" id="{D3B61D34-D536-45CA-85F2-588A56B21618}"/>
-              </a:ext>
-            </a:extLst>
-          </p:cNvPr>
-          <p:cNvSpPr/>
-          <p:nvPr/>
-        </p:nvSpPr>
-        <p:spPr>
-          <a:xfrm>
-            <a:off x="3876250" y="2072513"/>
-            <a:ext cx="1187170" cy="286158"/>
-          </a:xfrm>
-          <a:prstGeom prst="rect">
-            <a:avLst/>
-          </a:prstGeom>
-          <a:solidFill>
-            <a:srgbClr val="FFB3B3">
-              <a:alpha val="70000"/>
-            </a:srgbClr>
-          </a:solidFill>
-          <a:ln>
-            <a:solidFill>
-              <a:srgbClr val="E28EA6"/>
-            </a:solidFill>
-          </a:ln>
-        </p:spPr>
-        <p:style>
-          <a:lnRef idx="2">
-            <a:schemeClr val="accent3">
-              <a:shade val="50000"/>
-            </a:schemeClr>
-          </a:lnRef>
-          <a:fillRef idx="1">
-            <a:schemeClr val="accent3"/>
-          </a:fillRef>
-          <a:effectRef idx="0">
-            <a:schemeClr val="accent3"/>
-          </a:effectRef>
-          <a:fontRef idx="minor">
-            <a:schemeClr val="lt1"/>
-          </a:fontRef>
-        </p:style>
-        <p:txBody>
-          <a:bodyPr rtlCol="0" anchor="ctr"/>
-          <a:lstStyle/>
-          <a:p>
-            <a:pPr algn="ctr"/>
-            <a:endParaRPr lang="zh-CN" altLang="en-US"/>
-          </a:p>
-        </p:txBody>
-      </p:sp>
-      <p:sp>
-        <p:nvSpPr>
-          <p:cNvPr id="35" name="矩形 34">
-            <a:extLst>
-              <a:ext uri="{FF2B5EF4-FFF2-40B4-BE49-F238E27FC236}">
-                <a16:creationId xmlns:a16="http://schemas.microsoft.com/office/drawing/2014/main" id="{9B9CFD88-BA0D-49E6-942E-C360A7B63E36}"/>
-              </a:ext>
-            </a:extLst>
-          </p:cNvPr>
-          <p:cNvSpPr/>
-          <p:nvPr/>
-        </p:nvSpPr>
-        <p:spPr>
-          <a:xfrm>
-            <a:off x="3876250" y="5062995"/>
-            <a:ext cx="1187170" cy="286158"/>
-          </a:xfrm>
-          <a:prstGeom prst="rect">
-            <a:avLst/>
-          </a:prstGeom>
-          <a:solidFill>
-            <a:srgbClr val="FFB3B3">
-              <a:alpha val="70000"/>
-            </a:srgbClr>
-          </a:solidFill>
-          <a:ln>
-            <a:solidFill>
-              <a:srgbClr val="E28EA6"/>
-            </a:solidFill>
-          </a:ln>
-        </p:spPr>
-        <p:style>
-          <a:lnRef idx="2">
-            <a:schemeClr val="accent3">
-              <a:shade val="50000"/>
-            </a:schemeClr>
-          </a:lnRef>
-          <a:fillRef idx="1">
-            <a:schemeClr val="accent3"/>
-          </a:fillRef>
-          <a:effectRef idx="0">
-            <a:schemeClr val="accent3"/>
-          </a:effectRef>
-          <a:fontRef idx="minor">
-            <a:schemeClr val="lt1"/>
-          </a:fontRef>
-        </p:style>
-        <p:txBody>
-          <a:bodyPr rtlCol="0" anchor="ctr"/>
-          <a:lstStyle/>
-          <a:p>
-            <a:pPr algn="ctr"/>
-            <a:endParaRPr lang="zh-CN" altLang="en-US"/>
-          </a:p>
-        </p:txBody>
-      </p:sp>
-      <p:sp>
-        <p:nvSpPr>
-          <p:cNvPr id="36" name="矩形 35">
-            <a:extLst>
-              <a:ext uri="{FF2B5EF4-FFF2-40B4-BE49-F238E27FC236}">
-                <a16:creationId xmlns:a16="http://schemas.microsoft.com/office/drawing/2014/main" id="{A33C6019-7797-4ADB-9490-93336CB1A532}"/>
-              </a:ext>
-            </a:extLst>
-          </p:cNvPr>
-          <p:cNvSpPr/>
-          <p:nvPr/>
-        </p:nvSpPr>
-        <p:spPr>
-          <a:xfrm>
-            <a:off x="6899079" y="2072513"/>
-            <a:ext cx="1187170" cy="286158"/>
-          </a:xfrm>
-          <a:prstGeom prst="rect">
-            <a:avLst/>
-          </a:prstGeom>
-          <a:solidFill>
-            <a:srgbClr val="FFB3B3">
-              <a:alpha val="70000"/>
-            </a:srgbClr>
-          </a:solidFill>
-          <a:ln>
-            <a:solidFill>
-              <a:srgbClr val="E28EA6"/>
-            </a:solidFill>
-          </a:ln>
-        </p:spPr>
-        <p:style>
-          <a:lnRef idx="2">
-            <a:schemeClr val="accent3">
-              <a:shade val="50000"/>
-            </a:schemeClr>
-          </a:lnRef>
-          <a:fillRef idx="1">
-            <a:schemeClr val="accent3"/>
-          </a:fillRef>
-          <a:effectRef idx="0">
-            <a:schemeClr val="accent3"/>
-          </a:effectRef>
-          <a:fontRef idx="minor">
-            <a:schemeClr val="lt1"/>
-          </a:fontRef>
-        </p:style>
-        <p:txBody>
-          <a:bodyPr rtlCol="0" anchor="ctr"/>
-          <a:lstStyle/>
-          <a:p>
-            <a:pPr algn="ctr"/>
-            <a:endParaRPr lang="zh-CN" altLang="en-US"/>
-          </a:p>
-        </p:txBody>
-      </p:sp>
-      <p:sp>
-        <p:nvSpPr>
-          <p:cNvPr id="37" name="矩形 36">
-            <a:extLst>
-              <a:ext uri="{FF2B5EF4-FFF2-40B4-BE49-F238E27FC236}">
-                <a16:creationId xmlns:a16="http://schemas.microsoft.com/office/drawing/2014/main" id="{9615C390-3CBD-4C8C-AA4E-E4385AB2882E}"/>
-              </a:ext>
-            </a:extLst>
-          </p:cNvPr>
-          <p:cNvSpPr/>
-          <p:nvPr/>
-        </p:nvSpPr>
-        <p:spPr>
-          <a:xfrm>
-            <a:off x="6899079" y="5062995"/>
-            <a:ext cx="1187170" cy="286158"/>
-          </a:xfrm>
-          <a:prstGeom prst="rect">
-            <a:avLst/>
-          </a:prstGeom>
-          <a:solidFill>
-            <a:srgbClr val="FFB3B3">
-              <a:alpha val="70000"/>
-            </a:srgbClr>
-          </a:solidFill>
-          <a:ln>
-            <a:solidFill>
-              <a:srgbClr val="E28EA6"/>
-            </a:solidFill>
-          </a:ln>
-        </p:spPr>
-        <p:style>
-          <a:lnRef idx="2">
-            <a:schemeClr val="accent3">
-              <a:shade val="50000"/>
-            </a:schemeClr>
-          </a:lnRef>
-          <a:fillRef idx="1">
-            <a:schemeClr val="accent3"/>
-          </a:fillRef>
-          <a:effectRef idx="0">
-            <a:schemeClr val="accent3"/>
-          </a:effectRef>
-          <a:fontRef idx="minor">
-            <a:schemeClr val="lt1"/>
-          </a:fontRef>
-        </p:style>
-        <p:txBody>
-          <a:bodyPr rtlCol="0" anchor="ctr"/>
-          <a:lstStyle/>
-          <a:p>
-            <a:pPr algn="ctr"/>
-            <a:endParaRPr lang="zh-CN" altLang="en-US"/>
-          </a:p>
-        </p:txBody>
-      </p:sp>
-      <p:sp>
-        <p:nvSpPr>
-          <p:cNvPr id="38" name="矩形 37">
-            <a:extLst>
-              <a:ext uri="{FF2B5EF4-FFF2-40B4-BE49-F238E27FC236}">
-                <a16:creationId xmlns:a16="http://schemas.microsoft.com/office/drawing/2014/main" id="{B7CF6744-FFA2-43E8-98A6-8991E2094A37}"/>
-              </a:ext>
-            </a:extLst>
-          </p:cNvPr>
-          <p:cNvSpPr/>
-          <p:nvPr/>
-        </p:nvSpPr>
-        <p:spPr>
-          <a:xfrm>
-            <a:off x="5407725" y="3940879"/>
-            <a:ext cx="1187170" cy="286158"/>
-          </a:xfrm>
-          <a:prstGeom prst="rect">
-            <a:avLst/>
-          </a:prstGeom>
-          <a:solidFill>
-            <a:srgbClr val="FFB3B3">
-              <a:alpha val="80000"/>
-            </a:srgbClr>
-          </a:solidFill>
-          <a:ln>
-            <a:solidFill>
-              <a:srgbClr val="E28EA6"/>
-            </a:solidFill>
-          </a:ln>
-        </p:spPr>
-        <p:style>
-          <a:lnRef idx="2">
-            <a:schemeClr val="accent3">
-              <a:shade val="50000"/>
-            </a:schemeClr>
-          </a:lnRef>
-          <a:fillRef idx="1">
-            <a:schemeClr val="accent3"/>
-          </a:fillRef>
-          <a:effectRef idx="0">
-            <a:schemeClr val="accent3"/>
-          </a:effectRef>
-          <a:fontRef idx="minor">
-            <a:schemeClr val="lt1"/>
-          </a:fontRef>
-        </p:style>
-        <p:txBody>
-          <a:bodyPr rtlCol="0" anchor="ctr"/>
-          <a:lstStyle/>
-          <a:p>
-            <a:pPr algn="ctr"/>
-            <a:endParaRPr lang="zh-CN" altLang="en-US"/>
-          </a:p>
-        </p:txBody>
-      </p:sp>
-      <p:sp>
-        <p:nvSpPr>
-          <p:cNvPr id="39" name="矩形 38">
-            <a:extLst>
-              <a:ext uri="{FF2B5EF4-FFF2-40B4-BE49-F238E27FC236}">
-                <a16:creationId xmlns:a16="http://schemas.microsoft.com/office/drawing/2014/main" id="{10124DF7-4BC1-4186-BDA2-60668827A46D}"/>
-              </a:ext>
-            </a:extLst>
-          </p:cNvPr>
-          <p:cNvSpPr/>
-          <p:nvPr/>
-        </p:nvSpPr>
-        <p:spPr>
-          <a:xfrm>
-            <a:off x="5407725" y="2814703"/>
-            <a:ext cx="1187170" cy="286158"/>
-          </a:xfrm>
-          <a:prstGeom prst="rect">
-            <a:avLst/>
-          </a:prstGeom>
-          <a:solidFill>
-            <a:srgbClr val="FFB3B3">
-              <a:alpha val="80000"/>
-            </a:srgbClr>
-          </a:solidFill>
-          <a:ln>
-            <a:solidFill>
-              <a:srgbClr val="E28EA6"/>
-            </a:solidFill>
-          </a:ln>
-        </p:spPr>
-        <p:style>
-          <a:lnRef idx="2">
-            <a:schemeClr val="accent3">
-              <a:shade val="50000"/>
-            </a:schemeClr>
-          </a:lnRef>
-          <a:fillRef idx="1">
-            <a:schemeClr val="accent3"/>
-          </a:fillRef>
-          <a:effectRef idx="0">
-            <a:schemeClr val="accent3"/>
-          </a:effectRef>
-          <a:fontRef idx="minor">
-            <a:schemeClr val="lt1"/>
-          </a:fontRef>
-        </p:style>
-        <p:txBody>
-          <a:bodyPr rtlCol="0" anchor="ctr"/>
-          <a:lstStyle/>
-          <a:p>
-            <a:pPr algn="ctr"/>
-            <a:endParaRPr lang="zh-CN" altLang="en-US"/>
-          </a:p>
-        </p:txBody>
-      </p:sp>
-      <p:sp>
-        <p:nvSpPr>
-          <p:cNvPr id="40" name="矩形 39">
-            <a:extLst>
-              <a:ext uri="{FF2B5EF4-FFF2-40B4-BE49-F238E27FC236}">
-                <a16:creationId xmlns:a16="http://schemas.microsoft.com/office/drawing/2014/main" id="{C4AFF44B-DDA3-4F03-AAF8-A7E2C6D5BB37}"/>
-              </a:ext>
-            </a:extLst>
-          </p:cNvPr>
-          <p:cNvSpPr/>
-          <p:nvPr/>
-        </p:nvSpPr>
-        <p:spPr>
-          <a:xfrm>
-            <a:off x="5407724" y="3377791"/>
-            <a:ext cx="1187170" cy="286158"/>
-          </a:xfrm>
-          <a:prstGeom prst="rect">
-            <a:avLst/>
-          </a:prstGeom>
-          <a:solidFill>
-            <a:srgbClr val="FFB3B3">
-              <a:alpha val="90000"/>
-            </a:srgbClr>
-          </a:solidFill>
-          <a:ln>
-            <a:solidFill>
-              <a:srgbClr val="E28EA6"/>
-            </a:solidFill>
-          </a:ln>
-        </p:spPr>
-        <p:style>
-          <a:lnRef idx="2">
-            <a:schemeClr val="accent3">
-              <a:shade val="50000"/>
-            </a:schemeClr>
-          </a:lnRef>
-          <a:fillRef idx="1">
-            <a:schemeClr val="accent3"/>
-          </a:fillRef>
-          <a:effectRef idx="0">
-            <a:schemeClr val="accent3"/>
-          </a:effectRef>
-          <a:fontRef idx="minor">
-            <a:schemeClr val="lt1"/>
-          </a:fontRef>
-        </p:style>
-        <p:txBody>
-          <a:bodyPr rtlCol="0" anchor="ctr"/>
-          <a:lstStyle/>
-          <a:p>
-            <a:pPr algn="ctr"/>
-            <a:endParaRPr lang="zh-CN" altLang="en-US"/>
-          </a:p>
-        </p:txBody>
-      </p:sp>
-      <p:cxnSp>
-        <p:nvCxnSpPr>
-          <p:cNvPr id="6" name="连接符: 肘形 5">
-            <a:extLst>
-              <a:ext uri="{FF2B5EF4-FFF2-40B4-BE49-F238E27FC236}">
-                <a16:creationId xmlns:a16="http://schemas.microsoft.com/office/drawing/2014/main" id="{56D6B87A-5974-41B4-9CF7-9C5D6B584DAA}"/>
-              </a:ext>
-            </a:extLst>
-          </p:cNvPr>
-          <p:cNvCxnSpPr>
-            <a:stCxn id="16" idx="3"/>
-            <a:endCxn id="27" idx="1"/>
-          </p:cNvCxnSpPr>
-          <p:nvPr/>
-        </p:nvCxnSpPr>
-        <p:spPr>
-          <a:xfrm>
-            <a:off x="1571818" y="1090174"/>
-            <a:ext cx="461588" cy="374346"/>
-          </a:xfrm>
-          <a:prstGeom prst="bentConnector3">
-            <a:avLst/>
-          </a:prstGeom>
-          <a:ln w="12700">
-            <a:solidFill>
-              <a:srgbClr val="E28EA6"/>
-            </a:solidFill>
-            <a:headEnd type="none" w="med" len="med"/>
-            <a:tailEnd type="arrow" w="med" len="med"/>
-          </a:ln>
-        </p:spPr>
-        <p:style>
-          <a:lnRef idx="1">
-            <a:schemeClr val="accent3"/>
-          </a:lnRef>
-          <a:fillRef idx="0">
-            <a:schemeClr val="accent3"/>
-          </a:fillRef>
-          <a:effectRef idx="0">
-            <a:schemeClr val="accent3"/>
-          </a:effectRef>
-          <a:fontRef idx="minor">
-            <a:schemeClr val="tx1"/>
-          </a:fontRef>
-        </p:style>
-      </p:cxnSp>
-      <p:cxnSp>
-        <p:nvCxnSpPr>
-          <p:cNvPr id="41" name="连接符: 肘形 40">
-            <a:extLst>
-              <a:ext uri="{FF2B5EF4-FFF2-40B4-BE49-F238E27FC236}">
-                <a16:creationId xmlns:a16="http://schemas.microsoft.com/office/drawing/2014/main" id="{35F55058-2033-4036-A6C9-6DD73EB2D448}"/>
-              </a:ext>
-            </a:extLst>
-          </p:cNvPr>
-          <p:cNvCxnSpPr>
-            <a:cxnSpLocks/>
-            <a:stCxn id="4" idx="3"/>
-            <a:endCxn id="27" idx="1"/>
-          </p:cNvCxnSpPr>
-          <p:nvPr/>
-        </p:nvCxnSpPr>
-        <p:spPr>
-          <a:xfrm flipV="1">
-            <a:off x="1571818" y="1464520"/>
-            <a:ext cx="461588" cy="374100"/>
-          </a:xfrm>
-          <a:prstGeom prst="bentConnector3">
-            <a:avLst/>
-          </a:prstGeom>
-          <a:ln w="12700">
-            <a:solidFill>
-              <a:srgbClr val="E28EA6"/>
-            </a:solidFill>
-            <a:headEnd type="none" w="med" len="med"/>
-            <a:tailEnd type="arrow" w="med" len="med"/>
-          </a:ln>
-        </p:spPr>
-        <p:style>
-          <a:lnRef idx="1">
-            <a:schemeClr val="accent3"/>
-          </a:lnRef>
-          <a:fillRef idx="0">
-            <a:schemeClr val="accent3"/>
-          </a:fillRef>
-          <a:effectRef idx="0">
-            <a:schemeClr val="accent3"/>
-          </a:effectRef>
-          <a:fontRef idx="minor">
-            <a:schemeClr val="tx1"/>
-          </a:fontRef>
-        </p:style>
-      </p:cxnSp>
-      <p:cxnSp>
-        <p:nvCxnSpPr>
-          <p:cNvPr id="42" name="连接符: 肘形 41">
-            <a:extLst>
-              <a:ext uri="{FF2B5EF4-FFF2-40B4-BE49-F238E27FC236}">
-                <a16:creationId xmlns:a16="http://schemas.microsoft.com/office/drawing/2014/main" id="{65A08A49-1027-4606-9265-8217425BE3C3}"/>
-              </a:ext>
-            </a:extLst>
-          </p:cNvPr>
-          <p:cNvCxnSpPr>
-            <a:cxnSpLocks/>
-            <a:stCxn id="11" idx="3"/>
-            <a:endCxn id="28" idx="1"/>
-          </p:cNvCxnSpPr>
-          <p:nvPr/>
-        </p:nvCxnSpPr>
-        <p:spPr>
-          <a:xfrm>
-            <a:off x="1571818" y="2587066"/>
-            <a:ext cx="461588" cy="374121"/>
-          </a:xfrm>
-          <a:prstGeom prst="bentConnector3">
-            <a:avLst/>
-          </a:prstGeom>
-          <a:ln w="12700">
-            <a:solidFill>
-              <a:srgbClr val="E28EA6"/>
-            </a:solidFill>
-            <a:headEnd type="none" w="med" len="med"/>
-            <a:tailEnd type="arrow" w="med" len="med"/>
-          </a:ln>
-        </p:spPr>
-        <p:style>
-          <a:lnRef idx="1">
-            <a:schemeClr val="accent3"/>
-          </a:lnRef>
-          <a:fillRef idx="0">
-            <a:schemeClr val="accent3"/>
-          </a:fillRef>
-          <a:effectRef idx="0">
-            <a:schemeClr val="accent3"/>
-          </a:effectRef>
-          <a:fontRef idx="minor">
-            <a:schemeClr val="tx1"/>
-          </a:fontRef>
-        </p:style>
-      </p:cxnSp>
-      <p:cxnSp>
-        <p:nvCxnSpPr>
-          <p:cNvPr id="43" name="连接符: 肘形 42">
-            <a:extLst>
-              <a:ext uri="{FF2B5EF4-FFF2-40B4-BE49-F238E27FC236}">
-                <a16:creationId xmlns:a16="http://schemas.microsoft.com/office/drawing/2014/main" id="{F1ADF931-3C41-4237-827C-32F571D5F014}"/>
-              </a:ext>
-            </a:extLst>
-          </p:cNvPr>
-          <p:cNvCxnSpPr>
-            <a:cxnSpLocks/>
-            <a:stCxn id="13" idx="3"/>
-            <a:endCxn id="28" idx="1"/>
-          </p:cNvCxnSpPr>
-          <p:nvPr/>
-        </p:nvCxnSpPr>
-        <p:spPr>
-          <a:xfrm flipV="1">
-            <a:off x="1571818" y="2961187"/>
-            <a:ext cx="461588" cy="374325"/>
-          </a:xfrm>
-          <a:prstGeom prst="bentConnector3">
-            <a:avLst/>
-          </a:prstGeom>
-          <a:ln w="12700">
-            <a:solidFill>
-              <a:srgbClr val="E28EA6"/>
-            </a:solidFill>
-            <a:headEnd type="none" w="med" len="med"/>
-            <a:tailEnd type="arrow" w="med" len="med"/>
-          </a:ln>
-        </p:spPr>
-        <p:style>
-          <a:lnRef idx="1">
-            <a:schemeClr val="accent3"/>
-          </a:lnRef>
-          <a:fillRef idx="0">
-            <a:schemeClr val="accent3"/>
-          </a:fillRef>
-          <a:effectRef idx="0">
-            <a:schemeClr val="accent3"/>
-          </a:effectRef>
-          <a:fontRef idx="minor">
-            <a:schemeClr val="tx1"/>
-          </a:fontRef>
-        </p:style>
-      </p:cxnSp>
-      <p:cxnSp>
-        <p:nvCxnSpPr>
-          <p:cNvPr id="46" name="连接符: 肘形 45">
-            <a:extLst>
-              <a:ext uri="{FF2B5EF4-FFF2-40B4-BE49-F238E27FC236}">
-                <a16:creationId xmlns:a16="http://schemas.microsoft.com/office/drawing/2014/main" id="{AEA58F2B-EA21-4E15-B26E-975021981367}"/>
-              </a:ext>
-            </a:extLst>
-          </p:cNvPr>
-          <p:cNvCxnSpPr>
-            <a:cxnSpLocks/>
-            <a:stCxn id="14" idx="3"/>
-            <a:endCxn id="30" idx="1"/>
-          </p:cNvCxnSpPr>
-          <p:nvPr/>
-        </p:nvCxnSpPr>
-        <p:spPr>
-          <a:xfrm>
-            <a:off x="1571818" y="4083958"/>
-            <a:ext cx="461588" cy="373896"/>
-          </a:xfrm>
-          <a:prstGeom prst="bentConnector3">
-            <a:avLst>
-              <a:gd name="adj1" fmla="val 50000"/>
-            </a:avLst>
-          </a:prstGeom>
-          <a:ln w="12700">
-            <a:solidFill>
-              <a:srgbClr val="E28EA6"/>
-            </a:solidFill>
-            <a:headEnd type="none" w="med" len="med"/>
-            <a:tailEnd type="arrow" w="med" len="med"/>
-          </a:ln>
-        </p:spPr>
-        <p:style>
-          <a:lnRef idx="1">
-            <a:schemeClr val="accent3"/>
-          </a:lnRef>
-          <a:fillRef idx="0">
-            <a:schemeClr val="accent3"/>
-          </a:fillRef>
-          <a:effectRef idx="0">
-            <a:schemeClr val="accent3"/>
-          </a:effectRef>
-          <a:fontRef idx="minor">
-            <a:schemeClr val="tx1"/>
-          </a:fontRef>
-        </p:style>
-      </p:cxnSp>
-      <p:cxnSp>
-        <p:nvCxnSpPr>
-          <p:cNvPr id="49" name="连接符: 肘形 48">
-            <a:extLst>
-              <a:ext uri="{FF2B5EF4-FFF2-40B4-BE49-F238E27FC236}">
-                <a16:creationId xmlns:a16="http://schemas.microsoft.com/office/drawing/2014/main" id="{0B1A887D-0024-40AE-B112-CC9483C31F62}"/>
-              </a:ext>
-            </a:extLst>
-          </p:cNvPr>
-          <p:cNvCxnSpPr>
-            <a:cxnSpLocks/>
-            <a:stCxn id="15" idx="3"/>
-            <a:endCxn id="30" idx="1"/>
-          </p:cNvCxnSpPr>
-          <p:nvPr/>
-        </p:nvCxnSpPr>
-        <p:spPr>
-          <a:xfrm flipV="1">
-            <a:off x="1571818" y="4457854"/>
-            <a:ext cx="461588" cy="374550"/>
-          </a:xfrm>
-          <a:prstGeom prst="bentConnector3">
-            <a:avLst>
-              <a:gd name="adj1" fmla="val 50000"/>
-            </a:avLst>
-          </a:prstGeom>
-          <a:ln w="12700">
-            <a:solidFill>
-              <a:srgbClr val="E28EA6"/>
-            </a:solidFill>
-            <a:headEnd type="none" w="med" len="med"/>
-            <a:tailEnd type="arrow" w="med" len="med"/>
-          </a:ln>
-        </p:spPr>
-        <p:style>
-          <a:lnRef idx="1">
-            <a:schemeClr val="accent3"/>
-          </a:lnRef>
-          <a:fillRef idx="0">
-            <a:schemeClr val="accent3"/>
-          </a:fillRef>
-          <a:effectRef idx="0">
-            <a:schemeClr val="accent3"/>
-          </a:effectRef>
-          <a:fontRef idx="minor">
-            <a:schemeClr val="tx1"/>
-          </a:fontRef>
-        </p:style>
-      </p:cxnSp>
-      <p:cxnSp>
-        <p:nvCxnSpPr>
-          <p:cNvPr id="52" name="连接符: 肘形 51">
-            <a:extLst>
-              <a:ext uri="{FF2B5EF4-FFF2-40B4-BE49-F238E27FC236}">
-                <a16:creationId xmlns:a16="http://schemas.microsoft.com/office/drawing/2014/main" id="{3062640A-46BE-4873-81A2-F1C73FC01F92}"/>
-              </a:ext>
-            </a:extLst>
-          </p:cNvPr>
-          <p:cNvCxnSpPr>
-            <a:cxnSpLocks/>
-            <a:stCxn id="12" idx="3"/>
-            <a:endCxn id="29" idx="1"/>
-          </p:cNvCxnSpPr>
-          <p:nvPr/>
-        </p:nvCxnSpPr>
-        <p:spPr>
-          <a:xfrm>
-            <a:off x="1571818" y="5580850"/>
-            <a:ext cx="461933" cy="373670"/>
-          </a:xfrm>
-          <a:prstGeom prst="bentConnector3">
-            <a:avLst>
-              <a:gd name="adj1" fmla="val 50000"/>
-            </a:avLst>
-          </a:prstGeom>
-          <a:ln w="12700">
-            <a:solidFill>
-              <a:srgbClr val="E28EA6"/>
-            </a:solidFill>
-            <a:headEnd type="none" w="med" len="med"/>
-            <a:tailEnd type="arrow" w="med" len="med"/>
-          </a:ln>
-        </p:spPr>
-        <p:style>
-          <a:lnRef idx="1">
-            <a:schemeClr val="accent3"/>
-          </a:lnRef>
-          <a:fillRef idx="0">
-            <a:schemeClr val="accent3"/>
-          </a:fillRef>
-          <a:effectRef idx="0">
-            <a:schemeClr val="accent3"/>
-          </a:effectRef>
-          <a:fontRef idx="minor">
-            <a:schemeClr val="tx1"/>
-          </a:fontRef>
-        </p:style>
-      </p:cxnSp>
-      <p:cxnSp>
-        <p:nvCxnSpPr>
-          <p:cNvPr id="55" name="连接符: 肘形 54">
-            <a:extLst>
-              <a:ext uri="{FF2B5EF4-FFF2-40B4-BE49-F238E27FC236}">
-                <a16:creationId xmlns:a16="http://schemas.microsoft.com/office/drawing/2014/main" id="{185331CE-4D81-4C42-99C4-99BDE45D277E}"/>
-              </a:ext>
-            </a:extLst>
-          </p:cNvPr>
-          <p:cNvCxnSpPr>
-            <a:cxnSpLocks/>
-            <a:stCxn id="17" idx="3"/>
-            <a:endCxn id="29" idx="1"/>
-          </p:cNvCxnSpPr>
-          <p:nvPr/>
-        </p:nvCxnSpPr>
-        <p:spPr>
-          <a:xfrm flipV="1">
-            <a:off x="1571818" y="5954520"/>
-            <a:ext cx="461933" cy="374774"/>
-          </a:xfrm>
-          <a:prstGeom prst="bentConnector3">
-            <a:avLst>
-              <a:gd name="adj1" fmla="val 50000"/>
-            </a:avLst>
-          </a:prstGeom>
-          <a:ln w="12700">
-            <a:solidFill>
-              <a:srgbClr val="E28EA6"/>
-            </a:solidFill>
-            <a:headEnd type="none" w="med" len="med"/>
-            <a:tailEnd type="arrow" w="med" len="med"/>
-          </a:ln>
-        </p:spPr>
-        <p:style>
-          <a:lnRef idx="1">
-            <a:schemeClr val="accent3"/>
-          </a:lnRef>
-          <a:fillRef idx="0">
-            <a:schemeClr val="accent3"/>
-          </a:fillRef>
-          <a:effectRef idx="0">
-            <a:schemeClr val="accent3"/>
-          </a:effectRef>
-          <a:fontRef idx="minor">
-            <a:schemeClr val="tx1"/>
-          </a:fontRef>
-        </p:style>
-      </p:cxnSp>
-      <p:cxnSp>
-        <p:nvCxnSpPr>
-          <p:cNvPr id="58" name="连接符: 肘形 57">
-            <a:extLst>
-              <a:ext uri="{FF2B5EF4-FFF2-40B4-BE49-F238E27FC236}">
-                <a16:creationId xmlns:a16="http://schemas.microsoft.com/office/drawing/2014/main" id="{409C3F07-1AD9-4E8E-AC37-D4DD2CDC17D9}"/>
-              </a:ext>
-            </a:extLst>
-          </p:cNvPr>
-          <p:cNvCxnSpPr>
-            <a:cxnSpLocks/>
-            <a:stCxn id="27" idx="3"/>
-            <a:endCxn id="34" idx="1"/>
-          </p:cNvCxnSpPr>
-          <p:nvPr/>
-        </p:nvCxnSpPr>
-        <p:spPr>
-          <a:xfrm>
-            <a:off x="3220576" y="1464520"/>
-            <a:ext cx="655674" cy="751072"/>
-          </a:xfrm>
-          <a:prstGeom prst="bentConnector3">
-            <a:avLst>
-              <a:gd name="adj1" fmla="val 50000"/>
-            </a:avLst>
-          </a:prstGeom>
-          <a:ln w="12700">
-            <a:solidFill>
-              <a:srgbClr val="E28EA6"/>
-            </a:solidFill>
-            <a:headEnd type="none" w="med" len="med"/>
-            <a:tailEnd type="arrow" w="med" len="med"/>
-          </a:ln>
-        </p:spPr>
-        <p:style>
-          <a:lnRef idx="1">
-            <a:schemeClr val="accent3"/>
-          </a:lnRef>
-          <a:fillRef idx="0">
-            <a:schemeClr val="accent3"/>
-          </a:fillRef>
-          <a:effectRef idx="0">
-            <a:schemeClr val="accent3"/>
-          </a:effectRef>
-          <a:fontRef idx="minor">
-            <a:schemeClr val="tx1"/>
-          </a:fontRef>
-        </p:style>
-      </p:cxnSp>
-      <p:cxnSp>
-        <p:nvCxnSpPr>
-          <p:cNvPr id="61" name="连接符: 肘形 60">
-            <a:extLst>
-              <a:ext uri="{FF2B5EF4-FFF2-40B4-BE49-F238E27FC236}">
-                <a16:creationId xmlns:a16="http://schemas.microsoft.com/office/drawing/2014/main" id="{A74454DE-30C0-48C5-B5C1-956582C4E87F}"/>
-              </a:ext>
-            </a:extLst>
-          </p:cNvPr>
-          <p:cNvCxnSpPr>
-            <a:cxnSpLocks/>
-            <a:stCxn id="28" idx="3"/>
-            <a:endCxn id="34" idx="1"/>
-          </p:cNvCxnSpPr>
-          <p:nvPr/>
-        </p:nvCxnSpPr>
-        <p:spPr>
-          <a:xfrm flipV="1">
-            <a:off x="3220576" y="2215592"/>
-            <a:ext cx="655674" cy="745595"/>
-          </a:xfrm>
-          <a:prstGeom prst="bentConnector3">
-            <a:avLst>
-              <a:gd name="adj1" fmla="val 50000"/>
-            </a:avLst>
-          </a:prstGeom>
-          <a:ln w="12700">
-            <a:solidFill>
-              <a:srgbClr val="E28EA6"/>
-            </a:solidFill>
-            <a:headEnd type="none" w="med" len="med"/>
-            <a:tailEnd type="arrow" w="med" len="med"/>
-          </a:ln>
-        </p:spPr>
-        <p:style>
-          <a:lnRef idx="1">
-            <a:schemeClr val="accent3"/>
-          </a:lnRef>
-          <a:fillRef idx="0">
-            <a:schemeClr val="accent3"/>
-          </a:fillRef>
-          <a:effectRef idx="0">
-            <a:schemeClr val="accent3"/>
-          </a:effectRef>
-          <a:fontRef idx="minor">
-            <a:schemeClr val="tx1"/>
-          </a:fontRef>
-        </p:style>
-      </p:cxnSp>
-      <p:cxnSp>
-        <p:nvCxnSpPr>
-          <p:cNvPr id="64" name="连接符: 肘形 63">
-            <a:extLst>
-              <a:ext uri="{FF2B5EF4-FFF2-40B4-BE49-F238E27FC236}">
-                <a16:creationId xmlns:a16="http://schemas.microsoft.com/office/drawing/2014/main" id="{7F30A6BE-3D6A-482A-9836-E94F912D22E3}"/>
-              </a:ext>
-            </a:extLst>
-          </p:cNvPr>
-          <p:cNvCxnSpPr>
-            <a:cxnSpLocks/>
-            <a:stCxn id="30" idx="3"/>
-            <a:endCxn id="35" idx="1"/>
-          </p:cNvCxnSpPr>
-          <p:nvPr/>
-        </p:nvCxnSpPr>
-        <p:spPr>
-          <a:xfrm>
-            <a:off x="3220576" y="4457854"/>
-            <a:ext cx="655674" cy="748220"/>
-          </a:xfrm>
-          <a:prstGeom prst="bentConnector3">
-            <a:avLst>
-              <a:gd name="adj1" fmla="val 50000"/>
-            </a:avLst>
-          </a:prstGeom>
-          <a:ln w="12700">
-            <a:solidFill>
-              <a:srgbClr val="E28EA6"/>
-            </a:solidFill>
-            <a:headEnd type="none" w="med" len="med"/>
-            <a:tailEnd type="arrow" w="med" len="med"/>
-          </a:ln>
-        </p:spPr>
-        <p:style>
-          <a:lnRef idx="1">
-            <a:schemeClr val="accent3"/>
-          </a:lnRef>
-          <a:fillRef idx="0">
-            <a:schemeClr val="accent3"/>
-          </a:fillRef>
-          <a:effectRef idx="0">
-            <a:schemeClr val="accent3"/>
-          </a:effectRef>
-          <a:fontRef idx="minor">
-            <a:schemeClr val="tx1"/>
-          </a:fontRef>
-        </p:style>
-      </p:cxnSp>
-      <p:cxnSp>
-        <p:nvCxnSpPr>
-          <p:cNvPr id="67" name="连接符: 肘形 66">
-            <a:extLst>
-              <a:ext uri="{FF2B5EF4-FFF2-40B4-BE49-F238E27FC236}">
-                <a16:creationId xmlns:a16="http://schemas.microsoft.com/office/drawing/2014/main" id="{2191A19C-4F06-477F-BBC3-53E243A8D9A8}"/>
-              </a:ext>
-            </a:extLst>
-          </p:cNvPr>
-          <p:cNvCxnSpPr>
-            <a:cxnSpLocks/>
-            <a:stCxn id="29" idx="3"/>
-            <a:endCxn id="35" idx="1"/>
-          </p:cNvCxnSpPr>
-          <p:nvPr/>
-        </p:nvCxnSpPr>
-        <p:spPr>
-          <a:xfrm flipV="1">
-            <a:off x="3220921" y="5206074"/>
-            <a:ext cx="655329" cy="748446"/>
-          </a:xfrm>
-          <a:prstGeom prst="bentConnector3">
-            <a:avLst>
-              <a:gd name="adj1" fmla="val 50000"/>
-            </a:avLst>
-          </a:prstGeom>
-          <a:ln w="12700">
-            <a:solidFill>
-              <a:srgbClr val="E28EA6"/>
-            </a:solidFill>
-            <a:headEnd type="none" w="med" len="med"/>
-            <a:tailEnd type="arrow" w="med" len="med"/>
-          </a:ln>
-        </p:spPr>
-        <p:style>
-          <a:lnRef idx="1">
-            <a:schemeClr val="accent3"/>
-          </a:lnRef>
-          <a:fillRef idx="0">
-            <a:schemeClr val="accent3"/>
-          </a:fillRef>
-          <a:effectRef idx="0">
-            <a:schemeClr val="accent3"/>
-          </a:effectRef>
-          <a:fontRef idx="minor">
-            <a:schemeClr val="tx1"/>
-          </a:fontRef>
-        </p:style>
-      </p:cxnSp>
-      <p:cxnSp>
-        <p:nvCxnSpPr>
-          <p:cNvPr id="70" name="连接符: 肘形 69">
-            <a:extLst>
-              <a:ext uri="{FF2B5EF4-FFF2-40B4-BE49-F238E27FC236}">
-                <a16:creationId xmlns:a16="http://schemas.microsoft.com/office/drawing/2014/main" id="{D8464FE9-B4F0-4E5B-965A-60D5274C3913}"/>
-              </a:ext>
-            </a:extLst>
-          </p:cNvPr>
-          <p:cNvCxnSpPr>
-            <a:cxnSpLocks/>
-            <a:stCxn id="34" idx="2"/>
-            <a:endCxn id="39" idx="0"/>
-          </p:cNvCxnSpPr>
-          <p:nvPr/>
-        </p:nvCxnSpPr>
-        <p:spPr>
-          <a:xfrm rot="16200000" flipH="1">
-            <a:off x="5007556" y="1820949"/>
-            <a:ext cx="456032" cy="1531475"/>
-          </a:xfrm>
-          <a:prstGeom prst="bentConnector3">
-            <a:avLst>
-              <a:gd name="adj1" fmla="val 50000"/>
-            </a:avLst>
-          </a:prstGeom>
-          <a:ln w="12700">
-            <a:solidFill>
-              <a:srgbClr val="E28EA6"/>
-            </a:solidFill>
-            <a:headEnd type="none" w="med" len="med"/>
-            <a:tailEnd type="arrow" w="med" len="med"/>
-          </a:ln>
-        </p:spPr>
-        <p:style>
-          <a:lnRef idx="1">
-            <a:schemeClr val="accent3"/>
-          </a:lnRef>
-          <a:fillRef idx="0">
-            <a:schemeClr val="accent3"/>
-          </a:fillRef>
-          <a:effectRef idx="0">
-            <a:schemeClr val="accent3"/>
-          </a:effectRef>
-          <a:fontRef idx="minor">
-            <a:schemeClr val="tx1"/>
-          </a:fontRef>
-        </p:style>
-      </p:cxnSp>
-      <p:cxnSp>
-        <p:nvCxnSpPr>
-          <p:cNvPr id="75" name="连接符: 肘形 74">
-            <a:extLst>
-              <a:ext uri="{FF2B5EF4-FFF2-40B4-BE49-F238E27FC236}">
-                <a16:creationId xmlns:a16="http://schemas.microsoft.com/office/drawing/2014/main" id="{2078076A-7EAB-4886-85C5-4B658C422F68}"/>
-              </a:ext>
-            </a:extLst>
-          </p:cNvPr>
-          <p:cNvCxnSpPr>
-            <a:cxnSpLocks/>
-            <a:stCxn id="35" idx="0"/>
-            <a:endCxn id="38" idx="2"/>
-          </p:cNvCxnSpPr>
-          <p:nvPr/>
-        </p:nvCxnSpPr>
-        <p:spPr>
-          <a:xfrm rot="5400000" flipH="1" flipV="1">
-            <a:off x="4817593" y="3879279"/>
-            <a:ext cx="835958" cy="1531475"/>
-          </a:xfrm>
-          <a:prstGeom prst="bentConnector3">
-            <a:avLst>
-              <a:gd name="adj1" fmla="val 50000"/>
-            </a:avLst>
-          </a:prstGeom>
-          <a:ln w="12700">
-            <a:solidFill>
-              <a:srgbClr val="E28EA6"/>
-            </a:solidFill>
-            <a:headEnd type="none" w="med" len="med"/>
-            <a:tailEnd type="arrow" w="med" len="med"/>
-          </a:ln>
-        </p:spPr>
-        <p:style>
-          <a:lnRef idx="1">
-            <a:schemeClr val="accent3"/>
-          </a:lnRef>
-          <a:fillRef idx="0">
-            <a:schemeClr val="accent3"/>
-          </a:fillRef>
-          <a:effectRef idx="0">
-            <a:schemeClr val="accent3"/>
-          </a:effectRef>
-          <a:fontRef idx="minor">
-            <a:schemeClr val="tx1"/>
-          </a:fontRef>
-        </p:style>
-      </p:cxnSp>
-      <p:cxnSp>
-        <p:nvCxnSpPr>
-          <p:cNvPr id="78" name="连接符: 肘形 77">
-            <a:extLst>
-              <a:ext uri="{FF2B5EF4-FFF2-40B4-BE49-F238E27FC236}">
-                <a16:creationId xmlns:a16="http://schemas.microsoft.com/office/drawing/2014/main" id="{C39B314F-2D99-439B-BC02-1AFECE9048D8}"/>
-              </a:ext>
-            </a:extLst>
-          </p:cNvPr>
-          <p:cNvCxnSpPr>
-            <a:cxnSpLocks/>
-            <a:stCxn id="36" idx="2"/>
-            <a:endCxn id="39" idx="0"/>
-          </p:cNvCxnSpPr>
-          <p:nvPr/>
-        </p:nvCxnSpPr>
-        <p:spPr>
-          <a:xfrm rot="5400000">
-            <a:off x="6518971" y="1841010"/>
-            <a:ext cx="456032" cy="1491354"/>
-          </a:xfrm>
-          <a:prstGeom prst="bentConnector3">
-            <a:avLst>
-              <a:gd name="adj1" fmla="val 50000"/>
-            </a:avLst>
-          </a:prstGeom>
-          <a:ln w="12700">
-            <a:solidFill>
-              <a:srgbClr val="E28EA6"/>
-            </a:solidFill>
-            <a:headEnd type="none" w="med" len="med"/>
-            <a:tailEnd type="arrow" w="med" len="med"/>
-          </a:ln>
-        </p:spPr>
-        <p:style>
-          <a:lnRef idx="1">
-            <a:schemeClr val="accent3"/>
-          </a:lnRef>
-          <a:fillRef idx="0">
-            <a:schemeClr val="accent3"/>
-          </a:fillRef>
-          <a:effectRef idx="0">
-            <a:schemeClr val="accent3"/>
-          </a:effectRef>
-          <a:fontRef idx="minor">
-            <a:schemeClr val="tx1"/>
-          </a:fontRef>
-        </p:style>
-      </p:cxnSp>
-      <p:cxnSp>
-        <p:nvCxnSpPr>
-          <p:cNvPr id="81" name="连接符: 肘形 80">
-            <a:extLst>
-              <a:ext uri="{FF2B5EF4-FFF2-40B4-BE49-F238E27FC236}">
-                <a16:creationId xmlns:a16="http://schemas.microsoft.com/office/drawing/2014/main" id="{FEF6BA53-9402-4958-A79A-C53D4362EFC6}"/>
-              </a:ext>
-            </a:extLst>
-          </p:cNvPr>
-          <p:cNvCxnSpPr>
-            <a:cxnSpLocks/>
-            <a:stCxn id="37" idx="0"/>
-            <a:endCxn id="38" idx="2"/>
-          </p:cNvCxnSpPr>
-          <p:nvPr/>
-        </p:nvCxnSpPr>
-        <p:spPr>
-          <a:xfrm rot="16200000" flipV="1">
-            <a:off x="6329008" y="3899339"/>
-            <a:ext cx="835958" cy="1491354"/>
-          </a:xfrm>
-          <a:prstGeom prst="bentConnector3">
-            <a:avLst>
-              <a:gd name="adj1" fmla="val 50000"/>
-            </a:avLst>
-          </a:prstGeom>
-          <a:ln w="12700">
-            <a:solidFill>
-              <a:srgbClr val="E28EA6"/>
-            </a:solidFill>
-            <a:headEnd type="none" w="med" len="med"/>
-            <a:tailEnd type="arrow" w="med" len="med"/>
-          </a:ln>
-        </p:spPr>
-        <p:style>
-          <a:lnRef idx="1">
-            <a:schemeClr val="accent3"/>
-          </a:lnRef>
-          <a:fillRef idx="0">
-            <a:schemeClr val="accent3"/>
-          </a:fillRef>
-          <a:effectRef idx="0">
-            <a:schemeClr val="accent3"/>
-          </a:effectRef>
-          <a:fontRef idx="minor">
-            <a:schemeClr val="tx1"/>
-          </a:fontRef>
-        </p:style>
-      </p:cxnSp>
-      <p:cxnSp>
-        <p:nvCxnSpPr>
-          <p:cNvPr id="90" name="连接符: 肘形 89">
-            <a:extLst>
-              <a:ext uri="{FF2B5EF4-FFF2-40B4-BE49-F238E27FC236}">
-                <a16:creationId xmlns:a16="http://schemas.microsoft.com/office/drawing/2014/main" id="{E24FCF2A-C975-4F0E-8DAD-46411ED9E977}"/>
-              </a:ext>
-            </a:extLst>
-          </p:cNvPr>
-          <p:cNvCxnSpPr>
-            <a:cxnSpLocks/>
-            <a:stCxn id="26" idx="1"/>
-            <a:endCxn id="36" idx="3"/>
-          </p:cNvCxnSpPr>
-          <p:nvPr/>
-        </p:nvCxnSpPr>
-        <p:spPr>
-          <a:xfrm rot="10800000" flipV="1">
-            <a:off x="8086249" y="1464520"/>
-            <a:ext cx="884830" cy="751072"/>
-          </a:xfrm>
-          <a:prstGeom prst="bentConnector3">
-            <a:avLst>
-              <a:gd name="adj1" fmla="val 50000"/>
-            </a:avLst>
-          </a:prstGeom>
-          <a:ln w="12700">
-            <a:solidFill>
-              <a:srgbClr val="E28EA6"/>
-            </a:solidFill>
-            <a:headEnd type="none" w="med" len="med"/>
-            <a:tailEnd type="arrow" w="med" len="med"/>
-          </a:ln>
-        </p:spPr>
-        <p:style>
-          <a:lnRef idx="1">
-            <a:schemeClr val="accent3"/>
-          </a:lnRef>
-          <a:fillRef idx="0">
-            <a:schemeClr val="accent3"/>
-          </a:fillRef>
-          <a:effectRef idx="0">
-            <a:schemeClr val="accent3"/>
-          </a:effectRef>
-          <a:fontRef idx="minor">
-            <a:schemeClr val="tx1"/>
-          </a:fontRef>
-        </p:style>
-      </p:cxnSp>
-      <p:cxnSp>
-        <p:nvCxnSpPr>
-          <p:cNvPr id="93" name="连接符: 肘形 92">
-            <a:extLst>
-              <a:ext uri="{FF2B5EF4-FFF2-40B4-BE49-F238E27FC236}">
-                <a16:creationId xmlns:a16="http://schemas.microsoft.com/office/drawing/2014/main" id="{318E8DCD-42E7-4654-B6B2-C471F456EFA3}"/>
-              </a:ext>
-            </a:extLst>
-          </p:cNvPr>
-          <p:cNvCxnSpPr>
-            <a:cxnSpLocks/>
-            <a:stCxn id="31" idx="1"/>
-            <a:endCxn id="36" idx="3"/>
-          </p:cNvCxnSpPr>
-          <p:nvPr/>
-        </p:nvCxnSpPr>
-        <p:spPr>
-          <a:xfrm rot="10800000">
-            <a:off x="8086249" y="2215593"/>
-            <a:ext cx="884830" cy="745595"/>
-          </a:xfrm>
-          <a:prstGeom prst="bentConnector3">
-            <a:avLst>
-              <a:gd name="adj1" fmla="val 50000"/>
-            </a:avLst>
-          </a:prstGeom>
-          <a:ln w="12700">
-            <a:solidFill>
-              <a:srgbClr val="E28EA6"/>
-            </a:solidFill>
-            <a:headEnd type="none" w="med" len="med"/>
-            <a:tailEnd type="arrow" w="med" len="med"/>
-          </a:ln>
-        </p:spPr>
-        <p:style>
-          <a:lnRef idx="1">
-            <a:schemeClr val="accent3"/>
-          </a:lnRef>
-          <a:fillRef idx="0">
-            <a:schemeClr val="accent3"/>
-          </a:fillRef>
-          <a:effectRef idx="0">
-            <a:schemeClr val="accent3"/>
-          </a:effectRef>
-          <a:fontRef idx="minor">
-            <a:schemeClr val="tx1"/>
-          </a:fontRef>
-        </p:style>
-      </p:cxnSp>
-      <p:cxnSp>
-        <p:nvCxnSpPr>
-          <p:cNvPr id="96" name="连接符: 肘形 95">
-            <a:extLst>
-              <a:ext uri="{FF2B5EF4-FFF2-40B4-BE49-F238E27FC236}">
-                <a16:creationId xmlns:a16="http://schemas.microsoft.com/office/drawing/2014/main" id="{0492D649-FE66-40E6-BAE9-DD6FA8061D10}"/>
-              </a:ext>
-            </a:extLst>
-          </p:cNvPr>
-          <p:cNvCxnSpPr>
-            <a:cxnSpLocks/>
-            <a:stCxn id="32" idx="1"/>
-            <a:endCxn id="37" idx="3"/>
-          </p:cNvCxnSpPr>
-          <p:nvPr/>
-        </p:nvCxnSpPr>
-        <p:spPr>
-          <a:xfrm rot="10800000" flipV="1">
-            <a:off x="8086249" y="4457854"/>
-            <a:ext cx="884830" cy="748220"/>
-          </a:xfrm>
-          <a:prstGeom prst="bentConnector3">
-            <a:avLst>
-              <a:gd name="adj1" fmla="val 50000"/>
-            </a:avLst>
-          </a:prstGeom>
-          <a:ln w="12700">
-            <a:solidFill>
-              <a:srgbClr val="E28EA6"/>
-            </a:solidFill>
-            <a:headEnd type="none" w="med" len="med"/>
-            <a:tailEnd type="arrow" w="med" len="med"/>
-          </a:ln>
-        </p:spPr>
-        <p:style>
-          <a:lnRef idx="1">
-            <a:schemeClr val="accent3"/>
-          </a:lnRef>
-          <a:fillRef idx="0">
-            <a:schemeClr val="accent3"/>
-          </a:fillRef>
-          <a:effectRef idx="0">
-            <a:schemeClr val="accent3"/>
-          </a:effectRef>
-          <a:fontRef idx="minor">
-            <a:schemeClr val="tx1"/>
-          </a:fontRef>
-        </p:style>
-      </p:cxnSp>
-      <p:cxnSp>
-        <p:nvCxnSpPr>
-          <p:cNvPr id="99" name="连接符: 肘形 98">
-            <a:extLst>
-              <a:ext uri="{FF2B5EF4-FFF2-40B4-BE49-F238E27FC236}">
-                <a16:creationId xmlns:a16="http://schemas.microsoft.com/office/drawing/2014/main" id="{ED01DEF5-BB44-4FC1-A987-22E7D09F4900}"/>
-              </a:ext>
-            </a:extLst>
-          </p:cNvPr>
-          <p:cNvCxnSpPr>
-            <a:cxnSpLocks/>
-            <a:stCxn id="33" idx="1"/>
-            <a:endCxn id="37" idx="3"/>
-          </p:cNvCxnSpPr>
-          <p:nvPr/>
-        </p:nvCxnSpPr>
-        <p:spPr>
-          <a:xfrm rot="10800000">
-            <a:off x="8086249" y="5206074"/>
-            <a:ext cx="884830" cy="748446"/>
-          </a:xfrm>
-          <a:prstGeom prst="bentConnector3">
-            <a:avLst>
-              <a:gd name="adj1" fmla="val 50000"/>
-            </a:avLst>
-          </a:prstGeom>
-          <a:ln w="12700">
-            <a:solidFill>
-              <a:srgbClr val="E28EA6"/>
-            </a:solidFill>
-            <a:headEnd type="none" w="med" len="med"/>
-            <a:tailEnd type="arrow" w="med" len="med"/>
-          </a:ln>
-        </p:spPr>
-        <p:style>
-          <a:lnRef idx="1">
-            <a:schemeClr val="accent3"/>
-          </a:lnRef>
-          <a:fillRef idx="0">
-            <a:schemeClr val="accent3"/>
-          </a:fillRef>
-          <a:effectRef idx="0">
-            <a:schemeClr val="accent3"/>
-          </a:effectRef>
-          <a:fontRef idx="minor">
-            <a:schemeClr val="tx1"/>
-          </a:fontRef>
-        </p:style>
-      </p:cxnSp>
-      <p:cxnSp>
-        <p:nvCxnSpPr>
-          <p:cNvPr id="112" name="直接箭头连接符 111">
-            <a:extLst>
-              <a:ext uri="{FF2B5EF4-FFF2-40B4-BE49-F238E27FC236}">
-                <a16:creationId xmlns:a16="http://schemas.microsoft.com/office/drawing/2014/main" id="{7C0AEAA5-211A-478B-ABCF-AE839B4C346E}"/>
-              </a:ext>
-            </a:extLst>
-          </p:cNvPr>
-          <p:cNvCxnSpPr>
-            <a:stCxn id="39" idx="2"/>
-          </p:cNvCxnSpPr>
-          <p:nvPr/>
-        </p:nvCxnSpPr>
-        <p:spPr>
-          <a:xfrm flipH="1">
-            <a:off x="6001309" y="3100861"/>
-            <a:ext cx="1" cy="276930"/>
-          </a:xfrm>
-          <a:prstGeom prst="straightConnector1">
-            <a:avLst/>
-          </a:prstGeom>
-          <a:ln w="12700">
-            <a:solidFill>
-              <a:srgbClr val="E28EA6"/>
-            </a:solidFill>
-            <a:headEnd type="none" w="med" len="med"/>
-            <a:tailEnd type="arrow" w="med" len="med"/>
-          </a:ln>
-        </p:spPr>
-        <p:style>
-          <a:lnRef idx="1">
-            <a:schemeClr val="accent1"/>
-          </a:lnRef>
-          <a:fillRef idx="0">
-            <a:schemeClr val="accent1"/>
-          </a:fillRef>
-          <a:effectRef idx="0">
-            <a:schemeClr val="accent1"/>
-          </a:effectRef>
-          <a:fontRef idx="minor">
-            <a:schemeClr val="tx1"/>
-          </a:fontRef>
-        </p:style>
-      </p:cxnSp>
-      <p:cxnSp>
-        <p:nvCxnSpPr>
-          <p:cNvPr id="113" name="直接箭头连接符 112">
-            <a:extLst>
-              <a:ext uri="{FF2B5EF4-FFF2-40B4-BE49-F238E27FC236}">
-                <a16:creationId xmlns:a16="http://schemas.microsoft.com/office/drawing/2014/main" id="{B0A0AB8A-F458-4D78-85DA-7026F73C8D5D}"/>
-              </a:ext>
-            </a:extLst>
-          </p:cNvPr>
-          <p:cNvCxnSpPr>
-            <a:cxnSpLocks/>
-            <a:stCxn id="38" idx="0"/>
-            <a:endCxn id="40" idx="2"/>
-          </p:cNvCxnSpPr>
-          <p:nvPr/>
-        </p:nvCxnSpPr>
-        <p:spPr>
-          <a:xfrm flipH="1" flipV="1">
-            <a:off x="6001309" y="3663949"/>
-            <a:ext cx="1" cy="276930"/>
-          </a:xfrm>
-          <a:prstGeom prst="straightConnector1">
-            <a:avLst/>
-          </a:prstGeom>
-          <a:ln w="12700">
-            <a:solidFill>
-              <a:srgbClr val="E28EA6"/>
-            </a:solidFill>
-            <a:headEnd type="none" w="med" len="med"/>
-            <a:tailEnd type="arrow" w="med" len="med"/>
-          </a:ln>
-        </p:spPr>
-        <p:style>
-          <a:lnRef idx="1">
-            <a:schemeClr val="accent1"/>
-          </a:lnRef>
-          <a:fillRef idx="0">
-            <a:schemeClr val="accent1"/>
-          </a:fillRef>
-          <a:effectRef idx="0">
-            <a:schemeClr val="accent1"/>
-          </a:effectRef>
-          <a:fontRef idx="minor">
-            <a:schemeClr val="tx1"/>
-          </a:fontRef>
-        </p:style>
-      </p:cxnSp>
-      <p:cxnSp>
-        <p:nvCxnSpPr>
-          <p:cNvPr id="116" name="连接符: 肘形 115">
-            <a:extLst>
-              <a:ext uri="{FF2B5EF4-FFF2-40B4-BE49-F238E27FC236}">
-                <a16:creationId xmlns:a16="http://schemas.microsoft.com/office/drawing/2014/main" id="{F9CB919B-2373-4D39-8F04-2F99A4962815}"/>
-              </a:ext>
-            </a:extLst>
-          </p:cNvPr>
-          <p:cNvCxnSpPr>
-            <a:cxnSpLocks/>
-            <a:stCxn id="24" idx="1"/>
-            <a:endCxn id="26" idx="3"/>
-          </p:cNvCxnSpPr>
-          <p:nvPr/>
-        </p:nvCxnSpPr>
-        <p:spPr>
-          <a:xfrm rot="10800000" flipV="1">
-            <a:off x="10158250" y="1090174"/>
-            <a:ext cx="461933" cy="374346"/>
-          </a:xfrm>
-          <a:prstGeom prst="bentConnector3">
-            <a:avLst>
-              <a:gd name="adj1" fmla="val 50000"/>
-            </a:avLst>
-          </a:prstGeom>
-          <a:ln w="12700">
-            <a:solidFill>
-              <a:srgbClr val="E28EA6"/>
-            </a:solidFill>
-            <a:headEnd type="none" w="med" len="med"/>
-            <a:tailEnd type="arrow" w="med" len="med"/>
-          </a:ln>
-        </p:spPr>
-        <p:style>
-          <a:lnRef idx="1">
-            <a:schemeClr val="accent3"/>
-          </a:lnRef>
-          <a:fillRef idx="0">
-            <a:schemeClr val="accent3"/>
-          </a:fillRef>
-          <a:effectRef idx="0">
-            <a:schemeClr val="accent3"/>
-          </a:effectRef>
-          <a:fontRef idx="minor">
-            <a:schemeClr val="tx1"/>
-          </a:fontRef>
-        </p:style>
-      </p:cxnSp>
-      <p:cxnSp>
-        <p:nvCxnSpPr>
-          <p:cNvPr id="119" name="连接符: 肘形 118">
-            <a:extLst>
-              <a:ext uri="{FF2B5EF4-FFF2-40B4-BE49-F238E27FC236}">
-                <a16:creationId xmlns:a16="http://schemas.microsoft.com/office/drawing/2014/main" id="{808B054C-7A2E-43A7-BCF1-3F75FE2A9A1A}"/>
-              </a:ext>
-            </a:extLst>
-          </p:cNvPr>
-          <p:cNvCxnSpPr>
-            <a:cxnSpLocks/>
-            <a:stCxn id="19" idx="1"/>
-            <a:endCxn id="31" idx="3"/>
-          </p:cNvCxnSpPr>
-          <p:nvPr/>
-        </p:nvCxnSpPr>
-        <p:spPr>
-          <a:xfrm rot="10800000" flipV="1">
-            <a:off x="10158250" y="2587065"/>
-            <a:ext cx="461933" cy="374121"/>
-          </a:xfrm>
-          <a:prstGeom prst="bentConnector3">
-            <a:avLst>
-              <a:gd name="adj1" fmla="val 50000"/>
-            </a:avLst>
-          </a:prstGeom>
-          <a:ln w="12700">
-            <a:solidFill>
-              <a:srgbClr val="E28EA6"/>
-            </a:solidFill>
-            <a:headEnd type="none" w="med" len="med"/>
-            <a:tailEnd type="arrow" w="med" len="med"/>
-          </a:ln>
-        </p:spPr>
-        <p:style>
-          <a:lnRef idx="1">
-            <a:schemeClr val="accent3"/>
-          </a:lnRef>
-          <a:fillRef idx="0">
-            <a:schemeClr val="accent3"/>
-          </a:fillRef>
-          <a:effectRef idx="0">
-            <a:schemeClr val="accent3"/>
-          </a:effectRef>
-          <a:fontRef idx="minor">
-            <a:schemeClr val="tx1"/>
-          </a:fontRef>
-        </p:style>
-      </p:cxnSp>
-      <p:cxnSp>
-        <p:nvCxnSpPr>
-          <p:cNvPr id="122" name="连接符: 肘形 121">
-            <a:extLst>
-              <a:ext uri="{FF2B5EF4-FFF2-40B4-BE49-F238E27FC236}">
-                <a16:creationId xmlns:a16="http://schemas.microsoft.com/office/drawing/2014/main" id="{B38B4254-3264-4D05-BF0C-B94A5A03123B}"/>
-              </a:ext>
-            </a:extLst>
-          </p:cNvPr>
-          <p:cNvCxnSpPr>
-            <a:cxnSpLocks/>
-            <a:stCxn id="22" idx="1"/>
-            <a:endCxn id="32" idx="3"/>
-          </p:cNvCxnSpPr>
-          <p:nvPr/>
-        </p:nvCxnSpPr>
-        <p:spPr>
-          <a:xfrm rot="10800000" flipV="1">
-            <a:off x="10158250" y="4083958"/>
-            <a:ext cx="461933" cy="373896"/>
-          </a:xfrm>
-          <a:prstGeom prst="bentConnector3">
-            <a:avLst>
-              <a:gd name="adj1" fmla="val 50000"/>
-            </a:avLst>
-          </a:prstGeom>
-          <a:ln w="12700">
-            <a:solidFill>
-              <a:srgbClr val="E28EA6"/>
-            </a:solidFill>
-            <a:headEnd type="none" w="med" len="med"/>
-            <a:tailEnd type="arrow" w="med" len="med"/>
-          </a:ln>
-        </p:spPr>
-        <p:style>
-          <a:lnRef idx="1">
-            <a:schemeClr val="accent3"/>
-          </a:lnRef>
-          <a:fillRef idx="0">
-            <a:schemeClr val="accent3"/>
-          </a:fillRef>
-          <a:effectRef idx="0">
-            <a:schemeClr val="accent3"/>
-          </a:effectRef>
-          <a:fontRef idx="minor">
-            <a:schemeClr val="tx1"/>
-          </a:fontRef>
-        </p:style>
-      </p:cxnSp>
-      <p:cxnSp>
-        <p:nvCxnSpPr>
-          <p:cNvPr id="125" name="连接符: 肘形 124">
-            <a:extLst>
-              <a:ext uri="{FF2B5EF4-FFF2-40B4-BE49-F238E27FC236}">
-                <a16:creationId xmlns:a16="http://schemas.microsoft.com/office/drawing/2014/main" id="{1BB5B73D-54F1-4F10-A0EC-9F05715846DF}"/>
-              </a:ext>
-            </a:extLst>
-          </p:cNvPr>
-          <p:cNvCxnSpPr>
-            <a:cxnSpLocks/>
-            <a:stCxn id="20" idx="1"/>
-            <a:endCxn id="33" idx="3"/>
-          </p:cNvCxnSpPr>
-          <p:nvPr/>
-        </p:nvCxnSpPr>
-        <p:spPr>
-          <a:xfrm rot="10800000" flipV="1">
-            <a:off x="10158250" y="5580850"/>
-            <a:ext cx="461933" cy="373670"/>
-          </a:xfrm>
-          <a:prstGeom prst="bentConnector3">
-            <a:avLst>
-              <a:gd name="adj1" fmla="val 50000"/>
-            </a:avLst>
-          </a:prstGeom>
-          <a:ln w="12700">
-            <a:solidFill>
-              <a:srgbClr val="E28EA6"/>
-            </a:solidFill>
-            <a:headEnd type="none" w="med" len="med"/>
-            <a:tailEnd type="arrow" w="med" len="med"/>
-          </a:ln>
-        </p:spPr>
-        <p:style>
-          <a:lnRef idx="1">
-            <a:schemeClr val="accent3"/>
-          </a:lnRef>
-          <a:fillRef idx="0">
-            <a:schemeClr val="accent3"/>
-          </a:fillRef>
-          <a:effectRef idx="0">
-            <a:schemeClr val="accent3"/>
-          </a:effectRef>
-          <a:fontRef idx="minor">
-            <a:schemeClr val="tx1"/>
-          </a:fontRef>
-        </p:style>
-      </p:cxnSp>
-      <p:cxnSp>
-        <p:nvCxnSpPr>
-          <p:cNvPr id="128" name="连接符: 肘形 127">
-            <a:extLst>
-              <a:ext uri="{FF2B5EF4-FFF2-40B4-BE49-F238E27FC236}">
-                <a16:creationId xmlns:a16="http://schemas.microsoft.com/office/drawing/2014/main" id="{68F8D675-CBFE-4B68-914B-4F3A9A960DF9}"/>
-              </a:ext>
-            </a:extLst>
-          </p:cNvPr>
-          <p:cNvCxnSpPr>
-            <a:cxnSpLocks/>
-            <a:stCxn id="18" idx="1"/>
-            <a:endCxn id="26" idx="3"/>
-          </p:cNvCxnSpPr>
-          <p:nvPr/>
-        </p:nvCxnSpPr>
-        <p:spPr>
-          <a:xfrm rot="10800000">
-            <a:off x="10158250" y="1464520"/>
-            <a:ext cx="461933" cy="374100"/>
-          </a:xfrm>
-          <a:prstGeom prst="bentConnector3">
-            <a:avLst>
-              <a:gd name="adj1" fmla="val 50000"/>
-            </a:avLst>
-          </a:prstGeom>
-          <a:ln w="12700">
-            <a:solidFill>
-              <a:srgbClr val="E28EA6"/>
-            </a:solidFill>
-            <a:headEnd type="none" w="med" len="med"/>
-            <a:tailEnd type="arrow" w="med" len="med"/>
-          </a:ln>
-        </p:spPr>
-        <p:style>
-          <a:lnRef idx="1">
-            <a:schemeClr val="accent3"/>
-          </a:lnRef>
-          <a:fillRef idx="0">
-            <a:schemeClr val="accent3"/>
-          </a:fillRef>
-          <a:effectRef idx="0">
-            <a:schemeClr val="accent3"/>
-          </a:effectRef>
-          <a:fontRef idx="minor">
-            <a:schemeClr val="tx1"/>
-          </a:fontRef>
-        </p:style>
-      </p:cxnSp>
-      <p:cxnSp>
-        <p:nvCxnSpPr>
-          <p:cNvPr id="131" name="连接符: 肘形 130">
-            <a:extLst>
-              <a:ext uri="{FF2B5EF4-FFF2-40B4-BE49-F238E27FC236}">
-                <a16:creationId xmlns:a16="http://schemas.microsoft.com/office/drawing/2014/main" id="{D397CF42-AA40-4251-BAC5-056B3022C534}"/>
-              </a:ext>
-            </a:extLst>
-          </p:cNvPr>
-          <p:cNvCxnSpPr>
-            <a:cxnSpLocks/>
-            <a:stCxn id="21" idx="1"/>
-            <a:endCxn id="31" idx="3"/>
-          </p:cNvCxnSpPr>
-          <p:nvPr/>
-        </p:nvCxnSpPr>
-        <p:spPr>
-          <a:xfrm rot="10800000">
-            <a:off x="10158250" y="2961188"/>
-            <a:ext cx="461933" cy="374325"/>
-          </a:xfrm>
-          <a:prstGeom prst="bentConnector3">
-            <a:avLst>
-              <a:gd name="adj1" fmla="val 50000"/>
-            </a:avLst>
-          </a:prstGeom>
-          <a:ln w="12700">
-            <a:solidFill>
-              <a:srgbClr val="E28EA6"/>
-            </a:solidFill>
-            <a:headEnd type="none" w="med" len="med"/>
-            <a:tailEnd type="arrow" w="med" len="med"/>
-          </a:ln>
-        </p:spPr>
-        <p:style>
-          <a:lnRef idx="1">
-            <a:schemeClr val="accent3"/>
-          </a:lnRef>
-          <a:fillRef idx="0">
-            <a:schemeClr val="accent3"/>
-          </a:fillRef>
-          <a:effectRef idx="0">
-            <a:schemeClr val="accent3"/>
-          </a:effectRef>
-          <a:fontRef idx="minor">
-            <a:schemeClr val="tx1"/>
-          </a:fontRef>
-        </p:style>
-      </p:cxnSp>
-      <p:cxnSp>
-        <p:nvCxnSpPr>
-          <p:cNvPr id="134" name="连接符: 肘形 133">
-            <a:extLst>
-              <a:ext uri="{FF2B5EF4-FFF2-40B4-BE49-F238E27FC236}">
-                <a16:creationId xmlns:a16="http://schemas.microsoft.com/office/drawing/2014/main" id="{618B5836-25D3-4965-8D86-B68903E1E0CF}"/>
-              </a:ext>
-            </a:extLst>
-          </p:cNvPr>
-          <p:cNvCxnSpPr>
-            <a:cxnSpLocks/>
-            <a:stCxn id="23" idx="1"/>
-            <a:endCxn id="32" idx="3"/>
-          </p:cNvCxnSpPr>
-          <p:nvPr/>
-        </p:nvCxnSpPr>
-        <p:spPr>
-          <a:xfrm rot="10800000">
-            <a:off x="10158250" y="4457854"/>
-            <a:ext cx="461933" cy="374550"/>
-          </a:xfrm>
-          <a:prstGeom prst="bentConnector3">
-            <a:avLst>
-              <a:gd name="adj1" fmla="val 50000"/>
-            </a:avLst>
-          </a:prstGeom>
-          <a:ln w="12700">
-            <a:solidFill>
-              <a:srgbClr val="E28EA6"/>
-            </a:solidFill>
-            <a:headEnd type="none" w="med" len="med"/>
-            <a:tailEnd type="arrow" w="med" len="med"/>
-          </a:ln>
-        </p:spPr>
-        <p:style>
-          <a:lnRef idx="1">
-            <a:schemeClr val="accent3"/>
-          </a:lnRef>
-          <a:fillRef idx="0">
-            <a:schemeClr val="accent3"/>
-          </a:fillRef>
-          <a:effectRef idx="0">
-            <a:schemeClr val="accent3"/>
-          </a:effectRef>
-          <a:fontRef idx="minor">
-            <a:schemeClr val="tx1"/>
-          </a:fontRef>
-        </p:style>
-      </p:cxnSp>
-      <p:cxnSp>
-        <p:nvCxnSpPr>
-          <p:cNvPr id="137" name="连接符: 肘形 136">
-            <a:extLst>
-              <a:ext uri="{FF2B5EF4-FFF2-40B4-BE49-F238E27FC236}">
-                <a16:creationId xmlns:a16="http://schemas.microsoft.com/office/drawing/2014/main" id="{DEC1CD3D-5EAA-471C-87CA-FABE428EE16E}"/>
-              </a:ext>
-            </a:extLst>
-          </p:cNvPr>
-          <p:cNvCxnSpPr>
-            <a:cxnSpLocks/>
-            <a:stCxn id="25" idx="1"/>
-            <a:endCxn id="33" idx="3"/>
-          </p:cNvCxnSpPr>
-          <p:nvPr/>
-        </p:nvCxnSpPr>
-        <p:spPr>
-          <a:xfrm rot="10800000">
-            <a:off x="10158250" y="5954520"/>
-            <a:ext cx="461933" cy="374774"/>
-          </a:xfrm>
-          <a:prstGeom prst="bentConnector3">
-            <a:avLst>
-              <a:gd name="adj1" fmla="val 50000"/>
-            </a:avLst>
-          </a:prstGeom>
-          <a:ln w="12700">
-            <a:solidFill>
-              <a:srgbClr val="E28EA6"/>
-            </a:solidFill>
-            <a:headEnd type="none" w="med" len="med"/>
-            <a:tailEnd type="arrow" w="med" len="med"/>
-          </a:ln>
-        </p:spPr>
-        <p:style>
-          <a:lnRef idx="1">
-            <a:schemeClr val="accent3"/>
-          </a:lnRef>
-          <a:fillRef idx="0">
-            <a:schemeClr val="accent3"/>
-          </a:fillRef>
-          <a:effectRef idx="0">
-            <a:schemeClr val="accent3"/>
-          </a:effectRef>
-          <a:fontRef idx="minor">
-            <a:schemeClr val="tx1"/>
-          </a:fontRef>
-        </p:style>
-      </p:cxnSp>
-      <p:sp>
-        <p:nvSpPr>
-          <p:cNvPr id="140" name="文本框 139">
-            <a:extLst>
-              <a:ext uri="{FF2B5EF4-FFF2-40B4-BE49-F238E27FC236}">
-                <a16:creationId xmlns:a16="http://schemas.microsoft.com/office/drawing/2014/main" id="{A0C26438-95C8-4EC9-AED0-F00ABDFBDCA7}"/>
-              </a:ext>
-            </a:extLst>
-          </p:cNvPr>
-          <p:cNvSpPr txBox="1"/>
-          <p:nvPr/>
-        </p:nvSpPr>
-        <p:spPr>
-          <a:xfrm>
-            <a:off x="489958" y="3525171"/>
-            <a:ext cx="976549" cy="369332"/>
-          </a:xfrm>
-          <a:prstGeom prst="rect">
-            <a:avLst/>
-          </a:prstGeom>
-          <a:noFill/>
-        </p:spPr>
-        <p:txBody>
-          <a:bodyPr wrap="none" rtlCol="0">
-            <a:spAutoFit/>
-          </a:bodyPr>
-          <a:lstStyle/>
-          <a:p>
-            <a:pPr algn="ctr"/>
-            <a:r>
-              <a:rPr lang="en-US" altLang="zh-CN" dirty="0">
-                <a:solidFill>
-                  <a:schemeClr val="tx1">
-                    <a:alpha val="50000"/>
-                  </a:schemeClr>
-                </a:solidFill>
-              </a:rPr>
-              <a:t>1/8</a:t>
-            </a:r>
-            <a:r>
-              <a:rPr lang="zh-CN" altLang="en-US" dirty="0">
-                <a:solidFill>
-                  <a:schemeClr val="tx1">
-                    <a:alpha val="50000"/>
-                  </a:schemeClr>
-                </a:solidFill>
-              </a:rPr>
-              <a:t>决赛</a:t>
-            </a:r>
-          </a:p>
-        </p:txBody>
-      </p:sp>
-      <p:sp>
-        <p:nvSpPr>
-          <p:cNvPr id="141" name="文本框 140">
-            <a:extLst>
-              <a:ext uri="{FF2B5EF4-FFF2-40B4-BE49-F238E27FC236}">
-                <a16:creationId xmlns:a16="http://schemas.microsoft.com/office/drawing/2014/main" id="{A9B728A1-4A71-473F-A4E5-7D2EEB6FFCB0}"/>
-              </a:ext>
-            </a:extLst>
-          </p:cNvPr>
-          <p:cNvSpPr txBox="1"/>
-          <p:nvPr/>
-        </p:nvSpPr>
-        <p:spPr>
-          <a:xfrm>
-            <a:off x="10714740" y="3520870"/>
-            <a:ext cx="976549" cy="369332"/>
-          </a:xfrm>
-          <a:prstGeom prst="rect">
-            <a:avLst/>
-          </a:prstGeom>
-          <a:noFill/>
-        </p:spPr>
-        <p:txBody>
-          <a:bodyPr wrap="none" rtlCol="0">
-            <a:spAutoFit/>
-          </a:bodyPr>
-          <a:lstStyle/>
-          <a:p>
-            <a:pPr algn="ctr"/>
-            <a:r>
-              <a:rPr lang="en-US" altLang="zh-CN" dirty="0">
-                <a:solidFill>
-                  <a:schemeClr val="tx1">
-                    <a:alpha val="50000"/>
-                  </a:schemeClr>
-                </a:solidFill>
-              </a:rPr>
-              <a:t>1/8</a:t>
-            </a:r>
-            <a:r>
-              <a:rPr lang="zh-CN" altLang="en-US" dirty="0">
-                <a:solidFill>
-                  <a:schemeClr val="tx1">
-                    <a:alpha val="50000"/>
-                  </a:schemeClr>
-                </a:solidFill>
-              </a:rPr>
-              <a:t>决赛</a:t>
-            </a:r>
-          </a:p>
-        </p:txBody>
-      </p:sp>
-      <p:sp>
-        <p:nvSpPr>
-          <p:cNvPr id="142" name="文本框 141">
-            <a:extLst>
-              <a:ext uri="{FF2B5EF4-FFF2-40B4-BE49-F238E27FC236}">
-                <a16:creationId xmlns:a16="http://schemas.microsoft.com/office/drawing/2014/main" id="{392718C0-9E42-4185-B38E-6BAAC31ED9D7}"/>
-              </a:ext>
-            </a:extLst>
-          </p:cNvPr>
-          <p:cNvSpPr txBox="1"/>
-          <p:nvPr/>
-        </p:nvSpPr>
-        <p:spPr>
-          <a:xfrm>
-            <a:off x="2138716" y="3519378"/>
-            <a:ext cx="976549" cy="369332"/>
-          </a:xfrm>
-          <a:prstGeom prst="rect">
-            <a:avLst/>
-          </a:prstGeom>
-          <a:noFill/>
-        </p:spPr>
-        <p:txBody>
-          <a:bodyPr wrap="none" rtlCol="0">
-            <a:spAutoFit/>
-          </a:bodyPr>
-          <a:lstStyle/>
-          <a:p>
-            <a:pPr algn="ctr"/>
-            <a:r>
-              <a:rPr lang="en-US" altLang="zh-CN" dirty="0">
-                <a:solidFill>
-                  <a:schemeClr val="tx1">
-                    <a:alpha val="60000"/>
-                  </a:schemeClr>
-                </a:solidFill>
-              </a:rPr>
-              <a:t>1/4</a:t>
-            </a:r>
-            <a:r>
-              <a:rPr lang="zh-CN" altLang="en-US" dirty="0">
-                <a:solidFill>
-                  <a:schemeClr val="tx1">
-                    <a:alpha val="60000"/>
-                  </a:schemeClr>
-                </a:solidFill>
-              </a:rPr>
-              <a:t>决赛</a:t>
-            </a:r>
-          </a:p>
-        </p:txBody>
-      </p:sp>
-      <p:sp>
-        <p:nvSpPr>
-          <p:cNvPr id="143" name="文本框 142">
-            <a:extLst>
-              <a:ext uri="{FF2B5EF4-FFF2-40B4-BE49-F238E27FC236}">
-                <a16:creationId xmlns:a16="http://schemas.microsoft.com/office/drawing/2014/main" id="{B8A71CF6-1291-4BC6-89C8-6D1598C72C0E}"/>
-              </a:ext>
-            </a:extLst>
-          </p:cNvPr>
-          <p:cNvSpPr txBox="1"/>
-          <p:nvPr/>
-        </p:nvSpPr>
-        <p:spPr>
-          <a:xfrm>
-            <a:off x="9076389" y="3519569"/>
-            <a:ext cx="976549" cy="369332"/>
-          </a:xfrm>
-          <a:prstGeom prst="rect">
-            <a:avLst/>
-          </a:prstGeom>
-          <a:noFill/>
-        </p:spPr>
-        <p:txBody>
-          <a:bodyPr wrap="none" rtlCol="0">
-            <a:spAutoFit/>
-          </a:bodyPr>
-          <a:lstStyle/>
-          <a:p>
-            <a:pPr algn="ctr"/>
-            <a:r>
-              <a:rPr lang="en-US" altLang="zh-CN" dirty="0">
-                <a:solidFill>
-                  <a:schemeClr val="tx1">
-                    <a:alpha val="60000"/>
-                  </a:schemeClr>
-                </a:solidFill>
-              </a:rPr>
-              <a:t>1/4</a:t>
-            </a:r>
-            <a:r>
-              <a:rPr lang="zh-CN" altLang="en-US" dirty="0">
-                <a:solidFill>
-                  <a:schemeClr val="tx1">
-                    <a:alpha val="60000"/>
-                  </a:schemeClr>
-                </a:solidFill>
-              </a:rPr>
-              <a:t>决赛</a:t>
-            </a:r>
-          </a:p>
-        </p:txBody>
-      </p:sp>
-      <p:sp>
-        <p:nvSpPr>
-          <p:cNvPr id="144" name="文本框 143">
-            <a:extLst>
-              <a:ext uri="{FF2B5EF4-FFF2-40B4-BE49-F238E27FC236}">
-                <a16:creationId xmlns:a16="http://schemas.microsoft.com/office/drawing/2014/main" id="{C80D5815-5D06-4DF2-8C84-D463DBAE386E}"/>
-              </a:ext>
-            </a:extLst>
-          </p:cNvPr>
-          <p:cNvSpPr txBox="1"/>
-          <p:nvPr/>
-        </p:nvSpPr>
-        <p:spPr>
-          <a:xfrm>
-            <a:off x="5542668" y="5511048"/>
-            <a:ext cx="877163" cy="369332"/>
-          </a:xfrm>
-          <a:prstGeom prst="rect">
-            <a:avLst/>
-          </a:prstGeom>
-          <a:noFill/>
-        </p:spPr>
-        <p:txBody>
-          <a:bodyPr wrap="none" rtlCol="0">
-            <a:spAutoFit/>
-          </a:bodyPr>
-          <a:lstStyle/>
-          <a:p>
-            <a:pPr algn="ctr"/>
-            <a:r>
-              <a:rPr lang="zh-CN" altLang="en-US" dirty="0">
-                <a:solidFill>
-                  <a:schemeClr val="tx1">
-                    <a:alpha val="70000"/>
-                  </a:schemeClr>
-                </a:solidFill>
-              </a:rPr>
-              <a:t>半决赛</a:t>
-            </a:r>
-          </a:p>
-        </p:txBody>
-      </p:sp>
-      <p:sp>
-        <p:nvSpPr>
-          <p:cNvPr id="145" name="文本框 144">
-            <a:extLst>
-              <a:ext uri="{FF2B5EF4-FFF2-40B4-BE49-F238E27FC236}">
-                <a16:creationId xmlns:a16="http://schemas.microsoft.com/office/drawing/2014/main" id="{35BA48F2-6844-4B3D-9E27-ADB1723E311B}"/>
-              </a:ext>
-            </a:extLst>
-          </p:cNvPr>
-          <p:cNvSpPr txBox="1"/>
-          <p:nvPr/>
-        </p:nvSpPr>
-        <p:spPr>
-          <a:xfrm>
-            <a:off x="5542667" y="1542825"/>
-            <a:ext cx="877163" cy="369332"/>
-          </a:xfrm>
-          <a:prstGeom prst="rect">
-            <a:avLst/>
-          </a:prstGeom>
-          <a:noFill/>
-        </p:spPr>
-        <p:txBody>
-          <a:bodyPr wrap="none" rtlCol="0">
-            <a:spAutoFit/>
-          </a:bodyPr>
-          <a:lstStyle/>
-          <a:p>
-            <a:pPr algn="ctr"/>
-            <a:r>
-              <a:rPr lang="zh-CN" altLang="en-US" dirty="0">
-                <a:solidFill>
-                  <a:schemeClr val="tx1">
-                    <a:alpha val="70000"/>
-                  </a:schemeClr>
-                </a:solidFill>
-              </a:rPr>
-              <a:t>半决赛</a:t>
-            </a:r>
-          </a:p>
-        </p:txBody>
-      </p:sp>
-      <p:sp>
-        <p:nvSpPr>
-          <p:cNvPr id="146" name="文本框 145">
-            <a:extLst>
-              <a:ext uri="{FF2B5EF4-FFF2-40B4-BE49-F238E27FC236}">
-                <a16:creationId xmlns:a16="http://schemas.microsoft.com/office/drawing/2014/main" id="{2EE09A37-DA2B-4198-9F19-2A924F2791E7}"/>
-              </a:ext>
-            </a:extLst>
-          </p:cNvPr>
-          <p:cNvSpPr txBox="1"/>
-          <p:nvPr/>
-        </p:nvSpPr>
-        <p:spPr>
-          <a:xfrm>
-            <a:off x="6888320" y="3306720"/>
-            <a:ext cx="646331" cy="369332"/>
-          </a:xfrm>
-          <a:prstGeom prst="rect">
-            <a:avLst/>
-          </a:prstGeom>
-          <a:noFill/>
-        </p:spPr>
-        <p:txBody>
-          <a:bodyPr wrap="none" rtlCol="0">
-            <a:spAutoFit/>
-          </a:bodyPr>
-          <a:lstStyle/>
-          <a:p>
-            <a:pPr algn="ctr"/>
-            <a:r>
-              <a:rPr lang="zh-CN" altLang="en-US" dirty="0">
-                <a:solidFill>
-                  <a:schemeClr val="tx1">
-                    <a:alpha val="80000"/>
-                  </a:schemeClr>
-                </a:solidFill>
-              </a:rPr>
-              <a:t>决赛</a:t>
-            </a:r>
-          </a:p>
-        </p:txBody>
-      </p:sp>
-    </p:spTree>
-    <p:extLst>
-      <p:ext uri="{BB962C8B-B14F-4D97-AF65-F5344CB8AC3E}">
-        <p14:creationId xmlns:p14="http://schemas.microsoft.com/office/powerpoint/2010/main" val="2033495697"/>
-      </p:ext>
-    </p:extLst>
-  </p:cSld>
-  <p:clrMapOvr>
-    <a:masterClrMapping/>
-  </p:clrMapOvr>
-</p:sld>
-</file>
-
 <file path=ppt/slides/slide2.xml><?xml version="1.0" encoding="utf-8"?>
 <p:sld xmlns:a="http://schemas.openxmlformats.org/drawingml/2006/main" xmlns:r="http://schemas.openxmlformats.org/officeDocument/2006/relationships" xmlns:p="http://schemas.openxmlformats.org/presentationml/2006/main">
   <p:cSld>

--- a/documents/race_profile/result_board.pptx
+++ b/documents/race_profile/result_board.pptx
@@ -14,8 +14,9 @@
     <p:sldId id="262" r:id="rId8"/>
     <p:sldId id="265" r:id="rId9"/>
     <p:sldId id="268" r:id="rId10"/>
-    <p:sldId id="260" r:id="rId11"/>
-    <p:sldId id="266" r:id="rId12"/>
+    <p:sldId id="269" r:id="rId11"/>
+    <p:sldId id="260" r:id="rId12"/>
+    <p:sldId id="266" r:id="rId13"/>
   </p:sldIdLst>
   <p:sldSz cx="12192000" cy="6858000"/>
   <p:notesSz cx="6858000" cy="9144000"/>
@@ -269,7 +270,7 @@
           <a:p>
             <a:fld id="{58EFE355-25A0-4687-B210-279ACD5280DB}" type="datetimeFigureOut">
               <a:rPr lang="zh-CN" altLang="en-US" smtClean="0"/>
-              <a:t>2021/11/6</a:t>
+              <a:t>2021/11/11</a:t>
             </a:fld>
             <a:endParaRPr lang="zh-CN" altLang="en-US"/>
           </a:p>
@@ -467,7 +468,7 @@
           <a:p>
             <a:fld id="{58EFE355-25A0-4687-B210-279ACD5280DB}" type="datetimeFigureOut">
               <a:rPr lang="zh-CN" altLang="en-US" smtClean="0"/>
-              <a:t>2021/11/6</a:t>
+              <a:t>2021/11/11</a:t>
             </a:fld>
             <a:endParaRPr lang="zh-CN" altLang="en-US"/>
           </a:p>
@@ -675,7 +676,7 @@
           <a:p>
             <a:fld id="{58EFE355-25A0-4687-B210-279ACD5280DB}" type="datetimeFigureOut">
               <a:rPr lang="zh-CN" altLang="en-US" smtClean="0"/>
-              <a:t>2021/11/6</a:t>
+              <a:t>2021/11/11</a:t>
             </a:fld>
             <a:endParaRPr lang="zh-CN" altLang="en-US"/>
           </a:p>
@@ -873,7 +874,7 @@
           <a:p>
             <a:fld id="{58EFE355-25A0-4687-B210-279ACD5280DB}" type="datetimeFigureOut">
               <a:rPr lang="zh-CN" altLang="en-US" smtClean="0"/>
-              <a:t>2021/11/6</a:t>
+              <a:t>2021/11/11</a:t>
             </a:fld>
             <a:endParaRPr lang="zh-CN" altLang="en-US"/>
           </a:p>
@@ -1148,7 +1149,7 @@
           <a:p>
             <a:fld id="{58EFE355-25A0-4687-B210-279ACD5280DB}" type="datetimeFigureOut">
               <a:rPr lang="zh-CN" altLang="en-US" smtClean="0"/>
-              <a:t>2021/11/6</a:t>
+              <a:t>2021/11/11</a:t>
             </a:fld>
             <a:endParaRPr lang="zh-CN" altLang="en-US"/>
           </a:p>
@@ -1413,7 +1414,7 @@
           <a:p>
             <a:fld id="{58EFE355-25A0-4687-B210-279ACD5280DB}" type="datetimeFigureOut">
               <a:rPr lang="zh-CN" altLang="en-US" smtClean="0"/>
-              <a:t>2021/11/6</a:t>
+              <a:t>2021/11/11</a:t>
             </a:fld>
             <a:endParaRPr lang="zh-CN" altLang="en-US"/>
           </a:p>
@@ -1825,7 +1826,7 @@
           <a:p>
             <a:fld id="{58EFE355-25A0-4687-B210-279ACD5280DB}" type="datetimeFigureOut">
               <a:rPr lang="zh-CN" altLang="en-US" smtClean="0"/>
-              <a:t>2021/11/6</a:t>
+              <a:t>2021/11/11</a:t>
             </a:fld>
             <a:endParaRPr lang="zh-CN" altLang="en-US"/>
           </a:p>
@@ -1966,7 +1967,7 @@
           <a:p>
             <a:fld id="{58EFE355-25A0-4687-B210-279ACD5280DB}" type="datetimeFigureOut">
               <a:rPr lang="zh-CN" altLang="en-US" smtClean="0"/>
-              <a:t>2021/11/6</a:t>
+              <a:t>2021/11/11</a:t>
             </a:fld>
             <a:endParaRPr lang="zh-CN" altLang="en-US"/>
           </a:p>
@@ -2079,7 +2080,7 @@
           <a:p>
             <a:fld id="{58EFE355-25A0-4687-B210-279ACD5280DB}" type="datetimeFigureOut">
               <a:rPr lang="zh-CN" altLang="en-US" smtClean="0"/>
-              <a:t>2021/11/6</a:t>
+              <a:t>2021/11/11</a:t>
             </a:fld>
             <a:endParaRPr lang="zh-CN" altLang="en-US"/>
           </a:p>
@@ -2390,7 +2391,7 @@
           <a:p>
             <a:fld id="{58EFE355-25A0-4687-B210-279ACD5280DB}" type="datetimeFigureOut">
               <a:rPr lang="zh-CN" altLang="en-US" smtClean="0"/>
-              <a:t>2021/11/6</a:t>
+              <a:t>2021/11/11</a:t>
             </a:fld>
             <a:endParaRPr lang="zh-CN" altLang="en-US"/>
           </a:p>
@@ -2678,7 +2679,7 @@
           <a:p>
             <a:fld id="{58EFE355-25A0-4687-B210-279ACD5280DB}" type="datetimeFigureOut">
               <a:rPr lang="zh-CN" altLang="en-US" smtClean="0"/>
-              <a:t>2021/11/6</a:t>
+              <a:t>2021/11/11</a:t>
             </a:fld>
             <a:endParaRPr lang="zh-CN" altLang="en-US"/>
           </a:p>
@@ -2937,7 +2938,7 @@
           <a:p>
             <a:fld id="{58EFE355-25A0-4687-B210-279ACD5280DB}" type="datetimeFigureOut">
               <a:rPr lang="zh-CN" altLang="en-US" smtClean="0"/>
-              <a:t>2021/11/6</a:t>
+              <a:t>2021/11/11</a:t>
             </a:fld>
             <a:endParaRPr lang="zh-CN" altLang="en-US"/>
           </a:p>
@@ -3518,6 +3519,799 @@
               <a:buNone/>
             </a:pPr>
             <a:r>
+              <a:rPr lang="en-US" altLang="zh-CN" dirty="0"/>
+              <a:t>1/8</a:t>
+            </a:r>
+            <a:r>
+              <a:rPr lang="zh-CN" altLang="en-US" dirty="0"/>
+              <a:t>决赛</a:t>
+            </a:r>
+            <a:r>
+              <a:rPr lang="en-US" altLang="zh-CN" dirty="0"/>
+              <a:t>E</a:t>
+            </a:r>
+            <a:r>
+              <a:rPr lang="zh-CN" altLang="en-US" dirty="0"/>
+              <a:t>组  </a:t>
+            </a:r>
+            <a:r>
+              <a:rPr lang="en-US" altLang="zh-CN" sz="2000" dirty="0">
+                <a:solidFill>
+                  <a:srgbClr val="E28EA6"/>
+                </a:solidFill>
+              </a:rPr>
+              <a:t>d</a:t>
+            </a:r>
+            <a:r>
+              <a:rPr lang="zh-CN" altLang="en-US" sz="2000" dirty="0">
+                <a:solidFill>
+                  <a:srgbClr val="E28EA6"/>
+                </a:solidFill>
+              </a:rPr>
+              <a:t>酱微博</a:t>
+            </a:r>
+            <a:r>
+              <a:rPr lang="en-US" altLang="zh-CN" sz="2000" dirty="0">
+                <a:solidFill>
+                  <a:srgbClr val="E28EA6"/>
+                </a:solidFill>
+              </a:rPr>
+              <a:t>ID</a:t>
+            </a:r>
+            <a:r>
+              <a:rPr lang="zh-CN" altLang="en-US" sz="2000" dirty="0">
+                <a:solidFill>
+                  <a:srgbClr val="E28EA6"/>
+                </a:solidFill>
+              </a:rPr>
+              <a:t>总选举</a:t>
+            </a:r>
+            <a:r>
+              <a:rPr lang="en-US" altLang="zh-CN" sz="2000" dirty="0">
+                <a:solidFill>
+                  <a:srgbClr val="E28EA6"/>
+                </a:solidFill>
+              </a:rPr>
+              <a:t>2021</a:t>
+            </a:r>
+            <a:endParaRPr lang="zh-CN" altLang="en-US" dirty="0"/>
+          </a:p>
+        </p:txBody>
+      </p:sp>
+      <p:sp>
+        <p:nvSpPr>
+          <p:cNvPr id="6" name="文本框 5">
+            <a:extLst>
+              <a:ext uri="{FF2B5EF4-FFF2-40B4-BE49-F238E27FC236}">
+                <a16:creationId xmlns:a16="http://schemas.microsoft.com/office/drawing/2014/main" id="{ACBA276F-C91A-4298-86EF-714A742377DD}"/>
+              </a:ext>
+            </a:extLst>
+          </p:cNvPr>
+          <p:cNvSpPr txBox="1"/>
+          <p:nvPr/>
+        </p:nvSpPr>
+        <p:spPr>
+          <a:xfrm>
+            <a:off x="1260921" y="1834460"/>
+            <a:ext cx="2752509" cy="461665"/>
+          </a:xfrm>
+          <a:prstGeom prst="rect">
+            <a:avLst/>
+          </a:prstGeom>
+          <a:noFill/>
+        </p:spPr>
+        <p:txBody>
+          <a:bodyPr wrap="square">
+            <a:spAutoFit/>
+          </a:bodyPr>
+          <a:lstStyle/>
+          <a:p>
+            <a:pPr algn="ctr"/>
+            <a:r>
+              <a:rPr lang="zh-CN" altLang="en-US" sz="2400" dirty="0"/>
+              <a:t>蕾丝夹馍蘸大酱</a:t>
+            </a:r>
+          </a:p>
+        </p:txBody>
+      </p:sp>
+      <p:sp>
+        <p:nvSpPr>
+          <p:cNvPr id="7" name="文本框 6">
+            <a:extLst>
+              <a:ext uri="{FF2B5EF4-FFF2-40B4-BE49-F238E27FC236}">
+                <a16:creationId xmlns:a16="http://schemas.microsoft.com/office/drawing/2014/main" id="{D80D662F-A1F9-4D1F-A14B-BCB7771E8546}"/>
+              </a:ext>
+            </a:extLst>
+          </p:cNvPr>
+          <p:cNvSpPr txBox="1"/>
+          <p:nvPr/>
+        </p:nvSpPr>
+        <p:spPr>
+          <a:xfrm>
+            <a:off x="7325889" y="1834460"/>
+            <a:ext cx="3166954" cy="461665"/>
+          </a:xfrm>
+          <a:prstGeom prst="rect">
+            <a:avLst/>
+          </a:prstGeom>
+          <a:noFill/>
+        </p:spPr>
+        <p:txBody>
+          <a:bodyPr wrap="square">
+            <a:spAutoFit/>
+          </a:bodyPr>
+          <a:lstStyle/>
+          <a:p>
+            <a:pPr algn="ctr"/>
+            <a:r>
+              <a:rPr lang="zh-CN" altLang="en-US" sz="2400" dirty="0">
+                <a:solidFill>
+                  <a:schemeClr val="bg1">
+                    <a:lumMod val="75000"/>
+                  </a:schemeClr>
+                </a:solidFill>
+              </a:rPr>
+              <a:t>蕾丝面条炸酱</a:t>
+            </a:r>
+          </a:p>
+        </p:txBody>
+      </p:sp>
+      <p:sp>
+        <p:nvSpPr>
+          <p:cNvPr id="8" name="文本框 7">
+            <a:extLst>
+              <a:ext uri="{FF2B5EF4-FFF2-40B4-BE49-F238E27FC236}">
+                <a16:creationId xmlns:a16="http://schemas.microsoft.com/office/drawing/2014/main" id="{A9F6CCF9-B3CF-4291-8EE2-4BCA529132AF}"/>
+              </a:ext>
+            </a:extLst>
+          </p:cNvPr>
+          <p:cNvSpPr txBox="1"/>
+          <p:nvPr/>
+        </p:nvSpPr>
+        <p:spPr>
+          <a:xfrm>
+            <a:off x="4727503" y="1834460"/>
+            <a:ext cx="1884312" cy="461665"/>
+          </a:xfrm>
+          <a:prstGeom prst="rect">
+            <a:avLst/>
+          </a:prstGeom>
+          <a:noFill/>
+        </p:spPr>
+        <p:txBody>
+          <a:bodyPr wrap="square">
+            <a:spAutoFit/>
+          </a:bodyPr>
+          <a:lstStyle/>
+          <a:p>
+            <a:pPr algn="ctr"/>
+            <a:r>
+              <a:rPr lang="en-US" altLang="zh-CN" sz="2400" dirty="0"/>
+              <a:t>11 - </a:t>
+            </a:r>
+            <a:r>
+              <a:rPr lang="en-US" altLang="zh-CN" sz="2400" dirty="0">
+                <a:solidFill>
+                  <a:schemeClr val="bg1">
+                    <a:lumMod val="75000"/>
+                  </a:schemeClr>
+                </a:solidFill>
+              </a:rPr>
+              <a:t>10</a:t>
+            </a:r>
+            <a:endParaRPr lang="zh-CN" altLang="en-US" sz="2400" dirty="0">
+              <a:solidFill>
+                <a:schemeClr val="bg1">
+                  <a:lumMod val="75000"/>
+                </a:schemeClr>
+              </a:solidFill>
+            </a:endParaRPr>
+          </a:p>
+        </p:txBody>
+      </p:sp>
+      <p:sp>
+        <p:nvSpPr>
+          <p:cNvPr id="9" name="内容占位符 2">
+            <a:extLst>
+              <a:ext uri="{FF2B5EF4-FFF2-40B4-BE49-F238E27FC236}">
+                <a16:creationId xmlns:a16="http://schemas.microsoft.com/office/drawing/2014/main" id="{B3C96A07-7675-40AC-B38D-368FC1781DAD}"/>
+              </a:ext>
+            </a:extLst>
+          </p:cNvPr>
+          <p:cNvSpPr txBox="1">
+            <a:spLocks/>
+          </p:cNvSpPr>
+          <p:nvPr/>
+        </p:nvSpPr>
+        <p:spPr>
+          <a:xfrm>
+            <a:off x="838200" y="3244526"/>
+            <a:ext cx="10515600" cy="497697"/>
+          </a:xfrm>
+          <a:prstGeom prst="rect">
+            <a:avLst/>
+          </a:prstGeom>
+        </p:spPr>
+        <p:txBody>
+          <a:bodyPr vert="horz" lIns="91440" tIns="45720" rIns="91440" bIns="45720" rtlCol="0">
+            <a:normAutofit/>
+          </a:bodyPr>
+          <a:lstStyle>
+            <a:lvl1pPr marL="228600" indent="-228600" algn="l" defTabSz="914400" rtl="0" eaLnBrk="1" latinLnBrk="0" hangingPunct="1">
+              <a:lnSpc>
+                <a:spcPct val="90000"/>
+              </a:lnSpc>
+              <a:spcBef>
+                <a:spcPts val="1000"/>
+              </a:spcBef>
+              <a:buFont typeface="Arial" panose="020B0604020202020204" pitchFamily="34" charset="0"/>
+              <a:buChar char="•"/>
+              <a:defRPr sz="2800" kern="1200">
+                <a:solidFill>
+                  <a:schemeClr val="tx1"/>
+                </a:solidFill>
+                <a:latin typeface="+mn-lt"/>
+                <a:ea typeface="+mn-ea"/>
+                <a:cs typeface="+mn-cs"/>
+              </a:defRPr>
+            </a:lvl1pPr>
+            <a:lvl2pPr marL="685800" indent="-228600" algn="l" defTabSz="914400" rtl="0" eaLnBrk="1" latinLnBrk="0" hangingPunct="1">
+              <a:lnSpc>
+                <a:spcPct val="90000"/>
+              </a:lnSpc>
+              <a:spcBef>
+                <a:spcPts val="500"/>
+              </a:spcBef>
+              <a:buFont typeface="Arial" panose="020B0604020202020204" pitchFamily="34" charset="0"/>
+              <a:buChar char="•"/>
+              <a:defRPr sz="2400" kern="1200">
+                <a:solidFill>
+                  <a:schemeClr val="tx1"/>
+                </a:solidFill>
+                <a:latin typeface="+mn-lt"/>
+                <a:ea typeface="+mn-ea"/>
+                <a:cs typeface="+mn-cs"/>
+              </a:defRPr>
+            </a:lvl2pPr>
+            <a:lvl3pPr marL="1143000" indent="-228600" algn="l" defTabSz="914400" rtl="0" eaLnBrk="1" latinLnBrk="0" hangingPunct="1">
+              <a:lnSpc>
+                <a:spcPct val="90000"/>
+              </a:lnSpc>
+              <a:spcBef>
+                <a:spcPts val="500"/>
+              </a:spcBef>
+              <a:buFont typeface="Arial" panose="020B0604020202020204" pitchFamily="34" charset="0"/>
+              <a:buChar char="•"/>
+              <a:defRPr sz="2000" kern="1200">
+                <a:solidFill>
+                  <a:schemeClr val="tx1"/>
+                </a:solidFill>
+                <a:latin typeface="+mn-lt"/>
+                <a:ea typeface="+mn-ea"/>
+                <a:cs typeface="+mn-cs"/>
+              </a:defRPr>
+            </a:lvl3pPr>
+            <a:lvl4pPr marL="1600200" indent="-228600" algn="l" defTabSz="914400" rtl="0" eaLnBrk="1" latinLnBrk="0" hangingPunct="1">
+              <a:lnSpc>
+                <a:spcPct val="90000"/>
+              </a:lnSpc>
+              <a:spcBef>
+                <a:spcPts val="500"/>
+              </a:spcBef>
+              <a:buFont typeface="Arial" panose="020B0604020202020204" pitchFamily="34" charset="0"/>
+              <a:buChar char="•"/>
+              <a:defRPr sz="1800" kern="1200">
+                <a:solidFill>
+                  <a:schemeClr val="tx1"/>
+                </a:solidFill>
+                <a:latin typeface="+mn-lt"/>
+                <a:ea typeface="+mn-ea"/>
+                <a:cs typeface="+mn-cs"/>
+              </a:defRPr>
+            </a:lvl4pPr>
+            <a:lvl5pPr marL="2057400" indent="-228600" algn="l" defTabSz="914400" rtl="0" eaLnBrk="1" latinLnBrk="0" hangingPunct="1">
+              <a:lnSpc>
+                <a:spcPct val="90000"/>
+              </a:lnSpc>
+              <a:spcBef>
+                <a:spcPts val="500"/>
+              </a:spcBef>
+              <a:buFont typeface="Arial" panose="020B0604020202020204" pitchFamily="34" charset="0"/>
+              <a:buChar char="•"/>
+              <a:defRPr sz="1800" kern="1200">
+                <a:solidFill>
+                  <a:schemeClr val="tx1"/>
+                </a:solidFill>
+                <a:latin typeface="+mn-lt"/>
+                <a:ea typeface="+mn-ea"/>
+                <a:cs typeface="+mn-cs"/>
+              </a:defRPr>
+            </a:lvl5pPr>
+            <a:lvl6pPr marL="2514600" indent="-228600" algn="l" defTabSz="914400" rtl="0" eaLnBrk="1" latinLnBrk="0" hangingPunct="1">
+              <a:lnSpc>
+                <a:spcPct val="90000"/>
+              </a:lnSpc>
+              <a:spcBef>
+                <a:spcPts val="500"/>
+              </a:spcBef>
+              <a:buFont typeface="Arial" panose="020B0604020202020204" pitchFamily="34" charset="0"/>
+              <a:buChar char="•"/>
+              <a:defRPr sz="1800" kern="1200">
+                <a:solidFill>
+                  <a:schemeClr val="tx1"/>
+                </a:solidFill>
+                <a:latin typeface="+mn-lt"/>
+                <a:ea typeface="+mn-ea"/>
+                <a:cs typeface="+mn-cs"/>
+              </a:defRPr>
+            </a:lvl6pPr>
+            <a:lvl7pPr marL="2971800" indent="-228600" algn="l" defTabSz="914400" rtl="0" eaLnBrk="1" latinLnBrk="0" hangingPunct="1">
+              <a:lnSpc>
+                <a:spcPct val="90000"/>
+              </a:lnSpc>
+              <a:spcBef>
+                <a:spcPts val="500"/>
+              </a:spcBef>
+              <a:buFont typeface="Arial" panose="020B0604020202020204" pitchFamily="34" charset="0"/>
+              <a:buChar char="•"/>
+              <a:defRPr sz="1800" kern="1200">
+                <a:solidFill>
+                  <a:schemeClr val="tx1"/>
+                </a:solidFill>
+                <a:latin typeface="+mn-lt"/>
+                <a:ea typeface="+mn-ea"/>
+                <a:cs typeface="+mn-cs"/>
+              </a:defRPr>
+            </a:lvl7pPr>
+            <a:lvl8pPr marL="3429000" indent="-228600" algn="l" defTabSz="914400" rtl="0" eaLnBrk="1" latinLnBrk="0" hangingPunct="1">
+              <a:lnSpc>
+                <a:spcPct val="90000"/>
+              </a:lnSpc>
+              <a:spcBef>
+                <a:spcPts val="500"/>
+              </a:spcBef>
+              <a:buFont typeface="Arial" panose="020B0604020202020204" pitchFamily="34" charset="0"/>
+              <a:buChar char="•"/>
+              <a:defRPr sz="1800" kern="1200">
+                <a:solidFill>
+                  <a:schemeClr val="tx1"/>
+                </a:solidFill>
+                <a:latin typeface="+mn-lt"/>
+                <a:ea typeface="+mn-ea"/>
+                <a:cs typeface="+mn-cs"/>
+              </a:defRPr>
+            </a:lvl8pPr>
+            <a:lvl9pPr marL="3886200" indent="-228600" algn="l" defTabSz="914400" rtl="0" eaLnBrk="1" latinLnBrk="0" hangingPunct="1">
+              <a:lnSpc>
+                <a:spcPct val="90000"/>
+              </a:lnSpc>
+              <a:spcBef>
+                <a:spcPts val="500"/>
+              </a:spcBef>
+              <a:buFont typeface="Arial" panose="020B0604020202020204" pitchFamily="34" charset="0"/>
+              <a:buChar char="•"/>
+              <a:defRPr sz="1800" kern="1200">
+                <a:solidFill>
+                  <a:schemeClr val="tx1"/>
+                </a:solidFill>
+                <a:latin typeface="+mn-lt"/>
+                <a:ea typeface="+mn-ea"/>
+                <a:cs typeface="+mn-cs"/>
+              </a:defRPr>
+            </a:lvl9pPr>
+          </a:lstStyle>
+          <a:p>
+            <a:pPr marL="0" indent="0">
+              <a:buFont typeface="Arial" panose="020B0604020202020204" pitchFamily="34" charset="0"/>
+              <a:buNone/>
+            </a:pPr>
+            <a:r>
+              <a:rPr lang="en-US" altLang="zh-CN" dirty="0"/>
+              <a:t>1/8</a:t>
+            </a:r>
+            <a:r>
+              <a:rPr lang="zh-CN" altLang="en-US" dirty="0"/>
+              <a:t>决赛</a:t>
+            </a:r>
+            <a:r>
+              <a:rPr lang="en-US" altLang="zh-CN" dirty="0"/>
+              <a:t>F</a:t>
+            </a:r>
+            <a:r>
+              <a:rPr lang="zh-CN" altLang="en-US" dirty="0"/>
+              <a:t>组  </a:t>
+            </a:r>
+            <a:r>
+              <a:rPr lang="en-US" altLang="zh-CN" sz="2000" dirty="0">
+                <a:solidFill>
+                  <a:srgbClr val="E28EA6"/>
+                </a:solidFill>
+              </a:rPr>
+              <a:t>d</a:t>
+            </a:r>
+            <a:r>
+              <a:rPr lang="zh-CN" altLang="en-US" sz="2000" dirty="0">
+                <a:solidFill>
+                  <a:srgbClr val="E28EA6"/>
+                </a:solidFill>
+              </a:rPr>
+              <a:t>酱微博</a:t>
+            </a:r>
+            <a:r>
+              <a:rPr lang="en-US" altLang="zh-CN" sz="2000" dirty="0">
+                <a:solidFill>
+                  <a:srgbClr val="E28EA6"/>
+                </a:solidFill>
+              </a:rPr>
+              <a:t>ID</a:t>
+            </a:r>
+            <a:r>
+              <a:rPr lang="zh-CN" altLang="en-US" sz="2000" dirty="0">
+                <a:solidFill>
+                  <a:srgbClr val="E28EA6"/>
+                </a:solidFill>
+              </a:rPr>
+              <a:t>总选举</a:t>
+            </a:r>
+            <a:r>
+              <a:rPr lang="en-US" altLang="zh-CN" sz="2000" dirty="0">
+                <a:solidFill>
+                  <a:srgbClr val="E28EA6"/>
+                </a:solidFill>
+              </a:rPr>
+              <a:t>2021</a:t>
+            </a:r>
+            <a:endParaRPr lang="zh-CN" altLang="en-US" dirty="0"/>
+          </a:p>
+        </p:txBody>
+      </p:sp>
+      <p:sp>
+        <p:nvSpPr>
+          <p:cNvPr id="10" name="文本框 9">
+            <a:extLst>
+              <a:ext uri="{FF2B5EF4-FFF2-40B4-BE49-F238E27FC236}">
+                <a16:creationId xmlns:a16="http://schemas.microsoft.com/office/drawing/2014/main" id="{1BBA1B4A-320C-4BFA-AC86-5B986B0F3AD9}"/>
+              </a:ext>
+            </a:extLst>
+          </p:cNvPr>
+          <p:cNvSpPr txBox="1"/>
+          <p:nvPr/>
+        </p:nvSpPr>
+        <p:spPr>
+          <a:xfrm>
+            <a:off x="1260921" y="4146664"/>
+            <a:ext cx="2752509" cy="461665"/>
+          </a:xfrm>
+          <a:prstGeom prst="rect">
+            <a:avLst/>
+          </a:prstGeom>
+          <a:noFill/>
+        </p:spPr>
+        <p:txBody>
+          <a:bodyPr wrap="square">
+            <a:spAutoFit/>
+          </a:bodyPr>
+          <a:lstStyle/>
+          <a:p>
+            <a:pPr algn="ctr"/>
+            <a:r>
+              <a:rPr lang="zh-CN" altLang="en-US" sz="2400" dirty="0">
+                <a:solidFill>
+                  <a:schemeClr val="bg1">
+                    <a:lumMod val="75000"/>
+                  </a:schemeClr>
+                </a:solidFill>
+              </a:rPr>
+              <a:t>蕾丝肘子</a:t>
+            </a:r>
+            <a:r>
+              <a:rPr lang="en-US" altLang="zh-CN" sz="2400" dirty="0">
+                <a:solidFill>
+                  <a:schemeClr val="bg1">
+                    <a:lumMod val="75000"/>
+                  </a:schemeClr>
+                </a:solidFill>
+              </a:rPr>
+              <a:t>d</a:t>
+            </a:r>
+            <a:r>
+              <a:rPr lang="zh-CN" altLang="en-US" sz="2400" dirty="0">
+                <a:solidFill>
+                  <a:schemeClr val="bg1">
+                    <a:lumMod val="75000"/>
+                  </a:schemeClr>
+                </a:solidFill>
+              </a:rPr>
+              <a:t>酱</a:t>
+            </a:r>
+          </a:p>
+        </p:txBody>
+      </p:sp>
+      <p:sp>
+        <p:nvSpPr>
+          <p:cNvPr id="11" name="文本框 10">
+            <a:extLst>
+              <a:ext uri="{FF2B5EF4-FFF2-40B4-BE49-F238E27FC236}">
+                <a16:creationId xmlns:a16="http://schemas.microsoft.com/office/drawing/2014/main" id="{E93905B3-3324-4307-A2C5-981AE2F3779F}"/>
+              </a:ext>
+            </a:extLst>
+          </p:cNvPr>
+          <p:cNvSpPr txBox="1"/>
+          <p:nvPr/>
+        </p:nvSpPr>
+        <p:spPr>
+          <a:xfrm>
+            <a:off x="7325889" y="4146664"/>
+            <a:ext cx="3166954" cy="461665"/>
+          </a:xfrm>
+          <a:prstGeom prst="rect">
+            <a:avLst/>
+          </a:prstGeom>
+          <a:noFill/>
+        </p:spPr>
+        <p:txBody>
+          <a:bodyPr wrap="square">
+            <a:spAutoFit/>
+          </a:bodyPr>
+          <a:lstStyle/>
+          <a:p>
+            <a:pPr algn="ctr"/>
+            <a:r>
+              <a:rPr lang="zh-CN" altLang="en-US" sz="2400" dirty="0"/>
+              <a:t>蕾丝卤煮</a:t>
+            </a:r>
+            <a:r>
+              <a:rPr lang="en-US" altLang="zh-CN" sz="2400" dirty="0"/>
+              <a:t>d</a:t>
+            </a:r>
+            <a:r>
+              <a:rPr lang="zh-CN" altLang="en-US" sz="2400" dirty="0"/>
+              <a:t>酱</a:t>
+            </a:r>
+          </a:p>
+        </p:txBody>
+      </p:sp>
+      <p:sp>
+        <p:nvSpPr>
+          <p:cNvPr id="12" name="文本框 11">
+            <a:extLst>
+              <a:ext uri="{FF2B5EF4-FFF2-40B4-BE49-F238E27FC236}">
+                <a16:creationId xmlns:a16="http://schemas.microsoft.com/office/drawing/2014/main" id="{63B0D0F7-F851-46D6-B43B-B36B487B0DE9}"/>
+              </a:ext>
+            </a:extLst>
+          </p:cNvPr>
+          <p:cNvSpPr txBox="1"/>
+          <p:nvPr/>
+        </p:nvSpPr>
+        <p:spPr>
+          <a:xfrm>
+            <a:off x="4727503" y="4146664"/>
+            <a:ext cx="1884312" cy="461665"/>
+          </a:xfrm>
+          <a:prstGeom prst="rect">
+            <a:avLst/>
+          </a:prstGeom>
+          <a:noFill/>
+        </p:spPr>
+        <p:txBody>
+          <a:bodyPr wrap="square">
+            <a:spAutoFit/>
+          </a:bodyPr>
+          <a:lstStyle/>
+          <a:p>
+            <a:pPr algn="ctr"/>
+            <a:r>
+              <a:rPr lang="en-US" altLang="zh-CN" sz="2400" dirty="0">
+                <a:solidFill>
+                  <a:schemeClr val="bg1">
+                    <a:lumMod val="75000"/>
+                  </a:schemeClr>
+                </a:solidFill>
+              </a:rPr>
+              <a:t>9</a:t>
+            </a:r>
+            <a:r>
+              <a:rPr lang="en-US" altLang="zh-CN" sz="2400" dirty="0"/>
+              <a:t> - 12</a:t>
+            </a:r>
+            <a:endParaRPr lang="zh-CN" altLang="en-US" sz="2400" dirty="0"/>
+          </a:p>
+        </p:txBody>
+      </p:sp>
+      <p:sp>
+        <p:nvSpPr>
+          <p:cNvPr id="13" name="文本框 12">
+            <a:extLst>
+              <a:ext uri="{FF2B5EF4-FFF2-40B4-BE49-F238E27FC236}">
+                <a16:creationId xmlns:a16="http://schemas.microsoft.com/office/drawing/2014/main" id="{B2AA0457-7544-48F1-A27F-37BCA6AEBA02}"/>
+              </a:ext>
+            </a:extLst>
+          </p:cNvPr>
+          <p:cNvSpPr txBox="1"/>
+          <p:nvPr/>
+        </p:nvSpPr>
+        <p:spPr>
+          <a:xfrm>
+            <a:off x="5153844" y="2224531"/>
+            <a:ext cx="1884312" cy="307777"/>
+          </a:xfrm>
+          <a:prstGeom prst="rect">
+            <a:avLst/>
+          </a:prstGeom>
+          <a:noFill/>
+        </p:spPr>
+        <p:txBody>
+          <a:bodyPr wrap="square">
+            <a:spAutoFit/>
+          </a:bodyPr>
+          <a:lstStyle/>
+          <a:p>
+            <a:pPr algn="ctr"/>
+            <a:r>
+              <a:rPr lang="en-US" altLang="zh-CN" sz="1400" dirty="0"/>
+              <a:t>0 – 0    </a:t>
+            </a:r>
+            <a:r>
+              <a:rPr lang="zh-CN" altLang="en-US" sz="1400" dirty="0"/>
+              <a:t>特别评委</a:t>
+            </a:r>
+          </a:p>
+        </p:txBody>
+      </p:sp>
+      <p:sp>
+        <p:nvSpPr>
+          <p:cNvPr id="14" name="文本框 13">
+            <a:extLst>
+              <a:ext uri="{FF2B5EF4-FFF2-40B4-BE49-F238E27FC236}">
+                <a16:creationId xmlns:a16="http://schemas.microsoft.com/office/drawing/2014/main" id="{7543D9DC-26DA-4279-9B39-A60309A0BB25}"/>
+              </a:ext>
+            </a:extLst>
+          </p:cNvPr>
+          <p:cNvSpPr txBox="1"/>
+          <p:nvPr/>
+        </p:nvSpPr>
+        <p:spPr>
+          <a:xfrm>
+            <a:off x="5191086" y="4605252"/>
+            <a:ext cx="1884312" cy="307777"/>
+          </a:xfrm>
+          <a:prstGeom prst="rect">
+            <a:avLst/>
+          </a:prstGeom>
+          <a:noFill/>
+        </p:spPr>
+        <p:txBody>
+          <a:bodyPr wrap="square">
+            <a:spAutoFit/>
+          </a:bodyPr>
+          <a:lstStyle/>
+          <a:p>
+            <a:pPr algn="ctr"/>
+            <a:r>
+              <a:rPr lang="en-US" altLang="zh-CN" sz="1400" dirty="0"/>
+              <a:t>0 – 0    </a:t>
+            </a:r>
+            <a:r>
+              <a:rPr lang="zh-CN" altLang="en-US" sz="1400" dirty="0"/>
+              <a:t>特别评委</a:t>
+            </a:r>
+          </a:p>
+        </p:txBody>
+      </p:sp>
+    </p:spTree>
+    <p:extLst>
+      <p:ext uri="{BB962C8B-B14F-4D97-AF65-F5344CB8AC3E}">
+        <p14:creationId xmlns:p14="http://schemas.microsoft.com/office/powerpoint/2010/main" val="2100177864"/>
+      </p:ext>
+    </p:extLst>
+  </p:cSld>
+  <p:clrMapOvr>
+    <a:masterClrMapping/>
+  </p:clrMapOvr>
+</p:sld>
+</file>
+
+<file path=ppt/slides/slide11.xml><?xml version="1.0" encoding="utf-8"?>
+<p:sld xmlns:a="http://schemas.openxmlformats.org/drawingml/2006/main" xmlns:r="http://schemas.openxmlformats.org/officeDocument/2006/relationships" xmlns:p="http://schemas.openxmlformats.org/presentationml/2006/main">
+  <p:cSld>
+    <p:spTree>
+      <p:nvGrpSpPr>
+        <p:cNvPr id="1" name=""/>
+        <p:cNvGrpSpPr/>
+        <p:nvPr/>
+      </p:nvGrpSpPr>
+      <p:grpSpPr>
+        <a:xfrm>
+          <a:off x="0" y="0"/>
+          <a:ext cx="0" cy="0"/>
+          <a:chOff x="0" y="0"/>
+          <a:chExt cx="0" cy="0"/>
+        </a:xfrm>
+      </p:grpSpPr>
+      <p:sp>
+        <p:nvSpPr>
+          <p:cNvPr id="2" name="标题 1">
+            <a:extLst>
+              <a:ext uri="{FF2B5EF4-FFF2-40B4-BE49-F238E27FC236}">
+                <a16:creationId xmlns:a16="http://schemas.microsoft.com/office/drawing/2014/main" id="{B0833462-3DC5-40B2-92C8-322D2048EE7F}"/>
+              </a:ext>
+            </a:extLst>
+          </p:cNvPr>
+          <p:cNvSpPr>
+            <a:spLocks noGrp="1"/>
+          </p:cNvSpPr>
+          <p:nvPr>
+            <p:ph type="title"/>
+          </p:nvPr>
+        </p:nvSpPr>
+        <p:spPr>
+          <a:xfrm>
+            <a:off x="706271" y="5182784"/>
+            <a:ext cx="10515600" cy="1325563"/>
+          </a:xfrm>
+        </p:spPr>
+        <p:txBody>
+          <a:bodyPr/>
+          <a:lstStyle/>
+          <a:p>
+            <a:r>
+              <a:rPr lang="en-US" altLang="zh-CN" dirty="0">
+                <a:solidFill>
+                  <a:srgbClr val="E28EA6"/>
+                </a:solidFill>
+              </a:rPr>
+              <a:t>#</a:t>
+            </a:r>
+            <a:r>
+              <a:rPr lang="en-US" altLang="zh-CN" dirty="0"/>
+              <a:t> </a:t>
+            </a:r>
+            <a:r>
+              <a:rPr lang="en-US" altLang="zh-CN" dirty="0">
+                <a:solidFill>
+                  <a:srgbClr val="E28EA6"/>
+                </a:solidFill>
+              </a:rPr>
+              <a:t>LaceDuvetWeiboIDElection2021</a:t>
+            </a:r>
+            <a:endParaRPr lang="zh-CN" altLang="en-US" dirty="0">
+              <a:solidFill>
+                <a:srgbClr val="E28EA6"/>
+              </a:solidFill>
+            </a:endParaRPr>
+          </a:p>
+        </p:txBody>
+      </p:sp>
+      <p:sp>
+        <p:nvSpPr>
+          <p:cNvPr id="3" name="内容占位符 2">
+            <a:extLst>
+              <a:ext uri="{FF2B5EF4-FFF2-40B4-BE49-F238E27FC236}">
+                <a16:creationId xmlns:a16="http://schemas.microsoft.com/office/drawing/2014/main" id="{1DCAFE66-5143-4932-86E7-772D349D8740}"/>
+              </a:ext>
+            </a:extLst>
+          </p:cNvPr>
+          <p:cNvSpPr>
+            <a:spLocks noGrp="1"/>
+          </p:cNvSpPr>
+          <p:nvPr>
+            <p:ph idx="1"/>
+          </p:nvPr>
+        </p:nvSpPr>
+        <p:spPr>
+          <a:xfrm>
+            <a:off x="838200" y="932322"/>
+            <a:ext cx="10515600" cy="497697"/>
+          </a:xfrm>
+        </p:spPr>
+        <p:txBody>
+          <a:bodyPr/>
+          <a:lstStyle/>
+          <a:p>
+            <a:pPr marL="0" indent="0">
+              <a:buNone/>
+            </a:pPr>
+            <a:r>
               <a:rPr lang="zh-CN" altLang="en-US" dirty="0"/>
               <a:t>明日赛程  </a:t>
             </a:r>
@@ -3886,7 +4680,7 @@
 </p:sld>
 </file>
 
-<file path=ppt/slides/slide11.xml><?xml version="1.0" encoding="utf-8"?>
+<file path=ppt/slides/slide12.xml><?xml version="1.0" encoding="utf-8"?>
 <p:sld xmlns:a="http://schemas.openxmlformats.org/drawingml/2006/main" xmlns:r="http://schemas.openxmlformats.org/officeDocument/2006/relationships" xmlns:p="http://schemas.openxmlformats.org/presentationml/2006/main">
   <p:cSld>
     <p:spTree>

--- a/documents/race_profile/result_board.pptx
+++ b/documents/race_profile/result_board.pptx
@@ -270,7 +270,7 @@
           <a:p>
             <a:fld id="{58EFE355-25A0-4687-B210-279ACD5280DB}" type="datetimeFigureOut">
               <a:rPr lang="zh-CN" altLang="en-US" smtClean="0"/>
-              <a:t>2021/11/11</a:t>
+              <a:t>2021/11/15</a:t>
             </a:fld>
             <a:endParaRPr lang="zh-CN" altLang="en-US"/>
           </a:p>
@@ -468,7 +468,7 @@
           <a:p>
             <a:fld id="{58EFE355-25A0-4687-B210-279ACD5280DB}" type="datetimeFigureOut">
               <a:rPr lang="zh-CN" altLang="en-US" smtClean="0"/>
-              <a:t>2021/11/11</a:t>
+              <a:t>2021/11/15</a:t>
             </a:fld>
             <a:endParaRPr lang="zh-CN" altLang="en-US"/>
           </a:p>
@@ -676,7 +676,7 @@
           <a:p>
             <a:fld id="{58EFE355-25A0-4687-B210-279ACD5280DB}" type="datetimeFigureOut">
               <a:rPr lang="zh-CN" altLang="en-US" smtClean="0"/>
-              <a:t>2021/11/11</a:t>
+              <a:t>2021/11/15</a:t>
             </a:fld>
             <a:endParaRPr lang="zh-CN" altLang="en-US"/>
           </a:p>
@@ -874,7 +874,7 @@
           <a:p>
             <a:fld id="{58EFE355-25A0-4687-B210-279ACD5280DB}" type="datetimeFigureOut">
               <a:rPr lang="zh-CN" altLang="en-US" smtClean="0"/>
-              <a:t>2021/11/11</a:t>
+              <a:t>2021/11/15</a:t>
             </a:fld>
             <a:endParaRPr lang="zh-CN" altLang="en-US"/>
           </a:p>
@@ -1149,7 +1149,7 @@
           <a:p>
             <a:fld id="{58EFE355-25A0-4687-B210-279ACD5280DB}" type="datetimeFigureOut">
               <a:rPr lang="zh-CN" altLang="en-US" smtClean="0"/>
-              <a:t>2021/11/11</a:t>
+              <a:t>2021/11/15</a:t>
             </a:fld>
             <a:endParaRPr lang="zh-CN" altLang="en-US"/>
           </a:p>
@@ -1414,7 +1414,7 @@
           <a:p>
             <a:fld id="{58EFE355-25A0-4687-B210-279ACD5280DB}" type="datetimeFigureOut">
               <a:rPr lang="zh-CN" altLang="en-US" smtClean="0"/>
-              <a:t>2021/11/11</a:t>
+              <a:t>2021/11/15</a:t>
             </a:fld>
             <a:endParaRPr lang="zh-CN" altLang="en-US"/>
           </a:p>
@@ -1826,7 +1826,7 @@
           <a:p>
             <a:fld id="{58EFE355-25A0-4687-B210-279ACD5280DB}" type="datetimeFigureOut">
               <a:rPr lang="zh-CN" altLang="en-US" smtClean="0"/>
-              <a:t>2021/11/11</a:t>
+              <a:t>2021/11/15</a:t>
             </a:fld>
             <a:endParaRPr lang="zh-CN" altLang="en-US"/>
           </a:p>
@@ -1967,7 +1967,7 @@
           <a:p>
             <a:fld id="{58EFE355-25A0-4687-B210-279ACD5280DB}" type="datetimeFigureOut">
               <a:rPr lang="zh-CN" altLang="en-US" smtClean="0"/>
-              <a:t>2021/11/11</a:t>
+              <a:t>2021/11/15</a:t>
             </a:fld>
             <a:endParaRPr lang="zh-CN" altLang="en-US"/>
           </a:p>
@@ -2080,7 +2080,7 @@
           <a:p>
             <a:fld id="{58EFE355-25A0-4687-B210-279ACD5280DB}" type="datetimeFigureOut">
               <a:rPr lang="zh-CN" altLang="en-US" smtClean="0"/>
-              <a:t>2021/11/11</a:t>
+              <a:t>2021/11/15</a:t>
             </a:fld>
             <a:endParaRPr lang="zh-CN" altLang="en-US"/>
           </a:p>
@@ -2391,7 +2391,7 @@
           <a:p>
             <a:fld id="{58EFE355-25A0-4687-B210-279ACD5280DB}" type="datetimeFigureOut">
               <a:rPr lang="zh-CN" altLang="en-US" smtClean="0"/>
-              <a:t>2021/11/11</a:t>
+              <a:t>2021/11/15</a:t>
             </a:fld>
             <a:endParaRPr lang="zh-CN" altLang="en-US"/>
           </a:p>
@@ -2679,7 +2679,7 @@
           <a:p>
             <a:fld id="{58EFE355-25A0-4687-B210-279ACD5280DB}" type="datetimeFigureOut">
               <a:rPr lang="zh-CN" altLang="en-US" smtClean="0"/>
-              <a:t>2021/11/11</a:t>
+              <a:t>2021/11/15</a:t>
             </a:fld>
             <a:endParaRPr lang="zh-CN" altLang="en-US"/>
           </a:p>
@@ -2938,7 +2938,7 @@
           <a:p>
             <a:fld id="{58EFE355-25A0-4687-B210-279ACD5280DB}" type="datetimeFigureOut">
               <a:rPr lang="zh-CN" altLang="en-US" smtClean="0"/>
-              <a:t>2021/11/11</a:t>
+              <a:t>2021/11/15</a:t>
             </a:fld>
             <a:endParaRPr lang="zh-CN" altLang="en-US"/>
           </a:p>
@@ -3520,7 +3520,7 @@
             </a:pPr>
             <a:r>
               <a:rPr lang="en-US" altLang="zh-CN" dirty="0"/>
-              <a:t>1/8</a:t>
+              <a:t>1/4</a:t>
             </a:r>
             <a:r>
               <a:rPr lang="zh-CN" altLang="en-US" dirty="0"/>
@@ -3528,7 +3528,7 @@
             </a:r>
             <a:r>
               <a:rPr lang="en-US" altLang="zh-CN" dirty="0"/>
-              <a:t>E</a:t>
+              <a:t>A</a:t>
             </a:r>
             <a:r>
               <a:rPr lang="zh-CN" altLang="en-US" dirty="0"/>
@@ -3609,7 +3609,15 @@
             <a:pPr algn="ctr"/>
             <a:r>
               <a:rPr lang="zh-CN" altLang="en-US" sz="2400" dirty="0"/>
-              <a:t>蕾丝夹馍蘸大酱</a:t>
+              <a:t>蕾丝傻狍子</a:t>
+            </a:r>
+            <a:r>
+              <a:rPr lang="en-US" altLang="zh-CN" sz="2400" dirty="0"/>
+              <a:t>d</a:t>
+            </a:r>
+            <a:r>
+              <a:rPr lang="zh-CN" altLang="en-US" sz="2400" dirty="0"/>
+              <a:t>酱</a:t>
             </a:r>
           </a:p>
         </p:txBody>
@@ -3651,7 +3659,27 @@
                   </a:schemeClr>
                 </a:solidFill>
               </a:rPr>
-              <a:t>蕾丝面条炸酱</a:t>
+              <a:t>蕾丝糯米团子</a:t>
+            </a:r>
+            <a:r>
+              <a:rPr lang="en-US" altLang="zh-CN" sz="2400" dirty="0">
+                <a:solidFill>
+                  <a:schemeClr val="bg1">
+                    <a:lumMod val="75000"/>
+                  </a:schemeClr>
+                </a:solidFill>
+              </a:rPr>
+              <a:t>d</a:t>
+            </a:r>
+            <a:r>
+              <a:rPr lang="zh-CN" altLang="en-US" sz="2400" dirty="0">
+                <a:solidFill>
+                  <a:schemeClr val="bg1">
+                    <a:lumMod val="75000"/>
+                  </a:schemeClr>
+                </a:solidFill>
+              </a:rPr>
+              <a:t>酱</a:t>
             </a:r>
           </a:p>
         </p:txBody>
@@ -3687,7 +3715,7 @@
             <a:pPr algn="ctr"/>
             <a:r>
               <a:rPr lang="en-US" altLang="zh-CN" sz="2400" dirty="0"/>
-              <a:t>11 - </a:t>
+              <a:t>19 - </a:t>
             </a:r>
             <a:r>
               <a:rPr lang="en-US" altLang="zh-CN" sz="2400" dirty="0">
@@ -3697,7 +3725,7 @@
                   </a:schemeClr>
                 </a:solidFill>
               </a:rPr>
-              <a:t>10</a:t>
+              <a:t>5</a:t>
             </a:r>
             <a:endParaRPr lang="zh-CN" altLang="en-US" sz="2400" dirty="0">
               <a:solidFill>
@@ -3907,7 +3935,7 @@
             </a:pPr>
             <a:r>
               <a:rPr lang="en-US" altLang="zh-CN" dirty="0"/>
-              <a:t>1/8</a:t>
+              <a:t>1/4</a:t>
             </a:r>
             <a:r>
               <a:rPr lang="zh-CN" altLang="en-US" dirty="0"/>
@@ -3915,7 +3943,7 @@
             </a:r>
             <a:r>
               <a:rPr lang="en-US" altLang="zh-CN" dirty="0"/>
-              <a:t>F</a:t>
+              <a:t>B</a:t>
             </a:r>
             <a:r>
               <a:rPr lang="zh-CN" altLang="en-US" dirty="0"/>
@@ -4002,7 +4030,7 @@
                   </a:schemeClr>
                 </a:solidFill>
               </a:rPr>
-              <a:t>蕾丝肘子</a:t>
+              <a:t>蕾丝狍子</a:t>
             </a:r>
             <a:r>
               <a:rPr lang="en-US" altLang="zh-CN" sz="2400" dirty="0">
@@ -4058,7 +4086,7 @@
             <a:pPr algn="ctr"/>
             <a:r>
               <a:rPr lang="zh-CN" altLang="en-US" sz="2400" dirty="0"/>
-              <a:t>蕾丝卤煮</a:t>
+              <a:t>蕾丝纸包不住火</a:t>
             </a:r>
             <a:r>
               <a:rPr lang="en-US" altLang="zh-CN" sz="2400" dirty="0"/>
@@ -4108,93 +4136,13 @@
                   </a:schemeClr>
                 </a:solidFill>
               </a:rPr>
-              <a:t>9</a:t>
+              <a:t>4</a:t>
             </a:r>
             <a:r>
               <a:rPr lang="en-US" altLang="zh-CN" sz="2400" dirty="0"/>
-              <a:t> - 12</a:t>
+              <a:t> - 20</a:t>
             </a:r>
             <a:endParaRPr lang="zh-CN" altLang="en-US" sz="2400" dirty="0"/>
-          </a:p>
-        </p:txBody>
-      </p:sp>
-      <p:sp>
-        <p:nvSpPr>
-          <p:cNvPr id="13" name="文本框 12">
-            <a:extLst>
-              <a:ext uri="{FF2B5EF4-FFF2-40B4-BE49-F238E27FC236}">
-                <a16:creationId xmlns:a16="http://schemas.microsoft.com/office/drawing/2014/main" id="{B2AA0457-7544-48F1-A27F-37BCA6AEBA02}"/>
-              </a:ext>
-            </a:extLst>
-          </p:cNvPr>
-          <p:cNvSpPr txBox="1"/>
-          <p:nvPr/>
-        </p:nvSpPr>
-        <p:spPr>
-          <a:xfrm>
-            <a:off x="5153844" y="2224531"/>
-            <a:ext cx="1884312" cy="307777"/>
-          </a:xfrm>
-          <a:prstGeom prst="rect">
-            <a:avLst/>
-          </a:prstGeom>
-          <a:noFill/>
-        </p:spPr>
-        <p:txBody>
-          <a:bodyPr wrap="square">
-            <a:spAutoFit/>
-          </a:bodyPr>
-          <a:lstStyle/>
-          <a:p>
-            <a:pPr algn="ctr"/>
-            <a:r>
-              <a:rPr lang="en-US" altLang="zh-CN" sz="1400" dirty="0"/>
-              <a:t>0 – 0    </a:t>
-            </a:r>
-            <a:r>
-              <a:rPr lang="zh-CN" altLang="en-US" sz="1400" dirty="0"/>
-              <a:t>特别评委</a:t>
-            </a:r>
-          </a:p>
-        </p:txBody>
-      </p:sp>
-      <p:sp>
-        <p:nvSpPr>
-          <p:cNvPr id="14" name="文本框 13">
-            <a:extLst>
-              <a:ext uri="{FF2B5EF4-FFF2-40B4-BE49-F238E27FC236}">
-                <a16:creationId xmlns:a16="http://schemas.microsoft.com/office/drawing/2014/main" id="{7543D9DC-26DA-4279-9B39-A60309A0BB25}"/>
-              </a:ext>
-            </a:extLst>
-          </p:cNvPr>
-          <p:cNvSpPr txBox="1"/>
-          <p:nvPr/>
-        </p:nvSpPr>
-        <p:spPr>
-          <a:xfrm>
-            <a:off x="5191086" y="4605252"/>
-            <a:ext cx="1884312" cy="307777"/>
-          </a:xfrm>
-          <a:prstGeom prst="rect">
-            <a:avLst/>
-          </a:prstGeom>
-          <a:noFill/>
-        </p:spPr>
-        <p:txBody>
-          <a:bodyPr wrap="square">
-            <a:spAutoFit/>
-          </a:bodyPr>
-          <a:lstStyle/>
-          <a:p>
-            <a:pPr algn="ctr"/>
-            <a:r>
-              <a:rPr lang="en-US" altLang="zh-CN" sz="1400" dirty="0"/>
-              <a:t>0 – 0    </a:t>
-            </a:r>
-            <a:r>
-              <a:rPr lang="zh-CN" altLang="en-US" sz="1400" dirty="0"/>
-              <a:t>特别评委</a:t>
-            </a:r>
           </a:p>
         </p:txBody>
       </p:sp>

--- a/documents/race_profile/result_board.pptx
+++ b/documents/race_profile/result_board.pptx
@@ -270,7 +270,7 @@
           <a:p>
             <a:fld id="{58EFE355-25A0-4687-B210-279ACD5280DB}" type="datetimeFigureOut">
               <a:rPr lang="zh-CN" altLang="en-US" smtClean="0"/>
-              <a:t>2021/11/15</a:t>
+              <a:t>2021/11/16</a:t>
             </a:fld>
             <a:endParaRPr lang="zh-CN" altLang="en-US"/>
           </a:p>
@@ -468,7 +468,7 @@
           <a:p>
             <a:fld id="{58EFE355-25A0-4687-B210-279ACD5280DB}" type="datetimeFigureOut">
               <a:rPr lang="zh-CN" altLang="en-US" smtClean="0"/>
-              <a:t>2021/11/15</a:t>
+              <a:t>2021/11/16</a:t>
             </a:fld>
             <a:endParaRPr lang="zh-CN" altLang="en-US"/>
           </a:p>
@@ -676,7 +676,7 @@
           <a:p>
             <a:fld id="{58EFE355-25A0-4687-B210-279ACD5280DB}" type="datetimeFigureOut">
               <a:rPr lang="zh-CN" altLang="en-US" smtClean="0"/>
-              <a:t>2021/11/15</a:t>
+              <a:t>2021/11/16</a:t>
             </a:fld>
             <a:endParaRPr lang="zh-CN" altLang="en-US"/>
           </a:p>
@@ -874,7 +874,7 @@
           <a:p>
             <a:fld id="{58EFE355-25A0-4687-B210-279ACD5280DB}" type="datetimeFigureOut">
               <a:rPr lang="zh-CN" altLang="en-US" smtClean="0"/>
-              <a:t>2021/11/15</a:t>
+              <a:t>2021/11/16</a:t>
             </a:fld>
             <a:endParaRPr lang="zh-CN" altLang="en-US"/>
           </a:p>
@@ -1149,7 +1149,7 @@
           <a:p>
             <a:fld id="{58EFE355-25A0-4687-B210-279ACD5280DB}" type="datetimeFigureOut">
               <a:rPr lang="zh-CN" altLang="en-US" smtClean="0"/>
-              <a:t>2021/11/15</a:t>
+              <a:t>2021/11/16</a:t>
             </a:fld>
             <a:endParaRPr lang="zh-CN" altLang="en-US"/>
           </a:p>
@@ -1414,7 +1414,7 @@
           <a:p>
             <a:fld id="{58EFE355-25A0-4687-B210-279ACD5280DB}" type="datetimeFigureOut">
               <a:rPr lang="zh-CN" altLang="en-US" smtClean="0"/>
-              <a:t>2021/11/15</a:t>
+              <a:t>2021/11/16</a:t>
             </a:fld>
             <a:endParaRPr lang="zh-CN" altLang="en-US"/>
           </a:p>
@@ -1826,7 +1826,7 @@
           <a:p>
             <a:fld id="{58EFE355-25A0-4687-B210-279ACD5280DB}" type="datetimeFigureOut">
               <a:rPr lang="zh-CN" altLang="en-US" smtClean="0"/>
-              <a:t>2021/11/15</a:t>
+              <a:t>2021/11/16</a:t>
             </a:fld>
             <a:endParaRPr lang="zh-CN" altLang="en-US"/>
           </a:p>
@@ -1967,7 +1967,7 @@
           <a:p>
             <a:fld id="{58EFE355-25A0-4687-B210-279ACD5280DB}" type="datetimeFigureOut">
               <a:rPr lang="zh-CN" altLang="en-US" smtClean="0"/>
-              <a:t>2021/11/15</a:t>
+              <a:t>2021/11/16</a:t>
             </a:fld>
             <a:endParaRPr lang="zh-CN" altLang="en-US"/>
           </a:p>
@@ -2080,7 +2080,7 @@
           <a:p>
             <a:fld id="{58EFE355-25A0-4687-B210-279ACD5280DB}" type="datetimeFigureOut">
               <a:rPr lang="zh-CN" altLang="en-US" smtClean="0"/>
-              <a:t>2021/11/15</a:t>
+              <a:t>2021/11/16</a:t>
             </a:fld>
             <a:endParaRPr lang="zh-CN" altLang="en-US"/>
           </a:p>
@@ -2391,7 +2391,7 @@
           <a:p>
             <a:fld id="{58EFE355-25A0-4687-B210-279ACD5280DB}" type="datetimeFigureOut">
               <a:rPr lang="zh-CN" altLang="en-US" smtClean="0"/>
-              <a:t>2021/11/15</a:t>
+              <a:t>2021/11/16</a:t>
             </a:fld>
             <a:endParaRPr lang="zh-CN" altLang="en-US"/>
           </a:p>
@@ -2679,7 +2679,7 @@
           <a:p>
             <a:fld id="{58EFE355-25A0-4687-B210-279ACD5280DB}" type="datetimeFigureOut">
               <a:rPr lang="zh-CN" altLang="en-US" smtClean="0"/>
-              <a:t>2021/11/15</a:t>
+              <a:t>2021/11/16</a:t>
             </a:fld>
             <a:endParaRPr lang="zh-CN" altLang="en-US"/>
           </a:p>
@@ -2938,7 +2938,7 @@
           <a:p>
             <a:fld id="{58EFE355-25A0-4687-B210-279ACD5280DB}" type="datetimeFigureOut">
               <a:rPr lang="zh-CN" altLang="en-US" smtClean="0"/>
-              <a:t>2021/11/15</a:t>
+              <a:t>2021/11/16</a:t>
             </a:fld>
             <a:endParaRPr lang="zh-CN" altLang="en-US"/>
           </a:p>
@@ -3593,7 +3593,7 @@
         <p:spPr>
           <a:xfrm>
             <a:off x="1260921" y="1834460"/>
-            <a:ext cx="2752509" cy="461665"/>
+            <a:ext cx="2942836" cy="461665"/>
           </a:xfrm>
           <a:prstGeom prst="rect">
             <a:avLst/>
@@ -3608,15 +3608,33 @@
           <a:p>
             <a:pPr algn="ctr"/>
             <a:r>
-              <a:rPr lang="zh-CN" altLang="en-US" sz="2400" dirty="0"/>
-              <a:t>蕾丝傻狍子</a:t>
-            </a:r>
-            <a:r>
-              <a:rPr lang="en-US" altLang="zh-CN" sz="2400" dirty="0"/>
+              <a:rPr lang="zh-CN" altLang="en-US" sz="2400" dirty="0">
+                <a:solidFill>
+                  <a:schemeClr val="bg1">
+                    <a:lumMod val="75000"/>
+                  </a:schemeClr>
+                </a:solidFill>
+              </a:rPr>
+              <a:t>蕾丝流心奶黄包</a:t>
+            </a:r>
+            <a:r>
+              <a:rPr lang="en-US" altLang="zh-CN" sz="2400" dirty="0">
+                <a:solidFill>
+                  <a:schemeClr val="bg1">
+                    <a:lumMod val="75000"/>
+                  </a:schemeClr>
+                </a:solidFill>
+              </a:rPr>
               <a:t>d</a:t>
             </a:r>
             <a:r>
-              <a:rPr lang="zh-CN" altLang="en-US" sz="2400" dirty="0"/>
+              <a:rPr lang="zh-CN" altLang="en-US" sz="2400" dirty="0">
+                <a:solidFill>
+                  <a:schemeClr val="bg1">
+                    <a:lumMod val="75000"/>
+                  </a:schemeClr>
+                </a:solidFill>
+              </a:rPr>
               <a:t>酱</a:t>
             </a:r>
           </a:p>
@@ -3652,33 +3670,15 @@
           <a:p>
             <a:pPr algn="ctr"/>
             <a:r>
-              <a:rPr lang="zh-CN" altLang="en-US" sz="2400" dirty="0">
-                <a:solidFill>
-                  <a:schemeClr val="bg1">
-                    <a:lumMod val="75000"/>
-                  </a:schemeClr>
-                </a:solidFill>
-              </a:rPr>
-              <a:t>蕾丝糯米团子</a:t>
-            </a:r>
-            <a:r>
-              <a:rPr lang="en-US" altLang="zh-CN" sz="2400" dirty="0">
-                <a:solidFill>
-                  <a:schemeClr val="bg1">
-                    <a:lumMod val="75000"/>
-                  </a:schemeClr>
-                </a:solidFill>
-              </a:rPr>
+              <a:rPr lang="zh-CN" altLang="en-US" sz="2400" dirty="0"/>
+              <a:t>蕾丝被子</a:t>
+            </a:r>
+            <a:r>
+              <a:rPr lang="en-US" altLang="zh-CN" sz="2400" dirty="0"/>
               <a:t>d</a:t>
             </a:r>
             <a:r>
-              <a:rPr lang="zh-CN" altLang="en-US" sz="2400" dirty="0">
-                <a:solidFill>
-                  <a:schemeClr val="bg1">
-                    <a:lumMod val="75000"/>
-                  </a:schemeClr>
-                </a:solidFill>
-              </a:rPr>
+              <a:rPr lang="zh-CN" altLang="en-US" sz="2400" dirty="0"/>
               <a:t>酱</a:t>
             </a:r>
           </a:p>
@@ -3714,10 +3714,6 @@
           <a:p>
             <a:pPr algn="ctr"/>
             <a:r>
-              <a:rPr lang="en-US" altLang="zh-CN" sz="2400" dirty="0"/>
-              <a:t>19 - </a:t>
-            </a:r>
-            <a:r>
               <a:rPr lang="en-US" altLang="zh-CN" sz="2400" dirty="0">
                 <a:solidFill>
                   <a:schemeClr val="bg1">
@@ -3725,15 +3721,13 @@
                   </a:schemeClr>
                 </a:solidFill>
               </a:rPr>
-              <a:t>5</a:t>
-            </a:r>
-            <a:endParaRPr lang="zh-CN" altLang="en-US" sz="2400" dirty="0">
-              <a:solidFill>
-                <a:schemeClr val="bg1">
-                  <a:lumMod val="75000"/>
-                </a:schemeClr>
-              </a:solidFill>
-            </a:endParaRPr>
+              <a:t>9</a:t>
+            </a:r>
+            <a:r>
+              <a:rPr lang="en-US" altLang="zh-CN" sz="2400" dirty="0"/>
+              <a:t> - 13</a:t>
+            </a:r>
+            <a:endParaRPr lang="zh-CN" altLang="en-US" sz="2400" dirty="0"/>
           </a:p>
         </p:txBody>
       </p:sp>
@@ -4023,34 +4017,8 @@
           <a:p>
             <a:pPr algn="ctr"/>
             <a:r>
-              <a:rPr lang="zh-CN" altLang="en-US" sz="2400" dirty="0">
-                <a:solidFill>
-                  <a:schemeClr val="bg1">
-                    <a:lumMod val="75000"/>
-                  </a:schemeClr>
-                </a:solidFill>
-              </a:rPr>
-              <a:t>蕾丝狍子</a:t>
-            </a:r>
-            <a:r>
-              <a:rPr lang="en-US" altLang="zh-CN" sz="2400" dirty="0">
-                <a:solidFill>
-                  <a:schemeClr val="bg1">
-                    <a:lumMod val="75000"/>
-                  </a:schemeClr>
-                </a:solidFill>
-              </a:rPr>
-              <a:t>d</a:t>
-            </a:r>
-            <a:r>
-              <a:rPr lang="zh-CN" altLang="en-US" sz="2400" dirty="0">
-                <a:solidFill>
-                  <a:schemeClr val="bg1">
-                    <a:lumMod val="75000"/>
-                  </a:schemeClr>
-                </a:solidFill>
-              </a:rPr>
-              <a:t>酱</a:t>
+              <a:rPr lang="zh-CN" altLang="en-US" sz="2400" dirty="0"/>
+              <a:t>蕾丝夹馍蘸大酱</a:t>
             </a:r>
           </a:p>
         </p:txBody>
@@ -4085,15 +4053,33 @@
           <a:p>
             <a:pPr algn="ctr"/>
             <a:r>
-              <a:rPr lang="zh-CN" altLang="en-US" sz="2400" dirty="0"/>
-              <a:t>蕾丝纸包不住火</a:t>
-            </a:r>
-            <a:r>
-              <a:rPr lang="en-US" altLang="zh-CN" sz="2400" dirty="0"/>
+              <a:rPr lang="zh-CN" altLang="en-US" sz="2400" dirty="0">
+                <a:solidFill>
+                  <a:schemeClr val="bg1">
+                    <a:lumMod val="75000"/>
+                  </a:schemeClr>
+                </a:solidFill>
+              </a:rPr>
+              <a:t>蕾丝卤煮</a:t>
+            </a:r>
+            <a:r>
+              <a:rPr lang="en-US" altLang="zh-CN" sz="2400" dirty="0">
+                <a:solidFill>
+                  <a:schemeClr val="bg1">
+                    <a:lumMod val="75000"/>
+                  </a:schemeClr>
+                </a:solidFill>
+              </a:rPr>
               <a:t>d</a:t>
             </a:r>
             <a:r>
-              <a:rPr lang="zh-CN" altLang="en-US" sz="2400" dirty="0"/>
+              <a:rPr lang="zh-CN" altLang="en-US" sz="2400" dirty="0">
+                <a:solidFill>
+                  <a:schemeClr val="bg1">
+                    <a:lumMod val="75000"/>
+                  </a:schemeClr>
+                </a:solidFill>
+              </a:rPr>
               <a:t>酱</a:t>
             </a:r>
           </a:p>
@@ -4129,6 +4115,10 @@
           <a:p>
             <a:pPr algn="ctr"/>
             <a:r>
+              <a:rPr lang="en-US" altLang="zh-CN" sz="2400" dirty="0"/>
+              <a:t>14 - </a:t>
+            </a:r>
+            <a:r>
               <a:rPr lang="en-US" altLang="zh-CN" sz="2400" dirty="0">
                 <a:solidFill>
                   <a:schemeClr val="bg1">
@@ -4136,13 +4126,15 @@
                   </a:schemeClr>
                 </a:solidFill>
               </a:rPr>
-              <a:t>4</a:t>
-            </a:r>
-            <a:r>
-              <a:rPr lang="en-US" altLang="zh-CN" sz="2400" dirty="0"/>
-              <a:t> - 20</a:t>
-            </a:r>
-            <a:endParaRPr lang="zh-CN" altLang="en-US" sz="2400" dirty="0"/>
+              <a:t>8</a:t>
+            </a:r>
+            <a:endParaRPr lang="zh-CN" altLang="en-US" sz="2400" dirty="0">
+              <a:solidFill>
+                <a:schemeClr val="bg1">
+                  <a:lumMod val="75000"/>
+                </a:schemeClr>
+              </a:solidFill>
+            </a:endParaRPr>
           </a:p>
         </p:txBody>
       </p:sp>
